--- a/Courses/Software-Sciences/Module-2-DS-and-Algo-New/15-Data Structures - Overview/Data Structures - Overview.pptx
+++ b/Courses/Software-Sciences/Module-2-DS-and-Algo-New/15-Data Structures - Overview/Data Structures - Overview.pptx
@@ -5,10 +5,10 @@
     <p:sldMasterId id="2147483675" r:id="rId1"/>
   </p:sldMasterIdLst>
   <p:notesMasterIdLst>
-    <p:notesMasterId r:id="rId36"/>
+    <p:notesMasterId r:id="rId37"/>
   </p:notesMasterIdLst>
   <p:handoutMasterIdLst>
-    <p:handoutMasterId r:id="rId37"/>
+    <p:handoutMasterId r:id="rId38"/>
   </p:handoutMasterIdLst>
   <p:sldIdLst>
     <p:sldId id="256" r:id="rId2"/>
@@ -28,23 +28,24 @@
     <p:sldId id="536" r:id="rId16"/>
     <p:sldId id="399" r:id="rId17"/>
     <p:sldId id="576" r:id="rId18"/>
-    <p:sldId id="474" r:id="rId19"/>
-    <p:sldId id="558" r:id="rId20"/>
-    <p:sldId id="574" r:id="rId21"/>
-    <p:sldId id="567" r:id="rId22"/>
-    <p:sldId id="571" r:id="rId23"/>
-    <p:sldId id="586" r:id="rId24"/>
-    <p:sldId id="573" r:id="rId25"/>
-    <p:sldId id="587" r:id="rId26"/>
-    <p:sldId id="588" r:id="rId27"/>
-    <p:sldId id="572" r:id="rId28"/>
-    <p:sldId id="589" r:id="rId29"/>
-    <p:sldId id="263" r:id="rId30"/>
-    <p:sldId id="592" r:id="rId31"/>
-    <p:sldId id="492" r:id="rId32"/>
-    <p:sldId id="299" r:id="rId33"/>
-    <p:sldId id="590" r:id="rId34"/>
-    <p:sldId id="591" r:id="rId35"/>
+    <p:sldId id="593" r:id="rId19"/>
+    <p:sldId id="594" r:id="rId20"/>
+    <p:sldId id="571" r:id="rId21"/>
+    <p:sldId id="558" r:id="rId22"/>
+    <p:sldId id="574" r:id="rId23"/>
+    <p:sldId id="567" r:id="rId24"/>
+    <p:sldId id="586" r:id="rId25"/>
+    <p:sldId id="595" r:id="rId26"/>
+    <p:sldId id="573" r:id="rId27"/>
+    <p:sldId id="587" r:id="rId28"/>
+    <p:sldId id="588" r:id="rId29"/>
+    <p:sldId id="572" r:id="rId30"/>
+    <p:sldId id="589" r:id="rId31"/>
+    <p:sldId id="592" r:id="rId32"/>
+    <p:sldId id="492" r:id="rId33"/>
+    <p:sldId id="299" r:id="rId34"/>
+    <p:sldId id="590" r:id="rId35"/>
+    <p:sldId id="591" r:id="rId36"/>
   </p:sldIdLst>
   <p:sldSz cx="12192000" cy="6858000"/>
   <p:notesSz cx="6858000" cy="9144000"/>
@@ -159,7 +160,7 @@
             <p14:sldId id="268"/>
           </p14:sldIdLst>
         </p14:section>
-        <p14:section name="Структура от данни" id="{E7E782ED-2C42-41CE-B6BD-2F94CEB1FF02}">
+        <p14:section name="Структури от данни" id="{E7E782ED-2C42-41CE-B6BD-2F94CEB1FF02}">
           <p14:sldIdLst>
             <p14:sldId id="264"/>
             <p14:sldId id="269"/>
@@ -177,26 +178,23 @@
             <p14:sldId id="536"/>
             <p14:sldId id="399"/>
             <p14:sldId id="576"/>
+            <p14:sldId id="593"/>
+            <p14:sldId id="594"/>
           </p14:sldIdLst>
         </p14:section>
-        <p14:section name="Речници" id="{731E7FE2-D637-452B-B470-A4A9BA2FE20F}">
+        <p14:section name="Сложни структури от данни" id="{4C94A0BD-A741-4695-A0E1-E1A8D699167E}">
           <p14:sldIdLst>
-            <p14:sldId id="474"/>
+            <p14:sldId id="571"/>
             <p14:sldId id="558"/>
             <p14:sldId id="574"/>
             <p14:sldId id="567"/>
-          </p14:sldIdLst>
-        </p14:section>
-        <p14:section name="Сложни структури от данни– Примери" id="{4C94A0BD-A741-4695-A0E1-E1A8D699167E}">
-          <p14:sldIdLst>
-            <p14:sldId id="571"/>
             <p14:sldId id="586"/>
+            <p14:sldId id="595"/>
             <p14:sldId id="573"/>
             <p14:sldId id="587"/>
             <p14:sldId id="588"/>
             <p14:sldId id="572"/>
             <p14:sldId id="589"/>
-            <p14:sldId id="263"/>
             <p14:sldId id="592"/>
             <p14:sldId id="492"/>
           </p14:sldIdLst>
@@ -325,7 +323,7 @@
           <a:p>
             <a:fld id="{4E087215-0C8F-4762-A664-737A353EC9A4}" type="datetimeFigureOut">
               <a:rPr lang="bg-BG" smtClean="0"/>
-              <a:t>20.3.2023 г.</a:t>
+              <a:t>20.03.23 г.</a:t>
             </a:fld>
             <a:endParaRPr lang="bg-BG" dirty="0"/>
           </a:p>
@@ -516,7 +514,7 @@
           <a:p>
             <a:fld id="{72D84649-876A-46C9-8472-14CB09C070D8}" type="datetimeFigureOut">
               <a:rPr lang="en-US" smtClean="0"/>
-              <a:t>3/20/2023</a:t>
+              <a:t>3/20/23</a:t>
             </a:fld>
             <a:endParaRPr lang="en-US" dirty="0"/>
           </a:p>
@@ -988,124 +986,18 @@
       </p:sp>
       <p:sp>
         <p:nvSpPr>
-          <p:cNvPr id="7" name="Slide Number Placeholder 5">
-            <a:extLst>
-              <a:ext uri="{FF2B5EF4-FFF2-40B4-BE49-F238E27FC236}">
-                <a16:creationId xmlns:a16="http://schemas.microsoft.com/office/drawing/2014/main" id="{5049B984-F964-47FF-8179-0A3007CE21CD}"/>
-              </a:ext>
-            </a:extLst>
-          </p:cNvPr>
-          <p:cNvSpPr txBox="1">
-            <a:spLocks/>
+          <p:cNvPr id="5" name="Slide Number Placeholder 4"/>
+          <p:cNvSpPr>
+            <a:spLocks noGrp="1"/>
           </p:cNvSpPr>
-          <p:nvPr/>
+          <p:nvPr>
+            <p:ph type="sldNum" sz="quarter" idx="11"/>
+          </p:nvPr>
         </p:nvSpPr>
-        <p:spPr>
-          <a:xfrm>
-            <a:off x="6488999" y="8847000"/>
-            <a:ext cx="367414" cy="297000"/>
-          </a:xfrm>
-          <a:prstGeom prst="rect">
-            <a:avLst/>
-          </a:prstGeom>
-        </p:spPr>
+        <p:spPr/>
         <p:txBody>
-          <a:bodyPr vert="horz" lIns="91440" tIns="45720" rIns="91440" bIns="45720" rtlCol="0" anchor="b"/>
-          <a:lstStyle>
-            <a:defPPr>
-              <a:defRPr lang="en-US"/>
-            </a:defPPr>
-            <a:lvl1pPr marL="0" algn="r" defTabSz="914400" rtl="0" eaLnBrk="1" latinLnBrk="0" hangingPunct="1">
-              <a:defRPr sz="1200" kern="1200">
-                <a:solidFill>
-                  <a:schemeClr val="tx1"/>
-                </a:solidFill>
-                <a:latin typeface="+mn-lt"/>
-                <a:ea typeface="+mn-ea"/>
-                <a:cs typeface="+mn-cs"/>
-              </a:defRPr>
-            </a:lvl1pPr>
-            <a:lvl2pPr marL="457200" algn="l" defTabSz="914400" rtl="0" eaLnBrk="1" latinLnBrk="0" hangingPunct="1">
-              <a:defRPr sz="1800" kern="1200">
-                <a:solidFill>
-                  <a:schemeClr val="tx1"/>
-                </a:solidFill>
-                <a:latin typeface="+mn-lt"/>
-                <a:ea typeface="+mn-ea"/>
-                <a:cs typeface="+mn-cs"/>
-              </a:defRPr>
-            </a:lvl2pPr>
-            <a:lvl3pPr marL="914400" algn="l" defTabSz="914400" rtl="0" eaLnBrk="1" latinLnBrk="0" hangingPunct="1">
-              <a:defRPr sz="1800" kern="1200">
-                <a:solidFill>
-                  <a:schemeClr val="tx1"/>
-                </a:solidFill>
-                <a:latin typeface="+mn-lt"/>
-                <a:ea typeface="+mn-ea"/>
-                <a:cs typeface="+mn-cs"/>
-              </a:defRPr>
-            </a:lvl3pPr>
-            <a:lvl4pPr marL="1371600" algn="l" defTabSz="914400" rtl="0" eaLnBrk="1" latinLnBrk="0" hangingPunct="1">
-              <a:defRPr sz="1800" kern="1200">
-                <a:solidFill>
-                  <a:schemeClr val="tx1"/>
-                </a:solidFill>
-                <a:latin typeface="+mn-lt"/>
-                <a:ea typeface="+mn-ea"/>
-                <a:cs typeface="+mn-cs"/>
-              </a:defRPr>
-            </a:lvl4pPr>
-            <a:lvl5pPr marL="1828800" algn="l" defTabSz="914400" rtl="0" eaLnBrk="1" latinLnBrk="0" hangingPunct="1">
-              <a:defRPr sz="1800" kern="1200">
-                <a:solidFill>
-                  <a:schemeClr val="tx1"/>
-                </a:solidFill>
-                <a:latin typeface="+mn-lt"/>
-                <a:ea typeface="+mn-ea"/>
-                <a:cs typeface="+mn-cs"/>
-              </a:defRPr>
-            </a:lvl5pPr>
-            <a:lvl6pPr marL="2286000" algn="l" defTabSz="914400" rtl="0" eaLnBrk="1" latinLnBrk="0" hangingPunct="1">
-              <a:defRPr sz="1800" kern="1200">
-                <a:solidFill>
-                  <a:schemeClr val="tx1"/>
-                </a:solidFill>
-                <a:latin typeface="+mn-lt"/>
-                <a:ea typeface="+mn-ea"/>
-                <a:cs typeface="+mn-cs"/>
-              </a:defRPr>
-            </a:lvl6pPr>
-            <a:lvl7pPr marL="2743200" algn="l" defTabSz="914400" rtl="0" eaLnBrk="1" latinLnBrk="0" hangingPunct="1">
-              <a:defRPr sz="1800" kern="1200">
-                <a:solidFill>
-                  <a:schemeClr val="tx1"/>
-                </a:solidFill>
-                <a:latin typeface="+mn-lt"/>
-                <a:ea typeface="+mn-ea"/>
-                <a:cs typeface="+mn-cs"/>
-              </a:defRPr>
-            </a:lvl7pPr>
-            <a:lvl8pPr marL="3200400" algn="l" defTabSz="914400" rtl="0" eaLnBrk="1" latinLnBrk="0" hangingPunct="1">
-              <a:defRPr sz="1800" kern="1200">
-                <a:solidFill>
-                  <a:schemeClr val="tx1"/>
-                </a:solidFill>
-                <a:latin typeface="+mn-lt"/>
-                <a:ea typeface="+mn-ea"/>
-                <a:cs typeface="+mn-cs"/>
-              </a:defRPr>
-            </a:lvl8pPr>
-            <a:lvl9pPr marL="3657600" algn="l" defTabSz="914400" rtl="0" eaLnBrk="1" latinLnBrk="0" hangingPunct="1">
-              <a:defRPr sz="1800" kern="1200">
-                <a:solidFill>
-                  <a:schemeClr val="tx1"/>
-                </a:solidFill>
-                <a:latin typeface="+mn-lt"/>
-                <a:ea typeface="+mn-ea"/>
-                <a:cs typeface="+mn-cs"/>
-              </a:defRPr>
-            </a:lvl9pPr>
-          </a:lstStyle>
+          <a:bodyPr/>
+          <a:lstStyle/>
           <a:p>
             <a:fld id="{3EBA5BD7-F043-4D1B-AA17-CD412FC534DE}" type="slidenum">
               <a:rPr lang="en-US" smtClean="0"/>
@@ -1121,7 +1013,7 @@
           <p:cNvPr id="6" name="Footer Placeholder 7">
             <a:extLst>
               <a:ext uri="{FF2B5EF4-FFF2-40B4-BE49-F238E27FC236}">
-                <a16:creationId xmlns:a16="http://schemas.microsoft.com/office/drawing/2014/main" id="{9CFE5E97-8D68-4134-8407-17031A0C4EE4}"/>
+                <a16:creationId xmlns:a16="http://schemas.microsoft.com/office/drawing/2014/main" id="{4DC23983-FA1B-4787-B7CB-03CD465AF1FA}"/>
               </a:ext>
             </a:extLst>
           </p:cNvPr>
@@ -1169,7 +1061,7 @@
     </p:spTree>
     <p:extLst>
       <p:ext uri="{BB962C8B-B14F-4D97-AF65-F5344CB8AC3E}">
-        <p14:creationId xmlns:p14="http://schemas.microsoft.com/office/powerpoint/2010/main" val="3568407934"/>
+        <p14:creationId xmlns:p14="http://schemas.microsoft.com/office/powerpoint/2010/main" val="4053347122"/>
       </p:ext>
     </p:extLst>
   </p:cSld>
@@ -1229,6 +1121,247 @@
       </p:sp>
       <p:sp>
         <p:nvSpPr>
+          <p:cNvPr id="7" name="Slide Number Placeholder 5">
+            <a:extLst>
+              <a:ext uri="{FF2B5EF4-FFF2-40B4-BE49-F238E27FC236}">
+                <a16:creationId xmlns:a16="http://schemas.microsoft.com/office/drawing/2014/main" id="{5049B984-F964-47FF-8179-0A3007CE21CD}"/>
+              </a:ext>
+            </a:extLst>
+          </p:cNvPr>
+          <p:cNvSpPr txBox="1">
+            <a:spLocks/>
+          </p:cNvSpPr>
+          <p:nvPr/>
+        </p:nvSpPr>
+        <p:spPr>
+          <a:xfrm>
+            <a:off x="6488999" y="8847000"/>
+            <a:ext cx="367414" cy="297000"/>
+          </a:xfrm>
+          <a:prstGeom prst="rect">
+            <a:avLst/>
+          </a:prstGeom>
+        </p:spPr>
+        <p:txBody>
+          <a:bodyPr vert="horz" lIns="91440" tIns="45720" rIns="91440" bIns="45720" rtlCol="0" anchor="b"/>
+          <a:lstStyle>
+            <a:defPPr>
+              <a:defRPr lang="en-US"/>
+            </a:defPPr>
+            <a:lvl1pPr marL="0" algn="r" defTabSz="914400" rtl="0" eaLnBrk="1" latinLnBrk="0" hangingPunct="1">
+              <a:defRPr sz="1200" kern="1200">
+                <a:solidFill>
+                  <a:schemeClr val="tx1"/>
+                </a:solidFill>
+                <a:latin typeface="+mn-lt"/>
+                <a:ea typeface="+mn-ea"/>
+                <a:cs typeface="+mn-cs"/>
+              </a:defRPr>
+            </a:lvl1pPr>
+            <a:lvl2pPr marL="457200" algn="l" defTabSz="914400" rtl="0" eaLnBrk="1" latinLnBrk="0" hangingPunct="1">
+              <a:defRPr sz="1800" kern="1200">
+                <a:solidFill>
+                  <a:schemeClr val="tx1"/>
+                </a:solidFill>
+                <a:latin typeface="+mn-lt"/>
+                <a:ea typeface="+mn-ea"/>
+                <a:cs typeface="+mn-cs"/>
+              </a:defRPr>
+            </a:lvl2pPr>
+            <a:lvl3pPr marL="914400" algn="l" defTabSz="914400" rtl="0" eaLnBrk="1" latinLnBrk="0" hangingPunct="1">
+              <a:defRPr sz="1800" kern="1200">
+                <a:solidFill>
+                  <a:schemeClr val="tx1"/>
+                </a:solidFill>
+                <a:latin typeface="+mn-lt"/>
+                <a:ea typeface="+mn-ea"/>
+                <a:cs typeface="+mn-cs"/>
+              </a:defRPr>
+            </a:lvl3pPr>
+            <a:lvl4pPr marL="1371600" algn="l" defTabSz="914400" rtl="0" eaLnBrk="1" latinLnBrk="0" hangingPunct="1">
+              <a:defRPr sz="1800" kern="1200">
+                <a:solidFill>
+                  <a:schemeClr val="tx1"/>
+                </a:solidFill>
+                <a:latin typeface="+mn-lt"/>
+                <a:ea typeface="+mn-ea"/>
+                <a:cs typeface="+mn-cs"/>
+              </a:defRPr>
+            </a:lvl4pPr>
+            <a:lvl5pPr marL="1828800" algn="l" defTabSz="914400" rtl="0" eaLnBrk="1" latinLnBrk="0" hangingPunct="1">
+              <a:defRPr sz="1800" kern="1200">
+                <a:solidFill>
+                  <a:schemeClr val="tx1"/>
+                </a:solidFill>
+                <a:latin typeface="+mn-lt"/>
+                <a:ea typeface="+mn-ea"/>
+                <a:cs typeface="+mn-cs"/>
+              </a:defRPr>
+            </a:lvl5pPr>
+            <a:lvl6pPr marL="2286000" algn="l" defTabSz="914400" rtl="0" eaLnBrk="1" latinLnBrk="0" hangingPunct="1">
+              <a:defRPr sz="1800" kern="1200">
+                <a:solidFill>
+                  <a:schemeClr val="tx1"/>
+                </a:solidFill>
+                <a:latin typeface="+mn-lt"/>
+                <a:ea typeface="+mn-ea"/>
+                <a:cs typeface="+mn-cs"/>
+              </a:defRPr>
+            </a:lvl6pPr>
+            <a:lvl7pPr marL="2743200" algn="l" defTabSz="914400" rtl="0" eaLnBrk="1" latinLnBrk="0" hangingPunct="1">
+              <a:defRPr sz="1800" kern="1200">
+                <a:solidFill>
+                  <a:schemeClr val="tx1"/>
+                </a:solidFill>
+                <a:latin typeface="+mn-lt"/>
+                <a:ea typeface="+mn-ea"/>
+                <a:cs typeface="+mn-cs"/>
+              </a:defRPr>
+            </a:lvl7pPr>
+            <a:lvl8pPr marL="3200400" algn="l" defTabSz="914400" rtl="0" eaLnBrk="1" latinLnBrk="0" hangingPunct="1">
+              <a:defRPr sz="1800" kern="1200">
+                <a:solidFill>
+                  <a:schemeClr val="tx1"/>
+                </a:solidFill>
+                <a:latin typeface="+mn-lt"/>
+                <a:ea typeface="+mn-ea"/>
+                <a:cs typeface="+mn-cs"/>
+              </a:defRPr>
+            </a:lvl8pPr>
+            <a:lvl9pPr marL="3657600" algn="l" defTabSz="914400" rtl="0" eaLnBrk="1" latinLnBrk="0" hangingPunct="1">
+              <a:defRPr sz="1800" kern="1200">
+                <a:solidFill>
+                  <a:schemeClr val="tx1"/>
+                </a:solidFill>
+                <a:latin typeface="+mn-lt"/>
+                <a:ea typeface="+mn-ea"/>
+                <a:cs typeface="+mn-cs"/>
+              </a:defRPr>
+            </a:lvl9pPr>
+          </a:lstStyle>
+          <a:p>
+            <a:fld id="{3EBA5BD7-F043-4D1B-AA17-CD412FC534DE}" type="slidenum">
+              <a:rPr lang="en-US" smtClean="0"/>
+              <a:pPr/>
+              <a:t>34</a:t>
+            </a:fld>
+            <a:endParaRPr lang="en-US" dirty="0"/>
+          </a:p>
+        </p:txBody>
+      </p:sp>
+      <p:sp>
+        <p:nvSpPr>
+          <p:cNvPr id="6" name="Footer Placeholder 7">
+            <a:extLst>
+              <a:ext uri="{FF2B5EF4-FFF2-40B4-BE49-F238E27FC236}">
+                <a16:creationId xmlns:a16="http://schemas.microsoft.com/office/drawing/2014/main" id="{9CFE5E97-8D68-4134-8407-17031A0C4EE4}"/>
+              </a:ext>
+            </a:extLst>
+          </p:cNvPr>
+          <p:cNvSpPr>
+            <a:spLocks noGrp="1"/>
+          </p:cNvSpPr>
+          <p:nvPr>
+            <p:ph type="ftr" sz="quarter" idx="4"/>
+          </p:nvPr>
+        </p:nvSpPr>
+        <p:spPr>
+          <a:xfrm>
+            <a:off x="-1" y="8847000"/>
+            <a:ext cx="6488999" cy="297000"/>
+          </a:xfrm>
+          <a:prstGeom prst="rect">
+            <a:avLst/>
+          </a:prstGeom>
+        </p:spPr>
+        <p:txBody>
+          <a:bodyPr vert="horz" lIns="91440" tIns="45720" rIns="91440" bIns="45720" rtlCol="0" anchor="b"/>
+          <a:lstStyle>
+            <a:lvl1pPr algn="l">
+              <a:defRPr sz="1100"/>
+            </a:lvl1pPr>
+          </a:lstStyle>
+          <a:p>
+            <a:r>
+              <a:rPr lang="en-US" dirty="0"/>
+              <a:t>© SoftUni – </a:t>
+            </a:r>
+            <a:r>
+              <a:rPr lang="en-US" u="sng" dirty="0">
+                <a:hlinkClick r:id="rId3"/>
+              </a:rPr>
+              <a:t>https://softuni.org</a:t>
+            </a:r>
+            <a:r>
+              <a:rPr lang="en-US" dirty="0"/>
+              <a:t>. Copyrighted document. Unauthorized copy or reproduction is not permitted.</a:t>
+            </a:r>
+          </a:p>
+        </p:txBody>
+      </p:sp>
+    </p:spTree>
+    <p:extLst>
+      <p:ext uri="{BB962C8B-B14F-4D97-AF65-F5344CB8AC3E}">
+        <p14:creationId xmlns:p14="http://schemas.microsoft.com/office/powerpoint/2010/main" val="3568407934"/>
+      </p:ext>
+    </p:extLst>
+  </p:cSld>
+  <p:clrMapOvr>
+    <a:masterClrMapping/>
+  </p:clrMapOvr>
+</p:notes>
+</file>
+
+<file path=ppt/notesSlides/notesSlide12.xml><?xml version="1.0" encoding="utf-8"?>
+<p:notes xmlns:a="http://schemas.openxmlformats.org/drawingml/2006/main" xmlns:r="http://schemas.openxmlformats.org/officeDocument/2006/relationships" xmlns:p="http://schemas.openxmlformats.org/presentationml/2006/main">
+  <p:cSld>
+    <p:spTree>
+      <p:nvGrpSpPr>
+        <p:cNvPr id="1" name=""/>
+        <p:cNvGrpSpPr/>
+        <p:nvPr/>
+      </p:nvGrpSpPr>
+      <p:grpSpPr>
+        <a:xfrm>
+          <a:off x="0" y="0"/>
+          <a:ext cx="0" cy="0"/>
+          <a:chOff x="0" y="0"/>
+          <a:chExt cx="0" cy="0"/>
+        </a:xfrm>
+      </p:grpSpPr>
+      <p:sp>
+        <p:nvSpPr>
+          <p:cNvPr id="2" name="Slide Image Placeholder 1"/>
+          <p:cNvSpPr>
+            <a:spLocks noGrp="1" noRot="1" noChangeAspect="1"/>
+          </p:cNvSpPr>
+          <p:nvPr>
+            <p:ph type="sldImg"/>
+          </p:nvPr>
+        </p:nvSpPr>
+        <p:spPr/>
+      </p:sp>
+      <p:sp>
+        <p:nvSpPr>
+          <p:cNvPr id="3" name="Notes Placeholder 2"/>
+          <p:cNvSpPr>
+            <a:spLocks noGrp="1"/>
+          </p:cNvSpPr>
+          <p:nvPr>
+            <p:ph type="body" idx="1"/>
+          </p:nvPr>
+        </p:nvSpPr>
+        <p:spPr/>
+        <p:txBody>
+          <a:bodyPr/>
+          <a:lstStyle/>
+          <a:p>
+            <a:endParaRPr lang="en-US" dirty="0"/>
+          </a:p>
+        </p:txBody>
+      </p:sp>
+      <p:sp>
+        <p:nvSpPr>
           <p:cNvPr id="6" name="Slide Number Placeholder 5">
             <a:extLst>
               <a:ext uri="{FF2B5EF4-FFF2-40B4-BE49-F238E27FC236}">
@@ -1351,7 +1484,7 @@
             <a:fld id="{3EBA5BD7-F043-4D1B-AA17-CD412FC534DE}" type="slidenum">
               <a:rPr lang="en-US" smtClean="0"/>
               <a:pPr/>
-              <a:t>34</a:t>
+              <a:t>35</a:t>
             </a:fld>
             <a:endParaRPr lang="en-US" dirty="0"/>
           </a:p>
@@ -1576,52 +1709,21 @@
       </p:grpSpPr>
       <p:sp>
         <p:nvSpPr>
-          <p:cNvPr id="5" name="Rectangle 7"/>
+          <p:cNvPr id="2" name="Slide Image Placeholder 1"/>
           <p:cNvSpPr>
-            <a:spLocks noGrp="1" noChangeArrowheads="1"/>
-          </p:cNvSpPr>
-          <p:nvPr>
-            <p:ph type="sldNum" sz="quarter" idx="5"/>
-          </p:nvPr>
-        </p:nvSpPr>
-        <p:spPr>
-          <a:ln/>
-        </p:spPr>
-        <p:txBody>
-          <a:bodyPr/>
-          <a:lstStyle/>
-          <a:p>
-            <a:fld id="{B05CEEED-D241-4401-9102-96ADB82317DA}" type="slidenum">
-              <a:rPr lang="en-US"/>
-              <a:pPr/>
-              <a:t>12</a:t>
-            </a:fld>
-            <a:r>
-              <a:rPr lang="en-US" dirty="0"/>
-              <a:t>##</a:t>
-            </a:r>
-          </a:p>
-        </p:txBody>
-      </p:sp>
-      <p:sp>
-        <p:nvSpPr>
-          <p:cNvPr id="467970" name="Rectangle 2"/>
-          <p:cNvSpPr>
-            <a:spLocks noGrp="1" noRot="1" noChangeAspect="1" noChangeArrowheads="1" noTextEdit="1"/>
+            <a:spLocks noGrp="1" noRot="1" noChangeAspect="1"/>
           </p:cNvSpPr>
           <p:nvPr>
             <p:ph type="sldImg"/>
           </p:nvPr>
         </p:nvSpPr>
-        <p:spPr>
-          <a:ln/>
-        </p:spPr>
+        <p:spPr/>
       </p:sp>
       <p:sp>
         <p:nvSpPr>
-          <p:cNvPr id="467971" name="Rectangle 3"/>
+          <p:cNvPr id="3" name="Notes Placeholder 2"/>
           <p:cNvSpPr>
-            <a:spLocks noGrp="1" noChangeArrowheads="1"/>
+            <a:spLocks noGrp="1"/>
           </p:cNvSpPr>
           <p:nvPr>
             <p:ph type="body" idx="1"/>
@@ -1632,19 +1734,36 @@
           <a:bodyPr/>
           <a:lstStyle/>
           <a:p>
-            <a:endParaRPr lang="bg-BG" dirty="0"/>
+            <a:endParaRPr lang="en-BG" dirty="0"/>
           </a:p>
         </p:txBody>
       </p:sp>
       <p:sp>
         <p:nvSpPr>
-          <p:cNvPr id="6" name="Footer Placeholder 7">
-            <a:extLst>
-              <a:ext uri="{FF2B5EF4-FFF2-40B4-BE49-F238E27FC236}">
-                <a16:creationId xmlns:a16="http://schemas.microsoft.com/office/drawing/2014/main" id="{089C5335-D12B-4E7C-8018-126DE1703B8F}"/>
-              </a:ext>
-            </a:extLst>
-          </p:cNvPr>
+          <p:cNvPr id="4" name="Slide Number Placeholder 3"/>
+          <p:cNvSpPr>
+            <a:spLocks noGrp="1"/>
+          </p:cNvSpPr>
+          <p:nvPr>
+            <p:ph type="sldNum" sz="quarter" idx="5"/>
+          </p:nvPr>
+        </p:nvSpPr>
+        <p:spPr/>
+        <p:txBody>
+          <a:bodyPr/>
+          <a:lstStyle/>
+          <a:p>
+            <a:fld id="{2BF067CD-8E6B-4360-9AA8-C5DF2A48A6D1}" type="slidenum">
+              <a:rPr lang="en-US" smtClean="0"/>
+              <a:t>9</a:t>
+            </a:fld>
+            <a:endParaRPr lang="en-US" dirty="0"/>
+          </a:p>
+        </p:txBody>
+      </p:sp>
+      <p:sp>
+        <p:nvSpPr>
+          <p:cNvPr id="5" name="Footer Placeholder 4"/>
           <p:cNvSpPr>
             <a:spLocks noGrp="1"/>
           </p:cNvSpPr>
@@ -1652,44 +1771,33 @@
             <p:ph type="ftr" sz="quarter" idx="4"/>
           </p:nvPr>
         </p:nvSpPr>
-        <p:spPr>
-          <a:xfrm>
-            <a:off x="-1" y="8847000"/>
-            <a:ext cx="6488999" cy="297000"/>
-          </a:xfrm>
-          <a:prstGeom prst="rect">
-            <a:avLst/>
-          </a:prstGeom>
-        </p:spPr>
+        <p:spPr/>
         <p:txBody>
-          <a:bodyPr vert="horz" lIns="91440" tIns="45720" rIns="91440" bIns="45720" rtlCol="0" anchor="b"/>
-          <a:lstStyle>
-            <a:lvl1pPr algn="l">
-              <a:defRPr sz="1100"/>
-            </a:lvl1pPr>
-          </a:lstStyle>
-          <a:p>
-            <a:r>
-              <a:rPr lang="en-US" dirty="0"/>
+          <a:bodyPr/>
+          <a:lstStyle/>
+          <a:p>
+            <a:r>
+              <a:rPr lang="en-US"/>
               <a:t>© SoftUni – </a:t>
             </a:r>
             <a:r>
-              <a:rPr lang="en-US" u="sng" dirty="0">
+              <a:rPr lang="en-US" u="sng">
                 <a:hlinkClick r:id="rId3"/>
               </a:rPr>
               <a:t>https://softuni.org</a:t>
             </a:r>
             <a:r>
-              <a:rPr lang="en-US" dirty="0"/>
+              <a:rPr lang="en-US"/>
               <a:t>. Copyrighted document. Unauthorized copy or reproduction is not permitted.</a:t>
             </a:r>
+            <a:endParaRPr lang="en-US" dirty="0"/>
           </a:p>
         </p:txBody>
       </p:sp>
     </p:spTree>
     <p:extLst>
       <p:ext uri="{BB962C8B-B14F-4D97-AF65-F5344CB8AC3E}">
-        <p14:creationId xmlns:p14="http://schemas.microsoft.com/office/powerpoint/2010/main" val="833469816"/>
+        <p14:creationId xmlns:p14="http://schemas.microsoft.com/office/powerpoint/2010/main" val="4138985026"/>
       </p:ext>
     </p:extLst>
   </p:cSld>
@@ -1736,7 +1844,7 @@
             <a:fld id="{B05CEEED-D241-4401-9102-96ADB82317DA}" type="slidenum">
               <a:rPr lang="en-US"/>
               <a:pPr/>
-              <a:t>13</a:t>
+              <a:t>12</a:t>
             </a:fld>
             <a:r>
               <a:rPr lang="en-US" dirty="0"/>
@@ -1783,7 +1891,7 @@
           <p:cNvPr id="6" name="Footer Placeholder 7">
             <a:extLst>
               <a:ext uri="{FF2B5EF4-FFF2-40B4-BE49-F238E27FC236}">
-                <a16:creationId xmlns:a16="http://schemas.microsoft.com/office/drawing/2014/main" id="{B215D7D7-0273-4862-B945-FE8C88139EA0}"/>
+                <a16:creationId xmlns:a16="http://schemas.microsoft.com/office/drawing/2014/main" id="{089C5335-D12B-4E7C-8018-126DE1703B8F}"/>
               </a:ext>
             </a:extLst>
           </p:cNvPr>
@@ -1831,7 +1939,7 @@
     </p:spTree>
     <p:extLst>
       <p:ext uri="{BB962C8B-B14F-4D97-AF65-F5344CB8AC3E}">
-        <p14:creationId xmlns:p14="http://schemas.microsoft.com/office/powerpoint/2010/main" val="924285906"/>
+        <p14:creationId xmlns:p14="http://schemas.microsoft.com/office/powerpoint/2010/main" val="833469816"/>
       </p:ext>
     </p:extLst>
   </p:cSld>
@@ -1878,7 +1986,7 @@
             <a:fld id="{B05CEEED-D241-4401-9102-96ADB82317DA}" type="slidenum">
               <a:rPr lang="en-US"/>
               <a:pPr/>
-              <a:t>14</a:t>
+              <a:t>13</a:t>
             </a:fld>
             <a:r>
               <a:rPr lang="en-US" dirty="0"/>
@@ -1922,10 +2030,10 @@
       </p:sp>
       <p:sp>
         <p:nvSpPr>
-          <p:cNvPr id="7" name="Footer Placeholder 7">
+          <p:cNvPr id="6" name="Footer Placeholder 7">
             <a:extLst>
               <a:ext uri="{FF2B5EF4-FFF2-40B4-BE49-F238E27FC236}">
-                <a16:creationId xmlns:a16="http://schemas.microsoft.com/office/drawing/2014/main" id="{60049F6E-B6B0-4D35-99DF-42E5B5CAFA20}"/>
+                <a16:creationId xmlns:a16="http://schemas.microsoft.com/office/drawing/2014/main" id="{B215D7D7-0273-4862-B945-FE8C88139EA0}"/>
               </a:ext>
             </a:extLst>
           </p:cNvPr>
@@ -1973,7 +2081,7 @@
     </p:spTree>
     <p:extLst>
       <p:ext uri="{BB962C8B-B14F-4D97-AF65-F5344CB8AC3E}">
-        <p14:creationId xmlns:p14="http://schemas.microsoft.com/office/powerpoint/2010/main" val="1699816098"/>
+        <p14:creationId xmlns:p14="http://schemas.microsoft.com/office/powerpoint/2010/main" val="924285906"/>
       </p:ext>
     </p:extLst>
   </p:cSld>
@@ -2020,6 +2128,148 @@
             <a:fld id="{B05CEEED-D241-4401-9102-96ADB82317DA}" type="slidenum">
               <a:rPr lang="en-US"/>
               <a:pPr/>
+              <a:t>14</a:t>
+            </a:fld>
+            <a:r>
+              <a:rPr lang="en-US" dirty="0"/>
+              <a:t>##</a:t>
+            </a:r>
+          </a:p>
+        </p:txBody>
+      </p:sp>
+      <p:sp>
+        <p:nvSpPr>
+          <p:cNvPr id="467970" name="Rectangle 2"/>
+          <p:cNvSpPr>
+            <a:spLocks noGrp="1" noRot="1" noChangeAspect="1" noChangeArrowheads="1" noTextEdit="1"/>
+          </p:cNvSpPr>
+          <p:nvPr>
+            <p:ph type="sldImg"/>
+          </p:nvPr>
+        </p:nvSpPr>
+        <p:spPr>
+          <a:ln/>
+        </p:spPr>
+      </p:sp>
+      <p:sp>
+        <p:nvSpPr>
+          <p:cNvPr id="467971" name="Rectangle 3"/>
+          <p:cNvSpPr>
+            <a:spLocks noGrp="1" noChangeArrowheads="1"/>
+          </p:cNvSpPr>
+          <p:nvPr>
+            <p:ph type="body" idx="1"/>
+          </p:nvPr>
+        </p:nvSpPr>
+        <p:spPr/>
+        <p:txBody>
+          <a:bodyPr/>
+          <a:lstStyle/>
+          <a:p>
+            <a:endParaRPr lang="bg-BG" dirty="0"/>
+          </a:p>
+        </p:txBody>
+      </p:sp>
+      <p:sp>
+        <p:nvSpPr>
+          <p:cNvPr id="7" name="Footer Placeholder 7">
+            <a:extLst>
+              <a:ext uri="{FF2B5EF4-FFF2-40B4-BE49-F238E27FC236}">
+                <a16:creationId xmlns:a16="http://schemas.microsoft.com/office/drawing/2014/main" id="{60049F6E-B6B0-4D35-99DF-42E5B5CAFA20}"/>
+              </a:ext>
+            </a:extLst>
+          </p:cNvPr>
+          <p:cNvSpPr>
+            <a:spLocks noGrp="1"/>
+          </p:cNvSpPr>
+          <p:nvPr>
+            <p:ph type="ftr" sz="quarter" idx="4"/>
+          </p:nvPr>
+        </p:nvSpPr>
+        <p:spPr>
+          <a:xfrm>
+            <a:off x="-1" y="8847000"/>
+            <a:ext cx="6488999" cy="297000"/>
+          </a:xfrm>
+          <a:prstGeom prst="rect">
+            <a:avLst/>
+          </a:prstGeom>
+        </p:spPr>
+        <p:txBody>
+          <a:bodyPr vert="horz" lIns="91440" tIns="45720" rIns="91440" bIns="45720" rtlCol="0" anchor="b"/>
+          <a:lstStyle>
+            <a:lvl1pPr algn="l">
+              <a:defRPr sz="1100"/>
+            </a:lvl1pPr>
+          </a:lstStyle>
+          <a:p>
+            <a:r>
+              <a:rPr lang="en-US" dirty="0"/>
+              <a:t>© SoftUni – </a:t>
+            </a:r>
+            <a:r>
+              <a:rPr lang="en-US" u="sng" dirty="0">
+                <a:hlinkClick r:id="rId3"/>
+              </a:rPr>
+              <a:t>https://softuni.org</a:t>
+            </a:r>
+            <a:r>
+              <a:rPr lang="en-US" dirty="0"/>
+              <a:t>. Copyrighted document. Unauthorized copy or reproduction is not permitted.</a:t>
+            </a:r>
+          </a:p>
+        </p:txBody>
+      </p:sp>
+    </p:spTree>
+    <p:extLst>
+      <p:ext uri="{BB962C8B-B14F-4D97-AF65-F5344CB8AC3E}">
+        <p14:creationId xmlns:p14="http://schemas.microsoft.com/office/powerpoint/2010/main" val="1699816098"/>
+      </p:ext>
+    </p:extLst>
+  </p:cSld>
+  <p:clrMapOvr>
+    <a:masterClrMapping/>
+  </p:clrMapOvr>
+</p:notes>
+</file>
+
+<file path=ppt/notesSlides/notesSlide7.xml><?xml version="1.0" encoding="utf-8"?>
+<p:notes xmlns:a="http://schemas.openxmlformats.org/drawingml/2006/main" xmlns:r="http://schemas.openxmlformats.org/officeDocument/2006/relationships" xmlns:p="http://schemas.openxmlformats.org/presentationml/2006/main">
+  <p:cSld>
+    <p:spTree>
+      <p:nvGrpSpPr>
+        <p:cNvPr id="1" name=""/>
+        <p:cNvGrpSpPr/>
+        <p:nvPr/>
+      </p:nvGrpSpPr>
+      <p:grpSpPr>
+        <a:xfrm>
+          <a:off x="0" y="0"/>
+          <a:ext cx="0" cy="0"/>
+          <a:chOff x="0" y="0"/>
+          <a:chExt cx="0" cy="0"/>
+        </a:xfrm>
+      </p:grpSpPr>
+      <p:sp>
+        <p:nvSpPr>
+          <p:cNvPr id="5" name="Rectangle 7"/>
+          <p:cNvSpPr>
+            <a:spLocks noGrp="1" noChangeArrowheads="1"/>
+          </p:cNvSpPr>
+          <p:nvPr>
+            <p:ph type="sldNum" sz="quarter" idx="5"/>
+          </p:nvPr>
+        </p:nvSpPr>
+        <p:spPr>
+          <a:ln/>
+        </p:spPr>
+        <p:txBody>
+          <a:bodyPr/>
+          <a:lstStyle/>
+          <a:p>
+            <a:fld id="{B05CEEED-D241-4401-9102-96ADB82317DA}" type="slidenum">
+              <a:rPr lang="en-US"/>
+              <a:pPr/>
               <a:t>15</a:t>
             </a:fld>
             <a:r>
@@ -2125,7 +2375,7 @@
 </p:notes>
 </file>
 
-<file path=ppt/notesSlides/notesSlide7.xml><?xml version="1.0" encoding="utf-8"?>
+<file path=ppt/notesSlides/notesSlide8.xml><?xml version="1.0" encoding="utf-8"?>
 <p:notes xmlns:a="http://schemas.openxmlformats.org/drawingml/2006/main" xmlns:r="http://schemas.openxmlformats.org/officeDocument/2006/relationships" xmlns:p="http://schemas.openxmlformats.org/presentationml/2006/main">
   <p:cSld>
     <p:spTree>
@@ -2191,7 +2441,7 @@
             <a:fld id="{3EBA5BD7-F043-4D1B-AA17-CD412FC534DE}" type="slidenum">
               <a:rPr lang="en-US" smtClean="0"/>
               <a:pPr/>
-              <a:t>19</a:t>
+              <a:t>21</a:t>
             </a:fld>
             <a:endParaRPr lang="en-US" dirty="0"/>
           </a:p>
@@ -2260,7 +2510,7 @@
 </p:notes>
 </file>
 
-<file path=ppt/notesSlides/notesSlide8.xml><?xml version="1.0" encoding="utf-8"?>
+<file path=ppt/notesSlides/notesSlide9.xml><?xml version="1.0" encoding="utf-8"?>
 <p:notes xmlns:a="http://schemas.openxmlformats.org/drawingml/2006/main" xmlns:r="http://schemas.openxmlformats.org/officeDocument/2006/relationships" xmlns:p="http://schemas.openxmlformats.org/presentationml/2006/main">
   <p:cSld>
     <p:spTree>
@@ -2321,7 +2571,7 @@
             <a:fld id="{C78B5E71-FDD2-41B8-8B13-55294CD6C6CF}" type="slidenum">
               <a:rPr lang="en-US"/>
               <a:pPr/>
-              <a:t>31</a:t>
+              <a:t>32</a:t>
             </a:fld>
             <a:r>
               <a:rPr lang="en-US" dirty="0"/>
@@ -2426,141 +2676,6 @@
     <p:extLst>
       <p:ext uri="{BB962C8B-B14F-4D97-AF65-F5344CB8AC3E}">
         <p14:creationId xmlns:p14="http://schemas.microsoft.com/office/powerpoint/2010/main" val="3319553025"/>
-      </p:ext>
-    </p:extLst>
-  </p:cSld>
-  <p:clrMapOvr>
-    <a:masterClrMapping/>
-  </p:clrMapOvr>
-</p:notes>
-</file>
-
-<file path=ppt/notesSlides/notesSlide9.xml><?xml version="1.0" encoding="utf-8"?>
-<p:notes xmlns:a="http://schemas.openxmlformats.org/drawingml/2006/main" xmlns:r="http://schemas.openxmlformats.org/officeDocument/2006/relationships" xmlns:p="http://schemas.openxmlformats.org/presentationml/2006/main">
-  <p:cSld>
-    <p:spTree>
-      <p:nvGrpSpPr>
-        <p:cNvPr id="1" name=""/>
-        <p:cNvGrpSpPr/>
-        <p:nvPr/>
-      </p:nvGrpSpPr>
-      <p:grpSpPr>
-        <a:xfrm>
-          <a:off x="0" y="0"/>
-          <a:ext cx="0" cy="0"/>
-          <a:chOff x="0" y="0"/>
-          <a:chExt cx="0" cy="0"/>
-        </a:xfrm>
-      </p:grpSpPr>
-      <p:sp>
-        <p:nvSpPr>
-          <p:cNvPr id="2" name="Slide Image Placeholder 1"/>
-          <p:cNvSpPr>
-            <a:spLocks noGrp="1" noRot="1" noChangeAspect="1"/>
-          </p:cNvSpPr>
-          <p:nvPr>
-            <p:ph type="sldImg"/>
-          </p:nvPr>
-        </p:nvSpPr>
-        <p:spPr/>
-      </p:sp>
-      <p:sp>
-        <p:nvSpPr>
-          <p:cNvPr id="3" name="Notes Placeholder 2"/>
-          <p:cNvSpPr>
-            <a:spLocks noGrp="1"/>
-          </p:cNvSpPr>
-          <p:nvPr>
-            <p:ph type="body" idx="1"/>
-          </p:nvPr>
-        </p:nvSpPr>
-        <p:spPr/>
-        <p:txBody>
-          <a:bodyPr/>
-          <a:lstStyle/>
-          <a:p>
-            <a:endParaRPr lang="en-US" dirty="0"/>
-          </a:p>
-        </p:txBody>
-      </p:sp>
-      <p:sp>
-        <p:nvSpPr>
-          <p:cNvPr id="5" name="Slide Number Placeholder 4"/>
-          <p:cNvSpPr>
-            <a:spLocks noGrp="1"/>
-          </p:cNvSpPr>
-          <p:nvPr>
-            <p:ph type="sldNum" sz="quarter" idx="11"/>
-          </p:nvPr>
-        </p:nvSpPr>
-        <p:spPr/>
-        <p:txBody>
-          <a:bodyPr/>
-          <a:lstStyle/>
-          <a:p>
-            <a:fld id="{3EBA5BD7-F043-4D1B-AA17-CD412FC534DE}" type="slidenum">
-              <a:rPr lang="en-US" smtClean="0"/>
-              <a:pPr/>
-              <a:t>32</a:t>
-            </a:fld>
-            <a:endParaRPr lang="en-US" dirty="0"/>
-          </a:p>
-        </p:txBody>
-      </p:sp>
-      <p:sp>
-        <p:nvSpPr>
-          <p:cNvPr id="6" name="Footer Placeholder 7">
-            <a:extLst>
-              <a:ext uri="{FF2B5EF4-FFF2-40B4-BE49-F238E27FC236}">
-                <a16:creationId xmlns:a16="http://schemas.microsoft.com/office/drawing/2014/main" id="{4DC23983-FA1B-4787-B7CB-03CD465AF1FA}"/>
-              </a:ext>
-            </a:extLst>
-          </p:cNvPr>
-          <p:cNvSpPr>
-            <a:spLocks noGrp="1"/>
-          </p:cNvSpPr>
-          <p:nvPr>
-            <p:ph type="ftr" sz="quarter" idx="4"/>
-          </p:nvPr>
-        </p:nvSpPr>
-        <p:spPr>
-          <a:xfrm>
-            <a:off x="-1" y="8847000"/>
-            <a:ext cx="6488999" cy="297000"/>
-          </a:xfrm>
-          <a:prstGeom prst="rect">
-            <a:avLst/>
-          </a:prstGeom>
-        </p:spPr>
-        <p:txBody>
-          <a:bodyPr vert="horz" lIns="91440" tIns="45720" rIns="91440" bIns="45720" rtlCol="0" anchor="b"/>
-          <a:lstStyle>
-            <a:lvl1pPr algn="l">
-              <a:defRPr sz="1100"/>
-            </a:lvl1pPr>
-          </a:lstStyle>
-          <a:p>
-            <a:r>
-              <a:rPr lang="en-US" dirty="0"/>
-              <a:t>© SoftUni – </a:t>
-            </a:r>
-            <a:r>
-              <a:rPr lang="en-US" u="sng" dirty="0">
-                <a:hlinkClick r:id="rId3"/>
-              </a:rPr>
-              <a:t>https://softuni.org</a:t>
-            </a:r>
-            <a:r>
-              <a:rPr lang="en-US" dirty="0"/>
-              <a:t>. Copyrighted document. Unauthorized copy or reproduction is not permitted.</a:t>
-            </a:r>
-          </a:p>
-        </p:txBody>
-      </p:sp>
-    </p:spTree>
-    <p:extLst>
-      <p:ext uri="{BB962C8B-B14F-4D97-AF65-F5344CB8AC3E}">
-        <p14:creationId xmlns:p14="http://schemas.microsoft.com/office/powerpoint/2010/main" val="4053347122"/>
       </p:ext>
     </p:extLst>
   </p:cSld>
@@ -9396,11 +9511,11 @@
               </a:lnSpc>
             </a:pPr>
             <a:r>
-              <a:rPr lang="bg-BG" sz="3199" dirty="0"/>
+              <a:rPr lang="bg-BG" sz="3400" dirty="0"/>
               <a:t>Различната имплементация може да окаже различна </a:t>
             </a:r>
             <a:r>
-              <a:rPr lang="bg-BG" sz="3199" b="1" dirty="0">
+              <a:rPr lang="bg-BG" sz="3400" b="1" dirty="0">
                 <a:solidFill>
                   <a:schemeClr val="bg1"/>
                 </a:solidFill>
@@ -9408,11 +9523,11 @@
               <a:t>ефективност</a:t>
             </a:r>
             <a:r>
-              <a:rPr lang="en-US" sz="3199" dirty="0"/>
+              <a:rPr lang="en-US" sz="3400" dirty="0"/>
               <a:t>, </a:t>
             </a:r>
             <a:r>
-              <a:rPr lang="bg-BG" sz="3199" b="1" dirty="0">
+              <a:rPr lang="bg-BG" sz="3400" b="1" dirty="0">
                 <a:solidFill>
                   <a:schemeClr val="bg1"/>
                 </a:solidFill>
@@ -9420,7 +9535,7 @@
               <a:t>логика на добавяне</a:t>
             </a:r>
             <a:r>
-              <a:rPr lang="en-US" sz="3199" b="1" dirty="0">
+              <a:rPr lang="en-US" sz="3400" b="1" dirty="0">
                 <a:solidFill>
                   <a:schemeClr val="bg1"/>
                 </a:solidFill>
@@ -9428,22 +9543,22 @@
               <a:t> </a:t>
             </a:r>
             <a:r>
-              <a:rPr lang="bg-BG" sz="3199" dirty="0"/>
+              <a:rPr lang="bg-BG" sz="3400" dirty="0"/>
               <a:t>и</a:t>
             </a:r>
             <a:r>
-              <a:rPr lang="en-US" sz="3199" dirty="0"/>
+              <a:rPr lang="en-US" sz="3400" dirty="0"/>
               <a:t> </a:t>
             </a:r>
             <a:r>
-              <a:rPr lang="bg-BG" sz="3199" b="1" dirty="0">
+              <a:rPr lang="bg-BG" sz="3400" b="1" dirty="0">
                 <a:solidFill>
                   <a:schemeClr val="bg1"/>
                 </a:solidFill>
               </a:rPr>
               <a:t>необходими ресурси</a:t>
             </a:r>
-            <a:endParaRPr lang="en-US" sz="3199" b="1" dirty="0">
+            <a:endParaRPr lang="en-US" sz="3400" b="1" dirty="0">
               <a:solidFill>
                 <a:schemeClr val="bg1"/>
               </a:solidFill>
@@ -9503,8 +9618,8 @@
         </p:blipFill>
         <p:spPr bwMode="auto">
           <a:xfrm>
-            <a:off x="9246001" y="983403"/>
-            <a:ext cx="2946000" cy="1477219"/>
+            <a:off x="9156000" y="1077684"/>
+            <a:ext cx="3036000" cy="1518248"/>
           </a:xfrm>
           <a:prstGeom prst="rect">
             <a:avLst/>
@@ -9829,6 +9944,72 @@
       </p:grpSpPr>
       <p:sp>
         <p:nvSpPr>
+          <p:cNvPr id="4" name="Subtitle 3">
+            <a:extLst>
+              <a:ext uri="{FF2B5EF4-FFF2-40B4-BE49-F238E27FC236}">
+                <a16:creationId xmlns:a16="http://schemas.microsoft.com/office/drawing/2014/main" id="{DC4E58A0-A24F-B268-7B5E-0E05D3E41636}"/>
+              </a:ext>
+            </a:extLst>
+          </p:cNvPr>
+          <p:cNvSpPr>
+            <a:spLocks noGrp="1"/>
+          </p:cNvSpPr>
+          <p:nvPr>
+            <p:ph type="subTitle" sz="quarter" idx="11"/>
+          </p:nvPr>
+        </p:nvSpPr>
+        <p:spPr/>
+        <p:txBody>
+          <a:bodyPr/>
+          <a:lstStyle/>
+          <a:p>
+            <a:pPr marL="514196" indent="-514196">
+              <a:buClr>
+                <a:schemeClr val="tx1"/>
+              </a:buClr>
+            </a:pPr>
+            <a:r>
+              <a:rPr lang="bg-BG" dirty="0"/>
+              <a:t>Масив</a:t>
+            </a:r>
+            <a:r>
+              <a:rPr lang="en-US" dirty="0"/>
+              <a:t>, </a:t>
+            </a:r>
+            <a:r>
+              <a:rPr lang="bg-BG" noProof="1"/>
+              <a:t>списък</a:t>
+            </a:r>
+            <a:r>
+              <a:rPr lang="en-US" dirty="0"/>
+              <a:t>, </a:t>
+            </a:r>
+            <a:r>
+              <a:rPr lang="bg-BG" dirty="0"/>
+              <a:t>свързан списък</a:t>
+            </a:r>
+            <a:r>
+              <a:rPr lang="en-US" dirty="0"/>
+              <a:t>, </a:t>
+            </a:r>
+            <a:r>
+              <a:rPr lang="bg-BG" dirty="0"/>
+              <a:t>стек</a:t>
+            </a:r>
+            <a:r>
+              <a:rPr lang="en-US" dirty="0"/>
+              <a:t>, </a:t>
+            </a:r>
+            <a:r>
+              <a:rPr lang="bg-BG" dirty="0"/>
+              <a:t>опашка</a:t>
+            </a:r>
+            <a:endParaRPr lang="en-US" dirty="0"/>
+          </a:p>
+        </p:txBody>
+      </p:sp>
+      <p:sp>
+        <p:nvSpPr>
           <p:cNvPr id="2" name="Title 1"/>
           <p:cNvSpPr>
             <a:spLocks noGrp="1"/>
@@ -9844,7 +10025,7 @@
           <a:p>
             <a:r>
               <a:rPr lang="bg-BG" dirty="0"/>
-              <a:t>Масив и списък</a:t>
+              <a:t>Линейни структури от данни</a:t>
             </a:r>
             <a:endParaRPr lang="en-US" dirty="0"/>
           </a:p>
@@ -9956,7 +10137,7 @@
                   <a:schemeClr val="bg1"/>
                 </a:solidFill>
               </a:rPr>
-              <a:t>Масива</a:t>
+              <a:t>Масиви</a:t>
             </a:r>
             <a:endParaRPr lang="en-US" altLang="ko-KR" sz="3600" b="1" dirty="0">
               <a:solidFill>
@@ -9972,7 +10153,19 @@
             </a:pPr>
             <a:r>
               <a:rPr lang="bg-BG" altLang="ko-KR" sz="3400" dirty="0"/>
-              <a:t>Заемат малко памет</a:t>
+              <a:t>Заемат </a:t>
+            </a:r>
+            <a:r>
+              <a:rPr lang="bg-BG" altLang="ko-KR" sz="3400" b="1" dirty="0">
+                <a:solidFill>
+                  <a:schemeClr val="bg1"/>
+                </a:solidFill>
+              </a:rPr>
+              <a:t>малко</a:t>
+            </a:r>
+            <a:r>
+              <a:rPr lang="bg-BG" altLang="ko-KR" sz="3400" dirty="0"/>
+              <a:t> памет</a:t>
             </a:r>
             <a:endParaRPr lang="en-US" altLang="ko-KR" sz="3400" b="1" dirty="0">
               <a:solidFill>
@@ -10019,12 +10212,16 @@
               <a:t> </a:t>
             </a:r>
             <a:r>
+              <a:rPr lang="bg-BG" altLang="ko-KR" sz="3400" dirty="0"/>
+              <a:t>са</a:t>
+            </a:r>
+            <a:r>
               <a:rPr lang="bg-BG" altLang="ko-KR" sz="3400" b="1" dirty="0">
                 <a:solidFill>
                   <a:schemeClr val="bg1"/>
                 </a:solidFill>
               </a:rPr>
-              <a:t>за вградени в езиците</a:t>
+              <a:t> вградени в езиците</a:t>
             </a:r>
             <a:endParaRPr lang="en-US" altLang="ko-KR" sz="3400" b="1" dirty="0">
               <a:solidFill>
@@ -10040,7 +10237,7 @@
             </a:pPr>
             <a:r>
               <a:rPr lang="bg-BG" altLang="ko-KR" sz="3600" dirty="0"/>
-              <a:t>Много колекции са създадени чрез имплементация на масиви</a:t>
+              <a:t>Много колекции са създадени чрез имплементация на масиви:</a:t>
             </a:r>
             <a:endParaRPr lang="en-US" altLang="ko-KR" sz="3600" dirty="0"/>
           </a:p>
@@ -10061,18 +10258,7 @@
               </a:rPr>
               <a:t>List&lt;T&gt;</a:t>
             </a:r>
-            <a:r>
-              <a:rPr lang="en-US" altLang="ko-KR" sz="3399" dirty="0"/>
-              <a:t> </a:t>
-            </a:r>
-            <a:r>
-              <a:rPr lang="bg-BG" altLang="ko-KR" sz="3399" dirty="0"/>
-              <a:t>в</a:t>
-            </a:r>
-            <a:r>
-              <a:rPr lang="en-US" altLang="ko-KR" sz="3399" dirty="0"/>
-              <a:t> C#</a:t>
-            </a:r>
+            <a:endParaRPr lang="en-US" altLang="ko-KR" sz="3399" dirty="0"/>
           </a:p>
           <a:p>
             <a:pPr lvl="1">
@@ -10095,14 +10281,7 @@
               <a:rPr lang="en-US" altLang="ko-KR" sz="3399" dirty="0"/>
               <a:t> </a:t>
             </a:r>
-            <a:r>
-              <a:rPr lang="bg-BG" altLang="ko-KR" sz="3399" dirty="0"/>
-              <a:t>в</a:t>
-            </a:r>
-            <a:r>
-              <a:rPr lang="en-US" altLang="ko-KR" sz="3399" dirty="0"/>
-              <a:t> C#</a:t>
-            </a:r>
+            <a:endParaRPr lang="bg-BG" altLang="ko-KR" sz="3399" dirty="0"/>
           </a:p>
           <a:p>
             <a:pPr lvl="1">
@@ -10119,23 +10298,8 @@
                   <a:schemeClr val="bg1"/>
                 </a:solidFill>
               </a:rPr>
-              <a:t>Stack&lt;T&gt; </a:t>
-            </a:r>
-            <a:r>
-              <a:rPr lang="bg-BG" altLang="ko-KR" sz="3399" dirty="0"/>
-              <a:t>в</a:t>
-            </a:r>
-            <a:r>
-              <a:rPr lang="en-US" altLang="ko-KR" sz="3399" dirty="0"/>
-              <a:t> C#</a:t>
-            </a:r>
-          </a:p>
-          <a:p>
-            <a:pPr lvl="1">
-              <a:buClr>
-                <a:schemeClr val="tx1"/>
-              </a:buClr>
-            </a:pPr>
+              <a:t>Stack&lt;T&gt;</a:t>
+            </a:r>
             <a:endParaRPr lang="en-US" altLang="ko-KR" sz="3399" dirty="0"/>
           </a:p>
         </p:txBody>
@@ -10192,7 +10356,7 @@
         </p:blipFill>
         <p:spPr bwMode="auto">
           <a:xfrm>
-            <a:off x="5466165" y="1449516"/>
+            <a:off x="5658246" y="1449000"/>
             <a:ext cx="6260502" cy="1535313"/>
           </a:xfrm>
           <a:prstGeom prst="rect">
@@ -10680,7 +10844,12 @@
             <p:ph type="body" sz="quarter" idx="10"/>
           </p:nvPr>
         </p:nvSpPr>
-        <p:spPr/>
+        <p:spPr>
+          <a:xfrm>
+            <a:off x="190402" y="1196125"/>
+            <a:ext cx="12001598" cy="5528766"/>
+          </a:xfrm>
+        </p:spPr>
         <p:txBody>
           <a:bodyPr>
             <a:normAutofit fontScale="85000" lnSpcReduction="10000"/>
@@ -10689,7 +10858,7 @@
           <a:p>
             <a:r>
               <a:rPr lang="bg-BG" altLang="ko-KR" sz="3299" dirty="0"/>
-              <a:t>Масива използва</a:t>
+              <a:t>Масивът използва</a:t>
             </a:r>
             <a:r>
               <a:rPr lang="en-US" altLang="ko-KR" sz="3299" dirty="0"/>
@@ -10723,7 +10892,7 @@
                   <a:schemeClr val="bg1"/>
                 </a:solidFill>
               </a:rPr>
-              <a:t>указателя на масив</a:t>
+              <a:t>указателя на масив </a:t>
             </a:r>
             <a:r>
               <a:rPr lang="en-US" altLang="ko-KR" sz="3299" b="1" dirty="0">
@@ -10777,6 +10946,9 @@
           </a:p>
           <a:p>
             <a:pPr>
+              <a:spcBef>
+                <a:spcPts val="1500"/>
+              </a:spcBef>
               <a:buClr>
                 <a:schemeClr val="tx1"/>
               </a:buClr>
@@ -10918,7 +11090,22 @@
               <a:rPr lang="bg-BG" altLang="ko-KR" sz="3299" dirty="0">
                 <a:ea typeface="굴림" pitchFamily="50" charset="-127"/>
               </a:rPr>
-              <a:t>за да разширим масива,</a:t>
+              <a:t>за да </a:t>
+            </a:r>
+            <a:r>
+              <a:rPr lang="bg-BG" altLang="ko-KR" sz="3299" b="1" dirty="0">
+                <a:solidFill>
+                  <a:schemeClr val="bg1"/>
+                </a:solidFill>
+                <a:ea typeface="굴림" pitchFamily="50" charset="-127"/>
+              </a:rPr>
+              <a:t>разширим</a:t>
+            </a:r>
+            <a:r>
+              <a:rPr lang="bg-BG" altLang="ko-KR" sz="3299" dirty="0">
+                <a:ea typeface="굴림" pitchFamily="50" charset="-127"/>
+              </a:rPr>
+              <a:t> масива,</a:t>
             </a:r>
             <a:r>
               <a:rPr lang="en-US" altLang="ko-KR" sz="3299" dirty="0">
@@ -10927,13 +11114,19 @@
               <a:t> </a:t>
             </a:r>
             <a:r>
-              <a:rPr lang="bg-BG" altLang="ko-KR" sz="3299" b="1" dirty="0">
-                <a:solidFill>
-                  <a:schemeClr val="bg1"/>
-                </a:solidFill>
+              <a:rPr lang="bg-BG" altLang="ko-KR" sz="3299" dirty="0">
                 <a:ea typeface="굴림" pitchFamily="50" charset="-127"/>
               </a:rPr>
-              <a:t>трябва да го копираме</a:t>
+              <a:t>трябва да го </a:t>
+            </a:r>
+            <a:r>
+              <a:rPr lang="bg-BG" altLang="ko-KR" sz="3299" b="1" dirty="0">
+                <a:solidFill>
+                  <a:schemeClr val="bg1"/>
+                </a:solidFill>
+                <a:ea typeface="굴림" pitchFamily="50" charset="-127"/>
+              </a:rPr>
+              <a:t>копираме</a:t>
             </a:r>
             <a:endParaRPr lang="en-US" altLang="ko-KR" sz="3299" b="1" dirty="0">
               <a:solidFill>
@@ -11750,12 +11943,12 @@
         <p:spPr bwMode="auto">
           <a:xfrm>
             <a:off x="7786219" y="1073666"/>
-            <a:ext cx="2913973" cy="1055298"/>
+            <a:ext cx="2854781" cy="1055298"/>
           </a:xfrm>
           <a:prstGeom prst="wedgeRoundRectCallout">
             <a:avLst>
-              <a:gd name="adj1" fmla="val -69443"/>
-              <a:gd name="adj2" fmla="val 66899"/>
+              <a:gd name="adj1" fmla="val -77732"/>
+              <a:gd name="adj2" fmla="val 25210"/>
               <a:gd name="adj3" fmla="val 16667"/>
             </a:avLst>
           </a:prstGeom>
@@ -11878,8 +12071,8 @@
         </p:nvSpPr>
         <p:spPr bwMode="auto">
           <a:xfrm>
-            <a:off x="741000" y="2771735"/>
-            <a:ext cx="2521233" cy="1531882"/>
+            <a:off x="1011000" y="2771735"/>
+            <a:ext cx="2251233" cy="1531882"/>
           </a:xfrm>
           <a:prstGeom prst="wedgeRoundRectCallout">
             <a:avLst>
@@ -11935,7 +12128,7 @@
                   <a:srgbClr val="FFFFFF"/>
                 </a:solidFill>
               </a:rPr>
-              <a:t>Масива започва от този адрес</a:t>
+              <a:t>Масивът започва от този адрес</a:t>
             </a:r>
             <a:endParaRPr lang="en-US" sz="2799" b="1" dirty="0">
               <a:solidFill>
@@ -12328,40 +12521,31 @@
                 </a:solidFill>
                 <a:ea typeface="굴림" pitchFamily="50" charset="-127"/>
               </a:rPr>
-              <a:t> (</a:t>
-            </a:r>
-            <a:r>
-              <a:rPr lang="bg-BG" altLang="ko-KR" b="1" dirty="0">
-                <a:solidFill>
-                  <a:schemeClr val="bg1"/>
-                </a:solidFill>
+              <a:t> </a:t>
+            </a:r>
+            <a:r>
+              <a:rPr lang="en-US" altLang="ko-KR" dirty="0">
+                <a:ea typeface="굴림" pitchFamily="50" charset="-127"/>
+              </a:rPr>
+              <a:t>(</a:t>
+            </a:r>
+            <a:r>
+              <a:rPr lang="bg-BG" altLang="ko-KR" dirty="0">
                 <a:ea typeface="굴림" pitchFamily="50" charset="-127"/>
               </a:rPr>
               <a:t>оразмеряващи се</a:t>
             </a:r>
             <a:r>
-              <a:rPr lang="en-US" altLang="ko-KR" b="1" dirty="0">
-                <a:solidFill>
-                  <a:schemeClr val="bg1"/>
-                </a:solidFill>
+              <a:rPr lang="en-US" altLang="ko-KR" dirty="0">
                 <a:ea typeface="굴림" pitchFamily="50" charset="-127"/>
               </a:rPr>
               <a:t>) </a:t>
             </a:r>
             <a:r>
-              <a:rPr lang="bg-BG" altLang="ko-KR" b="1" dirty="0">
-                <a:solidFill>
-                  <a:schemeClr val="bg1"/>
-                </a:solidFill>
-                <a:ea typeface="굴림" pitchFamily="50" charset="-127"/>
-              </a:rPr>
-              <a:t>масиви </a:t>
-            </a:r>
-            <a:r>
               <a:rPr lang="bg-BG" altLang="ko-KR" dirty="0">
                 <a:ea typeface="굴림" pitchFamily="50" charset="-127"/>
               </a:rPr>
-              <a:t>имат</a:t>
+              <a:t>масиви имат</a:t>
             </a:r>
             <a:r>
               <a:rPr lang="en-US" altLang="ko-KR" dirty="0">
@@ -12410,7 +12594,7 @@
                 </a:solidFill>
                 <a:ea typeface="굴림" pitchFamily="50" charset="-127"/>
               </a:rPr>
-              <a:t>се с масив</a:t>
+              <a:t>са с масив</a:t>
             </a:r>
             <a:endParaRPr lang="en-US" altLang="ko-KR" b="1" dirty="0">
               <a:solidFill>
@@ -12459,7 +12643,7 @@
               <a:rPr lang="bg-BG" altLang="ko-KR" sz="3200" dirty="0">
                 <a:ea typeface="굴림" pitchFamily="50" charset="-127"/>
               </a:rPr>
-              <a:t>списък</a:t>
+              <a:t>списъци</a:t>
             </a:r>
             <a:r>
               <a:rPr lang="en-US" altLang="ko-KR" sz="3200" dirty="0">
@@ -12972,7 +13156,7 @@
           <a:p>
             <a:r>
               <a:rPr lang="bg-BG" sz="2799" dirty="0"/>
-              <a:t>Брои</a:t>
+              <a:t>Брой</a:t>
             </a:r>
             <a:r>
               <a:rPr lang="en-GB" sz="2799" dirty="0"/>
@@ -13059,7 +13243,7 @@
         </p:nvSpPr>
         <p:spPr>
           <a:xfrm>
-            <a:off x="0" y="5825143"/>
+            <a:off x="225522" y="5775727"/>
             <a:ext cx="1809954" cy="457081"/>
           </a:xfrm>
           <a:prstGeom prst="roundRect">
@@ -13115,7 +13299,7 @@
         </p:nvSpPr>
         <p:spPr>
           <a:xfrm>
-            <a:off x="1922844" y="5835113"/>
+            <a:off x="2148366" y="5785697"/>
             <a:ext cx="1684541" cy="457081"/>
           </a:xfrm>
           <a:prstGeom prst="roundRect">
@@ -13171,7 +13355,7 @@
         </p:nvSpPr>
         <p:spPr>
           <a:xfrm>
-            <a:off x="3654577" y="5810408"/>
+            <a:off x="3880099" y="5760992"/>
             <a:ext cx="1611078" cy="457081"/>
           </a:xfrm>
           <a:prstGeom prst="roundRect">
@@ -13227,7 +13411,7 @@
         </p:nvSpPr>
         <p:spPr>
           <a:xfrm>
-            <a:off x="5321091" y="5778381"/>
+            <a:off x="5546613" y="5728965"/>
             <a:ext cx="2353218" cy="457081"/>
           </a:xfrm>
           <a:prstGeom prst="roundRect">
@@ -13280,14 +13464,12 @@
           <p:cNvPr id="15" name="Straight Connector 14"/>
           <p:cNvCxnSpPr>
             <a:cxnSpLocks/>
-            <a:stCxn id="7" idx="0"/>
-            <a:endCxn id="6" idx="4"/>
           </p:cNvCxnSpPr>
           <p:nvPr/>
         </p:nvCxnSpPr>
         <p:spPr>
           <a:xfrm flipV="1">
-            <a:off x="904977" y="5414069"/>
+            <a:off x="1260200" y="5283611"/>
             <a:ext cx="2280566" cy="411074"/>
           </a:xfrm>
           <a:prstGeom prst="line">
@@ -13316,14 +13498,13 @@
           <p:cNvCxnSpPr>
             <a:cxnSpLocks/>
             <a:stCxn id="16" idx="0"/>
-            <a:endCxn id="6" idx="4"/>
           </p:cNvCxnSpPr>
           <p:nvPr/>
         </p:nvCxnSpPr>
         <p:spPr>
           <a:xfrm flipV="1">
-            <a:off x="2765115" y="5414069"/>
-            <a:ext cx="420428" cy="421044"/>
+            <a:off x="2990637" y="5284768"/>
+            <a:ext cx="567925" cy="500929"/>
           </a:xfrm>
           <a:prstGeom prst="line">
             <a:avLst/>
@@ -13355,8 +13536,8 @@
         </p:nvCxnSpPr>
         <p:spPr>
           <a:xfrm flipH="1" flipV="1">
-            <a:off x="3221095" y="5443194"/>
-            <a:ext cx="1067774" cy="351675"/>
+            <a:off x="3558563" y="5303584"/>
+            <a:ext cx="955828" cy="441869"/>
           </a:xfrm>
           <a:prstGeom prst="line">
             <a:avLst/>
@@ -13388,7 +13569,7 @@
         </p:nvCxnSpPr>
         <p:spPr>
           <a:xfrm flipH="1" flipV="1">
-            <a:off x="3333041" y="5345300"/>
+            <a:off x="3558563" y="5295884"/>
             <a:ext cx="3077185" cy="400734"/>
           </a:xfrm>
           <a:prstGeom prst="line">
@@ -14032,7 +14213,7 @@
           <a:p>
             <a:r>
               <a:rPr lang="bg-BG" sz="2799" dirty="0"/>
-              <a:t>Брои</a:t>
+              <a:t>Брой</a:t>
             </a:r>
             <a:r>
               <a:rPr lang="en-GB" sz="2799" dirty="0"/>
@@ -14049,7 +14230,7 @@
         </p:nvSpPr>
         <p:spPr>
           <a:xfrm>
-            <a:off x="421900" y="6292194"/>
+            <a:off x="647422" y="6242778"/>
             <a:ext cx="973090" cy="523084"/>
           </a:xfrm>
           <a:prstGeom prst="rect">
@@ -14058,7 +14239,7 @@
           <a:noFill/>
         </p:spPr>
         <p:txBody>
-          <a:bodyPr wrap="none" rtlCol="0">
+          <a:bodyPr wrap="square" rtlCol="0">
             <a:spAutoFit/>
           </a:bodyPr>
           <a:lstStyle/>
@@ -14080,7 +14261,7 @@
         </p:nvSpPr>
         <p:spPr>
           <a:xfrm>
-            <a:off x="2174961" y="6292194"/>
+            <a:off x="2400483" y="6242778"/>
             <a:ext cx="973090" cy="523084"/>
           </a:xfrm>
           <a:prstGeom prst="rect">
@@ -14089,7 +14270,7 @@
           <a:noFill/>
         </p:spPr>
         <p:txBody>
-          <a:bodyPr wrap="none" rtlCol="0">
+          <a:bodyPr wrap="square" rtlCol="0">
             <a:spAutoFit/>
           </a:bodyPr>
           <a:lstStyle/>
@@ -14111,7 +14292,7 @@
         </p:nvSpPr>
         <p:spPr>
           <a:xfrm>
-            <a:off x="3900811" y="6283028"/>
+            <a:off x="4126333" y="6233612"/>
             <a:ext cx="973090" cy="523084"/>
           </a:xfrm>
           <a:prstGeom prst="rect">
@@ -14120,7 +14301,7 @@
           <a:noFill/>
         </p:spPr>
         <p:txBody>
-          <a:bodyPr wrap="none" rtlCol="0">
+          <a:bodyPr wrap="square" rtlCol="0">
             <a:spAutoFit/>
           </a:bodyPr>
           <a:lstStyle/>
@@ -14142,7 +14323,7 @@
         </p:nvSpPr>
         <p:spPr>
           <a:xfrm>
-            <a:off x="5923681" y="6292194"/>
+            <a:off x="6149203" y="6242778"/>
             <a:ext cx="973090" cy="523084"/>
           </a:xfrm>
           <a:prstGeom prst="rect">
@@ -14151,7 +14332,7 @@
           <a:noFill/>
         </p:spPr>
         <p:txBody>
-          <a:bodyPr wrap="none" rtlCol="0">
+          <a:bodyPr wrap="square" rtlCol="0">
             <a:spAutoFit/>
           </a:bodyPr>
           <a:lstStyle/>
@@ -14252,12 +14433,12 @@
         <p:spPr bwMode="auto">
           <a:xfrm>
             <a:off x="8826559" y="2104463"/>
-            <a:ext cx="2757728" cy="1531882"/>
+            <a:ext cx="2576940" cy="1531882"/>
           </a:xfrm>
           <a:prstGeom prst="wedgeRoundRectCallout">
             <a:avLst>
-              <a:gd name="adj1" fmla="val -39872"/>
-              <a:gd name="adj2" fmla="val 106648"/>
+              <a:gd name="adj1" fmla="val -27985"/>
+              <a:gd name="adj2" fmla="val 77929"/>
               <a:gd name="adj3" fmla="val 16667"/>
             </a:avLst>
           </a:prstGeom>
@@ -14986,19 +15167,19 @@
               </a:buClr>
             </a:pPr>
             <a:r>
-              <a:rPr lang="bg-BG" altLang="ko-KR" dirty="0">
+              <a:rPr lang="bg-BG" altLang="ko-KR" sz="3300" dirty="0">
                 <a:ea typeface="굴림" pitchFamily="50" charset="-127"/>
               </a:rPr>
               <a:t>Преоразмеряване на масив</a:t>
             </a:r>
             <a:r>
-              <a:rPr lang="en-US" altLang="ko-KR" dirty="0">
+              <a:rPr lang="en-US" altLang="ko-KR" sz="3300" dirty="0">
                 <a:ea typeface="굴림" pitchFamily="50" charset="-127"/>
               </a:rPr>
               <a:t>: </a:t>
             </a:r>
             <a:r>
-              <a:rPr lang="bg-BG" altLang="ko-KR" b="1" dirty="0">
+              <a:rPr lang="bg-BG" altLang="ko-KR" sz="3300" b="1" dirty="0">
                 <a:solidFill>
                   <a:schemeClr val="bg1"/>
                 </a:solidFill>
@@ -15007,18 +15188,18 @@
               <a:t>умножава</a:t>
             </a:r>
             <a:r>
-              <a:rPr lang="en-US" altLang="ko-KR" dirty="0">
+              <a:rPr lang="en-US" altLang="ko-KR" sz="3300" dirty="0">
                 <a:ea typeface="굴림" pitchFamily="50" charset="-127"/>
               </a:rPr>
               <a:t> </a:t>
             </a:r>
             <a:r>
-              <a:rPr lang="bg-BG" altLang="ko-KR" dirty="0">
+              <a:rPr lang="bg-BG" altLang="ko-KR" sz="3300" dirty="0">
                 <a:ea typeface="굴림" pitchFamily="50" charset="-127"/>
               </a:rPr>
-              <a:t>капацитетът, който има</a:t>
-            </a:r>
-            <a:endParaRPr lang="en-US" altLang="ko-KR" dirty="0">
+              <a:t>капацитета, който има</a:t>
+            </a:r>
+            <a:endParaRPr lang="en-US" altLang="ko-KR" sz="3300" dirty="0">
               <a:ea typeface="굴림" pitchFamily="50" charset="-127"/>
             </a:endParaRPr>
           </a:p>
@@ -15029,13 +15210,13 @@
               </a:lnSpc>
             </a:pPr>
             <a:r>
-              <a:rPr lang="bg-BG" altLang="ko-KR" dirty="0">
+              <a:rPr lang="bg-BG" altLang="ko-KR" sz="3300" dirty="0">
                 <a:ea typeface="굴림" pitchFamily="50" charset="-127"/>
               </a:rPr>
               <a:t>Копирането се извършва за време </a:t>
             </a:r>
             <a:r>
-              <a:rPr lang="en-US" altLang="ko-KR" b="1" dirty="0">
+              <a:rPr lang="en-US" altLang="ko-KR" sz="3300" b="1" dirty="0">
                 <a:solidFill>
                   <a:schemeClr val="bg1"/>
                 </a:solidFill>
@@ -15044,61 +15225,61 @@
               <a:t>log(n)</a:t>
             </a:r>
             <a:r>
-              <a:rPr lang="en-US" altLang="ko-KR" dirty="0">
+              <a:rPr lang="en-US" altLang="ko-KR" sz="3300" dirty="0">
                 <a:ea typeface="굴림" pitchFamily="50" charset="-127"/>
                 <a:sym typeface="Wingdings" panose="05000000000000000000" pitchFamily="2" charset="2"/>
               </a:rPr>
               <a:t> n = 10</a:t>
             </a:r>
             <a:r>
-              <a:rPr lang="en-US" altLang="ko-KR" baseline="30000" dirty="0">
+              <a:rPr lang="en-US" altLang="ko-KR" sz="3300" baseline="30000" dirty="0">
                 <a:ea typeface="굴림" pitchFamily="50" charset="-127"/>
                 <a:sym typeface="Wingdings" panose="05000000000000000000" pitchFamily="2" charset="2"/>
               </a:rPr>
               <a:t>9</a:t>
             </a:r>
             <a:r>
-              <a:rPr lang="en-US" altLang="ko-KR" dirty="0">
+              <a:rPr lang="en-US" altLang="ko-KR" sz="3300" dirty="0">
                 <a:ea typeface="굴림" pitchFamily="50" charset="-127"/>
                 <a:sym typeface="Wingdings" panose="05000000000000000000" pitchFamily="2" charset="2"/>
               </a:rPr>
               <a:t>, </a:t>
             </a:r>
             <a:r>
-              <a:rPr lang="bg-BG" altLang="ko-KR" dirty="0">
+              <a:rPr lang="bg-BG" altLang="ko-KR" sz="3300" dirty="0">
                 <a:ea typeface="굴림" pitchFamily="50" charset="-127"/>
                 <a:sym typeface="Wingdings" panose="05000000000000000000" pitchFamily="2" charset="2"/>
               </a:rPr>
               <a:t>само</a:t>
             </a:r>
             <a:r>
-              <a:rPr lang="en-US" altLang="ko-KR" dirty="0">
+              <a:rPr lang="en-US" altLang="ko-KR" sz="3300" dirty="0">
                 <a:ea typeface="굴림" pitchFamily="50" charset="-127"/>
                 <a:sym typeface="Wingdings" panose="05000000000000000000" pitchFamily="2" charset="2"/>
               </a:rPr>
               <a:t> </a:t>
             </a:r>
             <a:r>
-              <a:rPr lang="en-US" altLang="ko-KR" dirty="0">
+              <a:rPr lang="en-US" altLang="ko-KR" sz="3300" dirty="0">
                 <a:sym typeface="Wingdings" panose="05000000000000000000" pitchFamily="2" charset="2"/>
               </a:rPr>
               <a:t>~30</a:t>
             </a:r>
             <a:r>
-              <a:rPr lang="en-US" altLang="ko-KR" dirty="0">
+              <a:rPr lang="en-US" altLang="ko-KR" sz="3300" dirty="0">
                 <a:ea typeface="굴림" pitchFamily="50" charset="-127"/>
                 <a:sym typeface="Wingdings" panose="05000000000000000000" pitchFamily="2" charset="2"/>
               </a:rPr>
               <a:t> </a:t>
             </a:r>
             <a:r>
-              <a:rPr lang="bg-BG" altLang="ko-KR" dirty="0">
+              <a:rPr lang="bg-BG" altLang="ko-KR" sz="3300" dirty="0">
                 <a:ea typeface="굴림" pitchFamily="50" charset="-127"/>
                 <a:sym typeface="Wingdings" panose="05000000000000000000" pitchFamily="2" charset="2"/>
               </a:rPr>
               <a:t>копия</a:t>
             </a:r>
-            <a:endParaRPr lang="en-US" altLang="ko-KR" dirty="0">
+            <a:endParaRPr lang="en-US" altLang="ko-KR" sz="3300" dirty="0">
               <a:ea typeface="굴림" pitchFamily="50" charset="-127"/>
             </a:endParaRPr>
           </a:p>
@@ -15122,54 +15303,30 @@
           <a:lstStyle/>
           <a:p>
             <a:r>
-              <a:rPr lang="bg-BG" altLang="ko-KR" sz="2400" dirty="0">
+              <a:rPr lang="bg-BG" altLang="ko-KR" sz="3600" dirty="0">
                 <a:ea typeface="굴림" pitchFamily="50" charset="-127"/>
               </a:rPr>
-              <a:t>Динамичен масив</a:t>
-            </a:r>
-            <a:r>
-              <a:rPr lang="en-US" altLang="ko-KR" sz="2400" dirty="0">
-                <a:ea typeface="굴림" pitchFamily="50" charset="-127"/>
-              </a:rPr>
-              <a:t>(</a:t>
-            </a:r>
-            <a:r>
-              <a:rPr lang="bg-BG" altLang="ko-KR" sz="2400" dirty="0">
-                <a:ea typeface="굴림" pitchFamily="50" charset="-127"/>
-              </a:rPr>
-              <a:t>Списък</a:t>
-            </a:r>
-            <a:r>
-              <a:rPr lang="en-US" altLang="ko-KR" sz="2400" dirty="0">
-                <a:ea typeface="굴림" pitchFamily="50" charset="-127"/>
-              </a:rPr>
-              <a:t>): </a:t>
-            </a:r>
-            <a:r>
-              <a:rPr lang="bg-BG" altLang="ko-KR" sz="2400" dirty="0">
-                <a:ea typeface="굴림" pitchFamily="50" charset="-127"/>
-              </a:rPr>
-              <a:t>преоразмеряване</a:t>
-            </a:r>
-            <a:r>
-              <a:rPr lang="en-US" altLang="ko-KR" sz="2400" dirty="0">
+              <a:t>Списък: преоразмеряване</a:t>
+            </a:r>
+            <a:r>
+              <a:rPr lang="en-US" altLang="ko-KR" sz="3600" dirty="0">
                 <a:ea typeface="굴림" pitchFamily="50" charset="-127"/>
               </a:rPr>
               <a:t> *2 – </a:t>
             </a:r>
             <a:r>
-              <a:rPr lang="bg-BG" altLang="ko-KR" sz="2400" dirty="0">
+              <a:rPr lang="bg-BG" altLang="ko-KR" sz="3600" dirty="0">
                 <a:ea typeface="굴림" pitchFamily="50" charset="-127"/>
               </a:rPr>
               <a:t>Добавяне</a:t>
             </a:r>
             <a:r>
-              <a:rPr lang="en-US" altLang="ko-KR" sz="2400" dirty="0">
+              <a:rPr lang="en-US" altLang="ko-KR" sz="3600" dirty="0">
                 <a:ea typeface="굴림" pitchFamily="50" charset="-127"/>
               </a:rPr>
               <a:t> O(1)</a:t>
             </a:r>
-            <a:endParaRPr lang="bg-BG" sz="2400" dirty="0"/>
+            <a:endParaRPr lang="bg-BG" sz="3600" dirty="0"/>
           </a:p>
         </p:txBody>
       </p:sp>
@@ -15181,7 +15338,7 @@
         </p:nvSpPr>
         <p:spPr>
           <a:xfrm>
-            <a:off x="4131699" y="5747564"/>
+            <a:off x="4328797" y="5563840"/>
             <a:ext cx="533261" cy="533261"/>
           </a:xfrm>
           <a:prstGeom prst="rightArrow">
@@ -15221,7 +15378,7 @@
         </p:nvSpPr>
         <p:spPr>
           <a:xfrm>
-            <a:off x="2419363" y="5757741"/>
+            <a:off x="2616461" y="5574017"/>
             <a:ext cx="1740849" cy="523092"/>
           </a:xfrm>
           <a:prstGeom prst="rect">
@@ -15251,7 +15408,7 @@
         </p:nvSpPr>
         <p:spPr>
           <a:xfrm>
-            <a:off x="5203139" y="3064031"/>
+            <a:off x="5403673" y="2747041"/>
             <a:ext cx="1918345" cy="568252"/>
           </a:xfrm>
           <a:prstGeom prst="roundRect">
@@ -15307,7 +15464,7 @@
         </p:nvSpPr>
         <p:spPr>
           <a:xfrm>
-            <a:off x="8201258" y="3947557"/>
+            <a:off x="8401792" y="3630567"/>
             <a:ext cx="3444112" cy="2009549"/>
           </a:xfrm>
           <a:prstGeom prst="ellipse">
@@ -15358,13 +15515,13 @@
           <p:nvPr>
             <p:extLst>
               <p:ext uri="{D42A27DB-BD31-4B8C-83A1-F6EECF244321}">
-                <p14:modId xmlns:p14="http://schemas.microsoft.com/office/powerpoint/2010/main" val="3793222949"/>
+                <p14:modId xmlns:p14="http://schemas.microsoft.com/office/powerpoint/2010/main" val="4277015177"/>
               </p:ext>
             </p:extLst>
           </p:nvPr>
         </p:nvGraphicFramePr>
         <p:xfrm>
-          <a:off x="8792853" y="4320496"/>
+          <a:off x="8993387" y="4003506"/>
           <a:ext cx="2303250" cy="457176"/>
         </p:xfrm>
         <a:graphic>
@@ -15695,7 +15852,7 @@
         </p:nvSpPr>
         <p:spPr>
           <a:xfrm>
-            <a:off x="8734519" y="5234657"/>
+            <a:off x="8935053" y="4917667"/>
             <a:ext cx="1723023" cy="523084"/>
           </a:xfrm>
           <a:prstGeom prst="rect">
@@ -15711,7 +15868,7 @@
           <a:p>
             <a:r>
               <a:rPr lang="bg-BG" sz="2799" dirty="0"/>
-              <a:t>Брои</a:t>
+              <a:t>Брой</a:t>
             </a:r>
             <a:r>
               <a:rPr lang="en-GB" sz="2799" dirty="0"/>
@@ -15728,7 +15885,7 @@
         </p:nvSpPr>
         <p:spPr>
           <a:xfrm>
-            <a:off x="8734519" y="4777576"/>
+            <a:off x="8935053" y="4460586"/>
             <a:ext cx="2256284" cy="523084"/>
           </a:xfrm>
           <a:prstGeom prst="rect">
@@ -15761,7 +15918,7 @@
         </p:nvSpPr>
         <p:spPr>
           <a:xfrm>
-            <a:off x="4316071" y="3947557"/>
+            <a:off x="4516605" y="3630567"/>
             <a:ext cx="3444112" cy="2009549"/>
           </a:xfrm>
           <a:prstGeom prst="ellipse">
@@ -15812,13 +15969,13 @@
           <p:nvPr>
             <p:extLst>
               <p:ext uri="{D42A27DB-BD31-4B8C-83A1-F6EECF244321}">
-                <p14:modId xmlns:p14="http://schemas.microsoft.com/office/powerpoint/2010/main" val="4039152680"/>
+                <p14:modId xmlns:p14="http://schemas.microsoft.com/office/powerpoint/2010/main" val="732462051"/>
               </p:ext>
             </p:extLst>
           </p:nvPr>
         </p:nvGraphicFramePr>
         <p:xfrm>
-          <a:off x="4907666" y="4320496"/>
+          <a:off x="5108200" y="4003506"/>
           <a:ext cx="1127606" cy="457176"/>
         </p:xfrm>
         <a:graphic>
@@ -16000,7 +16157,7 @@
         </p:nvSpPr>
         <p:spPr>
           <a:xfrm>
-            <a:off x="4849333" y="5234657"/>
+            <a:off x="5049867" y="4917667"/>
             <a:ext cx="1723023" cy="523084"/>
           </a:xfrm>
           <a:prstGeom prst="rect">
@@ -16016,7 +16173,7 @@
           <a:p>
             <a:r>
               <a:rPr lang="bg-BG" sz="2799" dirty="0"/>
-              <a:t>Брои</a:t>
+              <a:t>Брой</a:t>
             </a:r>
             <a:r>
               <a:rPr lang="en-GB" sz="2799" dirty="0"/>
@@ -16033,7 +16190,7 @@
         </p:nvSpPr>
         <p:spPr>
           <a:xfrm>
-            <a:off x="4849332" y="4777576"/>
+            <a:off x="5049866" y="4460586"/>
             <a:ext cx="2256284" cy="523084"/>
           </a:xfrm>
           <a:prstGeom prst="rect">
@@ -16066,7 +16223,7 @@
         </p:nvSpPr>
         <p:spPr>
           <a:xfrm>
-            <a:off x="415184" y="3947557"/>
+            <a:off x="615718" y="3630567"/>
             <a:ext cx="3444112" cy="2009549"/>
           </a:xfrm>
           <a:prstGeom prst="ellipse">
@@ -16117,13 +16274,13 @@
           <p:nvPr>
             <p:extLst>
               <p:ext uri="{D42A27DB-BD31-4B8C-83A1-F6EECF244321}">
-                <p14:modId xmlns:p14="http://schemas.microsoft.com/office/powerpoint/2010/main" val="109560066"/>
+                <p14:modId xmlns:p14="http://schemas.microsoft.com/office/powerpoint/2010/main" val="2154595549"/>
               </p:ext>
             </p:extLst>
           </p:nvPr>
         </p:nvGraphicFramePr>
         <p:xfrm>
-          <a:off x="1006779" y="4320496"/>
+          <a:off x="1207313" y="4003506"/>
           <a:ext cx="1127606" cy="457176"/>
         </p:xfrm>
         <a:graphic>
@@ -16302,7 +16459,7 @@
         </p:nvSpPr>
         <p:spPr>
           <a:xfrm>
-            <a:off x="948446" y="5234657"/>
+            <a:off x="1148980" y="4917667"/>
             <a:ext cx="1723023" cy="523084"/>
           </a:xfrm>
           <a:prstGeom prst="rect">
@@ -16318,7 +16475,7 @@
           <a:p>
             <a:r>
               <a:rPr lang="bg-BG" sz="2799" dirty="0"/>
-              <a:t>Брои</a:t>
+              <a:t>Брой</a:t>
             </a:r>
             <a:r>
               <a:rPr lang="en-GB" sz="2799" dirty="0"/>
@@ -16335,7 +16492,7 @@
         </p:nvSpPr>
         <p:spPr>
           <a:xfrm>
-            <a:off x="948445" y="4777576"/>
+            <a:off x="1148979" y="4460586"/>
             <a:ext cx="2256284" cy="523084"/>
           </a:xfrm>
           <a:prstGeom prst="rect">
@@ -16368,7 +16525,7 @@
         </p:nvSpPr>
         <p:spPr>
           <a:xfrm>
-            <a:off x="8172745" y="5747564"/>
+            <a:off x="8369843" y="5563840"/>
             <a:ext cx="533261" cy="533261"/>
           </a:xfrm>
           <a:prstGeom prst="rightArrow">
@@ -16408,7 +16565,7 @@
         </p:nvSpPr>
         <p:spPr>
           <a:xfrm>
-            <a:off x="6377296" y="5757741"/>
+            <a:off x="6574394" y="5574017"/>
             <a:ext cx="1823962" cy="523092"/>
           </a:xfrm>
           <a:prstGeom prst="rect">
@@ -16438,7 +16595,7 @@
         </p:nvSpPr>
         <p:spPr>
           <a:xfrm>
-            <a:off x="3528437" y="6260418"/>
+            <a:off x="3725535" y="6076694"/>
             <a:ext cx="973090" cy="523084"/>
           </a:xfrm>
           <a:prstGeom prst="rect">
@@ -16469,7 +16626,7 @@
         </p:nvSpPr>
         <p:spPr>
           <a:xfrm>
-            <a:off x="7619271" y="6260418"/>
+            <a:off x="7816369" y="6076694"/>
             <a:ext cx="973090" cy="523084"/>
           </a:xfrm>
           <a:prstGeom prst="rect">
@@ -16502,7 +16659,7 @@
         </p:nvSpPr>
         <p:spPr bwMode="auto">
           <a:xfrm>
-            <a:off x="0" y="6260356"/>
+            <a:off x="197098" y="6076632"/>
             <a:ext cx="3259551" cy="578713"/>
           </a:xfrm>
           <a:prstGeom prst="wedgeRoundRectCallout">
@@ -17238,7 +17395,7 @@
         <p:spPr>
           <a:xfrm>
             <a:off x="8277" y="1104695"/>
-            <a:ext cx="11815018" cy="5527326"/>
+            <a:ext cx="11815018" cy="5526000"/>
           </a:xfrm>
         </p:spPr>
         <p:txBody>
@@ -17253,110 +17410,119 @@
               </a:buClr>
             </a:pPr>
             <a:r>
-              <a:rPr lang="bg-BG" sz="3199" b="1" dirty="0">
+              <a:rPr lang="bg-BG" sz="3000" b="1" dirty="0">
                 <a:solidFill>
                   <a:schemeClr val="bg1"/>
                 </a:solidFill>
                 <a:sym typeface="Symbol" pitchFamily="18" charset="2"/>
               </a:rPr>
-              <a:t>Свързан списък</a:t>
-            </a:r>
-            <a:r>
-              <a:rPr lang="en-US" sz="3199" dirty="0">
+              <a:t>Свързан списък </a:t>
+            </a:r>
+            <a:r>
+              <a:rPr lang="en-US" sz="3000" dirty="0">
                 <a:sym typeface="Symbol" pitchFamily="18" charset="2"/>
               </a:rPr>
               <a:t>== </a:t>
             </a:r>
             <a:r>
-              <a:rPr lang="bg-BG" sz="3199" dirty="0">
+              <a:rPr lang="bg-BG" sz="3000" dirty="0">
                 <a:sym typeface="Symbol" pitchFamily="18" charset="2"/>
               </a:rPr>
               <a:t>динамичен</a:t>
             </a:r>
             <a:r>
-              <a:rPr lang="en-US" sz="3199" dirty="0">
+              <a:rPr lang="en-US" sz="3000" dirty="0">
                 <a:sym typeface="Symbol" pitchFamily="18" charset="2"/>
               </a:rPr>
               <a:t> </a:t>
             </a:r>
             <a:r>
-              <a:rPr lang="en-US" sz="3199" dirty="0"/>
+              <a:rPr lang="en-US" sz="3000" dirty="0"/>
               <a:t>(</a:t>
             </a:r>
             <a:r>
-              <a:rPr lang="bg-BG" sz="3199" dirty="0"/>
+              <a:rPr lang="bg-BG" sz="3000" dirty="0"/>
               <a:t>базиран на указател</a:t>
             </a:r>
             <a:r>
-              <a:rPr lang="en-US" sz="3199" dirty="0"/>
+              <a:rPr lang="en-US" sz="3000" dirty="0"/>
               <a:t>) </a:t>
             </a:r>
             <a:r>
-              <a:rPr lang="bg-BG" sz="3199" dirty="0"/>
+              <a:rPr lang="bg-BG" sz="3000" dirty="0"/>
               <a:t>списък с имплементация</a:t>
             </a:r>
-            <a:endParaRPr lang="en-US" sz="3199" dirty="0">
+            <a:endParaRPr lang="en-US" sz="3000" dirty="0">
               <a:sym typeface="Symbol" pitchFamily="18" charset="2"/>
             </a:endParaRPr>
           </a:p>
           <a:p>
             <a:pPr>
+              <a:spcBef>
+                <a:spcPts val="0"/>
+              </a:spcBef>
               <a:buClr>
                 <a:schemeClr val="tx1"/>
               </a:buClr>
             </a:pPr>
             <a:r>
-              <a:rPr lang="bg-BG" sz="3199" b="1" dirty="0">
+              <a:rPr lang="bg-BG" sz="3000" b="1" dirty="0">
                 <a:solidFill>
                   <a:schemeClr val="bg1"/>
                 </a:solidFill>
               </a:rPr>
-              <a:t>Единичен свързан списък</a:t>
-            </a:r>
-            <a:r>
-              <a:rPr lang="en-US" sz="3199" dirty="0"/>
+              <a:t>Единичен </a:t>
+            </a:r>
+            <a:r>
+              <a:rPr lang="bg-BG" sz="3000" dirty="0"/>
+              <a:t>свързан списък</a:t>
+            </a:r>
+            <a:r>
+              <a:rPr lang="en-US" sz="3000" dirty="0"/>
               <a:t>: </a:t>
             </a:r>
             <a:r>
-              <a:rPr lang="bg-BG" sz="3199" dirty="0"/>
+              <a:rPr lang="bg-BG" sz="3000" dirty="0"/>
               <a:t>всеки елемент има</a:t>
             </a:r>
             <a:r>
-              <a:rPr lang="en-US" sz="3199" dirty="0"/>
+              <a:rPr lang="en-US" sz="3000" dirty="0"/>
               <a:t> </a:t>
             </a:r>
             <a:r>
-              <a:rPr lang="bg-BG" sz="3199" b="1" dirty="0">
+              <a:rPr lang="bg-BG" sz="3000" b="1" dirty="0">
                 <a:solidFill>
                   <a:schemeClr val="bg1"/>
                 </a:solidFill>
-                <a:latin typeface="Consolas" panose="020B0609020204030204" pitchFamily="49" charset="0"/>
+                <a:latin typeface="Calibri" panose="020F0502020204030204" pitchFamily="34" charset="0"/>
+                <a:cs typeface="Calibri" panose="020F0502020204030204" pitchFamily="34" charset="0"/>
               </a:rPr>
               <a:t>стойност</a:t>
             </a:r>
             <a:r>
-              <a:rPr lang="en-US" sz="3199" dirty="0"/>
+              <a:rPr lang="en-US" sz="3000" dirty="0"/>
               <a:t> </a:t>
             </a:r>
             <a:r>
-              <a:rPr lang="bg-BG" sz="3199" dirty="0"/>
+              <a:rPr lang="bg-BG" sz="3000" dirty="0"/>
               <a:t>и </a:t>
             </a:r>
             <a:r>
-              <a:rPr lang="bg-BG" sz="3199" b="1" dirty="0">
+              <a:rPr lang="bg-BG" sz="3000" b="1" dirty="0">
                 <a:solidFill>
                   <a:schemeClr val="bg1"/>
                 </a:solidFill>
-                <a:latin typeface="Consolas" panose="020B0609020204030204" pitchFamily="49" charset="0"/>
+                <a:latin typeface="Calibri" panose="020F0502020204030204" pitchFamily="34" charset="0"/>
+                <a:cs typeface="Calibri" panose="020F0502020204030204" pitchFamily="34" charset="0"/>
               </a:rPr>
               <a:t>свойство</a:t>
             </a:r>
             <a:r>
-              <a:rPr lang="en-US" sz="3199" dirty="0"/>
+              <a:rPr lang="en-US" sz="3000" dirty="0"/>
               <a:t> </a:t>
             </a:r>
             <a:r>
-              <a:rPr lang="en-US" sz="3199" b="1" dirty="0">
+              <a:rPr lang="en-US" sz="3000" b="1" dirty="0">
                 <a:solidFill>
                   <a:schemeClr val="bg1"/>
                 </a:solidFill>
@@ -17364,7 +17530,7 @@
               </a:rPr>
               <a:t>next</a:t>
             </a:r>
-            <a:endParaRPr lang="bg-BG" sz="3199" b="1" dirty="0">
+            <a:endParaRPr lang="bg-BG" sz="3000" b="1" dirty="0">
               <a:solidFill>
                 <a:schemeClr val="bg1"/>
               </a:solidFill>
@@ -17372,70 +17538,67 @@
             </a:endParaRPr>
           </a:p>
           <a:p>
+            <a:pPr marL="0" indent="0">
+              <a:buClr>
+                <a:schemeClr val="tx1"/>
+              </a:buClr>
+              <a:buNone/>
+            </a:pPr>
+            <a:endParaRPr lang="en-US" sz="3000" dirty="0"/>
+          </a:p>
+          <a:p>
             <a:pPr>
+              <a:spcBef>
+                <a:spcPts val="3500"/>
+              </a:spcBef>
               <a:buClr>
                 <a:schemeClr val="tx1"/>
               </a:buClr>
             </a:pPr>
-            <a:endParaRPr lang="en-US" sz="3199" dirty="0"/>
-          </a:p>
-          <a:p>
-            <a:pPr>
-              <a:buClr>
-                <a:schemeClr val="tx1"/>
-              </a:buClr>
-            </a:pPr>
-            <a:endParaRPr lang="en-US" sz="3199" dirty="0"/>
-          </a:p>
-          <a:p>
-            <a:pPr>
-              <a:buClr>
-                <a:schemeClr val="tx1"/>
-              </a:buClr>
-            </a:pPr>
-            <a:r>
-              <a:rPr lang="bg-BG" sz="3199" b="1" dirty="0">
+            <a:r>
+              <a:rPr lang="bg-BG" sz="3000" b="1" dirty="0">
                 <a:solidFill>
                   <a:schemeClr val="bg1"/>
                 </a:solidFill>
               </a:rPr>
-              <a:t>Двойно свързан списък</a:t>
-            </a:r>
-            <a:r>
-              <a:rPr lang="en-US" sz="3199" dirty="0"/>
+              <a:t>Двойно </a:t>
+            </a:r>
+            <a:r>
+              <a:rPr lang="bg-BG" sz="3000" dirty="0"/>
+              <a:t>свързан списък</a:t>
+            </a:r>
+            <a:r>
+              <a:rPr lang="en-US" sz="3000" dirty="0"/>
               <a:t>: </a:t>
             </a:r>
             <a:r>
-              <a:rPr lang="bg-BG" sz="3199" dirty="0"/>
+              <a:rPr lang="bg-BG" sz="3000" dirty="0"/>
               <a:t>всеки елемент има</a:t>
             </a:r>
             <a:r>
-              <a:rPr lang="en-US" sz="3199" dirty="0"/>
+              <a:rPr lang="en-US" sz="3000" dirty="0"/>
               <a:t> </a:t>
             </a:r>
             <a:r>
-              <a:rPr lang="bg-BG" sz="3199" b="1" noProof="1">
+              <a:rPr lang="bg-BG" sz="3000" b="1" noProof="1">
                 <a:solidFill>
                   <a:schemeClr val="bg1"/>
                 </a:solidFill>
-                <a:latin typeface="Consolas" panose="020B0609020204030204" pitchFamily="49" charset="0"/>
+                <a:latin typeface="Calibri" panose="020F0502020204030204" pitchFamily="34" charset="0"/>
+                <a:cs typeface="Calibri" panose="020F0502020204030204" pitchFamily="34" charset="0"/>
               </a:rPr>
               <a:t>стойност</a:t>
             </a:r>
             <a:r>
-              <a:rPr lang="en-US" sz="3199" dirty="0"/>
-              <a:t>,</a:t>
-            </a:r>
-            <a:r>
-              <a:rPr lang="bg-BG" sz="3199" dirty="0"/>
+              <a:rPr lang="bg-BG" sz="3000" dirty="0"/>
               <a:t> и свойства</a:t>
             </a:r>
             <a:r>
-              <a:rPr lang="en-US" sz="3199" dirty="0"/>
+              <a:rPr lang="en-US" sz="3000" dirty="0"/>
               <a:t> </a:t>
             </a:r>
             <a:r>
-              <a:rPr lang="en-US" sz="3199" b="1" noProof="1">
+              <a:rPr lang="en-US" sz="3000" b="1" noProof="1">
                 <a:solidFill>
                   <a:schemeClr val="bg1"/>
                 </a:solidFill>
@@ -17444,11 +17607,19 @@
               <a:t>next</a:t>
             </a:r>
             <a:r>
-              <a:rPr lang="en-US" sz="3199" dirty="0"/>
-              <a:t> and </a:t>
-            </a:r>
-            <a:r>
-              <a:rPr lang="en-US" sz="3199" b="1" noProof="1">
+              <a:rPr lang="en-US" sz="3000" dirty="0"/>
+              <a:t> </a:t>
+            </a:r>
+            <a:r>
+              <a:rPr lang="bg-BG" sz="3000" dirty="0"/>
+              <a:t>и</a:t>
+            </a:r>
+            <a:r>
+              <a:rPr lang="en-US" sz="3000" dirty="0"/>
+              <a:t> </a:t>
+            </a:r>
+            <a:r>
+              <a:rPr lang="en-US" sz="3000" b="1" noProof="1">
                 <a:solidFill>
                   <a:schemeClr val="bg1"/>
                 </a:solidFill>
@@ -17456,7 +17627,7 @@
               </a:rPr>
               <a:t>prev</a:t>
             </a:r>
-            <a:endParaRPr lang="bg-BG" sz="3199" b="1" dirty="0">
+            <a:endParaRPr lang="bg-BG" sz="3000" b="1" dirty="0">
               <a:solidFill>
                 <a:schemeClr val="bg1"/>
               </a:solidFill>
@@ -17506,7 +17677,7 @@
         </p:nvGrpSpPr>
         <p:grpSpPr>
           <a:xfrm>
-            <a:off x="1681537" y="3180496"/>
+            <a:off x="1691533" y="2797376"/>
             <a:ext cx="8591105" cy="1263247"/>
             <a:chOff x="1693658" y="2480424"/>
             <a:chExt cx="8593343" cy="1263576"/>
@@ -17565,7 +17736,7 @@
             <p:nvPr>
               <p:extLst>
                 <p:ext uri="{D42A27DB-BD31-4B8C-83A1-F6EECF244321}">
-                  <p14:modId xmlns:p14="http://schemas.microsoft.com/office/powerpoint/2010/main" val="4142485133"/>
+                  <p14:modId xmlns:p14="http://schemas.microsoft.com/office/powerpoint/2010/main" val="2425894547"/>
                 </p:ext>
               </p:extLst>
             </p:nvPr>
@@ -18444,7 +18615,7 @@
         </p:nvGrpSpPr>
         <p:grpSpPr>
           <a:xfrm>
-            <a:off x="4589190" y="5189402"/>
+            <a:off x="3827442" y="4928470"/>
             <a:ext cx="7484232" cy="1727030"/>
             <a:chOff x="1363091" y="4696361"/>
             <a:chExt cx="9266099" cy="23173451"/>
@@ -19194,8 +19365,8 @@
           </p:nvSpPr>
           <p:spPr bwMode="auto">
             <a:xfrm flipH="1" flipV="1">
-              <a:off x="2336433" y="16538795"/>
-              <a:ext cx="1003640" cy="8059941"/>
+              <a:off x="2543042" y="17273275"/>
+              <a:ext cx="797031" cy="7325447"/>
             </a:xfrm>
             <a:prstGeom prst="line">
               <a:avLst/>
@@ -20311,7 +20482,7 @@
                                         <p:tgtEl>
                                           <p:spTgt spid="606211">
                                             <p:txEl>
-                                              <p:pRg st="4" end="4"/>
+                                              <p:pRg st="3" end="3"/>
                                             </p:txEl>
                                           </p:spTgt>
                                         </p:tgtEl>
@@ -21316,12 +21487,18 @@
       </p:grpSpPr>
       <p:sp>
         <p:nvSpPr>
-          <p:cNvPr id="5" name="Title 4"/>
+          <p:cNvPr id="2" name="Slide Number Placeholder 1">
+            <a:extLst>
+              <a:ext uri="{FF2B5EF4-FFF2-40B4-BE49-F238E27FC236}">
+                <a16:creationId xmlns:a16="http://schemas.microsoft.com/office/drawing/2014/main" id="{94FC1DED-79AB-361B-87BE-6A0CCF708C92}"/>
+              </a:ext>
+            </a:extLst>
+          </p:cNvPr>
           <p:cNvSpPr>
             <a:spLocks noGrp="1"/>
           </p:cNvSpPr>
           <p:nvPr>
-            <p:ph type="title" sz="quarter" idx="10"/>
+            <p:ph type="sldNum" sz="quarter" idx="4"/>
           </p:nvPr>
         </p:nvSpPr>
         <p:spPr/>
@@ -21329,1110 +21506,52 @@
           <a:bodyPr/>
           <a:lstStyle/>
           <a:p>
-            <a:r>
-              <a:rPr lang="en-US" dirty="0"/>
-              <a:t>Dictionary&lt;K, V&gt;</a:t>
-            </a:r>
-            <a:endParaRPr lang="bg-BG" dirty="0"/>
+            <a:fld id="{2BF067CD-8E6B-4360-9AA8-C5DF2A48A6D1}" type="slidenum">
+              <a:rPr lang="en-US" noProof="0" smtClean="0"/>
+              <a:pPr/>
+              <a:t>18</a:t>
+            </a:fld>
+            <a:endParaRPr lang="en-US" noProof="0" dirty="0"/>
           </a:p>
         </p:txBody>
       </p:sp>
-      <p:grpSp>
-        <p:nvGrpSpPr>
-          <p:cNvPr id="3" name="Group 2">
+      <p:sp>
+        <p:nvSpPr>
+          <p:cNvPr id="5" name="Title 4">
             <a:extLst>
               <a:ext uri="{FF2B5EF4-FFF2-40B4-BE49-F238E27FC236}">
-                <a16:creationId xmlns:a16="http://schemas.microsoft.com/office/drawing/2014/main" id="{BCDF0BCE-A079-47FA-95A5-1DC05FFBACE2}"/>
+                <a16:creationId xmlns:a16="http://schemas.microsoft.com/office/drawing/2014/main" id="{F97D57B6-E3F6-94C8-BFD7-F4EDEBDE8CEB}"/>
               </a:ext>
             </a:extLst>
           </p:cNvPr>
-          <p:cNvGrpSpPr/>
-          <p:nvPr/>
-        </p:nvGrpSpPr>
-        <p:grpSpPr>
-          <a:xfrm>
-            <a:off x="3231626" y="729704"/>
-            <a:ext cx="6033468" cy="3689039"/>
-            <a:chOff x="3505200" y="1089000"/>
-            <a:chExt cx="5486400" cy="3105000"/>
-          </a:xfrm>
-        </p:grpSpPr>
-        <p:sp>
-          <p:nvSpPr>
-            <p:cNvPr id="7" name="Rounded Rectangle 10"/>
-            <p:cNvSpPr/>
-            <p:nvPr/>
-          </p:nvSpPr>
-          <p:spPr>
-            <a:xfrm>
-              <a:off x="3505200" y="1089000"/>
-              <a:ext cx="5486400" cy="3105000"/>
-            </a:xfrm>
-            <a:prstGeom prst="roundRect">
-              <a:avLst>
-                <a:gd name="adj" fmla="val 6659"/>
-              </a:avLst>
-            </a:prstGeom>
-            <a:solidFill>
-              <a:schemeClr val="tx2">
-                <a:lumMod val="60000"/>
-                <a:lumOff val="40000"/>
-              </a:schemeClr>
-            </a:solidFill>
-            <a:ln/>
-          </p:spPr>
-          <p:style>
-            <a:lnRef idx="2">
-              <a:schemeClr val="dk1"/>
-            </a:lnRef>
-            <a:fillRef idx="1">
-              <a:schemeClr val="lt1"/>
-            </a:fillRef>
-            <a:effectRef idx="0">
-              <a:schemeClr val="dk1"/>
-            </a:effectRef>
-            <a:fontRef idx="minor">
-              <a:schemeClr val="dk1"/>
-            </a:fontRef>
-          </p:style>
-          <p:txBody>
-            <a:bodyPr vert="horz" wrap="square" lIns="143963" tIns="107972" rIns="143963" bIns="107972" rtlCol="0">
-              <a:noAutofit/>
-            </a:bodyPr>
-            <a:lstStyle/>
-            <a:p>
-              <a:pPr defTabSz="1218621">
-                <a:buClr>
-                  <a:srgbClr val="F2B254"/>
-                </a:buClr>
-                <a:buSzPct val="100000"/>
-              </a:pPr>
-              <a:endParaRPr lang="en-US" sz="2399" b="1" dirty="0">
-                <a:solidFill>
-                  <a:srgbClr val="FBEEDC"/>
-                </a:solidFill>
-                <a:effectLst>
-                  <a:outerShdw blurRad="38100" dist="38100" dir="2700000" algn="tl">
-                    <a:srgbClr val="000000">
-                      <a:alpha val="43137"/>
-                    </a:srgbClr>
-                  </a:outerShdw>
-                </a:effectLst>
-                <a:latin typeface="Consolas" pitchFamily="49" charset="0"/>
-                <a:cs typeface="Consolas" pitchFamily="49" charset="0"/>
-              </a:endParaRPr>
-            </a:p>
-          </p:txBody>
-        </p:sp>
-        <p:graphicFrame>
-          <p:nvGraphicFramePr>
-            <p:cNvPr id="8" name="Group 134"/>
-            <p:cNvGraphicFramePr>
-              <a:graphicFrameLocks/>
-            </p:cNvGraphicFramePr>
-            <p:nvPr>
-              <p:extLst>
-                <p:ext uri="{D42A27DB-BD31-4B8C-83A1-F6EECF244321}">
-                  <p14:modId xmlns:p14="http://schemas.microsoft.com/office/powerpoint/2010/main" val="1955684860"/>
-                </p:ext>
-              </p:extLst>
-            </p:nvPr>
-          </p:nvGraphicFramePr>
-          <p:xfrm>
-            <a:off x="3859855" y="1804723"/>
-            <a:ext cx="4858064" cy="1929217"/>
-          </p:xfrm>
-          <a:graphic>
-            <a:graphicData uri="http://schemas.openxmlformats.org/drawingml/2006/table">
-              <a:tbl>
-                <a:tblPr/>
-                <a:tblGrid>
-                  <a:gridCol w="2563845">
-                    <a:extLst>
-                      <a:ext uri="{9D8B030D-6E8A-4147-A177-3AD203B41FA5}">
-                        <a16:colId xmlns:a16="http://schemas.microsoft.com/office/drawing/2014/main" val="20000"/>
-                      </a:ext>
-                    </a:extLst>
-                  </a:gridCol>
-                  <a:gridCol w="2778633">
-                    <a:extLst>
-                      <a:ext uri="{9D8B030D-6E8A-4147-A177-3AD203B41FA5}">
-                        <a16:colId xmlns:a16="http://schemas.microsoft.com/office/drawing/2014/main" val="20001"/>
-                      </a:ext>
-                    </a:extLst>
-                  </a:gridCol>
-                </a:tblGrid>
-                <a:tr h="569976">
-                  <a:tc>
-                    <a:txBody>
-                      <a:bodyPr/>
-                      <a:lstStyle/>
-                      <a:p>
-                        <a:pPr marL="0" marR="0" lvl="0" indent="0" algn="l" defTabSz="914400" rtl="0" eaLnBrk="0" fontAlgn="base" latinLnBrk="0" hangingPunct="0">
-                          <a:lnSpc>
-                            <a:spcPct val="100000"/>
-                          </a:lnSpc>
-                          <a:spcBef>
-                            <a:spcPct val="40000"/>
-                          </a:spcBef>
-                          <a:spcAft>
-                            <a:spcPct val="0"/>
-                          </a:spcAft>
-                          <a:buClr>
-                            <a:schemeClr val="tx1"/>
-                          </a:buClr>
-                          <a:buSzTx/>
-                          <a:buFontTx/>
-                          <a:buNone/>
-                          <a:tabLst/>
-                          <a:defRPr/>
-                        </a:pPr>
-                        <a:r>
-                          <a:rPr kumimoji="0" lang="en-US" sz="3100" b="1" i="0" u="none" strike="noStrike" kern="1200" cap="none" spc="0" normalizeH="0" baseline="0" noProof="0" dirty="0">
-                            <a:ln>
-                              <a:noFill/>
-                            </a:ln>
-                            <a:solidFill>
-                              <a:schemeClr val="bg2"/>
-                            </a:solidFill>
-                            <a:effectLst/>
-                            <a:uLnTx/>
-                            <a:uFillTx/>
-                            <a:latin typeface="Consolas" pitchFamily="49" charset="0"/>
-                            <a:ea typeface="+mn-ea"/>
-                            <a:cs typeface="Consolas" pitchFamily="49" charset="0"/>
-                          </a:rPr>
-                          <a:t>John Smith</a:t>
-                        </a:r>
-                      </a:p>
-                    </a:txBody>
-                    <a:tcPr marL="100584" marR="100584" marT="50292" marB="50292" anchor="ctr" horzOverflow="overflow">
-                      <a:lnL w="28575" cap="flat" cmpd="sng" algn="ctr">
-                        <a:solidFill>
-                          <a:schemeClr val="accent5">
-                            <a:lumMod val="20000"/>
-                            <a:lumOff val="80000"/>
-                          </a:schemeClr>
-                        </a:solidFill>
-                        <a:prstDash val="solid"/>
-                        <a:round/>
-                        <a:headEnd type="none" w="med" len="med"/>
-                        <a:tailEnd type="none" w="med" len="med"/>
-                      </a:lnL>
-                      <a:lnR w="28575" cap="flat" cmpd="sng" algn="ctr">
-                        <a:solidFill>
-                          <a:schemeClr val="accent5">
-                            <a:lumMod val="20000"/>
-                            <a:lumOff val="80000"/>
-                          </a:schemeClr>
-                        </a:solidFill>
-                        <a:prstDash val="solid"/>
-                        <a:round/>
-                        <a:headEnd type="none" w="med" len="med"/>
-                        <a:tailEnd type="none" w="med" len="med"/>
-                      </a:lnR>
-                      <a:lnT w="28575" cap="flat" cmpd="sng" algn="ctr">
-                        <a:solidFill>
-                          <a:schemeClr val="accent5">
-                            <a:lumMod val="20000"/>
-                            <a:lumOff val="80000"/>
-                          </a:schemeClr>
-                        </a:solidFill>
-                        <a:prstDash val="solid"/>
-                        <a:round/>
-                        <a:headEnd type="none" w="med" len="med"/>
-                        <a:tailEnd type="none" w="med" len="med"/>
-                      </a:lnT>
-                      <a:lnB w="28575" cap="flat" cmpd="sng" algn="ctr">
-                        <a:solidFill>
-                          <a:schemeClr val="accent5">
-                            <a:lumMod val="20000"/>
-                            <a:lumOff val="80000"/>
-                          </a:schemeClr>
-                        </a:solidFill>
-                        <a:prstDash val="solid"/>
-                        <a:round/>
-                        <a:headEnd type="none" w="med" len="med"/>
-                        <a:tailEnd type="none" w="med" len="med"/>
-                      </a:lnB>
-                      <a:lnTlToBr>
-                        <a:noFill/>
-                      </a:lnTlToBr>
-                      <a:lnBlToTr>
-                        <a:noFill/>
-                      </a:lnBlToTr>
-                      <a:solidFill>
-                        <a:schemeClr val="accent5">
-                          <a:lumMod val="20000"/>
-                          <a:lumOff val="80000"/>
-                          <a:alpha val="30000"/>
-                        </a:schemeClr>
-                      </a:solidFill>
-                    </a:tcPr>
-                  </a:tc>
-                  <a:tc>
-                    <a:txBody>
-                      <a:bodyPr/>
-                      <a:lstStyle/>
-                      <a:p>
-                        <a:pPr marL="0" marR="0" lvl="0" indent="0" algn="l" defTabSz="914400" rtl="0" eaLnBrk="0" fontAlgn="base" latinLnBrk="0" hangingPunct="0">
-                          <a:lnSpc>
-                            <a:spcPct val="100000"/>
-                          </a:lnSpc>
-                          <a:spcBef>
-                            <a:spcPct val="40000"/>
-                          </a:spcBef>
-                          <a:spcAft>
-                            <a:spcPct val="0"/>
-                          </a:spcAft>
-                          <a:buClr>
-                            <a:schemeClr val="tx1"/>
-                          </a:buClr>
-                          <a:buSzTx/>
-                          <a:buFontTx/>
-                          <a:buNone/>
-                          <a:tabLst/>
-                          <a:defRPr/>
-                        </a:pPr>
-                        <a:r>
-                          <a:rPr kumimoji="0" lang="en-US" sz="3100" b="1" i="0" u="none" strike="noStrike" kern="1200" cap="none" spc="0" normalizeH="0" baseline="0" noProof="0" dirty="0">
-                            <a:ln>
-                              <a:noFill/>
-                            </a:ln>
-                            <a:solidFill>
-                              <a:schemeClr val="bg2"/>
-                            </a:solidFill>
-                            <a:effectLst/>
-                            <a:uLnTx/>
-                            <a:uFillTx/>
-                            <a:latin typeface="Consolas" pitchFamily="49" charset="0"/>
-                            <a:ea typeface="+mn-ea"/>
-                            <a:cs typeface="Consolas" pitchFamily="49" charset="0"/>
-                          </a:rPr>
-                          <a:t>+1-555-8976</a:t>
-                        </a:r>
-                      </a:p>
-                    </a:txBody>
-                    <a:tcPr marL="100584" marR="100584" marT="50292" marB="50292" anchor="ctr" horzOverflow="overflow">
-                      <a:lnL w="28575" cap="flat" cmpd="sng" algn="ctr">
-                        <a:solidFill>
-                          <a:schemeClr val="accent5">
-                            <a:lumMod val="20000"/>
-                            <a:lumOff val="80000"/>
-                          </a:schemeClr>
-                        </a:solidFill>
-                        <a:prstDash val="solid"/>
-                        <a:round/>
-                        <a:headEnd type="none" w="med" len="med"/>
-                        <a:tailEnd type="none" w="med" len="med"/>
-                      </a:lnL>
-                      <a:lnR w="28575" cap="flat" cmpd="sng" algn="ctr">
-                        <a:solidFill>
-                          <a:schemeClr val="accent5">
-                            <a:lumMod val="20000"/>
-                            <a:lumOff val="80000"/>
-                          </a:schemeClr>
-                        </a:solidFill>
-                        <a:prstDash val="solid"/>
-                        <a:round/>
-                        <a:headEnd type="none" w="med" len="med"/>
-                        <a:tailEnd type="none" w="med" len="med"/>
-                      </a:lnR>
-                      <a:lnT w="28575" cap="flat" cmpd="sng" algn="ctr">
-                        <a:solidFill>
-                          <a:schemeClr val="accent5">
-                            <a:lumMod val="20000"/>
-                            <a:lumOff val="80000"/>
-                          </a:schemeClr>
-                        </a:solidFill>
-                        <a:prstDash val="solid"/>
-                        <a:round/>
-                        <a:headEnd type="none" w="med" len="med"/>
-                        <a:tailEnd type="none" w="med" len="med"/>
-                      </a:lnT>
-                      <a:lnB w="28575" cap="flat" cmpd="sng" algn="ctr">
-                        <a:solidFill>
-                          <a:schemeClr val="accent5">
-                            <a:lumMod val="20000"/>
-                            <a:lumOff val="80000"/>
-                          </a:schemeClr>
-                        </a:solidFill>
-                        <a:prstDash val="solid"/>
-                        <a:round/>
-                        <a:headEnd type="none" w="med" len="med"/>
-                        <a:tailEnd type="none" w="med" len="med"/>
-                      </a:lnB>
-                      <a:lnTlToBr>
-                        <a:noFill/>
-                      </a:lnTlToBr>
-                      <a:lnBlToTr>
-                        <a:noFill/>
-                      </a:lnBlToTr>
-                      <a:solidFill>
-                        <a:schemeClr val="accent5">
-                          <a:lumMod val="20000"/>
-                          <a:lumOff val="80000"/>
-                          <a:alpha val="30000"/>
-                        </a:schemeClr>
-                      </a:solidFill>
-                    </a:tcPr>
-                  </a:tc>
-                  <a:extLst>
-                    <a:ext uri="{0D108BD9-81ED-4DB2-BD59-A6C34878D82A}">
-                      <a16:rowId xmlns:a16="http://schemas.microsoft.com/office/drawing/2014/main" val="10000"/>
-                    </a:ext>
-                  </a:extLst>
-                </a:tr>
-                <a:tr h="569976">
-                  <a:tc>
-                    <a:txBody>
-                      <a:bodyPr/>
-                      <a:lstStyle/>
-                      <a:p>
-                        <a:pPr marL="0" marR="0" lvl="0" indent="0" algn="l" defTabSz="914400" rtl="0" eaLnBrk="0" fontAlgn="base" latinLnBrk="0" hangingPunct="0">
-                          <a:lnSpc>
-                            <a:spcPct val="100000"/>
-                          </a:lnSpc>
-                          <a:spcBef>
-                            <a:spcPct val="40000"/>
-                          </a:spcBef>
-                          <a:spcAft>
-                            <a:spcPct val="0"/>
-                          </a:spcAft>
-                          <a:buClr>
-                            <a:schemeClr val="tx1"/>
-                          </a:buClr>
-                          <a:buSzTx/>
-                          <a:buFontTx/>
-                          <a:buNone/>
-                          <a:tabLst/>
-                          <a:defRPr/>
-                        </a:pPr>
-                        <a:r>
-                          <a:rPr kumimoji="0" lang="en-US" sz="3100" b="1" i="0" u="none" strike="noStrike" kern="1200" cap="none" spc="0" normalizeH="0" baseline="0" noProof="0" dirty="0">
-                            <a:ln>
-                              <a:noFill/>
-                            </a:ln>
-                            <a:solidFill>
-                              <a:schemeClr val="bg2"/>
-                            </a:solidFill>
-                            <a:effectLst/>
-                            <a:uLnTx/>
-                            <a:uFillTx/>
-                            <a:latin typeface="Consolas" pitchFamily="49" charset="0"/>
-                            <a:ea typeface="+mn-ea"/>
-                            <a:cs typeface="Consolas" pitchFamily="49" charset="0"/>
-                          </a:rPr>
-                          <a:t>Sam Doe</a:t>
-                        </a:r>
-                      </a:p>
-                    </a:txBody>
-                    <a:tcPr marL="100584" marR="100584" marT="50292" marB="50292" anchor="ctr" horzOverflow="overflow">
-                      <a:lnL w="28575" cap="flat" cmpd="sng" algn="ctr">
-                        <a:solidFill>
-                          <a:schemeClr val="accent5">
-                            <a:lumMod val="20000"/>
-                            <a:lumOff val="80000"/>
-                          </a:schemeClr>
-                        </a:solidFill>
-                        <a:prstDash val="solid"/>
-                        <a:round/>
-                        <a:headEnd type="none" w="med" len="med"/>
-                        <a:tailEnd type="none" w="med" len="med"/>
-                      </a:lnL>
-                      <a:lnR w="28575" cap="flat" cmpd="sng" algn="ctr">
-                        <a:solidFill>
-                          <a:schemeClr val="accent5">
-                            <a:lumMod val="20000"/>
-                            <a:lumOff val="80000"/>
-                          </a:schemeClr>
-                        </a:solidFill>
-                        <a:prstDash val="solid"/>
-                        <a:round/>
-                        <a:headEnd type="none" w="med" len="med"/>
-                        <a:tailEnd type="none" w="med" len="med"/>
-                      </a:lnR>
-                      <a:lnT w="28575" cap="flat" cmpd="sng" algn="ctr">
-                        <a:solidFill>
-                          <a:schemeClr val="accent5">
-                            <a:lumMod val="20000"/>
-                            <a:lumOff val="80000"/>
-                          </a:schemeClr>
-                        </a:solidFill>
-                        <a:prstDash val="solid"/>
-                        <a:round/>
-                        <a:headEnd type="none" w="med" len="med"/>
-                        <a:tailEnd type="none" w="med" len="med"/>
-                      </a:lnT>
-                      <a:lnB w="28575" cap="flat" cmpd="sng" algn="ctr">
-                        <a:solidFill>
-                          <a:schemeClr val="accent5">
-                            <a:lumMod val="20000"/>
-                            <a:lumOff val="80000"/>
-                          </a:schemeClr>
-                        </a:solidFill>
-                        <a:prstDash val="solid"/>
-                        <a:round/>
-                        <a:headEnd type="none" w="med" len="med"/>
-                        <a:tailEnd type="none" w="med" len="med"/>
-                      </a:lnB>
-                      <a:lnTlToBr>
-                        <a:noFill/>
-                      </a:lnTlToBr>
-                      <a:lnBlToTr>
-                        <a:noFill/>
-                      </a:lnBlToTr>
-                      <a:solidFill>
-                        <a:schemeClr val="accent5">
-                          <a:lumMod val="20000"/>
-                          <a:lumOff val="80000"/>
-                          <a:alpha val="30000"/>
-                        </a:schemeClr>
-                      </a:solidFill>
-                    </a:tcPr>
-                  </a:tc>
-                  <a:tc>
-                    <a:txBody>
-                      <a:bodyPr/>
-                      <a:lstStyle/>
-                      <a:p>
-                        <a:pPr marL="0" marR="0" lvl="0" indent="0" algn="l" defTabSz="914400" rtl="0" eaLnBrk="0" fontAlgn="base" latinLnBrk="0" hangingPunct="0">
-                          <a:lnSpc>
-                            <a:spcPct val="100000"/>
-                          </a:lnSpc>
-                          <a:spcBef>
-                            <a:spcPct val="40000"/>
-                          </a:spcBef>
-                          <a:spcAft>
-                            <a:spcPct val="0"/>
-                          </a:spcAft>
-                          <a:buClr>
-                            <a:schemeClr val="tx1"/>
-                          </a:buClr>
-                          <a:buSzTx/>
-                          <a:buFontTx/>
-                          <a:buNone/>
-                          <a:tabLst/>
-                          <a:defRPr/>
-                        </a:pPr>
-                        <a:r>
-                          <a:rPr kumimoji="0" lang="en-US" sz="3100" b="1" i="0" u="none" strike="noStrike" kern="1200" cap="none" spc="0" normalizeH="0" baseline="0" noProof="0" dirty="0">
-                            <a:ln>
-                              <a:noFill/>
-                            </a:ln>
-                            <a:solidFill>
-                              <a:schemeClr val="bg2"/>
-                            </a:solidFill>
-                            <a:effectLst/>
-                            <a:uLnTx/>
-                            <a:uFillTx/>
-                            <a:latin typeface="Consolas" pitchFamily="49" charset="0"/>
-                            <a:ea typeface="+mn-ea"/>
-                            <a:cs typeface="Consolas" pitchFamily="49" charset="0"/>
-                          </a:rPr>
-                          <a:t>+1-555-5030</a:t>
-                        </a:r>
-                      </a:p>
-                    </a:txBody>
-                    <a:tcPr marL="100584" marR="100584" marT="50292" marB="50292" anchor="ctr" horzOverflow="overflow">
-                      <a:lnL w="28575" cap="flat" cmpd="sng" algn="ctr">
-                        <a:solidFill>
-                          <a:schemeClr val="accent5">
-                            <a:lumMod val="20000"/>
-                            <a:lumOff val="80000"/>
-                          </a:schemeClr>
-                        </a:solidFill>
-                        <a:prstDash val="solid"/>
-                        <a:round/>
-                        <a:headEnd type="none" w="med" len="med"/>
-                        <a:tailEnd type="none" w="med" len="med"/>
-                      </a:lnL>
-                      <a:lnR w="28575" cap="flat" cmpd="sng" algn="ctr">
-                        <a:solidFill>
-                          <a:schemeClr val="accent5">
-                            <a:lumMod val="20000"/>
-                            <a:lumOff val="80000"/>
-                          </a:schemeClr>
-                        </a:solidFill>
-                        <a:prstDash val="solid"/>
-                        <a:round/>
-                        <a:headEnd type="none" w="med" len="med"/>
-                        <a:tailEnd type="none" w="med" len="med"/>
-                      </a:lnR>
-                      <a:lnT w="28575" cap="flat" cmpd="sng" algn="ctr">
-                        <a:solidFill>
-                          <a:schemeClr val="accent5">
-                            <a:lumMod val="20000"/>
-                            <a:lumOff val="80000"/>
-                          </a:schemeClr>
-                        </a:solidFill>
-                        <a:prstDash val="solid"/>
-                        <a:round/>
-                        <a:headEnd type="none" w="med" len="med"/>
-                        <a:tailEnd type="none" w="med" len="med"/>
-                      </a:lnT>
-                      <a:lnB w="28575" cap="flat" cmpd="sng" algn="ctr">
-                        <a:solidFill>
-                          <a:schemeClr val="accent5">
-                            <a:lumMod val="20000"/>
-                            <a:lumOff val="80000"/>
-                          </a:schemeClr>
-                        </a:solidFill>
-                        <a:prstDash val="solid"/>
-                        <a:round/>
-                        <a:headEnd type="none" w="med" len="med"/>
-                        <a:tailEnd type="none" w="med" len="med"/>
-                      </a:lnB>
-                      <a:lnTlToBr>
-                        <a:noFill/>
-                      </a:lnTlToBr>
-                      <a:lnBlToTr>
-                        <a:noFill/>
-                      </a:lnBlToTr>
-                      <a:solidFill>
-                        <a:schemeClr val="accent5">
-                          <a:lumMod val="20000"/>
-                          <a:lumOff val="80000"/>
-                          <a:alpha val="30000"/>
-                        </a:schemeClr>
-                      </a:solidFill>
-                    </a:tcPr>
-                  </a:tc>
-                  <a:extLst>
-                    <a:ext uri="{0D108BD9-81ED-4DB2-BD59-A6C34878D82A}">
-                      <a16:rowId xmlns:a16="http://schemas.microsoft.com/office/drawing/2014/main" val="10002"/>
-                    </a:ext>
-                  </a:extLst>
-                </a:tr>
-                <a:tr h="569976">
-                  <a:tc>
-                    <a:txBody>
-                      <a:bodyPr/>
-                      <a:lstStyle/>
-                      <a:p>
-                        <a:pPr marL="0" marR="0" lvl="0" indent="0" algn="l" defTabSz="914400" rtl="0" eaLnBrk="0" fontAlgn="base" latinLnBrk="0" hangingPunct="0">
-                          <a:lnSpc>
-                            <a:spcPct val="100000"/>
-                          </a:lnSpc>
-                          <a:spcBef>
-                            <a:spcPct val="40000"/>
-                          </a:spcBef>
-                          <a:spcAft>
-                            <a:spcPct val="0"/>
-                          </a:spcAft>
-                          <a:buClr>
-                            <a:schemeClr val="tx1"/>
-                          </a:buClr>
-                          <a:buSzTx/>
-                          <a:buFontTx/>
-                          <a:buNone/>
-                          <a:tabLst/>
-                          <a:defRPr/>
-                        </a:pPr>
-                        <a:r>
-                          <a:rPr kumimoji="0" lang="en-US" sz="3100" b="1" i="0" u="none" strike="noStrike" kern="1200" cap="none" spc="0" normalizeH="0" baseline="0" noProof="0" dirty="0">
-                            <a:ln>
-                              <a:noFill/>
-                            </a:ln>
-                            <a:solidFill>
-                              <a:schemeClr val="bg2"/>
-                            </a:solidFill>
-                            <a:effectLst/>
-                            <a:uLnTx/>
-                            <a:uFillTx/>
-                            <a:latin typeface="Consolas" pitchFamily="49" charset="0"/>
-                            <a:ea typeface="+mn-ea"/>
-                            <a:cs typeface="Consolas" pitchFamily="49" charset="0"/>
-                          </a:rPr>
-                          <a:t>Sam Smith</a:t>
-                        </a:r>
-                      </a:p>
-                    </a:txBody>
-                    <a:tcPr marL="100584" marR="100584" marT="50292" marB="50292" anchor="ctr" horzOverflow="overflow">
-                      <a:lnL w="28575" cap="flat" cmpd="sng" algn="ctr">
-                        <a:solidFill>
-                          <a:schemeClr val="accent5">
-                            <a:lumMod val="20000"/>
-                            <a:lumOff val="80000"/>
-                          </a:schemeClr>
-                        </a:solidFill>
-                        <a:prstDash val="solid"/>
-                        <a:round/>
-                        <a:headEnd type="none" w="med" len="med"/>
-                        <a:tailEnd type="none" w="med" len="med"/>
-                      </a:lnL>
-                      <a:lnR w="28575" cap="flat" cmpd="sng" algn="ctr">
-                        <a:solidFill>
-                          <a:schemeClr val="accent5">
-                            <a:lumMod val="20000"/>
-                            <a:lumOff val="80000"/>
-                          </a:schemeClr>
-                        </a:solidFill>
-                        <a:prstDash val="solid"/>
-                        <a:round/>
-                        <a:headEnd type="none" w="med" len="med"/>
-                        <a:tailEnd type="none" w="med" len="med"/>
-                      </a:lnR>
-                      <a:lnT w="28575" cap="flat" cmpd="sng" algn="ctr">
-                        <a:solidFill>
-                          <a:schemeClr val="accent5">
-                            <a:lumMod val="20000"/>
-                            <a:lumOff val="80000"/>
-                          </a:schemeClr>
-                        </a:solidFill>
-                        <a:prstDash val="solid"/>
-                        <a:round/>
-                        <a:headEnd type="none" w="med" len="med"/>
-                        <a:tailEnd type="none" w="med" len="med"/>
-                      </a:lnT>
-                      <a:lnB w="28575" cap="flat" cmpd="sng" algn="ctr">
-                        <a:solidFill>
-                          <a:schemeClr val="accent5">
-                            <a:lumMod val="20000"/>
-                            <a:lumOff val="80000"/>
-                          </a:schemeClr>
-                        </a:solidFill>
-                        <a:prstDash val="solid"/>
-                        <a:round/>
-                        <a:headEnd type="none" w="med" len="med"/>
-                        <a:tailEnd type="none" w="med" len="med"/>
-                      </a:lnB>
-                      <a:lnTlToBr>
-                        <a:noFill/>
-                      </a:lnTlToBr>
-                      <a:lnBlToTr>
-                        <a:noFill/>
-                      </a:lnBlToTr>
-                      <a:solidFill>
-                        <a:schemeClr val="accent5">
-                          <a:lumMod val="20000"/>
-                          <a:lumOff val="80000"/>
-                          <a:alpha val="30000"/>
-                        </a:schemeClr>
-                      </a:solidFill>
-                    </a:tcPr>
-                  </a:tc>
-                  <a:tc>
-                    <a:txBody>
-                      <a:bodyPr/>
-                      <a:lstStyle/>
-                      <a:p>
-                        <a:pPr marL="0" marR="0" lvl="0" indent="0" algn="l" defTabSz="914400" rtl="0" eaLnBrk="0" fontAlgn="base" latinLnBrk="0" hangingPunct="0">
-                          <a:lnSpc>
-                            <a:spcPct val="100000"/>
-                          </a:lnSpc>
-                          <a:spcBef>
-                            <a:spcPct val="40000"/>
-                          </a:spcBef>
-                          <a:spcAft>
-                            <a:spcPct val="0"/>
-                          </a:spcAft>
-                          <a:buClr>
-                            <a:schemeClr val="tx1"/>
-                          </a:buClr>
-                          <a:buSzTx/>
-                          <a:buFontTx/>
-                          <a:buNone/>
-                          <a:tabLst/>
-                          <a:defRPr/>
-                        </a:pPr>
-                        <a:r>
-                          <a:rPr kumimoji="0" lang="en-US" sz="3100" b="1" i="0" u="none" strike="noStrike" kern="1200" cap="none" spc="0" normalizeH="0" baseline="0" noProof="0" dirty="0">
-                            <a:ln>
-                              <a:noFill/>
-                            </a:ln>
-                            <a:solidFill>
-                              <a:schemeClr val="bg2"/>
-                            </a:solidFill>
-                            <a:effectLst/>
-                            <a:uLnTx/>
-                            <a:uFillTx/>
-                            <a:latin typeface="Consolas" pitchFamily="49" charset="0"/>
-                            <a:ea typeface="+mn-ea"/>
-                            <a:cs typeface="Consolas" pitchFamily="49" charset="0"/>
-                          </a:rPr>
-                          <a:t>+1-555-4542</a:t>
-                        </a:r>
-                      </a:p>
-                    </a:txBody>
-                    <a:tcPr marL="100584" marR="100584" marT="50292" marB="50292" anchor="ctr" horzOverflow="overflow">
-                      <a:lnL w="28575" cap="flat" cmpd="sng" algn="ctr">
-                        <a:solidFill>
-                          <a:schemeClr val="accent5">
-                            <a:lumMod val="20000"/>
-                            <a:lumOff val="80000"/>
-                          </a:schemeClr>
-                        </a:solidFill>
-                        <a:prstDash val="solid"/>
-                        <a:round/>
-                        <a:headEnd type="none" w="med" len="med"/>
-                        <a:tailEnd type="none" w="med" len="med"/>
-                      </a:lnL>
-                      <a:lnR w="28575" cap="flat" cmpd="sng" algn="ctr">
-                        <a:solidFill>
-                          <a:schemeClr val="accent5">
-                            <a:lumMod val="20000"/>
-                            <a:lumOff val="80000"/>
-                          </a:schemeClr>
-                        </a:solidFill>
-                        <a:prstDash val="solid"/>
-                        <a:round/>
-                        <a:headEnd type="none" w="med" len="med"/>
-                        <a:tailEnd type="none" w="med" len="med"/>
-                      </a:lnR>
-                      <a:lnT w="28575" cap="flat" cmpd="sng" algn="ctr">
-                        <a:solidFill>
-                          <a:schemeClr val="accent5">
-                            <a:lumMod val="20000"/>
-                            <a:lumOff val="80000"/>
-                          </a:schemeClr>
-                        </a:solidFill>
-                        <a:prstDash val="solid"/>
-                        <a:round/>
-                        <a:headEnd type="none" w="med" len="med"/>
-                        <a:tailEnd type="none" w="med" len="med"/>
-                      </a:lnT>
-                      <a:lnB w="28575" cap="flat" cmpd="sng" algn="ctr">
-                        <a:solidFill>
-                          <a:schemeClr val="accent5">
-                            <a:lumMod val="20000"/>
-                            <a:lumOff val="80000"/>
-                          </a:schemeClr>
-                        </a:solidFill>
-                        <a:prstDash val="solid"/>
-                        <a:round/>
-                        <a:headEnd type="none" w="med" len="med"/>
-                        <a:tailEnd type="none" w="med" len="med"/>
-                      </a:lnB>
-                      <a:lnTlToBr>
-                        <a:noFill/>
-                      </a:lnTlToBr>
-                      <a:lnBlToTr>
-                        <a:noFill/>
-                      </a:lnBlToTr>
-                      <a:solidFill>
-                        <a:schemeClr val="accent5">
-                          <a:lumMod val="20000"/>
-                          <a:lumOff val="80000"/>
-                          <a:alpha val="30000"/>
-                        </a:schemeClr>
-                      </a:solidFill>
-                    </a:tcPr>
-                  </a:tc>
-                  <a:extLst>
-                    <a:ext uri="{0D108BD9-81ED-4DB2-BD59-A6C34878D82A}">
-                      <a16:rowId xmlns:a16="http://schemas.microsoft.com/office/drawing/2014/main" val="2115754362"/>
-                    </a:ext>
-                  </a:extLst>
-                </a:tr>
-                <a:tr h="569976">
-                  <a:tc>
-                    <a:txBody>
-                      <a:bodyPr/>
-                      <a:lstStyle/>
-                      <a:p>
-                        <a:pPr marL="0" marR="0" lvl="0" indent="0" algn="l" defTabSz="914400" rtl="0" eaLnBrk="0" fontAlgn="base" latinLnBrk="0" hangingPunct="0">
-                          <a:lnSpc>
-                            <a:spcPct val="100000"/>
-                          </a:lnSpc>
-                          <a:spcBef>
-                            <a:spcPct val="40000"/>
-                          </a:spcBef>
-                          <a:spcAft>
-                            <a:spcPct val="0"/>
-                          </a:spcAft>
-                          <a:buClr>
-                            <a:schemeClr val="tx1"/>
-                          </a:buClr>
-                          <a:buSzTx/>
-                          <a:buFontTx/>
-                          <a:buNone/>
-                          <a:tabLst/>
-                          <a:defRPr/>
-                        </a:pPr>
-                        <a:r>
-                          <a:rPr kumimoji="0" lang="en-US" sz="3100" b="1" i="0" u="none" strike="noStrike" kern="1200" cap="none" spc="0" normalizeH="0" baseline="0" noProof="0" dirty="0">
-                            <a:ln>
-                              <a:noFill/>
-                            </a:ln>
-                            <a:solidFill>
-                              <a:schemeClr val="bg2"/>
-                            </a:solidFill>
-                            <a:effectLst/>
-                            <a:uLnTx/>
-                            <a:uFillTx/>
-                            <a:latin typeface="Consolas" pitchFamily="49" charset="0"/>
-                            <a:ea typeface="+mn-ea"/>
-                            <a:cs typeface="Consolas" pitchFamily="49" charset="0"/>
-                          </a:rPr>
-                          <a:t>John Doe</a:t>
-                        </a:r>
-                      </a:p>
-                    </a:txBody>
-                    <a:tcPr marL="100584" marR="100584" marT="50292" marB="50292" anchor="ctr" horzOverflow="overflow">
-                      <a:lnL w="28575" cap="flat" cmpd="sng" algn="ctr">
-                        <a:solidFill>
-                          <a:schemeClr val="accent5">
-                            <a:lumMod val="20000"/>
-                            <a:lumOff val="80000"/>
-                          </a:schemeClr>
-                        </a:solidFill>
-                        <a:prstDash val="solid"/>
-                        <a:round/>
-                        <a:headEnd type="none" w="med" len="med"/>
-                        <a:tailEnd type="none" w="med" len="med"/>
-                      </a:lnL>
-                      <a:lnR w="28575" cap="flat" cmpd="sng" algn="ctr">
-                        <a:solidFill>
-                          <a:schemeClr val="accent5">
-                            <a:lumMod val="20000"/>
-                            <a:lumOff val="80000"/>
-                          </a:schemeClr>
-                        </a:solidFill>
-                        <a:prstDash val="solid"/>
-                        <a:round/>
-                        <a:headEnd type="none" w="med" len="med"/>
-                        <a:tailEnd type="none" w="med" len="med"/>
-                      </a:lnR>
-                      <a:lnT w="28575" cap="flat" cmpd="sng" algn="ctr">
-                        <a:solidFill>
-                          <a:schemeClr val="accent5">
-                            <a:lumMod val="20000"/>
-                            <a:lumOff val="80000"/>
-                          </a:schemeClr>
-                        </a:solidFill>
-                        <a:prstDash val="solid"/>
-                        <a:round/>
-                        <a:headEnd type="none" w="med" len="med"/>
-                        <a:tailEnd type="none" w="med" len="med"/>
-                      </a:lnT>
-                      <a:lnB w="28575" cap="flat" cmpd="sng" algn="ctr">
-                        <a:solidFill>
-                          <a:schemeClr val="accent5">
-                            <a:lumMod val="20000"/>
-                            <a:lumOff val="80000"/>
-                          </a:schemeClr>
-                        </a:solidFill>
-                        <a:prstDash val="solid"/>
-                        <a:round/>
-                        <a:headEnd type="none" w="med" len="med"/>
-                        <a:tailEnd type="none" w="med" len="med"/>
-                      </a:lnB>
-                      <a:lnTlToBr>
-                        <a:noFill/>
-                      </a:lnTlToBr>
-                      <a:lnBlToTr>
-                        <a:noFill/>
-                      </a:lnBlToTr>
-                      <a:solidFill>
-                        <a:schemeClr val="accent5">
-                          <a:lumMod val="20000"/>
-                          <a:lumOff val="80000"/>
-                          <a:alpha val="30000"/>
-                        </a:schemeClr>
-                      </a:solidFill>
-                    </a:tcPr>
-                  </a:tc>
-                  <a:tc>
-                    <a:txBody>
-                      <a:bodyPr/>
-                      <a:lstStyle/>
-                      <a:p>
-                        <a:pPr marL="0" marR="0" lvl="0" indent="0" algn="l" defTabSz="914400" rtl="0" eaLnBrk="0" fontAlgn="base" latinLnBrk="0" hangingPunct="0">
-                          <a:lnSpc>
-                            <a:spcPct val="100000"/>
-                          </a:lnSpc>
-                          <a:spcBef>
-                            <a:spcPct val="40000"/>
-                          </a:spcBef>
-                          <a:spcAft>
-                            <a:spcPct val="0"/>
-                          </a:spcAft>
-                          <a:buClr>
-                            <a:schemeClr val="tx1"/>
-                          </a:buClr>
-                          <a:buSzTx/>
-                          <a:buFontTx/>
-                          <a:buNone/>
-                          <a:tabLst/>
-                          <a:defRPr/>
-                        </a:pPr>
-                        <a:r>
-                          <a:rPr kumimoji="0" lang="en-US" sz="3100" b="1" i="0" u="none" strike="noStrike" kern="1200" cap="none" spc="0" normalizeH="0" baseline="0" noProof="0" dirty="0">
-                            <a:ln>
-                              <a:noFill/>
-                            </a:ln>
-                            <a:solidFill>
-                              <a:schemeClr val="bg2"/>
-                            </a:solidFill>
-                            <a:effectLst/>
-                            <a:uLnTx/>
-                            <a:uFillTx/>
-                            <a:latin typeface="Consolas" pitchFamily="49" charset="0"/>
-                            <a:ea typeface="+mn-ea"/>
-                            <a:cs typeface="Consolas" pitchFamily="49" charset="0"/>
-                          </a:rPr>
-                          <a:t>+1-555-3527</a:t>
-                        </a:r>
-                      </a:p>
-                    </a:txBody>
-                    <a:tcPr marL="100584" marR="100584" marT="50292" marB="50292" anchor="ctr" horzOverflow="overflow">
-                      <a:lnL w="28575" cap="flat" cmpd="sng" algn="ctr">
-                        <a:solidFill>
-                          <a:schemeClr val="accent5">
-                            <a:lumMod val="20000"/>
-                            <a:lumOff val="80000"/>
-                          </a:schemeClr>
-                        </a:solidFill>
-                        <a:prstDash val="solid"/>
-                        <a:round/>
-                        <a:headEnd type="none" w="med" len="med"/>
-                        <a:tailEnd type="none" w="med" len="med"/>
-                      </a:lnL>
-                      <a:lnR w="28575" cap="flat" cmpd="sng" algn="ctr">
-                        <a:solidFill>
-                          <a:schemeClr val="accent5">
-                            <a:lumMod val="20000"/>
-                            <a:lumOff val="80000"/>
-                          </a:schemeClr>
-                        </a:solidFill>
-                        <a:prstDash val="solid"/>
-                        <a:round/>
-                        <a:headEnd type="none" w="med" len="med"/>
-                        <a:tailEnd type="none" w="med" len="med"/>
-                      </a:lnR>
-                      <a:lnT w="28575" cap="flat" cmpd="sng" algn="ctr">
-                        <a:solidFill>
-                          <a:schemeClr val="accent5">
-                            <a:lumMod val="20000"/>
-                            <a:lumOff val="80000"/>
-                          </a:schemeClr>
-                        </a:solidFill>
-                        <a:prstDash val="solid"/>
-                        <a:round/>
-                        <a:headEnd type="none" w="med" len="med"/>
-                        <a:tailEnd type="none" w="med" len="med"/>
-                      </a:lnT>
-                      <a:lnB w="28575" cap="flat" cmpd="sng" algn="ctr">
-                        <a:solidFill>
-                          <a:schemeClr val="accent5">
-                            <a:lumMod val="20000"/>
-                            <a:lumOff val="80000"/>
-                          </a:schemeClr>
-                        </a:solidFill>
-                        <a:prstDash val="solid"/>
-                        <a:round/>
-                        <a:headEnd type="none" w="med" len="med"/>
-                        <a:tailEnd type="none" w="med" len="med"/>
-                      </a:lnB>
-                      <a:lnTlToBr>
-                        <a:noFill/>
-                      </a:lnTlToBr>
-                      <a:lnBlToTr>
-                        <a:noFill/>
-                      </a:lnBlToTr>
-                      <a:solidFill>
-                        <a:schemeClr val="accent5">
-                          <a:lumMod val="20000"/>
-                          <a:lumOff val="80000"/>
-                          <a:alpha val="30000"/>
-                        </a:schemeClr>
-                      </a:solidFill>
-                    </a:tcPr>
-                  </a:tc>
-                  <a:extLst>
-                    <a:ext uri="{0D108BD9-81ED-4DB2-BD59-A6C34878D82A}">
-                      <a16:rowId xmlns:a16="http://schemas.microsoft.com/office/drawing/2014/main" val="3303606226"/>
-                    </a:ext>
-                  </a:extLst>
-                </a:tr>
-              </a:tbl>
-            </a:graphicData>
-          </a:graphic>
-        </p:graphicFrame>
-        <p:sp>
-          <p:nvSpPr>
-            <p:cNvPr id="9" name="TextBox 8"/>
-            <p:cNvSpPr txBox="1"/>
-            <p:nvPr/>
-          </p:nvSpPr>
-          <p:spPr>
-            <a:xfrm>
-              <a:off x="3840441" y="1217771"/>
-              <a:ext cx="2312424" cy="440163"/>
-            </a:xfrm>
-            <a:prstGeom prst="rect">
-              <a:avLst/>
-            </a:prstGeom>
-            <a:noFill/>
-          </p:spPr>
-          <p:txBody>
-            <a:bodyPr wrap="square" rtlCol="0">
-              <a:spAutoFit/>
-            </a:bodyPr>
-            <a:lstStyle/>
-            <a:p>
-              <a:pPr algn="ctr"/>
-              <a:r>
-                <a:rPr lang="bg-BG" sz="2799" b="1" dirty="0">
-                  <a:solidFill>
-                    <a:schemeClr val="bg2"/>
-                  </a:solidFill>
-                </a:rPr>
-                <a:t>Ключ</a:t>
-              </a:r>
-              <a:endParaRPr lang="en-US" sz="2799" b="1" dirty="0">
-                <a:solidFill>
-                  <a:schemeClr val="bg2"/>
-                </a:solidFill>
-              </a:endParaRPr>
-            </a:p>
-          </p:txBody>
-        </p:sp>
-        <p:sp>
-          <p:nvSpPr>
-            <p:cNvPr id="10" name="TextBox 9"/>
-            <p:cNvSpPr txBox="1"/>
-            <p:nvPr/>
-          </p:nvSpPr>
-          <p:spPr>
-            <a:xfrm>
-              <a:off x="6167383" y="1222265"/>
-              <a:ext cx="2514180" cy="440163"/>
-            </a:xfrm>
-            <a:prstGeom prst="rect">
-              <a:avLst/>
-            </a:prstGeom>
-            <a:noFill/>
-          </p:spPr>
-          <p:txBody>
-            <a:bodyPr wrap="square" rtlCol="0">
-              <a:spAutoFit/>
-            </a:bodyPr>
-            <a:lstStyle/>
-            <a:p>
-              <a:pPr algn="ctr"/>
-              <a:r>
-                <a:rPr lang="bg-BG" sz="2799" b="1" dirty="0">
-                  <a:solidFill>
-                    <a:schemeClr val="bg2"/>
-                  </a:solidFill>
-                </a:rPr>
-                <a:t>Стойност</a:t>
-              </a:r>
-              <a:endParaRPr lang="en-US" sz="2799" b="1" dirty="0">
-                <a:solidFill>
-                  <a:schemeClr val="bg2"/>
-                </a:solidFill>
-              </a:endParaRPr>
-            </a:p>
-          </p:txBody>
-        </p:sp>
-      </p:grpSp>
+          <p:cNvSpPr>
+            <a:spLocks noGrp="1"/>
+          </p:cNvSpPr>
+          <p:nvPr>
+            <p:ph type="title"/>
+          </p:nvPr>
+        </p:nvSpPr>
+        <p:spPr/>
+        <p:txBody>
+          <a:bodyPr/>
+          <a:lstStyle/>
+          <a:p>
+            <a:r>
+              <a:rPr lang="en-US" dirty="0"/>
+              <a:t>TODO: </a:t>
+            </a:r>
+            <a:r>
+              <a:rPr lang="bg-BG" dirty="0"/>
+              <a:t>Стек</a:t>
+            </a:r>
+            <a:endParaRPr lang="en-BG" dirty="0"/>
+          </a:p>
+        </p:txBody>
+      </p:sp>
     </p:spTree>
     <p:extLst>
       <p:ext uri="{BB962C8B-B14F-4D97-AF65-F5344CB8AC3E}">
-        <p14:creationId xmlns:p14="http://schemas.microsoft.com/office/powerpoint/2010/main" val="1569638838"/>
+        <p14:creationId xmlns:p14="http://schemas.microsoft.com/office/powerpoint/2010/main" val="1329941439"/>
       </p:ext>
     </p:extLst>
   </p:cSld>
@@ -22469,6 +21588,831 @@
       </p:grpSpPr>
       <p:sp>
         <p:nvSpPr>
+          <p:cNvPr id="2" name="Slide Number Placeholder 1">
+            <a:extLst>
+              <a:ext uri="{FF2B5EF4-FFF2-40B4-BE49-F238E27FC236}">
+                <a16:creationId xmlns:a16="http://schemas.microsoft.com/office/drawing/2014/main" id="{94FC1DED-79AB-361B-87BE-6A0CCF708C92}"/>
+              </a:ext>
+            </a:extLst>
+          </p:cNvPr>
+          <p:cNvSpPr>
+            <a:spLocks noGrp="1"/>
+          </p:cNvSpPr>
+          <p:nvPr>
+            <p:ph type="sldNum" sz="quarter" idx="4"/>
+          </p:nvPr>
+        </p:nvSpPr>
+        <p:spPr/>
+        <p:txBody>
+          <a:bodyPr/>
+          <a:lstStyle/>
+          <a:p>
+            <a:fld id="{2BF067CD-8E6B-4360-9AA8-C5DF2A48A6D1}" type="slidenum">
+              <a:rPr lang="en-US" noProof="0" smtClean="0"/>
+              <a:pPr/>
+              <a:t>19</a:t>
+            </a:fld>
+            <a:endParaRPr lang="en-US" noProof="0" dirty="0"/>
+          </a:p>
+        </p:txBody>
+      </p:sp>
+      <p:sp>
+        <p:nvSpPr>
+          <p:cNvPr id="5" name="Title 4">
+            <a:extLst>
+              <a:ext uri="{FF2B5EF4-FFF2-40B4-BE49-F238E27FC236}">
+                <a16:creationId xmlns:a16="http://schemas.microsoft.com/office/drawing/2014/main" id="{F97D57B6-E3F6-94C8-BFD7-F4EDEBDE8CEB}"/>
+              </a:ext>
+            </a:extLst>
+          </p:cNvPr>
+          <p:cNvSpPr>
+            <a:spLocks noGrp="1"/>
+          </p:cNvSpPr>
+          <p:nvPr>
+            <p:ph type="title"/>
+          </p:nvPr>
+        </p:nvSpPr>
+        <p:spPr/>
+        <p:txBody>
+          <a:bodyPr/>
+          <a:lstStyle/>
+          <a:p>
+            <a:r>
+              <a:rPr lang="en-US" dirty="0"/>
+              <a:t>TODO: </a:t>
+            </a:r>
+            <a:r>
+              <a:rPr lang="bg-BG" dirty="0"/>
+              <a:t>Опашка</a:t>
+            </a:r>
+            <a:endParaRPr lang="en-BG" dirty="0"/>
+          </a:p>
+        </p:txBody>
+      </p:sp>
+    </p:spTree>
+    <p:extLst>
+      <p:ext uri="{BB962C8B-B14F-4D97-AF65-F5344CB8AC3E}">
+        <p14:creationId xmlns:p14="http://schemas.microsoft.com/office/powerpoint/2010/main" val="2242700130"/>
+      </p:ext>
+    </p:extLst>
+  </p:cSld>
+  <p:clrMapOvr>
+    <a:masterClrMapping/>
+  </p:clrMapOvr>
+  <mc:AlternateContent xmlns:mc="http://schemas.openxmlformats.org/markup-compatibility/2006">
+    <mc:Choice xmlns:p14="http://schemas.microsoft.com/office/powerpoint/2010/main" Requires="p14">
+      <p:transition spd="slow" p14:dur="2000" advClick="0" advTm="5000"/>
+    </mc:Choice>
+    <mc:Fallback>
+      <p:transition spd="slow" advClick="0" advTm="5000"/>
+    </mc:Fallback>
+  </mc:AlternateContent>
+</p:sld>
+</file>
+
+<file path=ppt/slides/slide2.xml><?xml version="1.0" encoding="utf-8"?>
+<p:sld xmlns:a="http://schemas.openxmlformats.org/drawingml/2006/main" xmlns:r="http://schemas.openxmlformats.org/officeDocument/2006/relationships" xmlns:p="http://schemas.openxmlformats.org/presentationml/2006/main">
+  <p:cSld>
+    <p:spTree>
+      <p:nvGrpSpPr>
+        <p:cNvPr id="1" name=""/>
+        <p:cNvGrpSpPr/>
+        <p:nvPr/>
+      </p:nvGrpSpPr>
+      <p:grpSpPr>
+        <a:xfrm>
+          <a:off x="0" y="0"/>
+          <a:ext cx="0" cy="0"/>
+          <a:chOff x="0" y="0"/>
+          <a:chExt cx="0" cy="0"/>
+        </a:xfrm>
+      </p:grpSpPr>
+      <p:sp>
+        <p:nvSpPr>
+          <p:cNvPr id="444419" name="Rectangle 3"/>
+          <p:cNvSpPr>
+            <a:spLocks noGrp="1" noChangeArrowheads="1"/>
+          </p:cNvSpPr>
+          <p:nvPr>
+            <p:ph type="body" sz="quarter" idx="13"/>
+          </p:nvPr>
+        </p:nvSpPr>
+        <p:spPr>
+          <a:xfrm>
+            <a:off x="198303" y="1314451"/>
+            <a:ext cx="9407697" cy="5354910"/>
+          </a:xfrm>
+        </p:spPr>
+        <p:txBody>
+          <a:bodyPr>
+            <a:normAutofit/>
+          </a:bodyPr>
+          <a:lstStyle/>
+          <a:p>
+            <a:pPr marL="514196" indent="-514196">
+              <a:buClr>
+                <a:schemeClr val="tx1"/>
+              </a:buClr>
+            </a:pPr>
+            <a:r>
+              <a:rPr lang="bg-BG" b="1" dirty="0">
+                <a:solidFill>
+                  <a:schemeClr val="bg1"/>
+                </a:solidFill>
+              </a:rPr>
+              <a:t>Данни</a:t>
+            </a:r>
+            <a:r>
+              <a:rPr lang="en-US" dirty="0"/>
+              <a:t> </a:t>
+            </a:r>
+            <a:r>
+              <a:rPr lang="bg-BG" dirty="0"/>
+              <a:t>в компютрите</a:t>
+            </a:r>
+            <a:endParaRPr lang="en-US" dirty="0"/>
+          </a:p>
+          <a:p>
+            <a:pPr marL="514196" indent="-514196">
+              <a:buClr>
+                <a:schemeClr val="tx1"/>
+              </a:buClr>
+            </a:pPr>
+            <a:r>
+              <a:rPr lang="bg-BG" b="1" dirty="0">
+                <a:solidFill>
+                  <a:schemeClr val="bg1"/>
+                </a:solidFill>
+              </a:rPr>
+              <a:t>Структури от данни </a:t>
+            </a:r>
+            <a:endParaRPr lang="en-US" b="1" dirty="0">
+              <a:solidFill>
+                <a:schemeClr val="bg1"/>
+              </a:solidFill>
+            </a:endParaRPr>
+          </a:p>
+          <a:p>
+            <a:pPr marL="514196" indent="-514196">
+              <a:buClr>
+                <a:schemeClr val="tx1"/>
+              </a:buClr>
+            </a:pPr>
+            <a:r>
+              <a:rPr lang="bg-BG" b="1" dirty="0">
+                <a:solidFill>
+                  <a:schemeClr val="bg1"/>
+                </a:solidFill>
+              </a:rPr>
+              <a:t>Линейни</a:t>
+            </a:r>
+            <a:r>
+              <a:rPr lang="en-US" dirty="0"/>
+              <a:t> </a:t>
+            </a:r>
+            <a:r>
+              <a:rPr lang="bg-BG" dirty="0"/>
+              <a:t>структури от данни</a:t>
+            </a:r>
+            <a:r>
+              <a:rPr lang="en-US" dirty="0"/>
+              <a:t>: </a:t>
+            </a:r>
+            <a:r>
+              <a:rPr lang="bg-BG" dirty="0"/>
+              <a:t>масив</a:t>
+            </a:r>
+            <a:r>
+              <a:rPr lang="en-US" dirty="0"/>
+              <a:t>, </a:t>
+            </a:r>
+            <a:r>
+              <a:rPr lang="bg-BG" noProof="1"/>
+              <a:t>списък</a:t>
+            </a:r>
+            <a:r>
+              <a:rPr lang="en-US" dirty="0"/>
+              <a:t>, </a:t>
+            </a:r>
+            <a:r>
+              <a:rPr lang="bg-BG" dirty="0"/>
+              <a:t>свързан списък</a:t>
+            </a:r>
+            <a:r>
+              <a:rPr lang="en-US" dirty="0"/>
+              <a:t>, </a:t>
+            </a:r>
+            <a:r>
+              <a:rPr lang="bg-BG" dirty="0"/>
+              <a:t>стек</a:t>
+            </a:r>
+            <a:r>
+              <a:rPr lang="en-US" dirty="0"/>
+              <a:t>, </a:t>
+            </a:r>
+            <a:r>
+              <a:rPr lang="bg-BG" dirty="0"/>
+              <a:t>опашка</a:t>
+            </a:r>
+            <a:endParaRPr lang="en-US" dirty="0"/>
+          </a:p>
+          <a:p>
+            <a:pPr marL="514196" indent="-514196">
+              <a:buClr>
+                <a:schemeClr val="tx1"/>
+              </a:buClr>
+            </a:pPr>
+            <a:r>
+              <a:rPr lang="bg-BG" b="1" dirty="0">
+                <a:solidFill>
+                  <a:schemeClr val="bg1"/>
+                </a:solidFill>
+              </a:rPr>
+              <a:t>Сложни </a:t>
+            </a:r>
+            <a:r>
+              <a:rPr lang="bg-BG" dirty="0"/>
+              <a:t>структури от данни: речници, </a:t>
+            </a:r>
+            <a:r>
+              <a:rPr lang="en-US" noProof="1"/>
+              <a:t>OrderedBag</a:t>
+            </a:r>
+            <a:r>
+              <a:rPr lang="bg-BG" noProof="1"/>
+              <a:t>, </a:t>
+            </a:r>
+            <a:r>
+              <a:rPr lang="en-US" noProof="1"/>
+              <a:t>MultiDictionary</a:t>
+            </a:r>
+            <a:r>
+              <a:rPr lang="bg-BG" noProof="1"/>
+              <a:t>, </a:t>
+            </a:r>
+            <a:r>
+              <a:rPr lang="en-US" dirty="0"/>
+              <a:t>Heap</a:t>
+            </a:r>
+            <a:r>
+              <a:rPr lang="bg-BG" dirty="0"/>
+              <a:t> и др.</a:t>
+            </a:r>
+            <a:endParaRPr lang="en-US" dirty="0"/>
+          </a:p>
+          <a:p>
+            <a:pPr marL="514196" indent="-514196"/>
+            <a:endParaRPr lang="en-US" dirty="0"/>
+          </a:p>
+          <a:p>
+            <a:pPr marL="609036" lvl="1" indent="0">
+              <a:buNone/>
+            </a:pPr>
+            <a:endParaRPr lang="en-US" dirty="0"/>
+          </a:p>
+        </p:txBody>
+      </p:sp>
+      <p:sp>
+        <p:nvSpPr>
+          <p:cNvPr id="444418" name="Rectangle 2"/>
+          <p:cNvSpPr>
+            <a:spLocks noGrp="1" noChangeArrowheads="1"/>
+          </p:cNvSpPr>
+          <p:nvPr>
+            <p:ph type="title"/>
+          </p:nvPr>
+        </p:nvSpPr>
+        <p:spPr/>
+        <p:txBody>
+          <a:bodyPr/>
+          <a:lstStyle/>
+          <a:p>
+            <a:r>
+              <a:rPr lang="bg-BG" dirty="0"/>
+              <a:t>Съдържание</a:t>
+            </a:r>
+          </a:p>
+        </p:txBody>
+      </p:sp>
+      <p:sp>
+        <p:nvSpPr>
+          <p:cNvPr id="5" name="Slide Number">
+            <a:extLst>
+              <a:ext uri="{FF2B5EF4-FFF2-40B4-BE49-F238E27FC236}">
+                <a16:creationId xmlns:a16="http://schemas.microsoft.com/office/drawing/2014/main" id="{25C9A669-3E4C-440B-9E83-8C747EDCBC32}"/>
+              </a:ext>
+            </a:extLst>
+          </p:cNvPr>
+          <p:cNvSpPr txBox="1">
+            <a:spLocks/>
+          </p:cNvSpPr>
+          <p:nvPr/>
+        </p:nvSpPr>
+        <p:spPr>
+          <a:xfrm>
+            <a:off x="11753030" y="6507000"/>
+            <a:ext cx="367414" cy="297000"/>
+          </a:xfrm>
+          <a:prstGeom prst="rect">
+            <a:avLst/>
+          </a:prstGeom>
+        </p:spPr>
+        <p:txBody>
+          <a:bodyPr vert="horz" lIns="91440" tIns="45720" rIns="91440" bIns="45720" rtlCol="0" anchor="b"/>
+          <a:lstStyle>
+            <a:defPPr>
+              <a:defRPr lang="en-US"/>
+            </a:defPPr>
+            <a:lvl1pPr marL="0" algn="r" defTabSz="914400" rtl="0" eaLnBrk="1" latinLnBrk="0" hangingPunct="1">
+              <a:defRPr sz="1000" kern="1200">
+                <a:solidFill>
+                  <a:schemeClr val="tx1"/>
+                </a:solidFill>
+                <a:latin typeface="+mn-lt"/>
+                <a:ea typeface="+mn-ea"/>
+                <a:cs typeface="+mn-cs"/>
+              </a:defRPr>
+            </a:lvl1pPr>
+            <a:lvl2pPr marL="457200" algn="l" defTabSz="914400" rtl="0" eaLnBrk="1" latinLnBrk="0" hangingPunct="1">
+              <a:defRPr sz="1800" kern="1200">
+                <a:solidFill>
+                  <a:schemeClr val="tx1"/>
+                </a:solidFill>
+                <a:latin typeface="+mn-lt"/>
+                <a:ea typeface="+mn-ea"/>
+                <a:cs typeface="+mn-cs"/>
+              </a:defRPr>
+            </a:lvl2pPr>
+            <a:lvl3pPr marL="914400" algn="l" defTabSz="914400" rtl="0" eaLnBrk="1" latinLnBrk="0" hangingPunct="1">
+              <a:defRPr sz="1800" kern="1200">
+                <a:solidFill>
+                  <a:schemeClr val="tx1"/>
+                </a:solidFill>
+                <a:latin typeface="+mn-lt"/>
+                <a:ea typeface="+mn-ea"/>
+                <a:cs typeface="+mn-cs"/>
+              </a:defRPr>
+            </a:lvl3pPr>
+            <a:lvl4pPr marL="1371600" algn="l" defTabSz="914400" rtl="0" eaLnBrk="1" latinLnBrk="0" hangingPunct="1">
+              <a:defRPr sz="1800" kern="1200">
+                <a:solidFill>
+                  <a:schemeClr val="tx1"/>
+                </a:solidFill>
+                <a:latin typeface="+mn-lt"/>
+                <a:ea typeface="+mn-ea"/>
+                <a:cs typeface="+mn-cs"/>
+              </a:defRPr>
+            </a:lvl4pPr>
+            <a:lvl5pPr marL="1828800" algn="l" defTabSz="914400" rtl="0" eaLnBrk="1" latinLnBrk="0" hangingPunct="1">
+              <a:defRPr sz="1800" kern="1200">
+                <a:solidFill>
+                  <a:schemeClr val="tx1"/>
+                </a:solidFill>
+                <a:latin typeface="+mn-lt"/>
+                <a:ea typeface="+mn-ea"/>
+                <a:cs typeface="+mn-cs"/>
+              </a:defRPr>
+            </a:lvl5pPr>
+            <a:lvl6pPr marL="2286000" algn="l" defTabSz="914400" rtl="0" eaLnBrk="1" latinLnBrk="0" hangingPunct="1">
+              <a:defRPr sz="1800" kern="1200">
+                <a:solidFill>
+                  <a:schemeClr val="tx1"/>
+                </a:solidFill>
+                <a:latin typeface="+mn-lt"/>
+                <a:ea typeface="+mn-ea"/>
+                <a:cs typeface="+mn-cs"/>
+              </a:defRPr>
+            </a:lvl6pPr>
+            <a:lvl7pPr marL="2743200" algn="l" defTabSz="914400" rtl="0" eaLnBrk="1" latinLnBrk="0" hangingPunct="1">
+              <a:defRPr sz="1800" kern="1200">
+                <a:solidFill>
+                  <a:schemeClr val="tx1"/>
+                </a:solidFill>
+                <a:latin typeface="+mn-lt"/>
+                <a:ea typeface="+mn-ea"/>
+                <a:cs typeface="+mn-cs"/>
+              </a:defRPr>
+            </a:lvl7pPr>
+            <a:lvl8pPr marL="3200400" algn="l" defTabSz="914400" rtl="0" eaLnBrk="1" latinLnBrk="0" hangingPunct="1">
+              <a:defRPr sz="1800" kern="1200">
+                <a:solidFill>
+                  <a:schemeClr val="tx1"/>
+                </a:solidFill>
+                <a:latin typeface="+mn-lt"/>
+                <a:ea typeface="+mn-ea"/>
+                <a:cs typeface="+mn-cs"/>
+              </a:defRPr>
+            </a:lvl8pPr>
+            <a:lvl9pPr marL="3657600" algn="l" defTabSz="914400" rtl="0" eaLnBrk="1" latinLnBrk="0" hangingPunct="1">
+              <a:defRPr sz="1800" kern="1200">
+                <a:solidFill>
+                  <a:schemeClr val="tx1"/>
+                </a:solidFill>
+                <a:latin typeface="+mn-lt"/>
+                <a:ea typeface="+mn-ea"/>
+                <a:cs typeface="+mn-cs"/>
+              </a:defRPr>
+            </a:lvl9pPr>
+          </a:lstStyle>
+          <a:p>
+            <a:fld id="{2BF067CD-8E6B-4360-9AA8-C5DF2A48A6D1}" type="slidenum">
+              <a:rPr lang="en-US" smtClean="0"/>
+              <a:pPr/>
+              <a:t>2</a:t>
+            </a:fld>
+            <a:endParaRPr lang="en-US" dirty="0"/>
+          </a:p>
+        </p:txBody>
+      </p:sp>
+    </p:spTree>
+    <p:extLst>
+      <p:ext uri="{BB962C8B-B14F-4D97-AF65-F5344CB8AC3E}">
+        <p14:creationId xmlns:p14="http://schemas.microsoft.com/office/powerpoint/2010/main" val="2631314930"/>
+      </p:ext>
+    </p:extLst>
+  </p:cSld>
+  <p:clrMapOvr>
+    <a:masterClrMapping/>
+  </p:clrMapOvr>
+  <mc:AlternateContent xmlns:mc="http://schemas.openxmlformats.org/markup-compatibility/2006" xmlns:p14="http://schemas.microsoft.com/office/powerpoint/2010/main">
+    <mc:Choice Requires="p14">
+      <p:transition spd="slow" p14:dur="2000" advClick="0" advTm="5000"/>
+    </mc:Choice>
+    <mc:Fallback xmlns="">
+      <p:transition spd="slow" advClick="0" advTm="5000"/>
+    </mc:Fallback>
+  </mc:AlternateContent>
+  <p:timing>
+    <p:tnLst>
+      <p:par>
+        <p:cTn id="1" dur="indefinite" restart="never" nodeType="tmRoot">
+          <p:childTnLst>
+            <p:seq concurrent="1" nextAc="seek">
+              <p:cTn id="2" dur="indefinite" nodeType="mainSeq">
+                <p:childTnLst>
+                  <p:par>
+                    <p:cTn id="3" fill="hold">
+                      <p:stCondLst>
+                        <p:cond delay="indefinite"/>
+                      </p:stCondLst>
+                      <p:childTnLst>
+                        <p:par>
+                          <p:cTn id="4" fill="hold">
+                            <p:stCondLst>
+                              <p:cond delay="0"/>
+                            </p:stCondLst>
+                            <p:childTnLst>
+                              <p:par>
+                                <p:cTn id="5" presetID="1" presetClass="entr" presetSubtype="0" fill="hold" nodeType="clickEffect">
+                                  <p:stCondLst>
+                                    <p:cond delay="0"/>
+                                  </p:stCondLst>
+                                  <p:childTnLst>
+                                    <p:set>
+                                      <p:cBhvr>
+                                        <p:cTn id="6" dur="1" fill="hold">
+                                          <p:stCondLst>
+                                            <p:cond delay="0"/>
+                                          </p:stCondLst>
+                                        </p:cTn>
+                                        <p:tgtEl>
+                                          <p:spTgt spid="444419">
+                                            <p:txEl>
+                                              <p:pRg st="1" end="1"/>
+                                            </p:txEl>
+                                          </p:spTgt>
+                                        </p:tgtEl>
+                                        <p:attrNameLst>
+                                          <p:attrName>style.visibility</p:attrName>
+                                        </p:attrNameLst>
+                                      </p:cBhvr>
+                                      <p:to>
+                                        <p:strVal val="visible"/>
+                                      </p:to>
+                                    </p:set>
+                                  </p:childTnLst>
+                                </p:cTn>
+                              </p:par>
+                            </p:childTnLst>
+                          </p:cTn>
+                        </p:par>
+                      </p:childTnLst>
+                    </p:cTn>
+                  </p:par>
+                  <p:par>
+                    <p:cTn id="7" fill="hold">
+                      <p:stCondLst>
+                        <p:cond delay="indefinite"/>
+                      </p:stCondLst>
+                      <p:childTnLst>
+                        <p:par>
+                          <p:cTn id="8" fill="hold">
+                            <p:stCondLst>
+                              <p:cond delay="0"/>
+                            </p:stCondLst>
+                            <p:childTnLst>
+                              <p:par>
+                                <p:cTn id="9" presetID="1" presetClass="entr" presetSubtype="0" fill="hold" nodeType="clickEffect">
+                                  <p:stCondLst>
+                                    <p:cond delay="0"/>
+                                  </p:stCondLst>
+                                  <p:childTnLst>
+                                    <p:set>
+                                      <p:cBhvr>
+                                        <p:cTn id="10" dur="1" fill="hold">
+                                          <p:stCondLst>
+                                            <p:cond delay="0"/>
+                                          </p:stCondLst>
+                                        </p:cTn>
+                                        <p:tgtEl>
+                                          <p:spTgt spid="444419">
+                                            <p:txEl>
+                                              <p:pRg st="2" end="2"/>
+                                            </p:txEl>
+                                          </p:spTgt>
+                                        </p:tgtEl>
+                                        <p:attrNameLst>
+                                          <p:attrName>style.visibility</p:attrName>
+                                        </p:attrNameLst>
+                                      </p:cBhvr>
+                                      <p:to>
+                                        <p:strVal val="visible"/>
+                                      </p:to>
+                                    </p:set>
+                                  </p:childTnLst>
+                                </p:cTn>
+                              </p:par>
+                            </p:childTnLst>
+                          </p:cTn>
+                        </p:par>
+                      </p:childTnLst>
+                    </p:cTn>
+                  </p:par>
+                  <p:par>
+                    <p:cTn id="11" fill="hold">
+                      <p:stCondLst>
+                        <p:cond delay="indefinite"/>
+                      </p:stCondLst>
+                      <p:childTnLst>
+                        <p:par>
+                          <p:cTn id="12" fill="hold">
+                            <p:stCondLst>
+                              <p:cond delay="0"/>
+                            </p:stCondLst>
+                            <p:childTnLst>
+                              <p:par>
+                                <p:cTn id="13" presetID="1" presetClass="entr" presetSubtype="0" fill="hold" nodeType="clickEffect">
+                                  <p:stCondLst>
+                                    <p:cond delay="0"/>
+                                  </p:stCondLst>
+                                  <p:childTnLst>
+                                    <p:set>
+                                      <p:cBhvr>
+                                        <p:cTn id="14" dur="1" fill="hold">
+                                          <p:stCondLst>
+                                            <p:cond delay="0"/>
+                                          </p:stCondLst>
+                                        </p:cTn>
+                                        <p:tgtEl>
+                                          <p:spTgt spid="444419">
+                                            <p:txEl>
+                                              <p:pRg st="3" end="3"/>
+                                            </p:txEl>
+                                          </p:spTgt>
+                                        </p:tgtEl>
+                                        <p:attrNameLst>
+                                          <p:attrName>style.visibility</p:attrName>
+                                        </p:attrNameLst>
+                                      </p:cBhvr>
+                                      <p:to>
+                                        <p:strVal val="visible"/>
+                                      </p:to>
+                                    </p:set>
+                                  </p:childTnLst>
+                                </p:cTn>
+                              </p:par>
+                            </p:childTnLst>
+                          </p:cTn>
+                        </p:par>
+                      </p:childTnLst>
+                    </p:cTn>
+                  </p:par>
+                </p:childTnLst>
+              </p:cTn>
+              <p:prevCondLst>
+                <p:cond evt="onPrev" delay="0">
+                  <p:tgtEl>
+                    <p:sldTgt/>
+                  </p:tgtEl>
+                </p:cond>
+              </p:prevCondLst>
+              <p:nextCondLst>
+                <p:cond evt="onNext" delay="0">
+                  <p:tgtEl>
+                    <p:sldTgt/>
+                  </p:tgtEl>
+                </p:cond>
+              </p:nextCondLst>
+            </p:seq>
+          </p:childTnLst>
+        </p:cTn>
+      </p:par>
+    </p:tnLst>
+  </p:timing>
+</p:sld>
+</file>
+
+<file path=ppt/slides/slide20.xml><?xml version="1.0" encoding="utf-8"?>
+<p:sld xmlns:a="http://schemas.openxmlformats.org/drawingml/2006/main" xmlns:r="http://schemas.openxmlformats.org/officeDocument/2006/relationships" xmlns:p="http://schemas.openxmlformats.org/presentationml/2006/main">
+  <p:cSld>
+    <p:spTree>
+      <p:nvGrpSpPr>
+        <p:cNvPr id="1" name=""/>
+        <p:cNvGrpSpPr/>
+        <p:nvPr/>
+      </p:nvGrpSpPr>
+      <p:grpSpPr>
+        <a:xfrm>
+          <a:off x="0" y="0"/>
+          <a:ext cx="0" cy="0"/>
+          <a:chOff x="0" y="0"/>
+          <a:chExt cx="0" cy="0"/>
+        </a:xfrm>
+      </p:grpSpPr>
+      <p:sp>
+        <p:nvSpPr>
+          <p:cNvPr id="3" name="Subtitle 2">
+            <a:extLst>
+              <a:ext uri="{FF2B5EF4-FFF2-40B4-BE49-F238E27FC236}">
+                <a16:creationId xmlns:a16="http://schemas.microsoft.com/office/drawing/2014/main" id="{A870A6BE-28E4-248F-04B8-5244460B0063}"/>
+              </a:ext>
+            </a:extLst>
+          </p:cNvPr>
+          <p:cNvSpPr>
+            <a:spLocks noGrp="1"/>
+          </p:cNvSpPr>
+          <p:nvPr>
+            <p:ph type="subTitle" sz="quarter" idx="11"/>
+          </p:nvPr>
+        </p:nvSpPr>
+        <p:spPr/>
+        <p:txBody>
+          <a:bodyPr/>
+          <a:lstStyle/>
+          <a:p>
+            <a:r>
+              <a:rPr lang="bg-BG" dirty="0"/>
+              <a:t>Речници, </a:t>
+            </a:r>
+            <a:r>
+              <a:rPr lang="en-US" dirty="0" err="1"/>
+              <a:t>MaxHeap</a:t>
+            </a:r>
+            <a:r>
+              <a:rPr lang="en-US" dirty="0"/>
+              <a:t>, </a:t>
+            </a:r>
+            <a:r>
+              <a:rPr lang="bg-BG" dirty="0"/>
+              <a:t>дървета и графи</a:t>
+            </a:r>
+            <a:endParaRPr lang="en-BG" dirty="0"/>
+          </a:p>
+        </p:txBody>
+      </p:sp>
+      <p:sp>
+        <p:nvSpPr>
+          <p:cNvPr id="5" name="Title 4">
+            <a:extLst>
+              <a:ext uri="{FF2B5EF4-FFF2-40B4-BE49-F238E27FC236}">
+                <a16:creationId xmlns:a16="http://schemas.microsoft.com/office/drawing/2014/main" id="{6357D4D7-BBB7-4EED-94F5-1B66DE16CE3A}"/>
+              </a:ext>
+            </a:extLst>
+          </p:cNvPr>
+          <p:cNvSpPr>
+            <a:spLocks noGrp="1"/>
+          </p:cNvSpPr>
+          <p:nvPr>
+            <p:ph type="title" sz="quarter" idx="10"/>
+          </p:nvPr>
+        </p:nvSpPr>
+        <p:spPr/>
+        <p:txBody>
+          <a:bodyPr/>
+          <a:lstStyle/>
+          <a:p>
+            <a:r>
+              <a:rPr lang="bg-BG" dirty="0"/>
+              <a:t>Сложни структури от данни</a:t>
+            </a:r>
+            <a:endParaRPr lang="en-US" dirty="0"/>
+          </a:p>
+        </p:txBody>
+      </p:sp>
+      <p:pic>
+        <p:nvPicPr>
+          <p:cNvPr id="1026" name="Picture 2" descr="Резултат с изображение за „data structures picture“">
+            <a:extLst>
+              <a:ext uri="{FF2B5EF4-FFF2-40B4-BE49-F238E27FC236}">
+                <a16:creationId xmlns:a16="http://schemas.microsoft.com/office/drawing/2014/main" id="{29D248C8-9279-4472-9B55-1AD749E2F26F}"/>
+              </a:ext>
+            </a:extLst>
+          </p:cNvPr>
+          <p:cNvPicPr>
+            <a:picLocks noChangeAspect="1" noChangeArrowheads="1"/>
+          </p:cNvPicPr>
+          <p:nvPr/>
+        </p:nvPicPr>
+        <p:blipFill>
+          <a:blip r:embed="rId2">
+            <a:duotone>
+              <a:schemeClr val="accent3">
+                <a:shade val="45000"/>
+                <a:satMod val="135000"/>
+              </a:schemeClr>
+              <a:prstClr val="white"/>
+            </a:duotone>
+            <a:extLst>
+              <a:ext uri="{28A0092B-C50C-407E-A947-70E740481C1C}">
+                <a14:useLocalDpi xmlns:a14="http://schemas.microsoft.com/office/drawing/2010/main" val="0"/>
+              </a:ext>
+            </a:extLst>
+          </a:blip>
+          <a:srcRect/>
+          <a:stretch>
+            <a:fillRect/>
+          </a:stretch>
+        </p:blipFill>
+        <p:spPr bwMode="auto">
+          <a:xfrm>
+            <a:off x="2376691" y="774692"/>
+            <a:ext cx="7438618" cy="3719309"/>
+          </a:xfrm>
+          <a:prstGeom prst="roundRect">
+            <a:avLst>
+              <a:gd name="adj" fmla="val 1603"/>
+            </a:avLst>
+          </a:prstGeom>
+          <a:noFill/>
+          <a:ln>
+            <a:solidFill>
+              <a:schemeClr val="tx1">
+                <a:lumMod val="60000"/>
+                <a:lumOff val="40000"/>
+              </a:schemeClr>
+            </a:solidFill>
+          </a:ln>
+          <a:extLst>
+            <a:ext uri="{909E8E84-426E-40DD-AFC4-6F175D3DCCD1}">
+              <a14:hiddenFill xmlns:a14="http://schemas.microsoft.com/office/drawing/2010/main">
+                <a:solidFill>
+                  <a:srgbClr val="FFFFFF"/>
+                </a:solidFill>
+              </a14:hiddenFill>
+            </a:ext>
+          </a:extLst>
+        </p:spPr>
+      </p:pic>
+    </p:spTree>
+    <p:extLst>
+      <p:ext uri="{BB962C8B-B14F-4D97-AF65-F5344CB8AC3E}">
+        <p14:creationId xmlns:p14="http://schemas.microsoft.com/office/powerpoint/2010/main" val="2400711497"/>
+      </p:ext>
+    </p:extLst>
+  </p:cSld>
+  <p:clrMapOvr>
+    <a:masterClrMapping/>
+  </p:clrMapOvr>
+  <mc:AlternateContent xmlns:mc="http://schemas.openxmlformats.org/markup-compatibility/2006" xmlns:p14="http://schemas.microsoft.com/office/powerpoint/2010/main">
+    <mc:Choice Requires="p14">
+      <p:transition spd="slow" p14:dur="2000" advClick="0" advTm="5000"/>
+    </mc:Choice>
+    <mc:Fallback xmlns="">
+      <p:transition spd="slow" advClick="0" advTm="5000"/>
+    </mc:Fallback>
+  </mc:AlternateContent>
+</p:sld>
+</file>
+
+<file path=ppt/slides/slide21.xml><?xml version="1.0" encoding="utf-8"?>
+<p:sld xmlns:a="http://schemas.openxmlformats.org/drawingml/2006/main" xmlns:r="http://schemas.openxmlformats.org/officeDocument/2006/relationships" xmlns:p="http://schemas.openxmlformats.org/presentationml/2006/main">
+  <p:cSld>
+    <p:spTree>
+      <p:nvGrpSpPr>
+        <p:cNvPr id="1" name=""/>
+        <p:cNvGrpSpPr/>
+        <p:nvPr/>
+      </p:nvGrpSpPr>
+      <p:grpSpPr>
+        <a:xfrm>
+          <a:off x="0" y="0"/>
+          <a:ext cx="0" cy="0"/>
+          <a:chOff x="0" y="0"/>
+          <a:chExt cx="0" cy="0"/>
+        </a:xfrm>
+      </p:grpSpPr>
+      <p:sp>
+        <p:nvSpPr>
           <p:cNvPr id="704515" name="Rectangle 3"/>
           <p:cNvSpPr>
             <a:spLocks noGrp="1" noChangeArrowheads="1"/>
@@ -22503,7 +22447,11 @@
             </a:r>
             <a:r>
               <a:rPr lang="en-US" sz="3400" dirty="0"/>
-              <a:t>) „</a:t>
+              <a:t>) </a:t>
+            </a:r>
+            <a:r>
+              <a:rPr lang="en-US" sz="3600" dirty="0"/>
+              <a:t>"</a:t>
             </a:r>
             <a:r>
               <a:rPr lang="bg-BG" sz="3400" b="1" dirty="0">
@@ -22526,10 +22474,30 @@
               <a:t> </a:t>
             </a:r>
             <a:r>
+              <a:rPr lang="bg-BG" sz="3400" b="1" dirty="0">
+                <a:solidFill>
+                  <a:schemeClr val="bg1"/>
+                </a:solidFill>
+              </a:rPr>
+              <a:t>ключ</a:t>
+            </a:r>
+            <a:r>
               <a:rPr lang="bg-BG" sz="3400" dirty="0"/>
-              <a:t>ключ със стойности</a:t>
-            </a:r>
-            <a:endParaRPr lang="en-US" sz="3400" dirty="0"/>
+              <a:t> със </a:t>
+            </a:r>
+            <a:r>
+              <a:rPr lang="bg-BG" sz="3400" b="1" dirty="0">
+                <a:solidFill>
+                  <a:schemeClr val="bg1"/>
+                </a:solidFill>
+              </a:rPr>
+              <a:t>стойности</a:t>
+            </a:r>
+            <a:endParaRPr lang="en-US" sz="3400" b="1" dirty="0">
+              <a:solidFill>
+                <a:schemeClr val="bg1"/>
+              </a:solidFill>
+            </a:endParaRPr>
           </a:p>
           <a:p>
             <a:pPr lvl="1">
@@ -22543,7 +22511,7 @@
             </a:r>
             <a:r>
               <a:rPr lang="en-US" sz="3200" dirty="0"/>
-              <a:t>„</a:t>
+              <a:t>"</a:t>
             </a:r>
             <a:r>
               <a:rPr lang="bg-BG" sz="3200" b="1" dirty="0">
@@ -22555,7 +22523,15 @@
             </a:r>
             <a:r>
               <a:rPr lang="en-US" sz="3200" dirty="0"/>
-              <a:t>" or „</a:t>
+              <a:t>" </a:t>
+            </a:r>
+            <a:r>
+              <a:rPr lang="bg-BG" sz="3200" dirty="0"/>
+              <a:t>или</a:t>
+            </a:r>
+            <a:r>
+              <a:rPr lang="en-US" sz="3200" dirty="0"/>
+              <a:t> "</a:t>
             </a:r>
             <a:r>
               <a:rPr lang="bg-BG" sz="3200" b="1" dirty="0">
@@ -22646,49 +22622,49 @@
             </a:pPr>
             <a:r>
               <a:rPr lang="bg-BG" sz="3200" dirty="0"/>
-              <a:t>Има много имплементации</a:t>
+              <a:t>Има много имплементации:</a:t>
             </a:r>
             <a:endParaRPr lang="en-US" sz="3400" dirty="0"/>
           </a:p>
           <a:p>
-            <a:pPr lvl="1">
+            <a:pPr lvl="2">
               <a:lnSpc>
                 <a:spcPct val="98000"/>
               </a:lnSpc>
             </a:pPr>
             <a:r>
-              <a:rPr lang="bg-BG" sz="3200" dirty="0"/>
+              <a:rPr lang="bg-BG" sz="3000" dirty="0"/>
               <a:t>Хеш таблица</a:t>
             </a:r>
             <a:r>
-              <a:rPr lang="en-US" sz="3200" dirty="0"/>
+              <a:rPr lang="en-US" sz="3000" dirty="0"/>
               <a:t>, </a:t>
             </a:r>
             <a:r>
-              <a:rPr lang="bg-BG" sz="3200" dirty="0"/>
+              <a:rPr lang="bg-BG" sz="3000" dirty="0"/>
               <a:t>балансирано дърво</a:t>
             </a:r>
             <a:r>
-              <a:rPr lang="en-US" sz="3200" dirty="0"/>
+              <a:rPr lang="en-US" sz="3000" dirty="0"/>
               <a:t>, </a:t>
             </a:r>
             <a:r>
-              <a:rPr lang="bg-BG" sz="3200" dirty="0"/>
+              <a:rPr lang="bg-BG" sz="3000" dirty="0"/>
               <a:t>списък</a:t>
             </a:r>
             <a:r>
-              <a:rPr lang="en-US" sz="3200" dirty="0"/>
+              <a:rPr lang="en-US" sz="3000" dirty="0"/>
               <a:t>, </a:t>
             </a:r>
             <a:r>
-              <a:rPr lang="bg-BG" sz="3200" dirty="0"/>
+              <a:rPr lang="bg-BG" sz="3000" dirty="0"/>
               <a:t>масив</a:t>
             </a:r>
             <a:r>
-              <a:rPr lang="en-US" sz="3200" dirty="0"/>
+              <a:rPr lang="en-US" sz="3000" dirty="0"/>
               <a:t>, ...</a:t>
             </a:r>
-            <a:endParaRPr lang="en-US" sz="3200" noProof="1"/>
+            <a:endParaRPr lang="en-US" sz="3000" noProof="1"/>
           </a:p>
         </p:txBody>
       </p:sp>
@@ -22739,7 +22715,7 @@
         <p:grpSpPr>
           <a:xfrm>
             <a:off x="3237668" y="4915389"/>
-            <a:ext cx="5484971" cy="1872385"/>
+            <a:ext cx="6503332" cy="1872385"/>
             <a:chOff x="3136578" y="4509121"/>
             <a:chExt cx="5484971" cy="1872385"/>
           </a:xfrm>
@@ -22823,14 +22799,14 @@
             <p:nvPr>
               <p:extLst>
                 <p:ext uri="{D42A27DB-BD31-4B8C-83A1-F6EECF244321}">
-                  <p14:modId xmlns:p14="http://schemas.microsoft.com/office/powerpoint/2010/main" val="667888080"/>
+                  <p14:modId xmlns:p14="http://schemas.microsoft.com/office/powerpoint/2010/main" val="3735440300"/>
                 </p:ext>
               </p:extLst>
             </p:nvPr>
           </p:nvGraphicFramePr>
           <p:xfrm>
             <a:off x="3451298" y="5164316"/>
-            <a:ext cx="4855533" cy="1036272"/>
+            <a:ext cx="4848692" cy="1036272"/>
           </p:xfrm>
           <a:graphic>
             <a:graphicData uri="http://schemas.openxmlformats.org/drawingml/2006/table">
@@ -22839,14 +22815,14 @@
                   <a:tableStyleId>{5940675A-B579-460E-94D1-54222C63F5DA}</a:tableStyleId>
                 </a:tblPr>
                 <a:tblGrid>
-                  <a:gridCol w="2330161">
+                  <a:gridCol w="2758895">
                     <a:extLst>
                       <a:ext uri="{9D8B030D-6E8A-4147-A177-3AD203B41FA5}">
                         <a16:colId xmlns:a16="http://schemas.microsoft.com/office/drawing/2014/main" val="20000"/>
                       </a:ext>
                     </a:extLst>
                   </a:gridCol>
-                  <a:gridCol w="2525372">
+                  <a:gridCol w="2990024">
                     <a:extLst>
                       <a:ext uri="{9D8B030D-6E8A-4147-A177-3AD203B41FA5}">
                         <a16:colId xmlns:a16="http://schemas.microsoft.com/office/drawing/2014/main" val="20001"/>
@@ -23121,7 +23097,7 @@
               <a:pPr algn="ctr"/>
               <a:r>
                 <a:rPr lang="bg-BG" sz="2799" dirty="0"/>
-                <a:t>ключ</a:t>
+                <a:t>Име (ключ)</a:t>
               </a:r>
               <a:endParaRPr lang="en-US" sz="2799" dirty="0"/>
             </a:p>
@@ -23136,7 +23112,7 @@
           <p:spPr>
             <a:xfrm>
               <a:off x="5786465" y="4603482"/>
-              <a:ext cx="2513525" cy="523084"/>
+              <a:ext cx="2513525" cy="953851"/>
             </a:xfrm>
             <a:prstGeom prst="rect">
               <a:avLst/>
@@ -23152,7 +23128,7 @@
               <a:pPr algn="ctr"/>
               <a:r>
                 <a:rPr lang="bg-BG" sz="2799" dirty="0"/>
-                <a:t>стойност</a:t>
+                <a:t>Номер (стойност)</a:t>
               </a:r>
               <a:endParaRPr lang="en-US" sz="2799" dirty="0"/>
             </a:p>
@@ -23195,7 +23171,7 @@
             <a:fld id="{2BF067CD-8E6B-4360-9AA8-C5DF2A48A6D1}" type="slidenum">
               <a:rPr lang="en-US" noProof="0" smtClean="0"/>
               <a:pPr/>
-              <a:t>19</a:t>
+              <a:t>21</a:t>
             </a:fld>
             <a:endParaRPr lang="en-US" noProof="0" dirty="0"/>
           </a:p>
@@ -23486,623 +23462,7 @@
 </p:sld>
 </file>
 
-<file path=ppt/slides/slide2.xml><?xml version="1.0" encoding="utf-8"?>
-<p:sld xmlns:a="http://schemas.openxmlformats.org/drawingml/2006/main" xmlns:r="http://schemas.openxmlformats.org/officeDocument/2006/relationships" xmlns:p="http://schemas.openxmlformats.org/presentationml/2006/main">
-  <p:cSld>
-    <p:spTree>
-      <p:nvGrpSpPr>
-        <p:cNvPr id="1" name=""/>
-        <p:cNvGrpSpPr/>
-        <p:nvPr/>
-      </p:nvGrpSpPr>
-      <p:grpSpPr>
-        <a:xfrm>
-          <a:off x="0" y="0"/>
-          <a:ext cx="0" cy="0"/>
-          <a:chOff x="0" y="0"/>
-          <a:chExt cx="0" cy="0"/>
-        </a:xfrm>
-      </p:grpSpPr>
-      <p:sp>
-        <p:nvSpPr>
-          <p:cNvPr id="444419" name="Rectangle 3"/>
-          <p:cNvSpPr>
-            <a:spLocks noGrp="1" noChangeArrowheads="1"/>
-          </p:cNvSpPr>
-          <p:nvPr>
-            <p:ph type="body" sz="quarter" idx="13"/>
-          </p:nvPr>
-        </p:nvSpPr>
-        <p:spPr>
-          <a:xfrm>
-            <a:off x="198303" y="1314451"/>
-            <a:ext cx="10506210" cy="5354910"/>
-          </a:xfrm>
-        </p:spPr>
-        <p:txBody>
-          <a:bodyPr>
-            <a:normAutofit/>
-          </a:bodyPr>
-          <a:lstStyle/>
-          <a:p>
-            <a:pPr marL="514196" indent="-514196">
-              <a:buClr>
-                <a:schemeClr val="tx1"/>
-              </a:buClr>
-            </a:pPr>
-            <a:r>
-              <a:rPr lang="bg-BG" b="1" dirty="0">
-                <a:solidFill>
-                  <a:schemeClr val="bg1"/>
-                </a:solidFill>
-              </a:rPr>
-              <a:t>Данни</a:t>
-            </a:r>
-            <a:r>
-              <a:rPr lang="en-US" dirty="0"/>
-              <a:t> </a:t>
-            </a:r>
-            <a:r>
-              <a:rPr lang="bg-BG" dirty="0"/>
-              <a:t>в компютрите</a:t>
-            </a:r>
-            <a:endParaRPr lang="en-US" dirty="0"/>
-          </a:p>
-          <a:p>
-            <a:pPr marL="514196" indent="-514196">
-              <a:buClr>
-                <a:schemeClr val="tx1"/>
-              </a:buClr>
-            </a:pPr>
-            <a:r>
-              <a:rPr lang="bg-BG" b="1" dirty="0">
-                <a:solidFill>
-                  <a:schemeClr val="bg1"/>
-                </a:solidFill>
-              </a:rPr>
-              <a:t>Структура от данни </a:t>
-            </a:r>
-            <a:endParaRPr lang="en-US" b="1" dirty="0">
-              <a:solidFill>
-                <a:schemeClr val="bg1"/>
-              </a:solidFill>
-            </a:endParaRPr>
-          </a:p>
-          <a:p>
-            <a:pPr marL="514196" indent="-514196">
-              <a:buClr>
-                <a:schemeClr val="tx1"/>
-              </a:buClr>
-            </a:pPr>
-            <a:r>
-              <a:rPr lang="bg-BG" b="1" dirty="0">
-                <a:solidFill>
-                  <a:schemeClr val="bg1"/>
-                </a:solidFill>
-              </a:rPr>
-              <a:t>Линейни</a:t>
-            </a:r>
-            <a:r>
-              <a:rPr lang="en-US" dirty="0"/>
-              <a:t> </a:t>
-            </a:r>
-            <a:r>
-              <a:rPr lang="bg-BG" dirty="0"/>
-              <a:t>структура от данни</a:t>
-            </a:r>
-            <a:r>
-              <a:rPr lang="en-US" dirty="0"/>
-              <a:t>: </a:t>
-            </a:r>
-            <a:r>
-              <a:rPr lang="bg-BG" dirty="0"/>
-              <a:t>масив</a:t>
-            </a:r>
-            <a:r>
-              <a:rPr lang="en-US" dirty="0"/>
-              <a:t>, </a:t>
-            </a:r>
-            <a:r>
-              <a:rPr lang="bg-BG" noProof="1"/>
-              <a:t>списък</a:t>
-            </a:r>
-            <a:r>
-              <a:rPr lang="en-US" dirty="0"/>
-              <a:t>, </a:t>
-            </a:r>
-            <a:r>
-              <a:rPr lang="bg-BG" dirty="0"/>
-              <a:t>свързан списък</a:t>
-            </a:r>
-            <a:r>
-              <a:rPr lang="en-US" dirty="0"/>
-              <a:t>, </a:t>
-            </a:r>
-            <a:r>
-              <a:rPr lang="bg-BG" dirty="0"/>
-              <a:t>стек</a:t>
-            </a:r>
-            <a:r>
-              <a:rPr lang="en-US" dirty="0"/>
-              <a:t>, </a:t>
-            </a:r>
-            <a:r>
-              <a:rPr lang="bg-BG" dirty="0"/>
-              <a:t>опашка</a:t>
-            </a:r>
-            <a:endParaRPr lang="en-US" dirty="0"/>
-          </a:p>
-          <a:p>
-            <a:pPr marL="514196" indent="-514196">
-              <a:buClr>
-                <a:schemeClr val="tx1"/>
-              </a:buClr>
-            </a:pPr>
-            <a:r>
-              <a:rPr lang="bg-BG" dirty="0"/>
-              <a:t>Речници</a:t>
-            </a:r>
-            <a:endParaRPr lang="en-US" dirty="0"/>
-          </a:p>
-          <a:p>
-            <a:pPr marL="514196" indent="-514196">
-              <a:buClr>
-                <a:schemeClr val="tx1"/>
-              </a:buClr>
-            </a:pPr>
-            <a:r>
-              <a:rPr lang="bg-BG" b="1" dirty="0">
-                <a:solidFill>
-                  <a:schemeClr val="bg1"/>
-                </a:solidFill>
-              </a:rPr>
-              <a:t>Сложни </a:t>
-            </a:r>
-            <a:r>
-              <a:rPr lang="bg-BG" dirty="0"/>
-              <a:t>структура от данни: </a:t>
-            </a:r>
-            <a:r>
-              <a:rPr lang="en-US" noProof="1"/>
-              <a:t>OrderedBag</a:t>
-            </a:r>
-            <a:r>
-              <a:rPr lang="bg-BG" noProof="1"/>
-              <a:t>,</a:t>
-            </a:r>
-            <a:br>
-              <a:rPr lang="bg-BG" noProof="1"/>
-            </a:br>
-            <a:r>
-              <a:rPr lang="en-US" noProof="1"/>
-              <a:t>MultiDictionary</a:t>
-            </a:r>
-            <a:r>
-              <a:rPr lang="bg-BG" noProof="1"/>
-              <a:t>, </a:t>
-            </a:r>
-            <a:r>
-              <a:rPr lang="en-US" dirty="0"/>
-              <a:t>Heap</a:t>
-            </a:r>
-            <a:r>
-              <a:rPr lang="bg-BG" dirty="0"/>
-              <a:t> и др.</a:t>
-            </a:r>
-            <a:endParaRPr lang="en-US" dirty="0"/>
-          </a:p>
-          <a:p>
-            <a:pPr marL="514196" indent="-514196"/>
-            <a:endParaRPr lang="en-US" dirty="0"/>
-          </a:p>
-          <a:p>
-            <a:pPr marL="609036" lvl="1" indent="0">
-              <a:buNone/>
-            </a:pPr>
-            <a:endParaRPr lang="en-US" dirty="0"/>
-          </a:p>
-        </p:txBody>
-      </p:sp>
-      <p:sp>
-        <p:nvSpPr>
-          <p:cNvPr id="444418" name="Rectangle 2"/>
-          <p:cNvSpPr>
-            <a:spLocks noGrp="1" noChangeArrowheads="1"/>
-          </p:cNvSpPr>
-          <p:nvPr>
-            <p:ph type="title"/>
-          </p:nvPr>
-        </p:nvSpPr>
-        <p:spPr/>
-        <p:txBody>
-          <a:bodyPr/>
-          <a:lstStyle/>
-          <a:p>
-            <a:r>
-              <a:rPr lang="bg-BG" dirty="0"/>
-              <a:t>Съдържание</a:t>
-            </a:r>
-          </a:p>
-        </p:txBody>
-      </p:sp>
-      <p:sp>
-        <p:nvSpPr>
-          <p:cNvPr id="5" name="Slide Number">
-            <a:extLst>
-              <a:ext uri="{FF2B5EF4-FFF2-40B4-BE49-F238E27FC236}">
-                <a16:creationId xmlns:a16="http://schemas.microsoft.com/office/drawing/2014/main" id="{25C9A669-3E4C-440B-9E83-8C747EDCBC32}"/>
-              </a:ext>
-            </a:extLst>
-          </p:cNvPr>
-          <p:cNvSpPr txBox="1">
-            <a:spLocks/>
-          </p:cNvSpPr>
-          <p:nvPr/>
-        </p:nvSpPr>
-        <p:spPr>
-          <a:xfrm>
-            <a:off x="11753030" y="6507000"/>
-            <a:ext cx="367414" cy="297000"/>
-          </a:xfrm>
-          <a:prstGeom prst="rect">
-            <a:avLst/>
-          </a:prstGeom>
-        </p:spPr>
-        <p:txBody>
-          <a:bodyPr vert="horz" lIns="91440" tIns="45720" rIns="91440" bIns="45720" rtlCol="0" anchor="b"/>
-          <a:lstStyle>
-            <a:defPPr>
-              <a:defRPr lang="en-US"/>
-            </a:defPPr>
-            <a:lvl1pPr marL="0" algn="r" defTabSz="914400" rtl="0" eaLnBrk="1" latinLnBrk="0" hangingPunct="1">
-              <a:defRPr sz="1000" kern="1200">
-                <a:solidFill>
-                  <a:schemeClr val="tx1"/>
-                </a:solidFill>
-                <a:latin typeface="+mn-lt"/>
-                <a:ea typeface="+mn-ea"/>
-                <a:cs typeface="+mn-cs"/>
-              </a:defRPr>
-            </a:lvl1pPr>
-            <a:lvl2pPr marL="457200" algn="l" defTabSz="914400" rtl="0" eaLnBrk="1" latinLnBrk="0" hangingPunct="1">
-              <a:defRPr sz="1800" kern="1200">
-                <a:solidFill>
-                  <a:schemeClr val="tx1"/>
-                </a:solidFill>
-                <a:latin typeface="+mn-lt"/>
-                <a:ea typeface="+mn-ea"/>
-                <a:cs typeface="+mn-cs"/>
-              </a:defRPr>
-            </a:lvl2pPr>
-            <a:lvl3pPr marL="914400" algn="l" defTabSz="914400" rtl="0" eaLnBrk="1" latinLnBrk="0" hangingPunct="1">
-              <a:defRPr sz="1800" kern="1200">
-                <a:solidFill>
-                  <a:schemeClr val="tx1"/>
-                </a:solidFill>
-                <a:latin typeface="+mn-lt"/>
-                <a:ea typeface="+mn-ea"/>
-                <a:cs typeface="+mn-cs"/>
-              </a:defRPr>
-            </a:lvl3pPr>
-            <a:lvl4pPr marL="1371600" algn="l" defTabSz="914400" rtl="0" eaLnBrk="1" latinLnBrk="0" hangingPunct="1">
-              <a:defRPr sz="1800" kern="1200">
-                <a:solidFill>
-                  <a:schemeClr val="tx1"/>
-                </a:solidFill>
-                <a:latin typeface="+mn-lt"/>
-                <a:ea typeface="+mn-ea"/>
-                <a:cs typeface="+mn-cs"/>
-              </a:defRPr>
-            </a:lvl4pPr>
-            <a:lvl5pPr marL="1828800" algn="l" defTabSz="914400" rtl="0" eaLnBrk="1" latinLnBrk="0" hangingPunct="1">
-              <a:defRPr sz="1800" kern="1200">
-                <a:solidFill>
-                  <a:schemeClr val="tx1"/>
-                </a:solidFill>
-                <a:latin typeface="+mn-lt"/>
-                <a:ea typeface="+mn-ea"/>
-                <a:cs typeface="+mn-cs"/>
-              </a:defRPr>
-            </a:lvl5pPr>
-            <a:lvl6pPr marL="2286000" algn="l" defTabSz="914400" rtl="0" eaLnBrk="1" latinLnBrk="0" hangingPunct="1">
-              <a:defRPr sz="1800" kern="1200">
-                <a:solidFill>
-                  <a:schemeClr val="tx1"/>
-                </a:solidFill>
-                <a:latin typeface="+mn-lt"/>
-                <a:ea typeface="+mn-ea"/>
-                <a:cs typeface="+mn-cs"/>
-              </a:defRPr>
-            </a:lvl6pPr>
-            <a:lvl7pPr marL="2743200" algn="l" defTabSz="914400" rtl="0" eaLnBrk="1" latinLnBrk="0" hangingPunct="1">
-              <a:defRPr sz="1800" kern="1200">
-                <a:solidFill>
-                  <a:schemeClr val="tx1"/>
-                </a:solidFill>
-                <a:latin typeface="+mn-lt"/>
-                <a:ea typeface="+mn-ea"/>
-                <a:cs typeface="+mn-cs"/>
-              </a:defRPr>
-            </a:lvl7pPr>
-            <a:lvl8pPr marL="3200400" algn="l" defTabSz="914400" rtl="0" eaLnBrk="1" latinLnBrk="0" hangingPunct="1">
-              <a:defRPr sz="1800" kern="1200">
-                <a:solidFill>
-                  <a:schemeClr val="tx1"/>
-                </a:solidFill>
-                <a:latin typeface="+mn-lt"/>
-                <a:ea typeface="+mn-ea"/>
-                <a:cs typeface="+mn-cs"/>
-              </a:defRPr>
-            </a:lvl8pPr>
-            <a:lvl9pPr marL="3657600" algn="l" defTabSz="914400" rtl="0" eaLnBrk="1" latinLnBrk="0" hangingPunct="1">
-              <a:defRPr sz="1800" kern="1200">
-                <a:solidFill>
-                  <a:schemeClr val="tx1"/>
-                </a:solidFill>
-                <a:latin typeface="+mn-lt"/>
-                <a:ea typeface="+mn-ea"/>
-                <a:cs typeface="+mn-cs"/>
-              </a:defRPr>
-            </a:lvl9pPr>
-          </a:lstStyle>
-          <a:p>
-            <a:fld id="{2BF067CD-8E6B-4360-9AA8-C5DF2A48A6D1}" type="slidenum">
-              <a:rPr lang="en-US" smtClean="0"/>
-              <a:pPr/>
-              <a:t>2</a:t>
-            </a:fld>
-            <a:endParaRPr lang="en-US" dirty="0"/>
-          </a:p>
-        </p:txBody>
-      </p:sp>
-    </p:spTree>
-    <p:extLst>
-      <p:ext uri="{BB962C8B-B14F-4D97-AF65-F5344CB8AC3E}">
-        <p14:creationId xmlns:p14="http://schemas.microsoft.com/office/powerpoint/2010/main" val="2631314930"/>
-      </p:ext>
-    </p:extLst>
-  </p:cSld>
-  <p:clrMapOvr>
-    <a:masterClrMapping/>
-  </p:clrMapOvr>
-  <mc:AlternateContent xmlns:mc="http://schemas.openxmlformats.org/markup-compatibility/2006" xmlns:p14="http://schemas.microsoft.com/office/powerpoint/2010/main">
-    <mc:Choice Requires="p14">
-      <p:transition spd="slow" p14:dur="2000" advClick="0" advTm="5000"/>
-    </mc:Choice>
-    <mc:Fallback xmlns="">
-      <p:transition spd="slow" advClick="0" advTm="5000"/>
-    </mc:Fallback>
-  </mc:AlternateContent>
-  <p:timing>
-    <p:tnLst>
-      <p:par>
-        <p:cTn id="1" dur="indefinite" restart="never" nodeType="tmRoot">
-          <p:childTnLst>
-            <p:seq concurrent="1" nextAc="seek">
-              <p:cTn id="2" dur="indefinite" nodeType="mainSeq">
-                <p:childTnLst>
-                  <p:par>
-                    <p:cTn id="3" fill="hold">
-                      <p:stCondLst>
-                        <p:cond delay="indefinite"/>
-                      </p:stCondLst>
-                      <p:childTnLst>
-                        <p:par>
-                          <p:cTn id="4" fill="hold">
-                            <p:stCondLst>
-                              <p:cond delay="0"/>
-                            </p:stCondLst>
-                            <p:childTnLst>
-                              <p:par>
-                                <p:cTn id="5" presetID="1" presetClass="entr" presetSubtype="0" fill="hold" nodeType="clickEffect">
-                                  <p:stCondLst>
-                                    <p:cond delay="0"/>
-                                  </p:stCondLst>
-                                  <p:childTnLst>
-                                    <p:set>
-                                      <p:cBhvr>
-                                        <p:cTn id="6" dur="1" fill="hold">
-                                          <p:stCondLst>
-                                            <p:cond delay="0"/>
-                                          </p:stCondLst>
-                                        </p:cTn>
-                                        <p:tgtEl>
-                                          <p:spTgt spid="444419">
-                                            <p:txEl>
-                                              <p:pRg st="1" end="1"/>
-                                            </p:txEl>
-                                          </p:spTgt>
-                                        </p:tgtEl>
-                                        <p:attrNameLst>
-                                          <p:attrName>style.visibility</p:attrName>
-                                        </p:attrNameLst>
-                                      </p:cBhvr>
-                                      <p:to>
-                                        <p:strVal val="visible"/>
-                                      </p:to>
-                                    </p:set>
-                                  </p:childTnLst>
-                                </p:cTn>
-                              </p:par>
-                            </p:childTnLst>
-                          </p:cTn>
-                        </p:par>
-                      </p:childTnLst>
-                    </p:cTn>
-                  </p:par>
-                  <p:par>
-                    <p:cTn id="7" fill="hold">
-                      <p:stCondLst>
-                        <p:cond delay="indefinite"/>
-                      </p:stCondLst>
-                      <p:childTnLst>
-                        <p:par>
-                          <p:cTn id="8" fill="hold">
-                            <p:stCondLst>
-                              <p:cond delay="0"/>
-                            </p:stCondLst>
-                            <p:childTnLst>
-                              <p:par>
-                                <p:cTn id="9" presetID="1" presetClass="entr" presetSubtype="0" fill="hold" nodeType="clickEffect">
-                                  <p:stCondLst>
-                                    <p:cond delay="0"/>
-                                  </p:stCondLst>
-                                  <p:childTnLst>
-                                    <p:set>
-                                      <p:cBhvr>
-                                        <p:cTn id="10" dur="1" fill="hold">
-                                          <p:stCondLst>
-                                            <p:cond delay="0"/>
-                                          </p:stCondLst>
-                                        </p:cTn>
-                                        <p:tgtEl>
-                                          <p:spTgt spid="444419">
-                                            <p:txEl>
-                                              <p:pRg st="2" end="2"/>
-                                            </p:txEl>
-                                          </p:spTgt>
-                                        </p:tgtEl>
-                                        <p:attrNameLst>
-                                          <p:attrName>style.visibility</p:attrName>
-                                        </p:attrNameLst>
-                                      </p:cBhvr>
-                                      <p:to>
-                                        <p:strVal val="visible"/>
-                                      </p:to>
-                                    </p:set>
-                                  </p:childTnLst>
-                                </p:cTn>
-                              </p:par>
-                            </p:childTnLst>
-                          </p:cTn>
-                        </p:par>
-                      </p:childTnLst>
-                    </p:cTn>
-                  </p:par>
-                  <p:par>
-                    <p:cTn id="11" fill="hold">
-                      <p:stCondLst>
-                        <p:cond delay="indefinite"/>
-                      </p:stCondLst>
-                      <p:childTnLst>
-                        <p:par>
-                          <p:cTn id="12" fill="hold">
-                            <p:stCondLst>
-                              <p:cond delay="0"/>
-                            </p:stCondLst>
-                            <p:childTnLst>
-                              <p:par>
-                                <p:cTn id="13" presetID="1" presetClass="entr" presetSubtype="0" fill="hold" nodeType="clickEffect">
-                                  <p:stCondLst>
-                                    <p:cond delay="0"/>
-                                  </p:stCondLst>
-                                  <p:childTnLst>
-                                    <p:set>
-                                      <p:cBhvr>
-                                        <p:cTn id="14" dur="1" fill="hold">
-                                          <p:stCondLst>
-                                            <p:cond delay="0"/>
-                                          </p:stCondLst>
-                                        </p:cTn>
-                                        <p:tgtEl>
-                                          <p:spTgt spid="444419">
-                                            <p:txEl>
-                                              <p:pRg st="3" end="3"/>
-                                            </p:txEl>
-                                          </p:spTgt>
-                                        </p:tgtEl>
-                                        <p:attrNameLst>
-                                          <p:attrName>style.visibility</p:attrName>
-                                        </p:attrNameLst>
-                                      </p:cBhvr>
-                                      <p:to>
-                                        <p:strVal val="visible"/>
-                                      </p:to>
-                                    </p:set>
-                                  </p:childTnLst>
-                                </p:cTn>
-                              </p:par>
-                            </p:childTnLst>
-                          </p:cTn>
-                        </p:par>
-                      </p:childTnLst>
-                    </p:cTn>
-                  </p:par>
-                  <p:par>
-                    <p:cTn id="15" fill="hold">
-                      <p:stCondLst>
-                        <p:cond delay="indefinite"/>
-                      </p:stCondLst>
-                      <p:childTnLst>
-                        <p:par>
-                          <p:cTn id="16" fill="hold">
-                            <p:stCondLst>
-                              <p:cond delay="0"/>
-                            </p:stCondLst>
-                            <p:childTnLst>
-                              <p:par>
-                                <p:cTn id="17" presetID="1" presetClass="entr" presetSubtype="0" fill="hold" nodeType="clickEffect">
-                                  <p:stCondLst>
-                                    <p:cond delay="0"/>
-                                  </p:stCondLst>
-                                  <p:childTnLst>
-                                    <p:set>
-                                      <p:cBhvr>
-                                        <p:cTn id="18" dur="1" fill="hold">
-                                          <p:stCondLst>
-                                            <p:cond delay="0"/>
-                                          </p:stCondLst>
-                                        </p:cTn>
-                                        <p:tgtEl>
-                                          <p:spTgt spid="444419">
-                                            <p:txEl>
-                                              <p:pRg st="4" end="4"/>
-                                            </p:txEl>
-                                          </p:spTgt>
-                                        </p:tgtEl>
-                                        <p:attrNameLst>
-                                          <p:attrName>style.visibility</p:attrName>
-                                        </p:attrNameLst>
-                                      </p:cBhvr>
-                                      <p:to>
-                                        <p:strVal val="visible"/>
-                                      </p:to>
-                                    </p:set>
-                                  </p:childTnLst>
-                                </p:cTn>
-                              </p:par>
-                            </p:childTnLst>
-                          </p:cTn>
-                        </p:par>
-                      </p:childTnLst>
-                    </p:cTn>
-                  </p:par>
-                </p:childTnLst>
-              </p:cTn>
-              <p:prevCondLst>
-                <p:cond evt="onPrev" delay="0">
-                  <p:tgtEl>
-                    <p:sldTgt/>
-                  </p:tgtEl>
-                </p:cond>
-              </p:prevCondLst>
-              <p:nextCondLst>
-                <p:cond evt="onNext" delay="0">
-                  <p:tgtEl>
-                    <p:sldTgt/>
-                  </p:tgtEl>
-                </p:cond>
-              </p:nextCondLst>
-            </p:seq>
-          </p:childTnLst>
-        </p:cTn>
-      </p:par>
-    </p:tnLst>
-  </p:timing>
-</p:sld>
-</file>
-
-<file path=ppt/slides/slide20.xml><?xml version="1.0" encoding="utf-8"?>
+<file path=ppt/slides/slide22.xml><?xml version="1.0" encoding="utf-8"?>
 <p:sld xmlns:a="http://schemas.openxmlformats.org/drawingml/2006/main" xmlns:r="http://schemas.openxmlformats.org/officeDocument/2006/relationships" xmlns:p="http://schemas.openxmlformats.org/presentationml/2006/main">
   <p:cSld>
     <p:spTree>
@@ -24897,7 +24257,7 @@
             <a:fld id="{2BF067CD-8E6B-4360-9AA8-C5DF2A48A6D1}" type="slidenum">
               <a:rPr lang="en-US" smtClean="0"/>
               <a:pPr/>
-              <a:t>20</a:t>
+              <a:t>22</a:t>
             </a:fld>
             <a:endParaRPr lang="en-US" dirty="0"/>
           </a:p>
@@ -25274,7 +24634,7 @@
 </p:sld>
 </file>
 
-<file path=ppt/slides/slide21.xml><?xml version="1.0" encoding="utf-8"?>
+<file path=ppt/slides/slide23.xml><?xml version="1.0" encoding="utf-8"?>
 <p:sld xmlns:a="http://schemas.openxmlformats.org/drawingml/2006/main" xmlns:r="http://schemas.openxmlformats.org/officeDocument/2006/relationships" xmlns:p="http://schemas.openxmlformats.org/presentationml/2006/main">
   <p:cSld>
     <p:spTree>
@@ -25348,7 +24708,7 @@
             </a:r>
             <a:r>
               <a:rPr lang="en-US" dirty="0"/>
-              <a:t> „</a:t>
+              <a:t> "</a:t>
             </a:r>
             <a:r>
               <a:rPr lang="bg-BG" dirty="0"/>
@@ -25372,7 +24732,7 @@
             </a:pPr>
             <a:r>
               <a:rPr lang="bg-BG" dirty="0"/>
-              <a:t>Елементите са в дървото </a:t>
+              <a:t>Елементите в дървото са </a:t>
             </a:r>
             <a:r>
               <a:rPr lang="bg-BG" b="1" dirty="0">
@@ -25388,10 +24748,21 @@
               <a:lnSpc>
                 <a:spcPct val="100000"/>
               </a:lnSpc>
+              <a:buClr>
+                <a:schemeClr val="tx1"/>
+              </a:buClr>
             </a:pPr>
             <a:r>
+              <a:rPr lang="ru-RU" b="1" dirty="0">
+                <a:solidFill>
+                  <a:schemeClr val="bg1"/>
+                </a:solidFill>
+              </a:rPr>
+              <a:t>Обхождането</a:t>
+            </a:r>
+            <a:r>
               <a:rPr lang="ru-RU" dirty="0"/>
-              <a:t>Обхождането на дървото връща елементите във </a:t>
+              <a:t> на дървото връща елементите във </a:t>
             </a:r>
             <a:r>
               <a:rPr lang="ru-RU" b="1" dirty="0">
@@ -25494,7 +24865,7 @@
             </a:r>
             <a:r>
               <a:rPr lang="bg-BG" dirty="0"/>
-              <a:t>когато елентите трябва да бъдат</a:t>
+              <a:t>когато елементите трябва да бъдат</a:t>
             </a:r>
             <a:r>
               <a:rPr lang="en-US" dirty="0"/>
@@ -25654,7 +25025,7 @@
             <a:fld id="{2BF067CD-8E6B-4360-9AA8-C5DF2A48A6D1}" type="slidenum">
               <a:rPr lang="en-US" noProof="0" smtClean="0"/>
               <a:pPr/>
-              <a:t>21</a:t>
+              <a:t>23</a:t>
             </a:fld>
             <a:endParaRPr lang="en-US" noProof="0" dirty="0"/>
           </a:p>
@@ -25949,138 +25320,7 @@
 </p:sld>
 </file>
 
-<file path=ppt/slides/slide22.xml><?xml version="1.0" encoding="utf-8"?>
-<p:sld xmlns:a="http://schemas.openxmlformats.org/drawingml/2006/main" xmlns:r="http://schemas.openxmlformats.org/officeDocument/2006/relationships" xmlns:p="http://schemas.openxmlformats.org/presentationml/2006/main">
-  <p:cSld>
-    <p:spTree>
-      <p:nvGrpSpPr>
-        <p:cNvPr id="1" name=""/>
-        <p:cNvGrpSpPr/>
-        <p:nvPr/>
-      </p:nvGrpSpPr>
-      <p:grpSpPr>
-        <a:xfrm>
-          <a:off x="0" y="0"/>
-          <a:ext cx="0" cy="0"/>
-          <a:chOff x="0" y="0"/>
-          <a:chExt cx="0" cy="0"/>
-        </a:xfrm>
-      </p:grpSpPr>
-      <p:sp>
-        <p:nvSpPr>
-          <p:cNvPr id="5" name="Title 4">
-            <a:extLst>
-              <a:ext uri="{FF2B5EF4-FFF2-40B4-BE49-F238E27FC236}">
-                <a16:creationId xmlns:a16="http://schemas.microsoft.com/office/drawing/2014/main" id="{6357D4D7-BBB7-4EED-94F5-1B66DE16CE3A}"/>
-              </a:ext>
-            </a:extLst>
-          </p:cNvPr>
-          <p:cNvSpPr>
-            <a:spLocks noGrp="1"/>
-          </p:cNvSpPr>
-          <p:nvPr>
-            <p:ph type="title" sz="quarter" idx="10"/>
-          </p:nvPr>
-        </p:nvSpPr>
-        <p:spPr/>
-        <p:txBody>
-          <a:bodyPr/>
-          <a:lstStyle/>
-          <a:p>
-            <a:r>
-              <a:rPr lang="bg-BG" dirty="0"/>
-              <a:t>Примери</a:t>
-            </a:r>
-            <a:endParaRPr lang="en-US" dirty="0"/>
-          </a:p>
-        </p:txBody>
-      </p:sp>
-      <p:pic>
-        <p:nvPicPr>
-          <p:cNvPr id="1026" name="Picture 2" descr="Резултат с изображение за „data structures picture“">
-            <a:extLst>
-              <a:ext uri="{FF2B5EF4-FFF2-40B4-BE49-F238E27FC236}">
-                <a16:creationId xmlns:a16="http://schemas.microsoft.com/office/drawing/2014/main" id="{29D248C8-9279-4472-9B55-1AD749E2F26F}"/>
-              </a:ext>
-            </a:extLst>
-          </p:cNvPr>
-          <p:cNvPicPr>
-            <a:picLocks noChangeAspect="1" noChangeArrowheads="1"/>
-          </p:cNvPicPr>
-          <p:nvPr/>
-        </p:nvPicPr>
-        <p:blipFill>
-          <a:blip r:embed="rId2">
-            <a:duotone>
-              <a:schemeClr val="accent3">
-                <a:shade val="45000"/>
-                <a:satMod val="135000"/>
-              </a:schemeClr>
-              <a:prstClr val="white"/>
-            </a:duotone>
-            <a:extLst>
-              <a:ext uri="{28A0092B-C50C-407E-A947-70E740481C1C}">
-                <a14:useLocalDpi xmlns:a14="http://schemas.microsoft.com/office/drawing/2010/main" val="0"/>
-              </a:ext>
-            </a:extLst>
-          </a:blip>
-          <a:srcRect/>
-          <a:stretch>
-            <a:fillRect/>
-          </a:stretch>
-        </p:blipFill>
-        <p:spPr bwMode="auto">
-          <a:xfrm>
-            <a:off x="2376691" y="774692"/>
-            <a:ext cx="7438618" cy="3719309"/>
-          </a:xfrm>
-          <a:prstGeom prst="roundRect">
-            <a:avLst>
-              <a:gd name="adj" fmla="val 1603"/>
-            </a:avLst>
-          </a:prstGeom>
-          <a:noFill/>
-          <a:ln>
-            <a:solidFill>
-              <a:schemeClr val="tx1">
-                <a:lumMod val="60000"/>
-                <a:lumOff val="40000"/>
-              </a:schemeClr>
-            </a:solidFill>
-          </a:ln>
-          <a:extLst>
-            <a:ext uri="{909E8E84-426E-40DD-AFC4-6F175D3DCCD1}">
-              <a14:hiddenFill xmlns:a14="http://schemas.microsoft.com/office/drawing/2010/main">
-                <a:solidFill>
-                  <a:srgbClr val="FFFFFF"/>
-                </a:solidFill>
-              </a14:hiddenFill>
-            </a:ext>
-          </a:extLst>
-        </p:spPr>
-      </p:pic>
-    </p:spTree>
-    <p:extLst>
-      <p:ext uri="{BB962C8B-B14F-4D97-AF65-F5344CB8AC3E}">
-        <p14:creationId xmlns:p14="http://schemas.microsoft.com/office/powerpoint/2010/main" val="2400711497"/>
-      </p:ext>
-    </p:extLst>
-  </p:cSld>
-  <p:clrMapOvr>
-    <a:masterClrMapping/>
-  </p:clrMapOvr>
-  <mc:AlternateContent xmlns:mc="http://schemas.openxmlformats.org/markup-compatibility/2006" xmlns:p14="http://schemas.microsoft.com/office/powerpoint/2010/main">
-    <mc:Choice Requires="p14">
-      <p:transition spd="slow" p14:dur="2000" advClick="0" advTm="5000"/>
-    </mc:Choice>
-    <mc:Fallback xmlns="">
-      <p:transition spd="slow" advClick="0" advTm="5000"/>
-    </mc:Fallback>
-  </mc:AlternateContent>
-</p:sld>
-</file>
-
-<file path=ppt/slides/slide23.xml><?xml version="1.0" encoding="utf-8"?>
+<file path=ppt/slides/slide24.xml><?xml version="1.0" encoding="utf-8"?>
 <p:sld xmlns:a="http://schemas.openxmlformats.org/drawingml/2006/main" xmlns:r="http://schemas.openxmlformats.org/officeDocument/2006/relationships" xmlns:p="http://schemas.openxmlformats.org/presentationml/2006/main">
   <p:cSld>
     <p:spTree>
@@ -26211,7 +25451,7 @@
               <a:rPr lang="bg-BG" sz="3000" noProof="1">
                 <a:cs typeface="Consolas" pitchFamily="49" charset="0"/>
               </a:rPr>
-              <a:t>Всеки брой елементи могат да имат </a:t>
+              <a:t>Няколко елемента могат да имат </a:t>
             </a:r>
             <a:r>
               <a:rPr lang="bg-BG" sz="3000" b="1" noProof="1">
@@ -26268,21 +25508,15 @@
               </a:buClr>
             </a:pPr>
             <a:r>
-              <a:rPr lang="en-US" sz="3000" b="1" dirty="0">
-                <a:solidFill>
-                  <a:schemeClr val="bg1"/>
-                </a:solidFill>
-                <a:latin typeface="Consolas" panose="020B0609020204030204" pitchFamily="49" charset="0"/>
+              <a:rPr lang="bg-BG" sz="3000" dirty="0">
+                <a:latin typeface="Calibri" panose="020F0502020204030204" pitchFamily="34" charset="0"/>
+                <a:cs typeface="Calibri" panose="020F0502020204030204" pitchFamily="34" charset="0"/>
               </a:rPr>
-              <a:t>T</a:t>
-            </a:r>
-            <a:r>
-              <a:rPr lang="en-US" sz="3000" dirty="0"/>
-              <a:t> </a:t>
+              <a:t>Т</a:t>
             </a:r>
             <a:r>
               <a:rPr lang="bg-BG" sz="3000" dirty="0"/>
-              <a:t>трябва да имплементира</a:t>
+              <a:t>рябва да имплементира</a:t>
             </a:r>
             <a:r>
               <a:rPr lang="en-US" sz="3000" dirty="0"/>
@@ -26341,6 +25575,8 @@
                 <a:solidFill>
                   <a:schemeClr val="bg1"/>
                 </a:solidFill>
+                <a:latin typeface="Consolas" panose="020B0609020204030204" pitchFamily="49" charset="0"/>
+                <a:cs typeface="Consolas" panose="020B0609020204030204" pitchFamily="49" charset="0"/>
               </a:rPr>
               <a:t>Softuni.Wintellect.PowerCollections </a:t>
             </a:r>
@@ -26451,7 +25687,7 @@
             <a:noFill/>
             <a:extLst>
               <a:ext uri="{909E8E84-426E-40dd-AFC4-6F175D3DCCD1}">
-                <a14:hiddenFill xmlns:a14="http://schemas.microsoft.com/office/drawing/2010/main" xmlns="">
+                <a14:hiddenFill xmlns="" xmlns:a14="http://schemas.microsoft.com/office/drawing/2010/main">
                   <a:solidFill>
                     <a:srgbClr val="FFFFFF"/>
                   </a:solidFill>
@@ -26588,7 +25824,7 @@
             <a:fld id="{2BF067CD-8E6B-4360-9AA8-C5DF2A48A6D1}" type="slidenum">
               <a:rPr lang="en-US" noProof="0" smtClean="0"/>
               <a:pPr/>
-              <a:t>23</a:t>
+              <a:t>24</a:t>
             </a:fld>
             <a:endParaRPr lang="en-US" noProof="0" dirty="0"/>
           </a:p>
@@ -26966,7 +26202,128 @@
 </p:sld>
 </file>
 
-<file path=ppt/slides/slide24.xml><?xml version="1.0" encoding="utf-8"?>
+<file path=ppt/slides/slide25.xml><?xml version="1.0" encoding="utf-8"?>
+<p:sld xmlns:a="http://schemas.openxmlformats.org/drawingml/2006/main" xmlns:r="http://schemas.openxmlformats.org/officeDocument/2006/relationships" xmlns:p="http://schemas.openxmlformats.org/presentationml/2006/main">
+  <p:cSld>
+    <p:spTree>
+      <p:nvGrpSpPr>
+        <p:cNvPr id="1" name=""/>
+        <p:cNvGrpSpPr/>
+        <p:nvPr/>
+      </p:nvGrpSpPr>
+      <p:grpSpPr>
+        <a:xfrm>
+          <a:off x="0" y="0"/>
+          <a:ext cx="0" cy="0"/>
+          <a:chOff x="0" y="0"/>
+          <a:chExt cx="0" cy="0"/>
+        </a:xfrm>
+      </p:grpSpPr>
+      <p:sp>
+        <p:nvSpPr>
+          <p:cNvPr id="2" name="Slide Number Placeholder 1">
+            <a:extLst>
+              <a:ext uri="{FF2B5EF4-FFF2-40B4-BE49-F238E27FC236}">
+                <a16:creationId xmlns:a16="http://schemas.microsoft.com/office/drawing/2014/main" id="{294E1E27-E0C1-E96C-9E0D-158B7D30516A}"/>
+              </a:ext>
+            </a:extLst>
+          </p:cNvPr>
+          <p:cNvSpPr>
+            <a:spLocks noGrp="1"/>
+          </p:cNvSpPr>
+          <p:nvPr>
+            <p:ph type="sldNum" sz="quarter" idx="5"/>
+          </p:nvPr>
+        </p:nvSpPr>
+        <p:spPr/>
+        <p:txBody>
+          <a:bodyPr/>
+          <a:lstStyle/>
+          <a:p>
+            <a:fld id="{2BF067CD-8E6B-4360-9AA8-C5DF2A48A6D1}" type="slidenum">
+              <a:rPr lang="en-US" noProof="0" smtClean="0"/>
+              <a:pPr/>
+              <a:t>25</a:t>
+            </a:fld>
+            <a:endParaRPr lang="en-US" noProof="0" dirty="0"/>
+          </a:p>
+        </p:txBody>
+      </p:sp>
+      <p:sp>
+        <p:nvSpPr>
+          <p:cNvPr id="3" name="Text Placeholder 2">
+            <a:extLst>
+              <a:ext uri="{FF2B5EF4-FFF2-40B4-BE49-F238E27FC236}">
+                <a16:creationId xmlns:a16="http://schemas.microsoft.com/office/drawing/2014/main" id="{9FB54182-92E1-1946-5906-419AB379CA6D}"/>
+              </a:ext>
+            </a:extLst>
+          </p:cNvPr>
+          <p:cNvSpPr>
+            <a:spLocks noGrp="1"/>
+          </p:cNvSpPr>
+          <p:nvPr>
+            <p:ph type="body" sz="quarter" idx="10"/>
+          </p:nvPr>
+        </p:nvSpPr>
+        <p:spPr/>
+        <p:txBody>
+          <a:bodyPr/>
+          <a:lstStyle/>
+          <a:p>
+            <a:endParaRPr lang="en-BG"/>
+          </a:p>
+        </p:txBody>
+      </p:sp>
+      <p:sp>
+        <p:nvSpPr>
+          <p:cNvPr id="4" name="Title 3">
+            <a:extLst>
+              <a:ext uri="{FF2B5EF4-FFF2-40B4-BE49-F238E27FC236}">
+                <a16:creationId xmlns:a16="http://schemas.microsoft.com/office/drawing/2014/main" id="{91F5FF7E-74E5-A67A-179B-39464FD50145}"/>
+              </a:ext>
+            </a:extLst>
+          </p:cNvPr>
+          <p:cNvSpPr>
+            <a:spLocks noGrp="1"/>
+          </p:cNvSpPr>
+          <p:nvPr>
+            <p:ph type="title"/>
+          </p:nvPr>
+        </p:nvSpPr>
+        <p:spPr/>
+        <p:txBody>
+          <a:bodyPr/>
+          <a:lstStyle/>
+          <a:p>
+            <a:r>
+              <a:rPr lang="en-BG" dirty="0"/>
+              <a:t>TODO: how to install packages</a:t>
+            </a:r>
+          </a:p>
+        </p:txBody>
+      </p:sp>
+    </p:spTree>
+    <p:extLst>
+      <p:ext uri="{BB962C8B-B14F-4D97-AF65-F5344CB8AC3E}">
+        <p14:creationId xmlns:p14="http://schemas.microsoft.com/office/powerpoint/2010/main" val="3581012548"/>
+      </p:ext>
+    </p:extLst>
+  </p:cSld>
+  <p:clrMapOvr>
+    <a:masterClrMapping/>
+  </p:clrMapOvr>
+  <mc:AlternateContent xmlns:mc="http://schemas.openxmlformats.org/markup-compatibility/2006" xmlns:p14="http://schemas.microsoft.com/office/powerpoint/2010/main">
+    <mc:Choice Requires="p14">
+      <p:transition spd="slow" p14:dur="2000" advClick="0" advTm="5000"/>
+    </mc:Choice>
+    <mc:Fallback xmlns="">
+      <p:transition spd="slow" advClick="0" advTm="5000"/>
+    </mc:Fallback>
+  </mc:AlternateContent>
+</p:sld>
+</file>
+
+<file path=ppt/slides/slide26.xml><?xml version="1.0" encoding="utf-8"?>
 <p:sld xmlns:a="http://schemas.openxmlformats.org/drawingml/2006/main" xmlns:r="http://schemas.openxmlformats.org/officeDocument/2006/relationships" xmlns:p="http://schemas.openxmlformats.org/presentationml/2006/main">
   <p:cSld>
     <p:spTree>
@@ -27191,11 +26548,15 @@
             </a:r>
             <a:r>
               <a:rPr lang="en-US" noProof="1"/>
-              <a:t> </a:t>
+              <a:t>,</a:t>
+            </a:r>
+            <a:r>
+              <a:rPr lang="bg-BG" noProof="1"/>
+              <a:t> за </a:t>
             </a:r>
             <a:r>
               <a:rPr lang="bg-BG" dirty="0"/>
-              <a:t>да четете списък от думи</a:t>
+              <a:t>да прочетете списък от думи</a:t>
             </a:r>
             <a:r>
               <a:rPr lang="en-US" dirty="0"/>
@@ -27211,7 +26572,7 @@
             </a:r>
             <a:r>
               <a:rPr lang="bg-BG" dirty="0"/>
-              <a:t>да ги отпечатва в</a:t>
+              <a:t>да ги отпечатате в</a:t>
             </a:r>
             <a:r>
               <a:rPr lang="en-US" dirty="0"/>
@@ -27935,7 +27296,7 @@
             <a:fld id="{2BF067CD-8E6B-4360-9AA8-C5DF2A48A6D1}" type="slidenum">
               <a:rPr lang="en-US" smtClean="0"/>
               <a:pPr/>
-              <a:t>24</a:t>
+              <a:t>26</a:t>
             </a:fld>
             <a:endParaRPr lang="en-US" dirty="0"/>
           </a:p>
@@ -28433,7 +27794,7 @@
 </p:sld>
 </file>
 
-<file path=ppt/slides/slide25.xml><?xml version="1.0" encoding="utf-8"?>
+<file path=ppt/slides/slide27.xml><?xml version="1.0" encoding="utf-8"?>
 <p:sld xmlns:a="http://schemas.openxmlformats.org/drawingml/2006/main" xmlns:r="http://schemas.openxmlformats.org/officeDocument/2006/relationships" xmlns:p="http://schemas.openxmlformats.org/presentationml/2006/main">
   <p:cSld>
     <p:spTree>
@@ -28469,7 +27830,7 @@
         <p:spPr/>
         <p:txBody>
           <a:bodyPr>
-            <a:normAutofit/>
+            <a:normAutofit fontScale="92500"/>
           </a:bodyPr>
           <a:lstStyle/>
           <a:p>
@@ -28711,6 +28072,8 @@
                 <a:solidFill>
                   <a:schemeClr val="bg1"/>
                 </a:solidFill>
+                <a:latin typeface="Consolas" panose="020B0609020204030204" pitchFamily="49" charset="0"/>
+                <a:cs typeface="Consolas" panose="020B0609020204030204" pitchFamily="49" charset="0"/>
               </a:rPr>
               <a:t>SoftUni.Wintellect.PowerCollections </a:t>
             </a:r>
@@ -28959,7 +28322,7 @@
             <a:fld id="{2BF067CD-8E6B-4360-9AA8-C5DF2A48A6D1}" type="slidenum">
               <a:rPr lang="en-US" noProof="0" smtClean="0"/>
               <a:pPr/>
-              <a:t>25</a:t>
+              <a:t>27</a:t>
             </a:fld>
             <a:endParaRPr lang="en-US" noProof="0" dirty="0"/>
           </a:p>
@@ -29261,7 +28624,7 @@
 </p:sld>
 </file>
 
-<file path=ppt/slides/slide26.xml><?xml version="1.0" encoding="utf-8"?>
+<file path=ppt/slides/slide28.xml><?xml version="1.0" encoding="utf-8"?>
 <p:sld xmlns:a="http://schemas.openxmlformats.org/drawingml/2006/main" xmlns:r="http://schemas.openxmlformats.org/officeDocument/2006/relationships" xmlns:p="http://schemas.openxmlformats.org/presentationml/2006/main">
   <p:cSld>
     <p:spTree>
@@ -29492,11 +28855,11 @@
                   <a:schemeClr val="bg1"/>
                 </a:solidFill>
               </a:rPr>
-              <a:t>&lt;K, V&gt; </a:t>
+              <a:t>&lt;K, V&gt;</a:t>
             </a:r>
             <a:r>
               <a:rPr lang="bg-BG" sz="3400" dirty="0"/>
-              <a:t>да чете </a:t>
+              <a:t>, за да прочетете </a:t>
             </a:r>
             <a:r>
               <a:rPr lang="bg-BG" sz="3400" b="1" dirty="0">
@@ -30548,7 +29911,7 @@
             <a:fld id="{2BF067CD-8E6B-4360-9AA8-C5DF2A48A6D1}" type="slidenum">
               <a:rPr lang="en-US" smtClean="0"/>
               <a:pPr/>
-              <a:t>26</a:t>
+              <a:t>28</a:t>
             </a:fld>
             <a:endParaRPr lang="en-US" dirty="0"/>
           </a:p>
@@ -31175,7 +30538,7 @@
 </p:sld>
 </file>
 
-<file path=ppt/slides/slide27.xml><?xml version="1.0" encoding="utf-8"?>
+<file path=ppt/slides/slide29.xml><?xml version="1.0" encoding="utf-8"?>
 <p:sld xmlns:a="http://schemas.openxmlformats.org/drawingml/2006/main" xmlns:r="http://schemas.openxmlformats.org/officeDocument/2006/relationships" xmlns:p="http://schemas.openxmlformats.org/presentationml/2006/main">
   <p:cSld>
     <p:spTree>
@@ -31240,7 +30603,7 @@
             </a:pPr>
             <a:r>
               <a:rPr lang="bg-BG" dirty="0"/>
-              <a:t>Структура от данни базирана на дърво</a:t>
+              <a:t>Структура от данни, базирана на дърво</a:t>
             </a:r>
             <a:r>
               <a:rPr lang="en-GB" dirty="0"/>
@@ -31459,6 +30822,8 @@
                 <a:solidFill>
                   <a:schemeClr val="bg1"/>
                 </a:solidFill>
+                <a:latin typeface="Consolas" panose="020B0609020204030204" pitchFamily="49" charset="0"/>
+                <a:cs typeface="Consolas" panose="020B0609020204030204" pitchFamily="49" charset="0"/>
               </a:rPr>
               <a:t>MoreComplexDataStructures</a:t>
             </a:r>
@@ -31601,7 +30966,7 @@
         </p:blipFill>
         <p:spPr>
           <a:xfrm>
-            <a:off x="6606501" y="3597660"/>
+            <a:off x="6598309" y="3789000"/>
             <a:ext cx="5154721" cy="1288680"/>
           </a:xfrm>
           <a:prstGeom prst="rect">
@@ -31652,7 +31017,7 @@
             <a:fld id="{2BF067CD-8E6B-4360-9AA8-C5DF2A48A6D1}" type="slidenum">
               <a:rPr lang="en-US" noProof="0" smtClean="0"/>
               <a:pPr/>
-              <a:t>27</a:t>
+              <a:t>29</a:t>
             </a:fld>
             <a:endParaRPr lang="en-US" noProof="0" dirty="0"/>
           </a:p>
@@ -32012,7 +31377,120 @@
 </p:sld>
 </file>
 
-<file path=ppt/slides/slide28.xml><?xml version="1.0" encoding="utf-8"?>
+<file path=ppt/slides/slide3.xml><?xml version="1.0" encoding="utf-8"?>
+<p:sld xmlns:a="http://schemas.openxmlformats.org/drawingml/2006/main" xmlns:r="http://schemas.openxmlformats.org/officeDocument/2006/relationships" xmlns:p="http://schemas.openxmlformats.org/presentationml/2006/main">
+  <p:cSld>
+    <p:spTree>
+      <p:nvGrpSpPr>
+        <p:cNvPr id="1" name=""/>
+        <p:cNvGrpSpPr/>
+        <p:nvPr/>
+      </p:nvGrpSpPr>
+      <p:grpSpPr>
+        <a:xfrm>
+          <a:off x="0" y="0"/>
+          <a:ext cx="0" cy="0"/>
+          <a:chOff x="0" y="0"/>
+          <a:chExt cx="0" cy="0"/>
+        </a:xfrm>
+      </p:grpSpPr>
+      <p:sp>
+        <p:nvSpPr>
+          <p:cNvPr id="2" name="Title 1"/>
+          <p:cNvSpPr>
+            <a:spLocks noGrp="1"/>
+          </p:cNvSpPr>
+          <p:nvPr>
+            <p:ph type="title" sz="quarter" idx="10"/>
+          </p:nvPr>
+        </p:nvSpPr>
+        <p:spPr>
+          <a:xfrm>
+            <a:off x="615109" y="4704824"/>
+            <a:ext cx="10961783" cy="1739175"/>
+          </a:xfrm>
+        </p:spPr>
+        <p:txBody>
+          <a:bodyPr/>
+          <a:lstStyle/>
+          <a:p>
+            <a:r>
+              <a:rPr lang="bg-BG" dirty="0"/>
+              <a:t>Как се запаметяват данните в паметта?</a:t>
+            </a:r>
+            <a:endParaRPr lang="en-US" dirty="0"/>
+          </a:p>
+        </p:txBody>
+      </p:sp>
+      <p:pic>
+        <p:nvPicPr>
+          <p:cNvPr id="1026" name="Picture 2" descr="Резултат с изображение за „data computers“">
+            <a:extLst>
+              <a:ext uri="{FF2B5EF4-FFF2-40B4-BE49-F238E27FC236}">
+                <a16:creationId xmlns:a16="http://schemas.microsoft.com/office/drawing/2014/main" id="{7B2A1737-8359-4B6A-A18D-02852DC41227}"/>
+              </a:ext>
+            </a:extLst>
+          </p:cNvPr>
+          <p:cNvPicPr>
+            <a:picLocks noChangeAspect="1" noChangeArrowheads="1"/>
+          </p:cNvPicPr>
+          <p:nvPr/>
+        </p:nvPicPr>
+        <p:blipFill>
+          <a:blip r:embed="rId2">
+            <a:extLst>
+              <a:ext uri="{28A0092B-C50C-407E-A947-70E740481C1C}">
+                <a14:useLocalDpi xmlns:a14="http://schemas.microsoft.com/office/drawing/2010/main" val="0"/>
+              </a:ext>
+            </a:extLst>
+          </a:blip>
+          <a:srcRect/>
+          <a:stretch>
+            <a:fillRect/>
+          </a:stretch>
+        </p:blipFill>
+        <p:spPr bwMode="auto">
+          <a:xfrm>
+            <a:off x="2361974" y="572085"/>
+            <a:ext cx="7468055" cy="3891647"/>
+          </a:xfrm>
+          <a:prstGeom prst="rect">
+            <a:avLst/>
+          </a:prstGeom>
+          <a:noFill/>
+          <a:extLst>
+            <a:ext uri="{909E8E84-426E-40DD-AFC4-6F175D3DCCD1}">
+              <a14:hiddenFill xmlns:a14="http://schemas.microsoft.com/office/drawing/2010/main">
+                <a:solidFill>
+                  <a:srgbClr val="FFFFFF"/>
+                </a:solidFill>
+              </a14:hiddenFill>
+            </a:ext>
+          </a:extLst>
+        </p:spPr>
+      </p:pic>
+    </p:spTree>
+    <p:extLst>
+      <p:ext uri="{BB962C8B-B14F-4D97-AF65-F5344CB8AC3E}">
+        <p14:creationId xmlns:p14="http://schemas.microsoft.com/office/powerpoint/2010/main" val="1147187728"/>
+      </p:ext>
+    </p:extLst>
+  </p:cSld>
+  <p:clrMapOvr>
+    <a:masterClrMapping/>
+  </p:clrMapOvr>
+  <mc:AlternateContent xmlns:mc="http://schemas.openxmlformats.org/markup-compatibility/2006" xmlns:p14="http://schemas.microsoft.com/office/powerpoint/2010/main">
+    <mc:Choice Requires="p14">
+      <p:transition spd="slow" p14:dur="2000" advClick="0" advTm="5000"/>
+    </mc:Choice>
+    <mc:Fallback xmlns="">
+      <p:transition spd="slow" advClick="0" advTm="5000"/>
+    </mc:Fallback>
+  </mc:AlternateContent>
+</p:sld>
+</file>
+
+<file path=ppt/slides/slide30.xml><?xml version="1.0" encoding="utf-8"?>
 <p:sld xmlns:a="http://schemas.openxmlformats.org/drawingml/2006/main" xmlns:r="http://schemas.openxmlformats.org/officeDocument/2006/relationships" xmlns:p="http://schemas.openxmlformats.org/presentationml/2006/main">
   <p:cSld>
     <p:spTree>
@@ -32045,7 +31523,7 @@
         </p:nvSpPr>
         <p:spPr>
           <a:xfrm>
-            <a:off x="190353" y="1196124"/>
+            <a:off x="177732" y="1094375"/>
             <a:ext cx="11815018" cy="5561125"/>
           </a:xfrm>
           <a:prstGeom prst="rect">
@@ -32234,16 +31712,18 @@
                 <a:solidFill>
                   <a:schemeClr val="bg1"/>
                 </a:solidFill>
+                <a:latin typeface="Consolas" panose="020B0609020204030204" pitchFamily="49" charset="0"/>
+                <a:cs typeface="Consolas" panose="020B0609020204030204" pitchFamily="49" charset="0"/>
               </a:rPr>
               <a:t>MaxHeap&lt;T&gt;</a:t>
             </a:r>
             <a:r>
               <a:rPr lang="en-US" dirty="0"/>
-              <a:t> </a:t>
+              <a:t>,</a:t>
             </a:r>
             <a:r>
               <a:rPr lang="bg-BG" dirty="0"/>
-              <a:t>за да</a:t>
+              <a:t> за да</a:t>
             </a:r>
             <a:r>
               <a:rPr lang="en-US" dirty="0"/>
@@ -32291,7 +31771,7 @@
             </a:r>
             <a:r>
               <a:rPr lang="en-US" dirty="0"/>
-              <a:t>, </a:t>
+              <a:t> </a:t>
             </a:r>
             <a:r>
               <a:rPr lang="bg-BG" dirty="0"/>
@@ -32306,6 +31786,8 @@
                 <a:solidFill>
                   <a:schemeClr val="bg1"/>
                 </a:solidFill>
+                <a:latin typeface="Consolas" panose="020B0609020204030204" pitchFamily="49" charset="0"/>
+                <a:cs typeface="Consolas" panose="020B0609020204030204" pitchFamily="49" charset="0"/>
               </a:rPr>
               <a:t>ExtractMax</a:t>
             </a:r>
@@ -32314,10 +31796,15 @@
                 <a:solidFill>
                   <a:schemeClr val="bg1"/>
                 </a:solidFill>
+                <a:latin typeface="Consolas" panose="020B0609020204030204" pitchFamily="49" charset="0"/>
+                <a:cs typeface="Consolas" panose="020B0609020204030204" pitchFamily="49" charset="0"/>
               </a:rPr>
               <a:t>()</a:t>
             </a:r>
-            <a:endParaRPr lang="en-US" dirty="0"/>
+            <a:endParaRPr lang="en-US" dirty="0">
+              <a:latin typeface="Consolas" panose="020B0609020204030204" pitchFamily="49" charset="0"/>
+              <a:cs typeface="Consolas" panose="020B0609020204030204" pitchFamily="49" charset="0"/>
+            </a:endParaRPr>
           </a:p>
           <a:p>
             <a:endParaRPr lang="en-US" dirty="0"/>
@@ -32340,7 +31827,7 @@
         </p:nvSpPr>
         <p:spPr>
           <a:xfrm>
-            <a:off x="921000" y="2978999"/>
+            <a:off x="1351380" y="2912983"/>
             <a:ext cx="8640000" cy="3911428"/>
           </a:xfrm>
           <a:prstGeom prst="rect">
@@ -32723,7 +32210,7 @@
         </p:blipFill>
         <p:spPr>
           <a:xfrm>
-            <a:off x="4836000" y="3519000"/>
+            <a:off x="5671380" y="3519000"/>
             <a:ext cx="3656459" cy="1911965"/>
           </a:xfrm>
           <a:prstGeom prst="rect">
@@ -32862,7 +32349,7 @@
             <a:fld id="{2BF067CD-8E6B-4360-9AA8-C5DF2A48A6D1}" type="slidenum">
               <a:rPr lang="en-US" smtClean="0"/>
               <a:pPr/>
-              <a:t>28</a:t>
+              <a:t>30</a:t>
             </a:fld>
             <a:endParaRPr lang="en-US" dirty="0"/>
           </a:p>
@@ -33378,200 +32865,7 @@
 </p:sld>
 </file>
 
-<file path=ppt/slides/slide29.xml><?xml version="1.0" encoding="utf-8"?>
-<p:sld xmlns:a="http://schemas.openxmlformats.org/drawingml/2006/main" xmlns:r="http://schemas.openxmlformats.org/officeDocument/2006/relationships" xmlns:p="http://schemas.openxmlformats.org/presentationml/2006/main">
-  <p:cSld>
-    <p:spTree>
-      <p:nvGrpSpPr>
-        <p:cNvPr id="1" name=""/>
-        <p:cNvGrpSpPr/>
-        <p:nvPr/>
-      </p:nvGrpSpPr>
-      <p:grpSpPr>
-        <a:xfrm>
-          <a:off x="0" y="0"/>
-          <a:ext cx="0" cy="0"/>
-          <a:chOff x="0" y="0"/>
-          <a:chExt cx="0" cy="0"/>
-        </a:xfrm>
-      </p:grpSpPr>
-      <p:pic>
-        <p:nvPicPr>
-          <p:cNvPr id="5" name="Picture 4"/>
-          <p:cNvPicPr>
-            <a:picLocks noChangeAspect="1"/>
-          </p:cNvPicPr>
-          <p:nvPr/>
-        </p:nvPicPr>
-        <p:blipFill>
-          <a:blip r:embed="rId2"/>
-          <a:stretch>
-            <a:fillRect/>
-          </a:stretch>
-        </p:blipFill>
-        <p:spPr>
-          <a:xfrm>
-            <a:off x="4695062" y="1457010"/>
-            <a:ext cx="2843046" cy="2311670"/>
-          </a:xfrm>
-          <a:prstGeom prst="rect">
-            <a:avLst/>
-          </a:prstGeom>
-        </p:spPr>
-      </p:pic>
-      <p:sp>
-        <p:nvSpPr>
-          <p:cNvPr id="2" name="Title 1"/>
-          <p:cNvSpPr>
-            <a:spLocks noGrp="1"/>
-          </p:cNvSpPr>
-          <p:nvPr>
-            <p:ph type="title" sz="quarter" idx="10"/>
-          </p:nvPr>
-        </p:nvSpPr>
-        <p:spPr/>
-        <p:txBody>
-          <a:bodyPr/>
-          <a:lstStyle/>
-          <a:p>
-            <a:r>
-              <a:rPr lang="bg-BG" dirty="0"/>
-              <a:t>Дърво и граф</a:t>
-            </a:r>
-            <a:endParaRPr lang="en-US" dirty="0"/>
-          </a:p>
-        </p:txBody>
-      </p:sp>
-    </p:spTree>
-    <p:extLst>
-      <p:ext uri="{BB962C8B-B14F-4D97-AF65-F5344CB8AC3E}">
-        <p14:creationId xmlns:p14="http://schemas.microsoft.com/office/powerpoint/2010/main" val="3588749170"/>
-      </p:ext>
-    </p:extLst>
-  </p:cSld>
-  <p:clrMapOvr>
-    <a:masterClrMapping/>
-  </p:clrMapOvr>
-  <mc:AlternateContent xmlns:mc="http://schemas.openxmlformats.org/markup-compatibility/2006" xmlns:p14="http://schemas.microsoft.com/office/powerpoint/2010/main">
-    <mc:Choice Requires="p14">
-      <p:transition spd="slow" p14:dur="2000" advClick="0" advTm="5000"/>
-    </mc:Choice>
-    <mc:Fallback xmlns="">
-      <p:transition spd="slow" advClick="0" advTm="5000"/>
-    </mc:Fallback>
-  </mc:AlternateContent>
-</p:sld>
-</file>
-
-<file path=ppt/slides/slide3.xml><?xml version="1.0" encoding="utf-8"?>
-<p:sld xmlns:a="http://schemas.openxmlformats.org/drawingml/2006/main" xmlns:r="http://schemas.openxmlformats.org/officeDocument/2006/relationships" xmlns:p="http://schemas.openxmlformats.org/presentationml/2006/main">
-  <p:cSld>
-    <p:spTree>
-      <p:nvGrpSpPr>
-        <p:cNvPr id="1" name=""/>
-        <p:cNvGrpSpPr/>
-        <p:nvPr/>
-      </p:nvGrpSpPr>
-      <p:grpSpPr>
-        <a:xfrm>
-          <a:off x="0" y="0"/>
-          <a:ext cx="0" cy="0"/>
-          <a:chOff x="0" y="0"/>
-          <a:chExt cx="0" cy="0"/>
-        </a:xfrm>
-      </p:grpSpPr>
-      <p:sp>
-        <p:nvSpPr>
-          <p:cNvPr id="2" name="Title 1"/>
-          <p:cNvSpPr>
-            <a:spLocks noGrp="1"/>
-          </p:cNvSpPr>
-          <p:nvPr>
-            <p:ph type="title" sz="quarter" idx="10"/>
-          </p:nvPr>
-        </p:nvSpPr>
-        <p:spPr/>
-        <p:txBody>
-          <a:bodyPr/>
-          <a:lstStyle/>
-          <a:p>
-            <a:r>
-              <a:rPr lang="bg-BG" dirty="0"/>
-              <a:t>Как се запаметяват данните в паметта?</a:t>
-            </a:r>
-            <a:endParaRPr lang="en-US" dirty="0"/>
-          </a:p>
-        </p:txBody>
-      </p:sp>
-      <p:pic>
-        <p:nvPicPr>
-          <p:cNvPr id="1026" name="Picture 2" descr="Резултат с изображение за „data computers“">
-            <a:extLst>
-              <a:ext uri="{FF2B5EF4-FFF2-40B4-BE49-F238E27FC236}">
-                <a16:creationId xmlns:a16="http://schemas.microsoft.com/office/drawing/2014/main" id="{7B2A1737-8359-4B6A-A18D-02852DC41227}"/>
-              </a:ext>
-            </a:extLst>
-          </p:cNvPr>
-          <p:cNvPicPr>
-            <a:picLocks noChangeAspect="1" noChangeArrowheads="1"/>
-          </p:cNvPicPr>
-          <p:nvPr/>
-        </p:nvPicPr>
-        <p:blipFill>
-          <a:blip r:embed="rId2">
-            <a:extLst>
-              <a:ext uri="{28A0092B-C50C-407E-A947-70E740481C1C}">
-                <a14:useLocalDpi xmlns:a14="http://schemas.microsoft.com/office/drawing/2010/main" val="0"/>
-              </a:ext>
-            </a:extLst>
-          </a:blip>
-          <a:srcRect/>
-          <a:stretch>
-            <a:fillRect/>
-          </a:stretch>
-        </p:blipFill>
-        <p:spPr bwMode="auto">
-          <a:xfrm>
-            <a:off x="2361974" y="572085"/>
-            <a:ext cx="7468055" cy="3891647"/>
-          </a:xfrm>
-          <a:prstGeom prst="rect">
-            <a:avLst/>
-          </a:prstGeom>
-          <a:noFill/>
-          <a:extLst>
-            <a:ext uri="{909E8E84-426E-40DD-AFC4-6F175D3DCCD1}">
-              <a14:hiddenFill xmlns:a14="http://schemas.microsoft.com/office/drawing/2010/main">
-                <a:solidFill>
-                  <a:srgbClr val="FFFFFF"/>
-                </a:solidFill>
-              </a14:hiddenFill>
-            </a:ext>
-          </a:extLst>
-        </p:spPr>
-      </p:pic>
-    </p:spTree>
-    <p:extLst>
-      <p:ext uri="{BB962C8B-B14F-4D97-AF65-F5344CB8AC3E}">
-        <p14:creationId xmlns:p14="http://schemas.microsoft.com/office/powerpoint/2010/main" val="1147187728"/>
-      </p:ext>
-    </p:extLst>
-  </p:cSld>
-  <p:clrMapOvr>
-    <a:masterClrMapping/>
-  </p:clrMapOvr>
-  <mc:AlternateContent xmlns:mc="http://schemas.openxmlformats.org/markup-compatibility/2006" xmlns:p14="http://schemas.microsoft.com/office/powerpoint/2010/main">
-    <mc:Choice Requires="p14">
-      <p:transition spd="slow" p14:dur="2000" advClick="0" advTm="5000"/>
-    </mc:Choice>
-    <mc:Fallback xmlns="">
-      <p:transition spd="slow" advClick="0" advTm="5000"/>
-    </mc:Fallback>
-  </mc:AlternateContent>
-</p:sld>
-</file>
-
-<file path=ppt/slides/slide30.xml><?xml version="1.0" encoding="utf-8"?>
+<file path=ppt/slides/slide31.xml><?xml version="1.0" encoding="utf-8"?>
 <p:sld xmlns:a="http://schemas.openxmlformats.org/drawingml/2006/main" xmlns:r="http://schemas.openxmlformats.org/officeDocument/2006/relationships" xmlns:p="http://schemas.openxmlformats.org/presentationml/2006/main">
   <p:cSld>
     <p:spTree>
@@ -33751,7 +33045,15 @@
             </a:r>
             <a:r>
               <a:rPr lang="bg-BG" sz="3499" dirty="0"/>
-              <a:t> дърво състоящо се от стойности и набор от деца, който са дървета</a:t>
+              <a:t> дърво</a:t>
+            </a:r>
+            <a:r>
+              <a:rPr lang="en-US" sz="3499" dirty="0"/>
+              <a:t>,</a:t>
+            </a:r>
+            <a:r>
+              <a:rPr lang="bg-BG" sz="3499" dirty="0"/>
+              <a:t> състоящо се от стойности и набор от деца, които са дървета</a:t>
             </a:r>
             <a:endParaRPr lang="en-US" sz="3499" dirty="0"/>
           </a:p>
@@ -33766,7 +33068,7 @@
                   <a:schemeClr val="bg1"/>
                 </a:solidFill>
               </a:rPr>
-              <a:t>можете да работите с </a:t>
+              <a:t>можете да работите с</a:t>
             </a:r>
             <a:r>
               <a:rPr lang="en-US" sz="3499" b="1" dirty="0">
@@ -34922,7 +34224,7 @@
             <a:fld id="{2BF067CD-8E6B-4360-9AA8-C5DF2A48A6D1}" type="slidenum">
               <a:rPr lang="en-US" smtClean="0"/>
               <a:pPr/>
-              <a:t>30</a:t>
+              <a:t>31</a:t>
             </a:fld>
             <a:endParaRPr lang="en-US" dirty="0"/>
           </a:p>
@@ -35255,7 +34557,7 @@
 </p:sld>
 </file>
 
-<file path=ppt/slides/slide31.xml><?xml version="1.0" encoding="utf-8"?>
+<file path=ppt/slides/slide32.xml><?xml version="1.0" encoding="utf-8"?>
 <p:sld xmlns:a="http://schemas.openxmlformats.org/drawingml/2006/main" xmlns:r="http://schemas.openxmlformats.org/officeDocument/2006/relationships" xmlns:p="http://schemas.openxmlformats.org/presentationml/2006/main">
   <p:cSld>
     <p:spTree>
@@ -35308,7 +34610,7 @@
             </a:r>
             <a:r>
               <a:rPr lang="bg-BG" dirty="0"/>
-              <a:t>Върхове</a:t>
+              <a:t>връх</a:t>
             </a:r>
             <a:r>
               <a:rPr lang="en-US" dirty="0"/>
@@ -35319,7 +34621,7 @@
             <a:pPr lvl="1"/>
             <a:r>
               <a:rPr lang="bg-BG" dirty="0"/>
-              <a:t>Елементи от граф</a:t>
+              <a:t>Елемент от граф</a:t>
             </a:r>
             <a:endParaRPr lang="en-US" dirty="0"/>
           </a:p>
@@ -35327,9 +34629,21 @@
             <a:pPr lvl="1"/>
             <a:r>
               <a:rPr lang="bg-BG" dirty="0"/>
-              <a:t>Могат да имат име/стойност</a:t>
-            </a:r>
-            <a:endParaRPr lang="en-US" dirty="0"/>
+              <a:t>Може да има </a:t>
+            </a:r>
+            <a:r>
+              <a:rPr lang="bg-BG" b="1" dirty="0">
+                <a:solidFill>
+                  <a:schemeClr val="bg1"/>
+                </a:solidFill>
+              </a:rPr>
+              <a:t>име/стойност</a:t>
+            </a:r>
+            <a:endParaRPr lang="en-US" b="1" dirty="0">
+              <a:solidFill>
+                <a:schemeClr val="bg1"/>
+              </a:solidFill>
+            </a:endParaRPr>
           </a:p>
           <a:p>
             <a:pPr lvl="1"/>
@@ -35363,7 +34677,7 @@
             </a:r>
             <a:r>
               <a:rPr lang="bg-BG" dirty="0"/>
-              <a:t>(Ребра)</a:t>
+              <a:t>(Ребро)</a:t>
             </a:r>
             <a:endParaRPr lang="en-US" dirty="0"/>
           </a:p>
@@ -35371,7 +34685,19 @@
             <a:pPr lvl="1"/>
             <a:r>
               <a:rPr lang="bg-BG" dirty="0"/>
-              <a:t>Свързва два върха</a:t>
+              <a:t>Свързва </a:t>
+            </a:r>
+            <a:r>
+              <a:rPr lang="bg-BG" b="1" dirty="0">
+                <a:solidFill>
+                  <a:schemeClr val="bg1"/>
+                </a:solidFill>
+              </a:rPr>
+              <a:t>два</a:t>
+            </a:r>
+            <a:r>
+              <a:rPr lang="bg-BG" dirty="0"/>
+              <a:t> върха</a:t>
             </a:r>
             <a:endParaRPr lang="en-US" dirty="0"/>
           </a:p>
@@ -35379,7 +34705,11 @@
             <a:pPr lvl="1"/>
             <a:r>
               <a:rPr lang="bg-BG" dirty="0"/>
-              <a:t>Може да бъде директен/ недиректен</a:t>
+              <a:t>Може да бъде насочен/</a:t>
+            </a:r>
+            <a:r>
+              <a:rPr lang="bg-BG" dirty="0" err="1"/>
+              <a:t>ненасочен</a:t>
             </a:r>
             <a:endParaRPr lang="en-US" dirty="0"/>
           </a:p>
@@ -35399,7 +34729,7 @@
             </a:r>
             <a:r>
               <a:rPr lang="en-US" dirty="0"/>
-              <a:t>/ </a:t>
+              <a:t>/</a:t>
             </a:r>
             <a:r>
               <a:rPr lang="bg-BG" dirty="0"/>
@@ -35427,7 +34757,7 @@
             </a:r>
             <a:r>
               <a:rPr lang="bg-BG" dirty="0"/>
-              <a:t> стойност</a:t>
+              <a:t>стойност</a:t>
             </a:r>
             <a:endParaRPr lang="en-US" dirty="0"/>
           </a:p>
@@ -35913,7 +35243,7 @@
             <a:fld id="{2BF067CD-8E6B-4360-9AA8-C5DF2A48A6D1}" type="slidenum">
               <a:rPr lang="en-US" noProof="0" smtClean="0"/>
               <a:pPr/>
-              <a:t>31</a:t>
+              <a:t>32</a:t>
             </a:fld>
             <a:endParaRPr lang="en-US" noProof="0" dirty="0"/>
           </a:p>
@@ -36524,7 +35854,7 @@
 </p:sld>
 </file>
 
-<file path=ppt/slides/slide32.xml><?xml version="1.0" encoding="utf-8"?>
+<file path=ppt/slides/slide33.xml><?xml version="1.0" encoding="utf-8"?>
 <p:sld xmlns:a="http://schemas.openxmlformats.org/drawingml/2006/main" xmlns:r="http://schemas.openxmlformats.org/officeDocument/2006/relationships" xmlns:p="http://schemas.openxmlformats.org/presentationml/2006/main">
   <p:cSld>
     <p:spTree>
@@ -36880,7 +36210,7 @@
         </p:spPr>
         <p:txBody>
           <a:bodyPr vert="horz" lIns="107944" tIns="35982" rIns="107944" bIns="35982" rtlCol="0">
-            <a:normAutofit lnSpcReduction="10000"/>
+            <a:normAutofit/>
           </a:bodyPr>
           <a:lstStyle>
             <a:lvl1pPr marL="456915" indent="-456915" algn="l" defTabSz="1218438" rtl="0" eaLnBrk="1" latinLnBrk="1" hangingPunct="1">
@@ -37067,7 +36397,7 @@
                   </a:schemeClr>
                 </a:solidFill>
               </a:rPr>
-              <a:t>Структурата от данни </a:t>
+              <a:t>Структурите от данни </a:t>
             </a:r>
             <a:r>
               <a:rPr lang="bg-BG" sz="3600" dirty="0">
@@ -37114,7 +36444,7 @@
                   <a:schemeClr val="bg2"/>
                 </a:solidFill>
               </a:rPr>
-              <a:t>Абстрактни типове данни</a:t>
+              <a:t>Абстрактни типове данни </a:t>
             </a:r>
             <a:r>
               <a:rPr lang="en-US" sz="3400" dirty="0">
@@ -37175,7 +36505,7 @@
                   </a:schemeClr>
                 </a:solidFill>
               </a:rPr>
-              <a:t>Линейните</a:t>
+              <a:t>Линейни</a:t>
             </a:r>
             <a:r>
               <a:rPr lang="en-US" sz="3600" b="1" dirty="0">
@@ -37186,7 +36516,7 @@
               <a:t> </a:t>
             </a:r>
             <a:r>
-              <a:rPr lang="bg-BG" sz="3600" b="1" dirty="0">
+              <a:rPr lang="bg-BG" sz="3600" dirty="0">
                 <a:solidFill>
                   <a:schemeClr val="bg2"/>
                 </a:solidFill>
@@ -37194,7 +36524,7 @@
               <a:t>структури от данни</a:t>
             </a:r>
             <a:r>
-              <a:rPr lang="en-US" sz="3600" b="1" dirty="0">
+              <a:rPr lang="en-US" sz="3600" dirty="0">
                 <a:solidFill>
                   <a:schemeClr val="bg2"/>
                 </a:solidFill>
@@ -37202,7 +36532,7 @@
               <a:t>: </a:t>
             </a:r>
             <a:r>
-              <a:rPr lang="bg-BG" sz="3600" b="1" dirty="0">
+              <a:rPr lang="bg-BG" sz="3600" dirty="0">
                 <a:solidFill>
                   <a:schemeClr val="bg2"/>
                 </a:solidFill>
@@ -37210,7 +36540,7 @@
               <a:t>масиви</a:t>
             </a:r>
             <a:r>
-              <a:rPr lang="en-US" sz="3600" b="1" dirty="0">
+              <a:rPr lang="en-US" sz="3600" dirty="0">
                 <a:solidFill>
                   <a:schemeClr val="bg2"/>
                 </a:solidFill>
@@ -37218,7 +36548,7 @@
               <a:t>, </a:t>
             </a:r>
             <a:r>
-              <a:rPr lang="bg-BG" sz="3600" b="1" dirty="0">
+              <a:rPr lang="bg-BG" sz="3600" dirty="0">
                 <a:solidFill>
                   <a:schemeClr val="bg2"/>
                 </a:solidFill>
@@ -37226,7 +36556,7 @@
               <a:t>списъци</a:t>
             </a:r>
             <a:r>
-              <a:rPr lang="en-US" sz="3600" b="1" dirty="0">
+              <a:rPr lang="en-US" sz="3600" dirty="0">
                 <a:solidFill>
                   <a:schemeClr val="bg2"/>
                 </a:solidFill>
@@ -37234,7 +36564,7 @@
               <a:t>, </a:t>
             </a:r>
             <a:r>
-              <a:rPr lang="bg-BG" sz="3600" b="1" dirty="0">
+              <a:rPr lang="bg-BG" sz="3600" dirty="0">
                 <a:solidFill>
                   <a:schemeClr val="bg2"/>
                 </a:solidFill>
@@ -37242,7 +36572,7 @@
               <a:t>стек</a:t>
             </a:r>
             <a:r>
-              <a:rPr lang="en-US" sz="3600" b="1" dirty="0">
+              <a:rPr lang="en-US" sz="3600" dirty="0">
                 <a:solidFill>
                   <a:schemeClr val="bg2"/>
                 </a:solidFill>
@@ -37250,7 +36580,7 @@
               <a:t>, </a:t>
             </a:r>
             <a:r>
-              <a:rPr lang="bg-BG" sz="3600" b="1" dirty="0">
+              <a:rPr lang="bg-BG" sz="3600" dirty="0">
                 <a:solidFill>
                   <a:schemeClr val="bg2"/>
                 </a:solidFill>
@@ -37258,7 +36588,7 @@
               <a:t>опашка</a:t>
             </a:r>
             <a:r>
-              <a:rPr lang="en-US" sz="3600" b="1" dirty="0">
+              <a:rPr lang="en-US" sz="3600" dirty="0">
                 <a:solidFill>
                   <a:schemeClr val="bg2"/>
                 </a:solidFill>
@@ -37266,14 +36596,14 @@
               <a:t>, </a:t>
             </a:r>
             <a:r>
-              <a:rPr lang="bg-BG" sz="3600" b="1" dirty="0">
+              <a:rPr lang="bg-BG" sz="3600" dirty="0">
                 <a:solidFill>
                   <a:schemeClr val="bg2"/>
                 </a:solidFill>
               </a:rPr>
               <a:t>свързан списък</a:t>
             </a:r>
-            <a:endParaRPr lang="en-US" sz="3600" b="1" dirty="0">
+            <a:endParaRPr lang="en-US" sz="3600" dirty="0">
               <a:solidFill>
                 <a:schemeClr val="bg2"/>
               </a:solidFill>
@@ -37297,33 +36627,23 @@
                   </a:schemeClr>
                 </a:solidFill>
               </a:rPr>
-              <a:t>Речници</a:t>
-            </a:r>
-            <a:endParaRPr lang="en-US" sz="3600" b="1" dirty="0">
-              <a:solidFill>
-                <a:schemeClr val="bg1">
-                  <a:lumMod val="60000"/>
-                  <a:lumOff val="40000"/>
-                </a:schemeClr>
-              </a:solidFill>
-            </a:endParaRPr>
-          </a:p>
-          <a:p>
-            <a:pPr latinLnBrk="0">
-              <a:lnSpc>
-                <a:spcPct val="100000"/>
-              </a:lnSpc>
-              <a:buClr>
-                <a:schemeClr val="bg2"/>
-              </a:buClr>
-            </a:pPr>
+              <a:t>Сложни</a:t>
+            </a:r>
             <a:r>
               <a:rPr lang="bg-BG" sz="3600" b="1" dirty="0">
                 <a:solidFill>
                   <a:schemeClr val="bg2"/>
                 </a:solidFill>
               </a:rPr>
-              <a:t>Сложни типове от данни</a:t>
+              <a:t> </a:t>
+            </a:r>
+            <a:r>
+              <a:rPr lang="bg-BG" sz="3600" dirty="0">
+                <a:solidFill>
+                  <a:schemeClr val="bg2"/>
+                </a:solidFill>
+              </a:rPr>
+              <a:t>типове от данни</a:t>
             </a:r>
             <a:r>
               <a:rPr lang="en-US" sz="3600" b="1" dirty="0">
@@ -37331,18 +36651,32 @@
                   <a:schemeClr val="bg2"/>
                 </a:solidFill>
               </a:rPr>
-              <a:t>: Bag, Heap, …</a:t>
-            </a:r>
-          </a:p>
-          <a:p>
-            <a:pPr latinLnBrk="0">
-              <a:lnSpc>
-                <a:spcPct val="100000"/>
-              </a:lnSpc>
-              <a:buClr>
-                <a:schemeClr val="bg2"/>
-              </a:buClr>
-            </a:pPr>
+              <a:t>: </a:t>
+            </a:r>
+            <a:r>
+              <a:rPr lang="bg-BG" sz="3600" dirty="0">
+                <a:solidFill>
+                  <a:schemeClr val="bg2"/>
+                </a:solidFill>
+              </a:rPr>
+              <a:t>речници, </a:t>
+            </a:r>
+            <a:r>
+              <a:rPr lang="en-US" sz="3600" dirty="0">
+                <a:solidFill>
+                  <a:schemeClr val="bg2"/>
+                </a:solidFill>
+              </a:rPr>
+              <a:t>Bag, Heap</a:t>
+            </a:r>
+            <a:r>
+              <a:rPr lang="bg-BG" sz="3600" dirty="0">
+                <a:solidFill>
+                  <a:schemeClr val="bg2"/>
+                </a:solidFill>
+              </a:rPr>
+              <a:t> и др.</a:t>
+            </a:r>
             <a:endParaRPr lang="en-US" sz="3198" b="1" dirty="0">
               <a:solidFill>
                 <a:schemeClr val="bg1"/>
@@ -37402,7 +36736,7 @@
             <a:fld id="{2BF067CD-8E6B-4360-9AA8-C5DF2A48A6D1}" type="slidenum">
               <a:rPr lang="en-US" noProof="0" smtClean="0"/>
               <a:pPr/>
-              <a:t>32</a:t>
+              <a:t>33</a:t>
             </a:fld>
             <a:endParaRPr lang="en-US" noProof="0" dirty="0"/>
           </a:p>
@@ -37532,55 +36866,6 @@
                       </p:childTnLst>
                     </p:cTn>
                   </p:par>
-                  <p:par>
-                    <p:cTn id="11" fill="hold">
-                      <p:stCondLst>
-                        <p:cond delay="indefinite"/>
-                      </p:stCondLst>
-                      <p:childTnLst>
-                        <p:par>
-                          <p:cTn id="12" fill="hold">
-                            <p:stCondLst>
-                              <p:cond delay="0"/>
-                            </p:stCondLst>
-                            <p:childTnLst>
-                              <p:par>
-                                <p:cTn id="13" presetID="1" presetClass="entr" presetSubtype="0" fill="hold" nodeType="clickEffect">
-                                  <p:stCondLst>
-                                    <p:cond delay="0"/>
-                                  </p:stCondLst>
-                                  <p:childTnLst>
-                                    <p:set>
-                                      <p:cBhvr>
-                                        <p:cTn id="14" dur="1" fill="hold">
-                                          <p:stCondLst>
-                                            <p:cond delay="0"/>
-                                          </p:stCondLst>
-                                        </p:cTn>
-                                        <p:tgtEl>
-                                          <p:spTgt spid="15">
-                                            <p:txEl>
-                                              <p:pRg st="4" end="4"/>
-                                            </p:txEl>
-                                          </p:spTgt>
-                                        </p:tgtEl>
-                                        <p:attrNameLst>
-                                          <p:attrName>style.visibility</p:attrName>
-                                        </p:attrNameLst>
-                                      </p:cBhvr>
-                                      <p:to>
-                                        <p:strVal val="visible"/>
-                                      </p:to>
-                                    </p:set>
-                                  </p:childTnLst>
-                                </p:cTn>
-                              </p:par>
-                            </p:childTnLst>
-                          </p:cTn>
-                        </p:par>
-                      </p:childTnLst>
-                    </p:cTn>
-                  </p:par>
                 </p:childTnLst>
               </p:cTn>
               <p:prevCondLst>
@@ -37606,7 +36891,7 @@
 </p:sld>
 </file>
 
-<file path=ppt/slides/slide33.xml><?xml version="1.0" encoding="utf-8"?>
+<file path=ppt/slides/slide34.xml><?xml version="1.0" encoding="utf-8"?>
 <p:sld xmlns:a="http://schemas.openxmlformats.org/drawingml/2006/main" xmlns:r="http://schemas.openxmlformats.org/officeDocument/2006/relationships" xmlns:p="http://schemas.openxmlformats.org/presentationml/2006/main">
   <p:cSld>
     <p:spTree>
@@ -37677,7 +36962,7 @@
 </p:sld>
 </file>
 
-<file path=ppt/slides/slide34.xml><?xml version="1.0" encoding="utf-8"?>
+<file path=ppt/slides/slide35.xml><?xml version="1.0" encoding="utf-8"?>
 <p:sld xmlns:a="http://schemas.openxmlformats.org/drawingml/2006/main" xmlns:r="http://schemas.openxmlformats.org/officeDocument/2006/relationships" xmlns:p="http://schemas.openxmlformats.org/presentationml/2006/main">
   <p:cSld>
     <p:spTree>
@@ -37941,7 +37226,7 @@
             <a:fld id="{2BF067CD-8E6B-4360-9AA8-C5DF2A48A6D1}" type="slidenum">
               <a:rPr lang="en-US" noProof="0" smtClean="0"/>
               <a:pPr/>
-              <a:t>34</a:t>
+              <a:t>35</a:t>
             </a:fld>
             <a:endParaRPr lang="en-US" noProof="0" dirty="0"/>
           </a:p>
@@ -38035,7 +37320,19 @@
           <a:p>
             <a:r>
               <a:rPr lang="bg-BG" sz="3600" dirty="0"/>
-              <a:t>Опростено – съхранява битове като информация в паметта</a:t>
+              <a:t>Опростено – съхранява </a:t>
+            </a:r>
+            <a:r>
+              <a:rPr lang="bg-BG" sz="3600" b="1" dirty="0">
+                <a:solidFill>
+                  <a:schemeClr val="bg1"/>
+                </a:solidFill>
+              </a:rPr>
+              <a:t>битове</a:t>
+            </a:r>
+            <a:r>
+              <a:rPr lang="bg-BG" sz="3600" dirty="0"/>
+              <a:t> като информация в паметта</a:t>
             </a:r>
             <a:endParaRPr lang="en-US" sz="3600" dirty="0"/>
           </a:p>
@@ -38114,7 +37411,7 @@
           <p:nvPr>
             <p:extLst>
               <p:ext uri="{D42A27DB-BD31-4B8C-83A1-F6EECF244321}">
-                <p14:modId xmlns:p14="http://schemas.microsoft.com/office/powerpoint/2010/main" val="3880182581"/>
+                <p14:modId xmlns:p14="http://schemas.microsoft.com/office/powerpoint/2010/main" val="579450224"/>
               </p:ext>
             </p:extLst>
           </p:nvPr>
@@ -38605,50 +37902,31 @@
           <a:lstStyle/>
           <a:p>
             <a:r>
-              <a:rPr lang="ru-RU" dirty="0"/>
-              <a:t>Начинът, по който четем </a:t>
-            </a:r>
-            <a:r>
-              <a:rPr lang="ru-RU" b="1" dirty="0">
+              <a:rPr lang="bg-BG" dirty="0"/>
+              <a:t>Информацията от битове може да се преведе по </a:t>
+            </a:r>
+            <a:r>
+              <a:rPr lang="bg-BG" b="1" dirty="0">
                 <a:solidFill>
                   <a:schemeClr val="bg1"/>
                 </a:solidFill>
               </a:rPr>
-              <a:t>данните</a:t>
-            </a:r>
-            <a:r>
-              <a:rPr lang="ru-RU" dirty="0"/>
-              <a:t>, извлича информацията от битовете по </a:t>
-            </a:r>
-            <a:r>
-              <a:rPr lang="ru-RU" b="1" dirty="0">
-                <a:solidFill>
-                  <a:schemeClr val="bg1"/>
-                </a:solidFill>
-              </a:rPr>
-              <a:t>различни начини</a:t>
-            </a:r>
+              <a:t>различни начини </a:t>
+            </a:r>
+            <a:r>
+              <a:rPr lang="bg-BG" dirty="0"/>
+              <a:t>в зависимост от типа на данните</a:t>
+            </a:r>
+            <a:endParaRPr lang="bg-BG" b="1" dirty="0"/>
           </a:p>
           <a:p>
             <a:pPr lvl="1"/>
             <a:r>
               <a:rPr lang="bg-BG" sz="3200" dirty="0"/>
-              <a:t>Все пак</a:t>
-            </a:r>
-            <a:r>
-              <a:rPr lang="en-US" sz="3200" dirty="0"/>
-              <a:t>, </a:t>
-            </a:r>
-            <a:r>
-              <a:rPr lang="bg-BG" sz="3200" dirty="0"/>
-              <a:t>битовете имат само</a:t>
-            </a:r>
-            <a:r>
-              <a:rPr lang="en-US" sz="3200" dirty="0"/>
-              <a:t> </a:t>
-            </a:r>
-            <a:r>
-              <a:rPr lang="en-US" sz="3200" b="1" dirty="0">
+              <a:t>Все пак, битовете имат само </a:t>
+            </a:r>
+            <a:r>
+              <a:rPr lang="bg-BG" sz="3200" b="1" dirty="0">
                 <a:solidFill>
                   <a:schemeClr val="bg1"/>
                 </a:solidFill>
@@ -38656,19 +37934,11 @@
               <a:t>0</a:t>
             </a:r>
             <a:r>
-              <a:rPr lang="en-US" sz="3200" dirty="0"/>
-              <a:t> </a:t>
-            </a:r>
-            <a:r>
               <a:rPr lang="bg-BG" sz="3200" dirty="0"/>
-              <a:t>или</a:t>
-            </a:r>
-            <a:r>
-              <a:rPr lang="en-US" sz="3200" dirty="0"/>
-              <a:t> </a:t>
-            </a:r>
-            <a:r>
-              <a:rPr lang="en-US" sz="3200" b="1" dirty="0">
+              <a:t> или </a:t>
+            </a:r>
+            <a:r>
+              <a:rPr lang="bg-BG" sz="3200" b="1" dirty="0">
                 <a:solidFill>
                   <a:schemeClr val="bg1"/>
                 </a:solidFill>
@@ -38676,25 +37946,16 @@
               <a:t>1</a:t>
             </a:r>
             <a:r>
-              <a:rPr lang="en-US" sz="3200" dirty="0"/>
-              <a:t> </a:t>
-            </a:r>
-            <a:r>
               <a:rPr lang="bg-BG" sz="3200" dirty="0"/>
-              <a:t>като стойност</a:t>
-            </a:r>
-            <a:endParaRPr lang="en-US" sz="3200" dirty="0"/>
+              <a:t> като стойност</a:t>
+            </a:r>
           </a:p>
           <a:p>
             <a:r>
               <a:rPr lang="bg-BG" sz="3600" dirty="0"/>
-              <a:t>Примери</a:t>
-            </a:r>
-            <a:r>
-              <a:rPr lang="en-US" sz="3600" dirty="0"/>
-              <a:t>:</a:t>
-            </a:r>
-            <a:endParaRPr lang="en-US" sz="3600" b="1" dirty="0">
+              <a:t>Примери:</a:t>
+            </a:r>
+            <a:endParaRPr lang="bg-BG" sz="3600" b="1" dirty="0">
               <a:solidFill>
                 <a:schemeClr val="accent2"/>
               </a:solidFill>
@@ -38704,7 +37965,7 @@
             <a:pPr marL="0" indent="0">
               <a:buNone/>
             </a:pPr>
-            <a:endParaRPr lang="en-US" b="1" dirty="0">
+            <a:endParaRPr lang="bg-BG" b="1" dirty="0">
               <a:solidFill>
                 <a:schemeClr val="bg1"/>
               </a:solidFill>
@@ -38715,14 +37976,14 @@
               <a:buNone/>
             </a:pPr>
             <a:r>
-              <a:rPr lang="en-US" b="1" dirty="0">
+              <a:rPr lang="bg-BG" b="1" dirty="0">
                 <a:solidFill>
                   <a:schemeClr val="accent2"/>
                 </a:solidFill>
               </a:rPr>
               <a:t>	</a:t>
             </a:r>
-            <a:endParaRPr lang="en-US" dirty="0"/>
+            <a:endParaRPr lang="bg-BG" dirty="0"/>
           </a:p>
         </p:txBody>
       </p:sp>
@@ -38758,13 +38019,13 @@
           <p:nvPr>
             <p:extLst>
               <p:ext uri="{D42A27DB-BD31-4B8C-83A1-F6EECF244321}">
-                <p14:modId xmlns:p14="http://schemas.microsoft.com/office/powerpoint/2010/main" val="729775572"/>
+                <p14:modId xmlns:p14="http://schemas.microsoft.com/office/powerpoint/2010/main" val="3069732361"/>
               </p:ext>
             </p:extLst>
           </p:nvPr>
         </p:nvGraphicFramePr>
         <p:xfrm>
-          <a:off x="2832926" y="3356992"/>
+          <a:off x="2946000" y="3297931"/>
           <a:ext cx="7079499" cy="2743056"/>
         </p:xfrm>
         <a:graphic>
@@ -39252,7 +38513,7 @@
         </p:nvSpPr>
         <p:spPr bwMode="auto">
           <a:xfrm>
-            <a:off x="8040216" y="5710474"/>
+            <a:off x="8211000" y="5680792"/>
             <a:ext cx="1298110" cy="310815"/>
           </a:xfrm>
           <a:prstGeom prst="rect">
@@ -39612,6 +38873,35 @@
       </p:grpSpPr>
       <p:sp>
         <p:nvSpPr>
+          <p:cNvPr id="5" name="Subtitle 4">
+            <a:extLst>
+              <a:ext uri="{FF2B5EF4-FFF2-40B4-BE49-F238E27FC236}">
+                <a16:creationId xmlns:a16="http://schemas.microsoft.com/office/drawing/2014/main" id="{A89199D5-8824-BC36-01AC-0B766F3C899C}"/>
+              </a:ext>
+            </a:extLst>
+          </p:cNvPr>
+          <p:cNvSpPr>
+            <a:spLocks noGrp="1"/>
+          </p:cNvSpPr>
+          <p:nvPr>
+            <p:ph type="subTitle" sz="quarter" idx="11"/>
+          </p:nvPr>
+        </p:nvSpPr>
+        <p:spPr/>
+        <p:txBody>
+          <a:bodyPr/>
+          <a:lstStyle/>
+          <a:p>
+            <a:r>
+              <a:rPr lang="bg-BG" dirty="0"/>
+              <a:t>Определение и видове</a:t>
+            </a:r>
+            <a:endParaRPr lang="en-BG" dirty="0"/>
+          </a:p>
+        </p:txBody>
+      </p:sp>
+      <p:sp>
+        <p:nvSpPr>
           <p:cNvPr id="2" name="Title 1"/>
           <p:cNvSpPr>
             <a:spLocks noGrp="1"/>
@@ -39627,7 +38917,7 @@
           <a:p>
             <a:r>
               <a:rPr lang="bg-BG" dirty="0"/>
-              <a:t>Преглед</a:t>
+              <a:t>Структури от данни</a:t>
             </a:r>
             <a:endParaRPr lang="en-US" dirty="0"/>
           </a:p>
@@ -40421,7 +39711,7 @@
             </a:r>
             <a:r>
               <a:rPr lang="bg-BG" sz="3399" dirty="0"/>
-              <a:t> и управление с </a:t>
+              <a:t> и управлението им по </a:t>
             </a:r>
             <a:r>
               <a:rPr lang="bg-BG" sz="3399" b="1" dirty="0">
@@ -40499,14 +39789,14 @@
           <p:nvPr>
             <p:extLst>
               <p:ext uri="{D42A27DB-BD31-4B8C-83A1-F6EECF244321}">
-                <p14:modId xmlns:p14="http://schemas.microsoft.com/office/powerpoint/2010/main" val="3227969553"/>
+                <p14:modId xmlns:p14="http://schemas.microsoft.com/office/powerpoint/2010/main" val="4284795913"/>
               </p:ext>
             </p:extLst>
           </p:nvPr>
         </p:nvGraphicFramePr>
         <p:xfrm>
-          <a:off x="2181000" y="3596606"/>
-          <a:ext cx="8370000" cy="3215586"/>
+          <a:off x="2496000" y="3637449"/>
+          <a:ext cx="8865000" cy="3018051"/>
         </p:xfrm>
         <a:graphic>
           <a:graphicData uri="http://schemas.openxmlformats.org/drawingml/2006/table">
@@ -40515,14 +39805,14 @@
                 <a:tableStyleId>{5C22544A-7EE6-4342-B048-85BDC9FD1C3A}</a:tableStyleId>
               </a:tblPr>
               <a:tblGrid>
-                <a:gridCol w="4185000">
+                <a:gridCol w="2937716">
                   <a:extLst>
                     <a:ext uri="{9D8B030D-6E8A-4147-A177-3AD203B41FA5}">
                       <a16:colId xmlns:a16="http://schemas.microsoft.com/office/drawing/2014/main" val="3460893768"/>
                     </a:ext>
                   </a:extLst>
                 </a:gridCol>
-                <a:gridCol w="4185000">
+                <a:gridCol w="5927284">
                   <a:extLst>
                     <a:ext uri="{9D8B030D-6E8A-4147-A177-3AD203B41FA5}">
                       <a16:colId xmlns:a16="http://schemas.microsoft.com/office/drawing/2014/main" val="1434983282"/>
@@ -40530,7 +39820,7 @@
                   </a:extLst>
                 </a:gridCol>
               </a:tblGrid>
-              <a:tr h="400762">
+              <a:tr h="426487">
                 <a:tc>
                   <a:txBody>
                     <a:bodyPr/>
@@ -40538,14 +39828,14 @@
                     <a:p>
                       <a:pPr algn="ctr"/>
                       <a:r>
-                        <a:rPr lang="bg-BG" sz="2400" baseline="0" dirty="0">
+                        <a:rPr lang="bg-BG" sz="2200" baseline="0" dirty="0">
                           <a:solidFill>
                             <a:schemeClr val="tx1"/>
                           </a:solidFill>
                         </a:rPr>
                         <a:t>Структура от данни</a:t>
                       </a:r>
-                      <a:endParaRPr lang="en-US" sz="2400" dirty="0">
+                      <a:endParaRPr lang="en-US" sz="2200" dirty="0">
                         <a:solidFill>
                           <a:schemeClr val="tx1"/>
                         </a:solidFill>
@@ -40561,14 +39851,14 @@
                     <a:p>
                       <a:pPr algn="ctr"/>
                       <a:r>
-                        <a:rPr lang="bg-BG" sz="2400" dirty="0">
+                        <a:rPr lang="bg-BG" sz="2200" dirty="0">
                           <a:solidFill>
                             <a:schemeClr val="tx1"/>
                           </a:solidFill>
                         </a:rPr>
                         <a:t>Размер</a:t>
                       </a:r>
-                      <a:endParaRPr lang="en-US" sz="2400" dirty="0">
+                      <a:endParaRPr lang="en-US" sz="2200" dirty="0">
                         <a:solidFill>
                           <a:schemeClr val="tx1"/>
                         </a:solidFill>
@@ -40583,7 +39873,7 @@
                   </a:ext>
                 </a:extLst>
               </a:tr>
-              <a:tr h="400762">
+              <a:tr h="426487">
                 <a:tc>
                   <a:txBody>
                     <a:bodyPr/>
@@ -40591,7 +39881,7 @@
                     <a:p>
                       <a:pPr algn="ctr"/>
                       <a:r>
-                        <a:rPr lang="en-US" sz="2400" dirty="0"/>
+                        <a:rPr lang="en-US" sz="2200" dirty="0"/>
                         <a:t>int</a:t>
                       </a:r>
                     </a:p>
@@ -40605,9 +39895,14 @@
                     <a:p>
                       <a:pPr algn="ctr"/>
                       <a:r>
-                        <a:rPr lang="en-US" sz="2400" dirty="0"/>
-                        <a:t>= 4 bytes</a:t>
+                        <a:rPr lang="en-US" sz="2200" dirty="0"/>
+                        <a:t>= 4 </a:t>
                       </a:r>
+                      <a:r>
+                        <a:rPr lang="bg-BG" sz="2200" dirty="0"/>
+                        <a:t>бита</a:t>
+                      </a:r>
+                      <a:endParaRPr lang="en-US" sz="2200" dirty="0"/>
                     </a:p>
                   </a:txBody>
                   <a:tcPr marL="91416" marR="91416" marT="45708" marB="45708"/>
@@ -40618,7 +39913,7 @@
                   </a:ext>
                 </a:extLst>
               </a:tr>
-              <a:tr h="400762">
+              <a:tr h="426487">
                 <a:tc>
                   <a:txBody>
                     <a:bodyPr/>
@@ -40626,7 +39921,7 @@
                     <a:p>
                       <a:pPr algn="ctr"/>
                       <a:r>
-                        <a:rPr lang="en-US" sz="2400" dirty="0"/>
+                        <a:rPr lang="en-US" sz="2200" dirty="0"/>
                         <a:t>float</a:t>
                       </a:r>
                     </a:p>
@@ -40640,9 +39935,14 @@
                     <a:p>
                       <a:pPr algn="ctr"/>
                       <a:r>
-                        <a:rPr lang="en-US" sz="2400" dirty="0"/>
-                        <a:t>= 4 bytes</a:t>
+                        <a:rPr lang="en-US" sz="2200" dirty="0"/>
+                        <a:t>= 4 </a:t>
                       </a:r>
+                      <a:r>
+                        <a:rPr lang="bg-BG" sz="2200" dirty="0"/>
+                        <a:t>бита</a:t>
+                      </a:r>
+                      <a:endParaRPr lang="en-US" sz="2200" dirty="0"/>
                     </a:p>
                   </a:txBody>
                   <a:tcPr marL="91416" marR="91416" marT="45708" marB="45708"/>
@@ -40653,7 +39953,7 @@
                   </a:ext>
                 </a:extLst>
               </a:tr>
-              <a:tr h="400762">
+              <a:tr h="426487">
                 <a:tc>
                   <a:txBody>
                     <a:bodyPr/>
@@ -40661,7 +39961,7 @@
                     <a:p>
                       <a:pPr algn="ctr"/>
                       <a:r>
-                        <a:rPr lang="en-US" sz="2400" dirty="0"/>
+                        <a:rPr lang="en-US" sz="2200" dirty="0"/>
                         <a:t>long</a:t>
                       </a:r>
                     </a:p>
@@ -40691,9 +39991,14 @@
                         <a:defRPr/>
                       </a:pPr>
                       <a:r>
-                        <a:rPr lang="en-US" sz="2400" dirty="0"/>
-                        <a:t>= 8 bytes</a:t>
+                        <a:rPr lang="en-US" sz="2200" dirty="0"/>
+                        <a:t>= 8 </a:t>
                       </a:r>
+                      <a:r>
+                        <a:rPr lang="bg-BG" sz="2200" dirty="0"/>
+                        <a:t>бита</a:t>
+                      </a:r>
+                      <a:endParaRPr lang="en-US" sz="2200" dirty="0"/>
                     </a:p>
                   </a:txBody>
                   <a:tcPr marL="91416" marR="91416" marT="45708" marB="45708"/>
@@ -40704,7 +40009,7 @@
                   </a:ext>
                 </a:extLst>
               </a:tr>
-              <a:tr h="400762">
+              <a:tr h="426487">
                 <a:tc>
                   <a:txBody>
                     <a:bodyPr/>
@@ -40712,7 +40017,7 @@
                     <a:p>
                       <a:pPr algn="ctr"/>
                       <a:r>
-                        <a:rPr lang="en-US" sz="2400" dirty="0"/>
+                        <a:rPr lang="en-US" sz="2200" dirty="0"/>
                         <a:t>int[]</a:t>
                       </a:r>
                     </a:p>
@@ -40726,21 +40031,29 @@
                     <a:p>
                       <a:pPr algn="ctr"/>
                       <a:r>
-                        <a:rPr lang="en-US" sz="2400" dirty="0">
+                        <a:rPr lang="en-US" sz="2200" dirty="0">
                           <a:latin typeface="Segoe UI Symbol" panose="020B0502040204020203" pitchFamily="34" charset="0"/>
                           <a:ea typeface="Segoe UI Symbol" panose="020B0502040204020203" pitchFamily="34" charset="0"/>
                         </a:rPr>
                         <a:t>≈</a:t>
                       </a:r>
                       <a:r>
-                        <a:rPr lang="en-US" sz="2400" dirty="0"/>
-                        <a:t> (Array</a:t>
+                        <a:rPr lang="en-US" sz="2200" dirty="0"/>
+                        <a:t> (</a:t>
                       </a:r>
                       <a:r>
-                        <a:rPr lang="en-US" sz="2400" baseline="0" dirty="0"/>
-                        <a:t> length) * 4 bytes</a:t>
+                        <a:rPr lang="bg-BG" sz="2200" dirty="0"/>
+                        <a:t>дължината на масива</a:t>
                       </a:r>
-                      <a:endParaRPr lang="en-US" sz="2400" dirty="0"/>
+                      <a:r>
+                        <a:rPr lang="en-US" sz="2200" baseline="0" dirty="0"/>
+                        <a:t>) * 4 </a:t>
+                      </a:r>
+                      <a:r>
+                        <a:rPr lang="bg-BG" sz="2200" baseline="0" dirty="0"/>
+                        <a:t>бита</a:t>
+                      </a:r>
+                      <a:endParaRPr lang="en-US" sz="2200" dirty="0"/>
                     </a:p>
                   </a:txBody>
                   <a:tcPr marL="91416" marR="91416" marT="45708" marB="45708"/>
@@ -40751,7 +40064,7 @@
                   </a:ext>
                 </a:extLst>
               </a:tr>
-              <a:tr h="400762">
+              <a:tr h="426487">
                 <a:tc>
                   <a:txBody>
                     <a:bodyPr/>
@@ -40759,7 +40072,7 @@
                     <a:p>
                       <a:pPr algn="ctr"/>
                       <a:r>
-                        <a:rPr lang="en-US" sz="2400" dirty="0"/>
+                        <a:rPr lang="en-US" sz="2200" dirty="0"/>
                         <a:t>List&lt;double&gt;</a:t>
                       </a:r>
                     </a:p>
@@ -40789,21 +40102,29 @@
                         <a:defRPr/>
                       </a:pPr>
                       <a:r>
-                        <a:rPr lang="en-US" sz="2400" dirty="0">
+                        <a:rPr lang="en-US" sz="2200" dirty="0">
                           <a:latin typeface="Segoe UI Symbol" panose="020B0502040204020203" pitchFamily="34" charset="0"/>
                           <a:ea typeface="Segoe UI Symbol" panose="020B0502040204020203" pitchFamily="34" charset="0"/>
                         </a:rPr>
                         <a:t>≈</a:t>
                       </a:r>
                       <a:r>
-                        <a:rPr lang="en-US" sz="2400" dirty="0"/>
-                        <a:t> (List</a:t>
+                        <a:rPr lang="en-US" sz="2200" dirty="0"/>
+                        <a:t> (</a:t>
                       </a:r>
                       <a:r>
-                        <a:rPr lang="en-US" sz="2400" baseline="0" dirty="0"/>
-                        <a:t> size) * 8 bytes</a:t>
+                        <a:rPr lang="bg-BG" sz="2200" dirty="0"/>
+                        <a:t>размера на списъка</a:t>
                       </a:r>
-                      <a:endParaRPr lang="en-US" sz="2400" dirty="0"/>
+                      <a:r>
+                        <a:rPr lang="en-US" sz="2200" baseline="0" dirty="0"/>
+                        <a:t>) * 8 </a:t>
+                      </a:r>
+                      <a:r>
+                        <a:rPr lang="bg-BG" sz="2200" baseline="0" dirty="0"/>
+                        <a:t>бита</a:t>
+                      </a:r>
+                      <a:endParaRPr lang="en-US" sz="2200" dirty="0"/>
                     </a:p>
                   </a:txBody>
                   <a:tcPr marL="91416" marR="91416" marT="45708" marB="45708"/>
@@ -40814,7 +40135,7 @@
                   </a:ext>
                 </a:extLst>
               </a:tr>
-              <a:tr h="472530">
+              <a:tr h="457875">
                 <a:tc>
                   <a:txBody>
                     <a:bodyPr/>
@@ -40822,15 +40143,15 @@
                     <a:p>
                       <a:pPr algn="ctr"/>
                       <a:r>
-                        <a:rPr lang="en-US" sz="2400" dirty="0"/>
+                        <a:rPr lang="en-US" sz="2200" dirty="0"/>
                         <a:t>Dictionary&lt;int,</a:t>
                       </a:r>
                       <a:r>
-                        <a:rPr lang="en-US" sz="2400" baseline="0" dirty="0"/>
+                        <a:rPr lang="en-US" sz="2200" baseline="0" dirty="0"/>
                         <a:t> int[]</a:t>
                       </a:r>
                       <a:r>
-                        <a:rPr lang="en-US" sz="2400" dirty="0"/>
+                        <a:rPr lang="en-US" sz="2200" dirty="0"/>
                         <a:t>&gt;</a:t>
                       </a:r>
                     </a:p>
@@ -40860,21 +40181,29 @@
                         <a:defRPr/>
                       </a:pPr>
                       <a:r>
-                        <a:rPr lang="en-US" sz="2400" dirty="0">
+                        <a:rPr lang="en-US" sz="2200" dirty="0">
                           <a:latin typeface="Segoe UI Symbol" panose="020B0502040204020203" pitchFamily="34" charset="0"/>
                           <a:ea typeface="Segoe UI Symbol" panose="020B0502040204020203" pitchFamily="34" charset="0"/>
                         </a:rPr>
                         <a:t>≈</a:t>
                       </a:r>
                       <a:r>
-                        <a:rPr lang="en-US" sz="2400" dirty="0"/>
-                        <a:t> (Dictionary</a:t>
+                        <a:rPr lang="en-US" sz="2200" dirty="0"/>
+                        <a:t> (</a:t>
                       </a:r>
                       <a:r>
-                        <a:rPr lang="en-US" sz="2400" baseline="0" dirty="0"/>
-                        <a:t> size) * Entry bytes</a:t>
+                        <a:rPr lang="bg-BG" sz="2200" dirty="0"/>
+                        <a:t>размера на речника</a:t>
                       </a:r>
-                      <a:endParaRPr lang="en-US" sz="2400" dirty="0"/>
+                      <a:r>
+                        <a:rPr lang="en-US" sz="2200" baseline="0" dirty="0"/>
+                        <a:t>) * </a:t>
+                      </a:r>
+                      <a:r>
+                        <a:rPr lang="bg-BG" sz="2200" baseline="0" dirty="0"/>
+                        <a:t>всички битове</a:t>
+                      </a:r>
+                      <a:endParaRPr lang="en-US" sz="2200" dirty="0"/>
                     </a:p>
                   </a:txBody>
                   <a:tcPr marL="91416" marR="91416" marT="45708" marB="45708"/>
@@ -41205,7 +40534,7 @@
             </a:pPr>
             <a:r>
               <a:rPr lang="bg-BG" dirty="0"/>
-              <a:t>Списък </a:t>
+              <a:t>Списък</a:t>
             </a:r>
             <a:r>
               <a:rPr lang="en-US" dirty="0"/>
@@ -41213,14 +40542,34 @@
             </a:r>
             <a:r>
               <a:rPr lang="bg-BG" dirty="0"/>
-              <a:t>последователно подредени</a:t>
+              <a:t>последователно </a:t>
+            </a:r>
+            <a:r>
+              <a:rPr lang="bg-BG" b="1" dirty="0">
+                <a:solidFill>
+                  <a:schemeClr val="bg1"/>
+                </a:solidFill>
+              </a:rPr>
+              <a:t>подредени</a:t>
             </a:r>
             <a:br>
               <a:rPr lang="bg-BG" dirty="0"/>
             </a:br>
             <a:r>
               <a:rPr lang="bg-BG" dirty="0"/>
-              <a:t>елементи и променлив размер</a:t>
+              <a:t>елементи и </a:t>
+            </a:r>
+            <a:r>
+              <a:rPr lang="bg-BG" b="1" dirty="0">
+                <a:solidFill>
+                  <a:schemeClr val="bg1"/>
+                </a:solidFill>
+              </a:rPr>
+              <a:t>променлив</a:t>
+            </a:r>
+            <a:r>
+              <a:rPr lang="bg-BG" dirty="0"/>
+              <a:t> размер</a:t>
             </a:r>
           </a:p>
           <a:p>
@@ -41345,7 +40694,7 @@
                   <a:schemeClr val="bg1"/>
                 </a:solidFill>
               </a:rPr>
-              <a:t>Дървета и структури подобни на дървета</a:t>
+              <a:t>Дървета</a:t>
             </a:r>
             <a:endParaRPr lang="en-US" b="1" dirty="0">
               <a:solidFill>
@@ -41377,7 +40726,11 @@
             </a:r>
             <a:r>
               <a:rPr lang="bg-BG" dirty="0"/>
-              <a:t>балансирано дърво и др</a:t>
+              <a:t>балансирано дърво и </a:t>
+            </a:r>
+            <a:r>
+              <a:rPr lang="bg-BG" dirty="0" err="1"/>
+              <a:t>др</a:t>
             </a:r>
             <a:r>
               <a:rPr lang="en-US" dirty="0"/>
@@ -41433,7 +40786,7 @@
             </a:pPr>
             <a:r>
               <a:rPr lang="bg-BG" dirty="0"/>
-              <a:t>Съдържа двойки </a:t>
+              <a:t>Съдържат двойки </a:t>
             </a:r>
             <a:r>
               <a:rPr lang="en-US" dirty="0"/>
@@ -41485,7 +40838,7 @@
           <a:p>
             <a:r>
               <a:rPr lang="bg-BG" dirty="0"/>
-              <a:t>Основни структури от данни</a:t>
+              <a:t>Основни структури от данни (1)</a:t>
             </a:r>
             <a:endParaRPr lang="en-US" dirty="0"/>
           </a:p>
@@ -41530,7 +40883,7 @@
           <a:noFill/>
           <a:extLst>
             <a:ext uri="{909E8E84-426E-40dd-AFC4-6F175D3DCCD1}">
-              <a14:hiddenFill xmlns="" xmlns:a14="http://schemas.microsoft.com/office/drawing/2010/main">
+              <a14:hiddenFill xmlns:a14="http://schemas.microsoft.com/office/drawing/2010/main" xmlns="">
                 <a:solidFill>
                   <a:srgbClr val="FFFFFF"/>
                 </a:solidFill>
@@ -41608,7 +40961,7 @@
           <a:noFill/>
           <a:extLst>
             <a:ext uri="{909E8E84-426E-40dd-AFC4-6F175D3DCCD1}">
-              <a14:hiddenFill xmlns="" xmlns:a14="http://schemas.microsoft.com/office/drawing/2010/main">
+              <a14:hiddenFill xmlns:a14="http://schemas.microsoft.com/office/drawing/2010/main" xmlns="">
                 <a:solidFill>
                   <a:srgbClr val="FFFFFF"/>
                 </a:solidFill>
@@ -42110,7 +41463,7 @@
         <p:spPr/>
         <p:txBody>
           <a:bodyPr>
-            <a:normAutofit fontScale="92500" lnSpcReduction="20000"/>
+            <a:normAutofit fontScale="85000" lnSpcReduction="20000"/>
           </a:bodyPr>
           <a:lstStyle/>
           <a:p>
@@ -42218,7 +41571,7 @@
             </a:r>
             <a:r>
               <a:rPr lang="bg-BG" sz="3499" dirty="0"/>
-              <a:t>и </a:t>
+              <a:t>и</a:t>
             </a:r>
             <a:r>
               <a:rPr lang="en-US" sz="3499" dirty="0"/>
@@ -42253,11 +41606,19 @@
                   <a:schemeClr val="bg1"/>
                 </a:solidFill>
               </a:rPr>
-              <a:t>Приоритетна опашка</a:t>
+              <a:t>Приоритетна опашка </a:t>
             </a:r>
             <a:r>
               <a:rPr lang="en-US" sz="3499" dirty="0"/>
-              <a:t>/ heaps</a:t>
+              <a:t>/</a:t>
+            </a:r>
+            <a:r>
+              <a:rPr lang="bg-BG" sz="3499" dirty="0"/>
+              <a:t> </a:t>
+            </a:r>
+            <a:r>
+              <a:rPr lang="en-US" sz="3499" dirty="0"/>
+              <a:t>heap</a:t>
             </a:r>
           </a:p>
           <a:p>
@@ -42286,12 +41647,12 @@
           <a:p>
             <a:pPr lvl="1">
               <a:lnSpc>
-                <a:spcPct val="95000"/>
+                <a:spcPct val="120000"/>
               </a:lnSpc>
             </a:pPr>
             <a:r>
               <a:rPr lang="bg-BG" dirty="0"/>
-              <a:t> Суфиксно дърво </a:t>
+              <a:t>Суфиксно дърво </a:t>
             </a:r>
             <a:r>
               <a:rPr lang="en-US" dirty="0"/>
@@ -42318,12 +41679,9 @@
             </a:r>
             <a:r>
               <a:rPr lang="bg-BG" noProof="1"/>
-              <a:t>въже</a:t>
-            </a:r>
-            <a:r>
-              <a:rPr lang="en-US" noProof="1"/>
-              <a:t>, …</a:t>
-            </a:r>
+              <a:t>въже и др.</a:t>
+            </a:r>
+            <a:endParaRPr lang="en-US" noProof="1"/>
           </a:p>
           <a:p>
             <a:pPr>
@@ -42351,7 +41709,7 @@
           <a:p>
             <a:pPr lvl="1">
               <a:lnSpc>
-                <a:spcPct val="95000"/>
+                <a:spcPct val="120000"/>
               </a:lnSpc>
             </a:pPr>
             <a:r>
@@ -42372,7 +41730,7 @@
             </a:r>
             <a:r>
               <a:rPr lang="bg-BG" dirty="0"/>
-              <a:t>тежест</a:t>
+              <a:t>с тежест</a:t>
             </a:r>
             <a:r>
               <a:rPr lang="en-US" dirty="0"/>
@@ -42399,7 +41757,7 @@
             </a:r>
             <a:r>
               <a:rPr lang="bg-BG" dirty="0"/>
-              <a:t>не свързани</a:t>
+              <a:t>несвързани</a:t>
             </a:r>
             <a:r>
               <a:rPr lang="en-US" dirty="0"/>
@@ -42417,10 +41775,7 @@
               <a:rPr lang="bg-BG" dirty="0"/>
               <a:t>ациклични</a:t>
             </a:r>
-            <a:r>
-              <a:rPr lang="en-US" dirty="0"/>
-              <a:t>, …</a:t>
-            </a:r>
+            <a:endParaRPr lang="en-US" dirty="0"/>
           </a:p>
         </p:txBody>
       </p:sp>
@@ -42459,7 +41814,7 @@
           <p:nvPr/>
         </p:nvPicPr>
         <p:blipFill>
-          <a:blip r:embed="rId2">
+          <a:blip r:embed="rId3">
             <a:extLst>
               <a:ext uri="{28A0092B-C50C-407E-A947-70E740481C1C}">
                 <a14:useLocalDpi xmlns:a14="http://schemas.microsoft.com/office/drawing/2010/main" val="0"/>
@@ -42483,7 +41838,7 @@
           <a:effectLst/>
           <a:extLst>
             <a:ext uri="{909E8E84-426E-40dd-AFC4-6F175D3DCCD1}">
-              <a14:hiddenFill xmlns="" xmlns:a14="http://schemas.microsoft.com/office/drawing/2010/main">
+              <a14:hiddenFill xmlns:a14="http://schemas.microsoft.com/office/drawing/2010/main" xmlns="">
                 <a:solidFill>
                   <a:srgbClr val="FFFFFF"/>
                 </a:solidFill>
@@ -42501,7 +41856,7 @@
           <p:nvPr/>
         </p:nvPicPr>
         <p:blipFill>
-          <a:blip r:embed="rId3">
+          <a:blip r:embed="rId4">
             <a:extLst>
               <a:ext uri="{28A0092B-C50C-407E-A947-70E740481C1C}">
                 <a14:useLocalDpi xmlns:a14="http://schemas.microsoft.com/office/drawing/2010/main" val="0"/>
@@ -42531,7 +41886,7 @@
           </a:effectLst>
           <a:extLst>
             <a:ext uri="{909E8E84-426E-40dd-AFC4-6F175D3DCCD1}">
-              <a14:hiddenFill xmlns="" xmlns:a14="http://schemas.microsoft.com/office/drawing/2010/main">
+              <a14:hiddenFill xmlns:a14="http://schemas.microsoft.com/office/drawing/2010/main" xmlns="">
                 <a:solidFill>
                   <a:srgbClr val="FFFFFF"/>
                 </a:solidFill>
@@ -42549,7 +41904,7 @@
           <p:nvPr/>
         </p:nvPicPr>
         <p:blipFill>
-          <a:blip r:embed="rId4">
+          <a:blip r:embed="rId5">
             <a:extLst>
               <a:ext uri="{28A0092B-C50C-407E-A947-70E740481C1C}">
                 <a14:useLocalDpi xmlns:a14="http://schemas.microsoft.com/office/drawing/2010/main" val="0"/>
@@ -42574,7 +41929,7 @@
           <a:noFill/>
           <a:extLst>
             <a:ext uri="{909E8E84-426E-40dd-AFC4-6F175D3DCCD1}">
-              <a14:hiddenFill xmlns="" xmlns:a14="http://schemas.microsoft.com/office/drawing/2010/main">
+              <a14:hiddenFill xmlns:a14="http://schemas.microsoft.com/office/drawing/2010/main" xmlns="">
                 <a:solidFill>
                   <a:srgbClr val="FFFFFF"/>
                 </a:solidFill>
@@ -42598,7 +41953,7 @@
           <p:nvPr/>
         </p:nvPicPr>
         <p:blipFill>
-          <a:blip r:embed="rId5" cstate="print">
+          <a:blip r:embed="rId6" cstate="print">
             <a:extLst>
               <a:ext uri="{28A0092B-C50C-407E-A947-70E740481C1C}">
                 <a14:useLocalDpi xmlns:a14="http://schemas.microsoft.com/office/drawing/2010/main" val="0"/>

--- a/Courses/Software-Sciences/Module-2-DS-and-Algo-New/15-Data Structures - Overview/Data Structures - Overview.pptx
+++ b/Courses/Software-Sciences/Module-2-DS-and-Algo-New/15-Data Structures - Overview/Data Structures - Overview.pptx
@@ -28,8 +28,8 @@
     <p:sldId id="536" r:id="rId16"/>
     <p:sldId id="399" r:id="rId17"/>
     <p:sldId id="576" r:id="rId18"/>
-    <p:sldId id="593" r:id="rId19"/>
-    <p:sldId id="594" r:id="rId20"/>
+    <p:sldId id="260" r:id="rId19"/>
+    <p:sldId id="276" r:id="rId20"/>
     <p:sldId id="571" r:id="rId21"/>
     <p:sldId id="558" r:id="rId22"/>
     <p:sldId id="574" r:id="rId23"/>
@@ -178,8 +178,8 @@
             <p14:sldId id="536"/>
             <p14:sldId id="399"/>
             <p14:sldId id="576"/>
-            <p14:sldId id="593"/>
-            <p14:sldId id="594"/>
+            <p14:sldId id="260"/>
+            <p14:sldId id="276"/>
           </p14:sldIdLst>
         </p14:section>
         <p14:section name="Сложни структури от данни" id="{4C94A0BD-A741-4695-A0E1-E1A8D699167E}">
@@ -323,7 +323,7 @@
           <a:p>
             <a:fld id="{4E087215-0C8F-4762-A664-737A353EC9A4}" type="datetimeFigureOut">
               <a:rPr lang="bg-BG" smtClean="0"/>
-              <a:t>20.03.23 г.</a:t>
+              <a:t>6.4.2023 г.</a:t>
             </a:fld>
             <a:endParaRPr lang="bg-BG" dirty="0"/>
           </a:p>
@@ -514,7 +514,7 @@
           <a:p>
             <a:fld id="{72D84649-876A-46C9-8472-14CB09C070D8}" type="datetimeFigureOut">
               <a:rPr lang="en-US" smtClean="0"/>
-              <a:t>3/20/23</a:t>
+              <a:t>4/6/2023</a:t>
             </a:fld>
             <a:endParaRPr lang="en-US" dirty="0"/>
           </a:p>
@@ -980,7 +980,7 @@
           <a:bodyPr/>
           <a:lstStyle/>
           <a:p>
-            <a:endParaRPr lang="en-US" dirty="0"/>
+            <a:endParaRPr lang="bg-BG" dirty="0"/>
           </a:p>
         </p:txBody>
       </p:sp>
@@ -1002,7 +1002,7 @@
             <a:fld id="{3EBA5BD7-F043-4D1B-AA17-CD412FC534DE}" type="slidenum">
               <a:rPr lang="en-US" smtClean="0"/>
               <a:pPr/>
-              <a:t>33</a:t>
+              <a:t>21</a:t>
             </a:fld>
             <a:endParaRPr lang="en-US" dirty="0"/>
           </a:p>
@@ -1010,10 +1010,10 @@
       </p:sp>
       <p:sp>
         <p:nvSpPr>
-          <p:cNvPr id="6" name="Footer Placeholder 7">
+          <p:cNvPr id="7" name="Footer Placeholder 7">
             <a:extLst>
               <a:ext uri="{FF2B5EF4-FFF2-40B4-BE49-F238E27FC236}">
-                <a16:creationId xmlns:a16="http://schemas.microsoft.com/office/drawing/2014/main" id="{4DC23983-FA1B-4787-B7CB-03CD465AF1FA}"/>
+                <a16:creationId xmlns:a16="http://schemas.microsoft.com/office/drawing/2014/main" id="{94F18B62-E024-4307-96EE-76CA36C9566B}"/>
               </a:ext>
             </a:extLst>
           </p:cNvPr>
@@ -1061,7 +1061,7 @@
     </p:spTree>
     <p:extLst>
       <p:ext uri="{BB962C8B-B14F-4D97-AF65-F5344CB8AC3E}">
-        <p14:creationId xmlns:p14="http://schemas.microsoft.com/office/powerpoint/2010/main" val="4053347122"/>
+        <p14:creationId xmlns:p14="http://schemas.microsoft.com/office/powerpoint/2010/main" val="98382965"/>
       </p:ext>
     </p:extLst>
   </p:cSld>
@@ -1072,6 +1072,181 @@
 </file>
 
 <file path=ppt/notesSlides/notesSlide11.xml><?xml version="1.0" encoding="utf-8"?>
+<p:notes xmlns:a="http://schemas.openxmlformats.org/drawingml/2006/main" xmlns:r="http://schemas.openxmlformats.org/officeDocument/2006/relationships" xmlns:p="http://schemas.openxmlformats.org/presentationml/2006/main">
+  <p:cSld>
+    <p:spTree>
+      <p:nvGrpSpPr>
+        <p:cNvPr id="1" name=""/>
+        <p:cNvGrpSpPr/>
+        <p:nvPr/>
+      </p:nvGrpSpPr>
+      <p:grpSpPr>
+        <a:xfrm>
+          <a:off x="0" y="0"/>
+          <a:ext cx="0" cy="0"/>
+          <a:chOff x="0" y="0"/>
+          <a:chExt cx="0" cy="0"/>
+        </a:xfrm>
+      </p:grpSpPr>
+      <p:sp>
+        <p:nvSpPr>
+          <p:cNvPr id="4" name="Rectangle 2"/>
+          <p:cNvSpPr>
+            <a:spLocks noGrp="1" noChangeArrowheads="1"/>
+          </p:cNvSpPr>
+          <p:nvPr>
+            <p:ph type="hdr" sz="quarter"/>
+          </p:nvPr>
+        </p:nvSpPr>
+        <p:spPr>
+          <a:ln/>
+        </p:spPr>
+        <p:txBody>
+          <a:bodyPr/>
+          <a:lstStyle/>
+          <a:p>
+            <a:r>
+              <a:rPr lang="en-US" dirty="0"/>
+              <a:t>*</a:t>
+            </a:r>
+          </a:p>
+        </p:txBody>
+      </p:sp>
+      <p:sp>
+        <p:nvSpPr>
+          <p:cNvPr id="6" name="Rectangle 7"/>
+          <p:cNvSpPr>
+            <a:spLocks noGrp="1" noChangeArrowheads="1"/>
+          </p:cNvSpPr>
+          <p:nvPr>
+            <p:ph type="sldNum" sz="quarter" idx="5"/>
+          </p:nvPr>
+        </p:nvSpPr>
+        <p:spPr>
+          <a:ln/>
+        </p:spPr>
+        <p:txBody>
+          <a:bodyPr/>
+          <a:lstStyle/>
+          <a:p>
+            <a:fld id="{C78B5E71-FDD2-41B8-8B13-55294CD6C6CF}" type="slidenum">
+              <a:rPr lang="en-US"/>
+              <a:pPr/>
+              <a:t>32</a:t>
+            </a:fld>
+            <a:r>
+              <a:rPr lang="en-US" dirty="0"/>
+              <a:t>##</a:t>
+            </a:r>
+          </a:p>
+        </p:txBody>
+      </p:sp>
+      <p:sp>
+        <p:nvSpPr>
+          <p:cNvPr id="470018" name="Rectangle 2"/>
+          <p:cNvSpPr>
+            <a:spLocks noGrp="1" noRot="1" noChangeAspect="1" noChangeArrowheads="1" noTextEdit="1"/>
+          </p:cNvSpPr>
+          <p:nvPr>
+            <p:ph type="sldImg"/>
+          </p:nvPr>
+        </p:nvSpPr>
+        <p:spPr>
+          <a:xfrm>
+            <a:off x="300038" y="677863"/>
+            <a:ext cx="6300787" cy="3544887"/>
+          </a:xfrm>
+          <a:ln/>
+        </p:spPr>
+      </p:sp>
+      <p:sp>
+        <p:nvSpPr>
+          <p:cNvPr id="470019" name="Rectangle 3"/>
+          <p:cNvSpPr>
+            <a:spLocks noGrp="1" noChangeArrowheads="1"/>
+          </p:cNvSpPr>
+          <p:nvPr>
+            <p:ph type="body" idx="1"/>
+          </p:nvPr>
+        </p:nvSpPr>
+        <p:spPr>
+          <a:xfrm>
+            <a:off x="917165" y="4448487"/>
+            <a:ext cx="5058256" cy="4145672"/>
+          </a:xfrm>
+        </p:spPr>
+        <p:txBody>
+          <a:bodyPr/>
+          <a:lstStyle/>
+          <a:p>
+            <a:endParaRPr lang="bg-BG" dirty="0"/>
+          </a:p>
+        </p:txBody>
+      </p:sp>
+      <p:sp>
+        <p:nvSpPr>
+          <p:cNvPr id="7" name="Footer Placeholder 7">
+            <a:extLst>
+              <a:ext uri="{FF2B5EF4-FFF2-40B4-BE49-F238E27FC236}">
+                <a16:creationId xmlns:a16="http://schemas.microsoft.com/office/drawing/2014/main" id="{DA29A74A-A602-45F3-B1E6-6C8A55D8C1A6}"/>
+              </a:ext>
+            </a:extLst>
+          </p:cNvPr>
+          <p:cNvSpPr>
+            <a:spLocks noGrp="1"/>
+          </p:cNvSpPr>
+          <p:nvPr>
+            <p:ph type="ftr" sz="quarter" idx="4"/>
+          </p:nvPr>
+        </p:nvSpPr>
+        <p:spPr>
+          <a:xfrm>
+            <a:off x="-1" y="8847000"/>
+            <a:ext cx="6488999" cy="297000"/>
+          </a:xfrm>
+          <a:prstGeom prst="rect">
+            <a:avLst/>
+          </a:prstGeom>
+        </p:spPr>
+        <p:txBody>
+          <a:bodyPr vert="horz" lIns="91440" tIns="45720" rIns="91440" bIns="45720" rtlCol="0" anchor="b"/>
+          <a:lstStyle>
+            <a:lvl1pPr algn="l">
+              <a:defRPr sz="1100"/>
+            </a:lvl1pPr>
+          </a:lstStyle>
+          <a:p>
+            <a:r>
+              <a:rPr lang="en-US" dirty="0"/>
+              <a:t>© SoftUni – </a:t>
+            </a:r>
+            <a:r>
+              <a:rPr lang="en-US" u="sng" dirty="0">
+                <a:hlinkClick r:id="rId3"/>
+              </a:rPr>
+              <a:t>https://softuni.org</a:t>
+            </a:r>
+            <a:r>
+              <a:rPr lang="en-US" dirty="0"/>
+              <a:t>. Copyrighted document. Unauthorized copy or reproduction is not permitted.</a:t>
+            </a:r>
+          </a:p>
+        </p:txBody>
+      </p:sp>
+    </p:spTree>
+    <p:extLst>
+      <p:ext uri="{BB962C8B-B14F-4D97-AF65-F5344CB8AC3E}">
+        <p14:creationId xmlns:p14="http://schemas.microsoft.com/office/powerpoint/2010/main" val="3319553025"/>
+      </p:ext>
+    </p:extLst>
+  </p:cSld>
+  <p:clrMapOvr>
+    <a:masterClrMapping/>
+  </p:clrMapOvr>
+</p:notes>
+</file>
+
+<file path=ppt/notesSlides/notesSlide12.xml><?xml version="1.0" encoding="utf-8"?>
 <p:notes xmlns:a="http://schemas.openxmlformats.org/drawingml/2006/main" xmlns:r="http://schemas.openxmlformats.org/officeDocument/2006/relationships" xmlns:p="http://schemas.openxmlformats.org/presentationml/2006/main">
   <p:cSld>
     <p:spTree>
@@ -1121,6 +1296,141 @@
       </p:sp>
       <p:sp>
         <p:nvSpPr>
+          <p:cNvPr id="5" name="Slide Number Placeholder 4"/>
+          <p:cNvSpPr>
+            <a:spLocks noGrp="1"/>
+          </p:cNvSpPr>
+          <p:nvPr>
+            <p:ph type="sldNum" sz="quarter" idx="11"/>
+          </p:nvPr>
+        </p:nvSpPr>
+        <p:spPr/>
+        <p:txBody>
+          <a:bodyPr/>
+          <a:lstStyle/>
+          <a:p>
+            <a:fld id="{3EBA5BD7-F043-4D1B-AA17-CD412FC534DE}" type="slidenum">
+              <a:rPr lang="en-US" smtClean="0"/>
+              <a:pPr/>
+              <a:t>33</a:t>
+            </a:fld>
+            <a:endParaRPr lang="en-US" dirty="0"/>
+          </a:p>
+        </p:txBody>
+      </p:sp>
+      <p:sp>
+        <p:nvSpPr>
+          <p:cNvPr id="6" name="Footer Placeholder 7">
+            <a:extLst>
+              <a:ext uri="{FF2B5EF4-FFF2-40B4-BE49-F238E27FC236}">
+                <a16:creationId xmlns:a16="http://schemas.microsoft.com/office/drawing/2014/main" id="{4DC23983-FA1B-4787-B7CB-03CD465AF1FA}"/>
+              </a:ext>
+            </a:extLst>
+          </p:cNvPr>
+          <p:cNvSpPr>
+            <a:spLocks noGrp="1"/>
+          </p:cNvSpPr>
+          <p:nvPr>
+            <p:ph type="ftr" sz="quarter" idx="4"/>
+          </p:nvPr>
+        </p:nvSpPr>
+        <p:spPr>
+          <a:xfrm>
+            <a:off x="-1" y="8847000"/>
+            <a:ext cx="6488999" cy="297000"/>
+          </a:xfrm>
+          <a:prstGeom prst="rect">
+            <a:avLst/>
+          </a:prstGeom>
+        </p:spPr>
+        <p:txBody>
+          <a:bodyPr vert="horz" lIns="91440" tIns="45720" rIns="91440" bIns="45720" rtlCol="0" anchor="b"/>
+          <a:lstStyle>
+            <a:lvl1pPr algn="l">
+              <a:defRPr sz="1100"/>
+            </a:lvl1pPr>
+          </a:lstStyle>
+          <a:p>
+            <a:r>
+              <a:rPr lang="en-US" dirty="0"/>
+              <a:t>© SoftUni – </a:t>
+            </a:r>
+            <a:r>
+              <a:rPr lang="en-US" u="sng" dirty="0">
+                <a:hlinkClick r:id="rId3"/>
+              </a:rPr>
+              <a:t>https://softuni.org</a:t>
+            </a:r>
+            <a:r>
+              <a:rPr lang="en-US" dirty="0"/>
+              <a:t>. Copyrighted document. Unauthorized copy or reproduction is not permitted.</a:t>
+            </a:r>
+          </a:p>
+        </p:txBody>
+      </p:sp>
+    </p:spTree>
+    <p:extLst>
+      <p:ext uri="{BB962C8B-B14F-4D97-AF65-F5344CB8AC3E}">
+        <p14:creationId xmlns:p14="http://schemas.microsoft.com/office/powerpoint/2010/main" val="4053347122"/>
+      </p:ext>
+    </p:extLst>
+  </p:cSld>
+  <p:clrMapOvr>
+    <a:masterClrMapping/>
+  </p:clrMapOvr>
+</p:notes>
+</file>
+
+<file path=ppt/notesSlides/notesSlide13.xml><?xml version="1.0" encoding="utf-8"?>
+<p:notes xmlns:a="http://schemas.openxmlformats.org/drawingml/2006/main" xmlns:r="http://schemas.openxmlformats.org/officeDocument/2006/relationships" xmlns:p="http://schemas.openxmlformats.org/presentationml/2006/main">
+  <p:cSld>
+    <p:spTree>
+      <p:nvGrpSpPr>
+        <p:cNvPr id="1" name=""/>
+        <p:cNvGrpSpPr/>
+        <p:nvPr/>
+      </p:nvGrpSpPr>
+      <p:grpSpPr>
+        <a:xfrm>
+          <a:off x="0" y="0"/>
+          <a:ext cx="0" cy="0"/>
+          <a:chOff x="0" y="0"/>
+          <a:chExt cx="0" cy="0"/>
+        </a:xfrm>
+      </p:grpSpPr>
+      <p:sp>
+        <p:nvSpPr>
+          <p:cNvPr id="2" name="Slide Image Placeholder 1"/>
+          <p:cNvSpPr>
+            <a:spLocks noGrp="1" noRot="1" noChangeAspect="1"/>
+          </p:cNvSpPr>
+          <p:nvPr>
+            <p:ph type="sldImg"/>
+          </p:nvPr>
+        </p:nvSpPr>
+        <p:spPr/>
+      </p:sp>
+      <p:sp>
+        <p:nvSpPr>
+          <p:cNvPr id="3" name="Notes Placeholder 2"/>
+          <p:cNvSpPr>
+            <a:spLocks noGrp="1"/>
+          </p:cNvSpPr>
+          <p:nvPr>
+            <p:ph type="body" idx="1"/>
+          </p:nvPr>
+        </p:nvSpPr>
+        <p:spPr/>
+        <p:txBody>
+          <a:bodyPr/>
+          <a:lstStyle/>
+          <a:p>
+            <a:endParaRPr lang="en-US" dirty="0"/>
+          </a:p>
+        </p:txBody>
+      </p:sp>
+      <p:sp>
+        <p:nvSpPr>
           <p:cNvPr id="7" name="Slide Number Placeholder 5">
             <a:extLst>
               <a:ext uri="{FF2B5EF4-FFF2-40B4-BE49-F238E27FC236}">
@@ -1312,7 +1622,7 @@
 </p:notes>
 </file>
 
-<file path=ppt/notesSlides/notesSlide12.xml><?xml version="1.0" encoding="utf-8"?>
+<file path=ppt/notesSlides/notesSlide14.xml><?xml version="1.0" encoding="utf-8"?>
 <p:notes xmlns:a="http://schemas.openxmlformats.org/drawingml/2006/main" xmlns:r="http://schemas.openxmlformats.org/officeDocument/2006/relationships" xmlns:p="http://schemas.openxmlformats.org/presentationml/2006/main">
   <p:cSld>
     <p:spTree>
@@ -2419,7 +2729,7 @@
           <a:bodyPr/>
           <a:lstStyle/>
           <a:p>
-            <a:endParaRPr lang="bg-BG" dirty="0"/>
+            <a:endParaRPr lang="en-US" dirty="0"/>
           </a:p>
         </p:txBody>
       </p:sp>
@@ -2441,7 +2751,7 @@
             <a:fld id="{3EBA5BD7-F043-4D1B-AA17-CD412FC534DE}" type="slidenum">
               <a:rPr lang="en-US" smtClean="0"/>
               <a:pPr/>
-              <a:t>21</a:t>
+              <a:t>18</a:t>
             </a:fld>
             <a:endParaRPr lang="en-US" dirty="0"/>
           </a:p>
@@ -2449,10 +2759,10 @@
       </p:sp>
       <p:sp>
         <p:nvSpPr>
-          <p:cNvPr id="7" name="Footer Placeholder 7">
+          <p:cNvPr id="6" name="Footer Placeholder 7">
             <a:extLst>
               <a:ext uri="{FF2B5EF4-FFF2-40B4-BE49-F238E27FC236}">
-                <a16:creationId xmlns:a16="http://schemas.microsoft.com/office/drawing/2014/main" id="{94F18B62-E024-4307-96EE-76CA36C9566B}"/>
+                <a16:creationId xmlns:a16="http://schemas.microsoft.com/office/drawing/2014/main" id="{02BE7A0F-30E1-4FF8-B305-1061A514F542}"/>
               </a:ext>
             </a:extLst>
           </p:cNvPr>
@@ -2500,7 +2810,7 @@
     </p:spTree>
     <p:extLst>
       <p:ext uri="{BB962C8B-B14F-4D97-AF65-F5344CB8AC3E}">
-        <p14:creationId xmlns:p14="http://schemas.microsoft.com/office/powerpoint/2010/main" val="98382965"/>
+        <p14:creationId xmlns:p14="http://schemas.microsoft.com/office/powerpoint/2010/main" val="312066889"/>
       </p:ext>
     </p:extLst>
   </p:cSld>
@@ -2529,105 +2839,65 @@
       </p:grpSpPr>
       <p:sp>
         <p:nvSpPr>
-          <p:cNvPr id="4" name="Rectangle 2"/>
+          <p:cNvPr id="2" name="Slide Image Placeholder 1"/>
           <p:cNvSpPr>
-            <a:spLocks noGrp="1" noChangeArrowheads="1"/>
-          </p:cNvSpPr>
-          <p:nvPr>
-            <p:ph type="hdr" sz="quarter"/>
-          </p:nvPr>
-        </p:nvSpPr>
-        <p:spPr>
-          <a:ln/>
-        </p:spPr>
-        <p:txBody>
-          <a:bodyPr/>
-          <a:lstStyle/>
-          <a:p>
-            <a:r>
-              <a:rPr lang="en-US" dirty="0"/>
-              <a:t>*</a:t>
-            </a:r>
-          </a:p>
-        </p:txBody>
-      </p:sp>
-      <p:sp>
-        <p:nvSpPr>
-          <p:cNvPr id="6" name="Rectangle 7"/>
-          <p:cNvSpPr>
-            <a:spLocks noGrp="1" noChangeArrowheads="1"/>
-          </p:cNvSpPr>
-          <p:nvPr>
-            <p:ph type="sldNum" sz="quarter" idx="5"/>
-          </p:nvPr>
-        </p:nvSpPr>
-        <p:spPr>
-          <a:ln/>
-        </p:spPr>
-        <p:txBody>
-          <a:bodyPr/>
-          <a:lstStyle/>
-          <a:p>
-            <a:fld id="{C78B5E71-FDD2-41B8-8B13-55294CD6C6CF}" type="slidenum">
-              <a:rPr lang="en-US"/>
-              <a:pPr/>
-              <a:t>32</a:t>
-            </a:fld>
-            <a:r>
-              <a:rPr lang="en-US" dirty="0"/>
-              <a:t>##</a:t>
-            </a:r>
-          </a:p>
-        </p:txBody>
-      </p:sp>
-      <p:sp>
-        <p:nvSpPr>
-          <p:cNvPr id="470018" name="Rectangle 2"/>
-          <p:cNvSpPr>
-            <a:spLocks noGrp="1" noRot="1" noChangeAspect="1" noChangeArrowheads="1" noTextEdit="1"/>
+            <a:spLocks noGrp="1" noRot="1" noChangeAspect="1"/>
           </p:cNvSpPr>
           <p:nvPr>
             <p:ph type="sldImg"/>
           </p:nvPr>
         </p:nvSpPr>
-        <p:spPr>
-          <a:xfrm>
-            <a:off x="300038" y="677863"/>
-            <a:ext cx="6300787" cy="3544887"/>
-          </a:xfrm>
-          <a:ln/>
-        </p:spPr>
+        <p:spPr/>
       </p:sp>
       <p:sp>
         <p:nvSpPr>
-          <p:cNvPr id="470019" name="Rectangle 3"/>
+          <p:cNvPr id="3" name="Notes Placeholder 2"/>
           <p:cNvSpPr>
-            <a:spLocks noGrp="1" noChangeArrowheads="1"/>
+            <a:spLocks noGrp="1"/>
           </p:cNvSpPr>
           <p:nvPr>
             <p:ph type="body" idx="1"/>
           </p:nvPr>
         </p:nvSpPr>
-        <p:spPr>
-          <a:xfrm>
-            <a:off x="917165" y="4448487"/>
-            <a:ext cx="5058256" cy="4145672"/>
-          </a:xfrm>
-        </p:spPr>
+        <p:spPr/>
         <p:txBody>
           <a:bodyPr/>
           <a:lstStyle/>
           <a:p>
-            <a:endParaRPr lang="bg-BG" dirty="0"/>
+            <a:endParaRPr lang="en-US" dirty="0"/>
           </a:p>
         </p:txBody>
       </p:sp>
       <p:sp>
         <p:nvSpPr>
-          <p:cNvPr id="7" name="Footer Placeholder 7">
+          <p:cNvPr id="5" name="Slide Number Placeholder 4"/>
+          <p:cNvSpPr>
+            <a:spLocks noGrp="1"/>
+          </p:cNvSpPr>
+          <p:nvPr>
+            <p:ph type="sldNum" sz="quarter" idx="11"/>
+          </p:nvPr>
+        </p:nvSpPr>
+        <p:spPr/>
+        <p:txBody>
+          <a:bodyPr/>
+          <a:lstStyle/>
+          <a:p>
+            <a:fld id="{3EBA5BD7-F043-4D1B-AA17-CD412FC534DE}" type="slidenum">
+              <a:rPr lang="en-US" smtClean="0"/>
+              <a:pPr/>
+              <a:t>19</a:t>
+            </a:fld>
+            <a:endParaRPr lang="en-US" dirty="0"/>
+          </a:p>
+        </p:txBody>
+      </p:sp>
+      <p:sp>
+        <p:nvSpPr>
+          <p:cNvPr id="6" name="Footer Placeholder 7">
             <a:extLst>
               <a:ext uri="{FF2B5EF4-FFF2-40B4-BE49-F238E27FC236}">
-                <a16:creationId xmlns:a16="http://schemas.microsoft.com/office/drawing/2014/main" id="{DA29A74A-A602-45F3-B1E6-6C8A55D8C1A6}"/>
+                <a16:creationId xmlns:a16="http://schemas.microsoft.com/office/drawing/2014/main" id="{FCF2D31C-452D-42BA-BEFE-1D2C2FC63794}"/>
               </a:ext>
             </a:extLst>
           </p:cNvPr>
@@ -2675,7 +2945,7 @@
     </p:spTree>
     <p:extLst>
       <p:ext uri="{BB962C8B-B14F-4D97-AF65-F5344CB8AC3E}">
-        <p14:creationId xmlns:p14="http://schemas.microsoft.com/office/powerpoint/2010/main" val="3319553025"/>
+        <p14:creationId xmlns:p14="http://schemas.microsoft.com/office/powerpoint/2010/main" val="3889992924"/>
       </p:ext>
     </p:extLst>
   </p:cSld>
@@ -9328,49 +9598,32 @@
       </p:sp>
       <p:pic>
         <p:nvPicPr>
-          <p:cNvPr id="1026" name="Picture 2" descr="Difference between Linear and Non-linear Data Structures - GeeksforGeeks">
+          <p:cNvPr id="3" name="Картина 2">
             <a:extLst>
               <a:ext uri="{FF2B5EF4-FFF2-40B4-BE49-F238E27FC236}">
-                <a16:creationId xmlns:a16="http://schemas.microsoft.com/office/drawing/2014/main" id="{9B77148F-F4D5-4AAA-A202-AB898E092971}"/>
+                <a16:creationId xmlns:a16="http://schemas.microsoft.com/office/drawing/2014/main" id="{AD273D0F-5D9E-64BD-0528-C42F23D12648}"/>
               </a:ext>
             </a:extLst>
           </p:cNvPr>
           <p:cNvPicPr>
-            <a:picLocks noChangeAspect="1" noChangeArrowheads="1"/>
+            <a:picLocks noChangeAspect="1"/>
           </p:cNvPicPr>
           <p:nvPr/>
         </p:nvPicPr>
         <p:blipFill>
-          <a:blip r:embed="rId4">
-            <a:extLst>
-              <a:ext uri="{28A0092B-C50C-407E-A947-70E740481C1C}">
-                <a14:useLocalDpi xmlns:a14="http://schemas.microsoft.com/office/drawing/2010/main" val="0"/>
-              </a:ext>
-            </a:extLst>
-          </a:blip>
-          <a:srcRect/>
+          <a:blip r:embed="rId4"/>
           <a:stretch>
             <a:fillRect/>
           </a:stretch>
         </p:blipFill>
-        <p:spPr bwMode="auto">
+        <p:spPr>
           <a:xfrm>
-            <a:off x="3286237" y="2105737"/>
-            <a:ext cx="5619527" cy="2483814"/>
+            <a:off x="2811000" y="1935555"/>
+            <a:ext cx="6228366" cy="3430310"/>
           </a:xfrm>
           <a:prstGeom prst="rect">
             <a:avLst/>
           </a:prstGeom>
-          <a:noFill/>
-          <a:extLst>
-            <a:ext uri="{909E8E84-426E-40DD-AFC4-6F175D3DCCD1}">
-              <a14:hiddenFill xmlns:a14="http://schemas.microsoft.com/office/drawing/2010/main">
-                <a:solidFill>
-                  <a:srgbClr val="FFFFFF"/>
-                </a:solidFill>
-              </a14:hiddenFill>
-            </a:ext>
-          </a:extLst>
         </p:spPr>
       </p:pic>
     </p:spTree>
@@ -21487,45 +21740,276 @@
       </p:grpSpPr>
       <p:sp>
         <p:nvSpPr>
-          <p:cNvPr id="2" name="Slide Number Placeholder 1">
-            <a:extLst>
-              <a:ext uri="{FF2B5EF4-FFF2-40B4-BE49-F238E27FC236}">
-                <a16:creationId xmlns:a16="http://schemas.microsoft.com/office/drawing/2014/main" id="{94FC1DED-79AB-361B-87BE-6A0CCF708C92}"/>
-              </a:ext>
-            </a:extLst>
-          </p:cNvPr>
+          <p:cNvPr id="428035" name="Rectangle 3"/>
           <p:cNvSpPr>
-            <a:spLocks noGrp="1"/>
+            <a:spLocks noGrp="1" noChangeArrowheads="1"/>
           </p:cNvSpPr>
           <p:nvPr>
-            <p:ph type="sldNum" sz="quarter" idx="4"/>
+            <p:ph type="body" sz="quarter" idx="10"/>
           </p:nvPr>
         </p:nvSpPr>
         <p:spPr/>
         <p:txBody>
-          <a:bodyPr/>
+          <a:bodyPr vert="horz" lIns="108000" tIns="36000" rIns="108000" bIns="36000" rtlCol="0" anchor="t">
+            <a:normAutofit/>
+          </a:bodyPr>
           <a:lstStyle/>
           <a:p>
-            <a:fld id="{2BF067CD-8E6B-4360-9AA8-C5DF2A48A6D1}" type="slidenum">
-              <a:rPr lang="en-US" noProof="0" smtClean="0"/>
-              <a:pPr/>
-              <a:t>18</a:t>
-            </a:fld>
-            <a:endParaRPr lang="en-US" noProof="0" dirty="0"/>
+            <a:pPr marL="360045" indent="-360045">
+              <a:buClr>
+                <a:schemeClr val="tx1"/>
+              </a:buClr>
+            </a:pPr>
+            <a:r>
+              <a:rPr lang="en-US" sz="3400" b="1" dirty="0" err="1">
+                <a:solidFill>
+                  <a:schemeClr val="bg1"/>
+                </a:solidFill>
+                <a:cs typeface="Consolas" panose="020B0609020204030204" pitchFamily="49" charset="0"/>
+              </a:rPr>
+              <a:t>Стек</a:t>
+            </a:r>
+            <a:r>
+              <a:rPr lang="en-US" sz="3400" b="1" dirty="0">
+                <a:solidFill>
+                  <a:schemeClr val="bg1"/>
+                </a:solidFill>
+                <a:cs typeface="Consolas" panose="020B0609020204030204" pitchFamily="49" charset="0"/>
+              </a:rPr>
+              <a:t> </a:t>
+            </a:r>
+            <a:r>
+              <a:rPr lang="en-US" sz="3400" dirty="0" err="1">
+                <a:solidFill>
+                  <a:srgbClr val="234465"/>
+                </a:solidFill>
+                <a:cs typeface="Consolas" panose="020B0609020204030204" pitchFamily="49" charset="0"/>
+              </a:rPr>
+              <a:t>предоставя</a:t>
+            </a:r>
+            <a:r>
+              <a:rPr lang="en-US" sz="3400" dirty="0">
+                <a:cs typeface="Consolas" panose="020B0609020204030204" pitchFamily="49" charset="0"/>
+              </a:rPr>
+              <a:t> </a:t>
+            </a:r>
+            <a:r>
+              <a:rPr lang="en-US" sz="3400" dirty="0" err="1">
+                <a:cs typeface="Consolas" panose="020B0609020204030204" pitchFamily="49" charset="0"/>
+              </a:rPr>
+              <a:t>следните</a:t>
+            </a:r>
+            <a:r>
+              <a:rPr lang="en-US" sz="3400" dirty="0">
+                <a:cs typeface="Consolas" panose="020B0609020204030204" pitchFamily="49" charset="0"/>
+              </a:rPr>
+              <a:t> </a:t>
+            </a:r>
+            <a:r>
+              <a:rPr lang="en-US" sz="3400" dirty="0" err="1">
+                <a:cs typeface="Consolas" panose="020B0609020204030204" pitchFamily="49" charset="0"/>
+              </a:rPr>
+              <a:t>функции</a:t>
+            </a:r>
+            <a:r>
+              <a:rPr lang="en-US" sz="3400" dirty="0">
+                <a:cs typeface="Consolas" panose="020B0609020204030204" pitchFamily="49" charset="0"/>
+              </a:rPr>
+              <a:t>:</a:t>
+            </a:r>
+            <a:endParaRPr lang="bg-BG" dirty="0"/>
+          </a:p>
+          <a:p>
+            <a:pPr lvl="1" indent="-360045">
+              <a:buClr>
+                <a:schemeClr val="tx1"/>
+              </a:buClr>
+            </a:pPr>
+            <a:r>
+              <a:rPr lang="en-US" sz="3200" b="1" dirty="0" err="1">
+                <a:solidFill>
+                  <a:schemeClr val="bg1"/>
+                </a:solidFill>
+                <a:ea typeface="+mn-lt"/>
+                <a:cs typeface="+mn-lt"/>
+              </a:rPr>
+              <a:t>Вкарване</a:t>
+            </a:r>
+            <a:r>
+              <a:rPr lang="en-US" sz="3200" b="1" dirty="0">
+                <a:solidFill>
+                  <a:schemeClr val="bg1"/>
+                </a:solidFill>
+                <a:cs typeface="Consolas" panose="020B0609020204030204" pitchFamily="49" charset="0"/>
+              </a:rPr>
+              <a:t> </a:t>
+            </a:r>
+            <a:r>
+              <a:rPr lang="en-US" sz="3200" dirty="0" err="1">
+                <a:cs typeface="Consolas" panose="020B0609020204030204" pitchFamily="49" charset="0"/>
+              </a:rPr>
+              <a:t>на</a:t>
+            </a:r>
+            <a:r>
+              <a:rPr lang="en-US" sz="3200" dirty="0">
+                <a:cs typeface="Consolas" panose="020B0609020204030204" pitchFamily="49" charset="0"/>
+              </a:rPr>
+              <a:t> </a:t>
+            </a:r>
+            <a:r>
+              <a:rPr lang="en-US" sz="3200" dirty="0" err="1">
+                <a:cs typeface="Consolas" panose="020B0609020204030204" pitchFamily="49" charset="0"/>
+              </a:rPr>
+              <a:t>елемент</a:t>
+            </a:r>
+            <a:endParaRPr lang="en-US" sz="3200" dirty="0">
+              <a:cs typeface="Consolas" panose="020B0609020204030204" pitchFamily="49" charset="0"/>
+            </a:endParaRPr>
+          </a:p>
+          <a:p>
+            <a:pPr lvl="1" indent="-360045">
+              <a:buClr>
+                <a:schemeClr val="tx1"/>
+              </a:buClr>
+            </a:pPr>
+            <a:r>
+              <a:rPr lang="en-US" sz="3200" b="1" dirty="0" err="1">
+                <a:solidFill>
+                  <a:schemeClr val="bg1"/>
+                </a:solidFill>
+                <a:cs typeface="Consolas" panose="020B0609020204030204" pitchFamily="49" charset="0"/>
+              </a:rPr>
+              <a:t>Премахане</a:t>
+            </a:r>
+            <a:r>
+              <a:rPr lang="en-US" sz="3200" b="1" dirty="0">
+                <a:solidFill>
+                  <a:schemeClr val="bg1"/>
+                </a:solidFill>
+                <a:cs typeface="Consolas" panose="020B0609020204030204" pitchFamily="49" charset="0"/>
+              </a:rPr>
+              <a:t> </a:t>
+            </a:r>
+            <a:r>
+              <a:rPr lang="en-US" sz="3200" dirty="0" err="1">
+                <a:cs typeface="Consolas" panose="020B0609020204030204" pitchFamily="49" charset="0"/>
+              </a:rPr>
+              <a:t>на</a:t>
+            </a:r>
+            <a:r>
+              <a:rPr lang="en-US" sz="3200" dirty="0">
+                <a:cs typeface="Consolas" panose="020B0609020204030204" pitchFamily="49" charset="0"/>
+              </a:rPr>
+              <a:t> </a:t>
+            </a:r>
+            <a:r>
+              <a:rPr lang="en-US" sz="3200" dirty="0" err="1">
+                <a:cs typeface="Consolas" panose="020B0609020204030204" pitchFamily="49" charset="0"/>
+              </a:rPr>
+              <a:t>последния</a:t>
+            </a:r>
+            <a:r>
+              <a:rPr lang="en-US" sz="3200" dirty="0">
+                <a:cs typeface="Consolas" panose="020B0609020204030204" pitchFamily="49" charset="0"/>
+              </a:rPr>
+              <a:t> </a:t>
+            </a:r>
+            <a:r>
+              <a:rPr lang="en-US" sz="3200" dirty="0" err="1">
+                <a:cs typeface="Consolas" panose="020B0609020204030204" pitchFamily="49" charset="0"/>
+              </a:rPr>
+              <a:t>елемент</a:t>
+            </a:r>
+          </a:p>
+          <a:p>
+            <a:pPr lvl="1" indent="-360045">
+              <a:buClr>
+                <a:schemeClr val="tx1"/>
+              </a:buClr>
+            </a:pPr>
+            <a:r>
+              <a:rPr lang="en-US" sz="3200" b="1" dirty="0" err="1">
+                <a:solidFill>
+                  <a:schemeClr val="bg1"/>
+                </a:solidFill>
+                <a:cs typeface="Consolas" panose="020B0609020204030204" pitchFamily="49" charset="0"/>
+              </a:rPr>
+              <a:t>Връщане</a:t>
+            </a:r>
+            <a:r>
+              <a:rPr lang="en-US" sz="3200" b="1" dirty="0">
+                <a:solidFill>
+                  <a:schemeClr val="bg1"/>
+                </a:solidFill>
+                <a:cs typeface="Consolas" panose="020B0609020204030204" pitchFamily="49" charset="0"/>
+              </a:rPr>
+              <a:t> </a:t>
+            </a:r>
+            <a:r>
+              <a:rPr lang="en-US" sz="3200" dirty="0" err="1">
+                <a:cs typeface="Consolas" panose="020B0609020204030204" pitchFamily="49" charset="0"/>
+              </a:rPr>
+              <a:t>на</a:t>
+            </a:r>
+            <a:r>
+              <a:rPr lang="en-US" sz="3200" dirty="0">
+                <a:cs typeface="Consolas" panose="020B0609020204030204" pitchFamily="49" charset="0"/>
+              </a:rPr>
+              <a:t> </a:t>
+            </a:r>
+            <a:r>
+              <a:rPr lang="en-US" sz="3200" dirty="0" err="1">
+                <a:cs typeface="Consolas" panose="020B0609020204030204" pitchFamily="49" charset="0"/>
+              </a:rPr>
+              <a:t>последния</a:t>
+            </a:r>
+            <a:r>
+              <a:rPr lang="en-US" sz="3200" dirty="0">
+                <a:cs typeface="Consolas" panose="020B0609020204030204" pitchFamily="49" charset="0"/>
+              </a:rPr>
+              <a:t> </a:t>
+            </a:r>
+            <a:r>
+              <a:rPr lang="en-US" sz="3200" dirty="0" err="1">
+                <a:cs typeface="Consolas" panose="020B0609020204030204" pitchFamily="49" charset="0"/>
+              </a:rPr>
+              <a:t>елемент</a:t>
+            </a:r>
+            <a:r>
+              <a:rPr lang="en-US" sz="3200" dirty="0">
+                <a:cs typeface="Consolas" panose="020B0609020204030204" pitchFamily="49" charset="0"/>
+              </a:rPr>
+              <a:t> </a:t>
+            </a:r>
+            <a:r>
+              <a:rPr lang="en-US" sz="3200" dirty="0" err="1">
+                <a:cs typeface="Consolas" panose="020B0609020204030204" pitchFamily="49" charset="0"/>
+              </a:rPr>
+              <a:t>без</a:t>
+            </a:r>
+            <a:r>
+              <a:rPr lang="en-US" sz="3200" dirty="0">
+                <a:cs typeface="Consolas" panose="020B0609020204030204" pitchFamily="49" charset="0"/>
+              </a:rPr>
+              <a:t> </a:t>
+            </a:r>
+            <a:r>
+              <a:rPr lang="en-US" sz="3200" dirty="0" err="1">
+                <a:cs typeface="Consolas" panose="020B0609020204030204" pitchFamily="49" charset="0"/>
+              </a:rPr>
+              <a:t>премахване</a:t>
+            </a:r>
+            <a:endParaRPr lang="en-US" sz="3200" dirty="0">
+              <a:cs typeface="Consolas" panose="020B0609020204030204" pitchFamily="49" charset="0"/>
+            </a:endParaRPr>
           </a:p>
         </p:txBody>
       </p:sp>
       <p:sp>
         <p:nvSpPr>
-          <p:cNvPr id="5" name="Title 4">
-            <a:extLst>
-              <a:ext uri="{FF2B5EF4-FFF2-40B4-BE49-F238E27FC236}">
-                <a16:creationId xmlns:a16="http://schemas.microsoft.com/office/drawing/2014/main" id="{F97D57B6-E3F6-94C8-BFD7-F4EDEBDE8CEB}"/>
-              </a:ext>
-            </a:extLst>
-          </p:cNvPr>
+          <p:cNvPr id="428034" name="Rectangle 2"/>
           <p:cNvSpPr>
-            <a:spLocks noGrp="1"/>
+            <a:spLocks noGrp="1" noChangeArrowheads="1"/>
           </p:cNvSpPr>
           <p:nvPr>
             <p:ph type="title"/>
@@ -21537,21 +22021,2463 @@
           <a:lstStyle/>
           <a:p>
             <a:r>
-              <a:rPr lang="en-US" dirty="0"/>
-              <a:t>TODO: </a:t>
-            </a:r>
-            <a:r>
-              <a:rPr lang="bg-BG" dirty="0"/>
+              <a:rPr lang="en-US" sz="3950" dirty="0" err="1"/>
               <a:t>Стек</a:t>
             </a:r>
-            <a:endParaRPr lang="en-BG" dirty="0"/>
+            <a:r>
+              <a:rPr lang="en-US" sz="3950" dirty="0"/>
+              <a:t> – </a:t>
+            </a:r>
+            <a:r>
+              <a:rPr lang="en-US" sz="3950" dirty="0" err="1">
+                <a:ea typeface="+mj-lt"/>
+                <a:cs typeface="+mj-lt"/>
+              </a:rPr>
+              <a:t>Абстрактен</a:t>
+            </a:r>
+            <a:r>
+              <a:rPr lang="en-US" sz="3950" dirty="0">
+                <a:ea typeface="+mj-lt"/>
+                <a:cs typeface="+mj-lt"/>
+              </a:rPr>
+              <a:t> </a:t>
+            </a:r>
+            <a:r>
+              <a:rPr lang="en-US" sz="3950" dirty="0" err="1">
+                <a:ea typeface="+mj-lt"/>
+                <a:cs typeface="+mj-lt"/>
+              </a:rPr>
+              <a:t>тип</a:t>
+            </a:r>
+            <a:r>
+              <a:rPr lang="en-US" sz="3950" dirty="0">
+                <a:ea typeface="+mj-lt"/>
+                <a:cs typeface="+mj-lt"/>
+              </a:rPr>
+              <a:t> </a:t>
+            </a:r>
+            <a:r>
+              <a:rPr lang="en-US" sz="3950" dirty="0" err="1">
+                <a:ea typeface="+mj-lt"/>
+                <a:cs typeface="+mj-lt"/>
+              </a:rPr>
+              <a:t>данни</a:t>
+            </a:r>
+            <a:endParaRPr lang="bg-BG" sz="3950" dirty="0">
+              <a:cs typeface="Calibri"/>
+            </a:endParaRPr>
+          </a:p>
+        </p:txBody>
+      </p:sp>
+      <p:grpSp>
+        <p:nvGrpSpPr>
+          <p:cNvPr id="80" name="Group 79"/>
+          <p:cNvGrpSpPr/>
+          <p:nvPr/>
+        </p:nvGrpSpPr>
+        <p:grpSpPr>
+          <a:xfrm>
+            <a:off x="2316000" y="3939443"/>
+            <a:ext cx="1599783" cy="2927149"/>
+            <a:chOff x="2817812" y="3733800"/>
+            <a:chExt cx="1600200" cy="2927911"/>
+          </a:xfrm>
+        </p:grpSpPr>
+        <p:grpSp>
+          <p:nvGrpSpPr>
+            <p:cNvPr id="10" name="Group 9"/>
+            <p:cNvGrpSpPr/>
+            <p:nvPr/>
+          </p:nvGrpSpPr>
+          <p:grpSpPr>
+            <a:xfrm>
+              <a:off x="2817812" y="3733800"/>
+              <a:ext cx="1600200" cy="2342383"/>
+              <a:chOff x="3008467" y="3810000"/>
+              <a:chExt cx="1600200" cy="2342383"/>
+            </a:xfrm>
+          </p:grpSpPr>
+          <p:sp>
+            <p:nvSpPr>
+              <p:cNvPr id="65" name="Text Placeholder 7"/>
+              <p:cNvSpPr txBox="1">
+                <a:spLocks/>
+              </p:cNvSpPr>
+              <p:nvPr/>
+            </p:nvSpPr>
+            <p:spPr>
+              <a:xfrm flipH="1">
+                <a:off x="3008467" y="4362816"/>
+                <a:ext cx="1600200" cy="1789567"/>
+              </a:xfrm>
+              <a:prstGeom prst="rect">
+                <a:avLst/>
+              </a:prstGeom>
+              <a:solidFill>
+                <a:schemeClr val="dk2">
+                  <a:alpha val="15000"/>
+                </a:schemeClr>
+              </a:solidFill>
+              <a:ln w="19050">
+                <a:solidFill>
+                  <a:schemeClr val="tx1">
+                    <a:lumMod val="75000"/>
+                    <a:alpha val="80000"/>
+                  </a:schemeClr>
+                </a:solidFill>
+              </a:ln>
+              <a:effectLst/>
+            </p:spPr>
+            <p:style>
+              <a:lnRef idx="2">
+                <a:schemeClr val="accent1">
+                  <a:shade val="50000"/>
+                </a:schemeClr>
+              </a:lnRef>
+              <a:fillRef idx="1001">
+                <a:schemeClr val="dk2"/>
+              </a:fillRef>
+              <a:effectRef idx="0">
+                <a:schemeClr val="accent1"/>
+              </a:effectRef>
+              <a:fontRef idx="minor">
+                <a:schemeClr val="lt1"/>
+              </a:fontRef>
+            </p:style>
+            <p:txBody>
+              <a:bodyPr rot="0" spcFirstLastPara="0" vertOverflow="overflow" horzOverflow="overflow" vert="horz" wrap="square" lIns="91416" tIns="45708" rIns="91416" bIns="45708" numCol="1" spcCol="0" rtlCol="0" fromWordArt="0" anchor="ctr" anchorCtr="0" forceAA="0" compatLnSpc="1">
+                <a:prstTxWarp prst="textNoShape">
+                  <a:avLst/>
+                </a:prstTxWarp>
+                <a:noAutofit/>
+              </a:bodyPr>
+              <a:lstStyle>
+                <a:defPPr>
+                  <a:defRPr lang="en-US"/>
+                </a:defPPr>
+                <a:lvl1pPr algn="ctr">
+                  <a:defRPr sz="2800" b="1">
+                    <a:solidFill>
+                      <a:srgbClr val="FFFFFF"/>
+                    </a:solidFill>
+                    <a:effectLst>
+                      <a:outerShdw blurRad="38100" dist="38100" dir="2700000" algn="tl">
+                        <a:srgbClr val="000000">
+                          <a:alpha val="43137"/>
+                        </a:srgbClr>
+                      </a:outerShdw>
+                    </a:effectLst>
+                  </a:defRPr>
+                </a:lvl1pPr>
+                <a:lvl2pPr>
+                  <a:defRPr>
+                    <a:solidFill>
+                      <a:schemeClr val="lt1"/>
+                    </a:solidFill>
+                  </a:defRPr>
+                </a:lvl2pPr>
+                <a:lvl3pPr>
+                  <a:defRPr>
+                    <a:solidFill>
+                      <a:schemeClr val="lt1"/>
+                    </a:solidFill>
+                  </a:defRPr>
+                </a:lvl3pPr>
+                <a:lvl4pPr>
+                  <a:defRPr>
+                    <a:solidFill>
+                      <a:schemeClr val="lt1"/>
+                    </a:solidFill>
+                  </a:defRPr>
+                </a:lvl4pPr>
+                <a:lvl5pPr>
+                  <a:defRPr>
+                    <a:solidFill>
+                      <a:schemeClr val="lt1"/>
+                    </a:solidFill>
+                  </a:defRPr>
+                </a:lvl5pPr>
+                <a:lvl6pPr>
+                  <a:defRPr>
+                    <a:solidFill>
+                      <a:schemeClr val="lt1"/>
+                    </a:solidFill>
+                  </a:defRPr>
+                </a:lvl6pPr>
+                <a:lvl7pPr>
+                  <a:defRPr>
+                    <a:solidFill>
+                      <a:schemeClr val="lt1"/>
+                    </a:solidFill>
+                  </a:defRPr>
+                </a:lvl7pPr>
+                <a:lvl8pPr>
+                  <a:defRPr>
+                    <a:solidFill>
+                      <a:schemeClr val="lt1"/>
+                    </a:solidFill>
+                  </a:defRPr>
+                </a:lvl8pPr>
+                <a:lvl9pPr>
+                  <a:defRPr>
+                    <a:solidFill>
+                      <a:schemeClr val="lt1"/>
+                    </a:solidFill>
+                  </a:defRPr>
+                </a:lvl9pPr>
+              </a:lstStyle>
+              <a:p>
+                <a:endParaRPr lang="en-US" sz="2799" noProof="1"/>
+              </a:p>
+            </p:txBody>
+          </p:sp>
+          <p:sp>
+            <p:nvSpPr>
+              <p:cNvPr id="66" name="Text Placeholder 7"/>
+              <p:cNvSpPr txBox="1">
+                <a:spLocks/>
+              </p:cNvSpPr>
+              <p:nvPr/>
+            </p:nvSpPr>
+            <p:spPr>
+              <a:xfrm flipH="1">
+                <a:off x="3112038" y="5575448"/>
+                <a:ext cx="1410568" cy="494025"/>
+              </a:xfrm>
+              <a:prstGeom prst="rect">
+                <a:avLst/>
+              </a:prstGeom>
+              <a:solidFill>
+                <a:schemeClr val="dk2">
+                  <a:alpha val="20000"/>
+                </a:schemeClr>
+              </a:solidFill>
+              <a:ln w="19050">
+                <a:solidFill>
+                  <a:schemeClr val="tx1">
+                    <a:lumMod val="75000"/>
+                    <a:alpha val="80000"/>
+                  </a:schemeClr>
+                </a:solidFill>
+              </a:ln>
+              <a:effectLst/>
+            </p:spPr>
+            <p:style>
+              <a:lnRef idx="2">
+                <a:schemeClr val="accent1">
+                  <a:shade val="50000"/>
+                </a:schemeClr>
+              </a:lnRef>
+              <a:fillRef idx="1001">
+                <a:schemeClr val="dk2"/>
+              </a:fillRef>
+              <a:effectRef idx="0">
+                <a:schemeClr val="accent1"/>
+              </a:effectRef>
+              <a:fontRef idx="minor">
+                <a:schemeClr val="lt1"/>
+              </a:fontRef>
+            </p:style>
+            <p:txBody>
+              <a:bodyPr rot="0" spcFirstLastPara="0" vertOverflow="overflow" horzOverflow="overflow" vert="horz" wrap="square" lIns="91416" tIns="45708" rIns="91416" bIns="45708" numCol="1" spcCol="0" rtlCol="0" fromWordArt="0" anchor="ctr" anchorCtr="0" forceAA="0" compatLnSpc="1">
+                <a:prstTxWarp prst="textNoShape">
+                  <a:avLst/>
+                </a:prstTxWarp>
+                <a:noAutofit/>
+              </a:bodyPr>
+              <a:lstStyle>
+                <a:defPPr>
+                  <a:defRPr lang="en-US"/>
+                </a:defPPr>
+                <a:lvl1pPr algn="ctr">
+                  <a:defRPr sz="2800" b="1">
+                    <a:solidFill>
+                      <a:srgbClr val="FFFFFF"/>
+                    </a:solidFill>
+                    <a:effectLst>
+                      <a:outerShdw blurRad="38100" dist="38100" dir="2700000" algn="tl">
+                        <a:srgbClr val="000000">
+                          <a:alpha val="43137"/>
+                        </a:srgbClr>
+                      </a:outerShdw>
+                    </a:effectLst>
+                  </a:defRPr>
+                </a:lvl1pPr>
+              </a:lstStyle>
+              <a:p>
+                <a:r>
+                  <a:rPr lang="en-US" sz="2799" noProof="1"/>
+                  <a:t>2</a:t>
+                </a:r>
+              </a:p>
+            </p:txBody>
+          </p:sp>
+          <p:sp>
+            <p:nvSpPr>
+              <p:cNvPr id="67" name="Text Placeholder 7"/>
+              <p:cNvSpPr txBox="1">
+                <a:spLocks/>
+              </p:cNvSpPr>
+              <p:nvPr/>
+            </p:nvSpPr>
+            <p:spPr>
+              <a:xfrm flipH="1">
+                <a:off x="3112038" y="4442398"/>
+                <a:ext cx="1410568" cy="494025"/>
+              </a:xfrm>
+              <a:prstGeom prst="rect">
+                <a:avLst/>
+              </a:prstGeom>
+              <a:solidFill>
+                <a:schemeClr val="dk2">
+                  <a:alpha val="80000"/>
+                </a:schemeClr>
+              </a:solidFill>
+              <a:ln w="19050">
+                <a:solidFill>
+                  <a:schemeClr val="tx1">
+                    <a:lumMod val="75000"/>
+                    <a:alpha val="80000"/>
+                  </a:schemeClr>
+                </a:solidFill>
+              </a:ln>
+              <a:effectLst/>
+            </p:spPr>
+            <p:style>
+              <a:lnRef idx="2">
+                <a:schemeClr val="accent1">
+                  <a:shade val="50000"/>
+                </a:schemeClr>
+              </a:lnRef>
+              <a:fillRef idx="1001">
+                <a:schemeClr val="dk2"/>
+              </a:fillRef>
+              <a:effectRef idx="0">
+                <a:schemeClr val="accent1"/>
+              </a:effectRef>
+              <a:fontRef idx="minor">
+                <a:schemeClr val="lt1"/>
+              </a:fontRef>
+            </p:style>
+            <p:txBody>
+              <a:bodyPr rot="0" spcFirstLastPara="0" vertOverflow="overflow" horzOverflow="overflow" vert="horz" wrap="square" lIns="91416" tIns="45708" rIns="91416" bIns="45708" numCol="1" spcCol="0" rtlCol="0" fromWordArt="0" anchor="ctr" anchorCtr="0" forceAA="0" compatLnSpc="1">
+                <a:prstTxWarp prst="textNoShape">
+                  <a:avLst/>
+                </a:prstTxWarp>
+                <a:noAutofit/>
+              </a:bodyPr>
+              <a:lstStyle>
+                <a:defPPr>
+                  <a:defRPr lang="en-US"/>
+                </a:defPPr>
+                <a:lvl1pPr algn="ctr">
+                  <a:defRPr sz="2800" b="1">
+                    <a:solidFill>
+                      <a:srgbClr val="FFFFFF"/>
+                    </a:solidFill>
+                    <a:effectLst>
+                      <a:outerShdw blurRad="38100" dist="38100" dir="2700000" algn="tl">
+                        <a:srgbClr val="000000">
+                          <a:alpha val="43137"/>
+                        </a:srgbClr>
+                      </a:outerShdw>
+                    </a:effectLst>
+                  </a:defRPr>
+                </a:lvl1pPr>
+              </a:lstStyle>
+              <a:p>
+                <a:r>
+                  <a:rPr lang="en-US" sz="2799" noProof="1"/>
+                  <a:t>10</a:t>
+                </a:r>
+              </a:p>
+            </p:txBody>
+          </p:sp>
+          <p:sp>
+            <p:nvSpPr>
+              <p:cNvPr id="68" name="Text Placeholder 7"/>
+              <p:cNvSpPr txBox="1">
+                <a:spLocks/>
+              </p:cNvSpPr>
+              <p:nvPr/>
+            </p:nvSpPr>
+            <p:spPr>
+              <a:xfrm flipH="1">
+                <a:off x="3112038" y="4998512"/>
+                <a:ext cx="1410568" cy="494025"/>
+              </a:xfrm>
+              <a:prstGeom prst="rect">
+                <a:avLst/>
+              </a:prstGeom>
+              <a:solidFill>
+                <a:schemeClr val="dk2">
+                  <a:alpha val="20000"/>
+                </a:schemeClr>
+              </a:solidFill>
+              <a:ln w="19050">
+                <a:solidFill>
+                  <a:schemeClr val="tx1">
+                    <a:lumMod val="75000"/>
+                    <a:alpha val="80000"/>
+                  </a:schemeClr>
+                </a:solidFill>
+              </a:ln>
+              <a:effectLst/>
+            </p:spPr>
+            <p:style>
+              <a:lnRef idx="2">
+                <a:schemeClr val="accent1">
+                  <a:shade val="50000"/>
+                </a:schemeClr>
+              </a:lnRef>
+              <a:fillRef idx="1001">
+                <a:schemeClr val="dk2"/>
+              </a:fillRef>
+              <a:effectRef idx="0">
+                <a:schemeClr val="accent1"/>
+              </a:effectRef>
+              <a:fontRef idx="minor">
+                <a:schemeClr val="lt1"/>
+              </a:fontRef>
+            </p:style>
+            <p:txBody>
+              <a:bodyPr rot="0" spcFirstLastPara="0" vertOverflow="overflow" horzOverflow="overflow" vert="horz" wrap="square" lIns="91416" tIns="45708" rIns="91416" bIns="45708" numCol="1" spcCol="0" rtlCol="0" fromWordArt="0" anchor="ctr" anchorCtr="0" forceAA="0" compatLnSpc="1">
+                <a:prstTxWarp prst="textNoShape">
+                  <a:avLst/>
+                </a:prstTxWarp>
+                <a:noAutofit/>
+              </a:bodyPr>
+              <a:lstStyle>
+                <a:defPPr>
+                  <a:defRPr lang="en-US"/>
+                </a:defPPr>
+                <a:lvl1pPr algn="ctr">
+                  <a:defRPr sz="2800" b="1">
+                    <a:solidFill>
+                      <a:srgbClr val="FFFFFF"/>
+                    </a:solidFill>
+                    <a:effectLst>
+                      <a:outerShdw blurRad="38100" dist="38100" dir="2700000" algn="tl">
+                        <a:srgbClr val="000000">
+                          <a:alpha val="43137"/>
+                        </a:srgbClr>
+                      </a:outerShdw>
+                    </a:effectLst>
+                  </a:defRPr>
+                </a:lvl1pPr>
+              </a:lstStyle>
+              <a:p>
+                <a:r>
+                  <a:rPr lang="en-US" sz="2799" noProof="1"/>
+                  <a:t>5</a:t>
+                </a:r>
+              </a:p>
+            </p:txBody>
+          </p:sp>
+          <p:sp>
+            <p:nvSpPr>
+              <p:cNvPr id="6" name="Down Arrow 5"/>
+              <p:cNvSpPr/>
+              <p:nvPr/>
+            </p:nvSpPr>
+            <p:spPr bwMode="auto">
+              <a:xfrm>
+                <a:off x="3633012" y="3810000"/>
+                <a:ext cx="327800" cy="415076"/>
+              </a:xfrm>
+              <a:prstGeom prst="downArrow">
+                <a:avLst/>
+              </a:prstGeom>
+              <a:solidFill>
+                <a:schemeClr val="dk2">
+                  <a:alpha val="80000"/>
+                </a:schemeClr>
+              </a:solidFill>
+              <a:ln w="19050">
+                <a:solidFill>
+                  <a:schemeClr val="tx1">
+                    <a:lumMod val="75000"/>
+                    <a:alpha val="80000"/>
+                  </a:schemeClr>
+                </a:solidFill>
+              </a:ln>
+              <a:effectLst/>
+            </p:spPr>
+            <p:style>
+              <a:lnRef idx="2">
+                <a:schemeClr val="accent1">
+                  <a:shade val="50000"/>
+                </a:schemeClr>
+              </a:lnRef>
+              <a:fillRef idx="1001">
+                <a:schemeClr val="dk2"/>
+              </a:fillRef>
+              <a:effectRef idx="0">
+                <a:schemeClr val="accent1"/>
+              </a:effectRef>
+              <a:fontRef idx="minor">
+                <a:schemeClr val="lt1"/>
+              </a:fontRef>
+            </p:style>
+            <p:txBody>
+              <a:bodyPr rot="0" spcFirstLastPara="0" vertOverflow="overflow" horzOverflow="overflow" vert="horz" wrap="square" lIns="91416" tIns="45708" rIns="91416" bIns="45708" numCol="1" spcCol="0" rtlCol="0" fromWordArt="0" anchor="ctr" anchorCtr="0" forceAA="0" compatLnSpc="1">
+                <a:prstTxWarp prst="textNoShape">
+                  <a:avLst/>
+                </a:prstTxWarp>
+                <a:noAutofit/>
+              </a:bodyPr>
+              <a:lstStyle/>
+              <a:p>
+                <a:pPr algn="ctr"/>
+                <a:endParaRPr lang="en-US" sz="2799" b="1" dirty="0">
+                  <a:solidFill>
+                    <a:srgbClr val="FFFFFF"/>
+                  </a:solidFill>
+                  <a:effectLst>
+                    <a:outerShdw blurRad="38100" dist="38100" dir="2700000" algn="tl">
+                      <a:srgbClr val="000000">
+                        <a:alpha val="43137"/>
+                      </a:srgbClr>
+                    </a:outerShdw>
+                  </a:effectLst>
+                </a:endParaRPr>
+              </a:p>
+            </p:txBody>
+          </p:sp>
+        </p:grpSp>
+        <p:sp>
+          <p:nvSpPr>
+            <p:cNvPr id="76" name="Content Placeholder 2"/>
+            <p:cNvSpPr txBox="1">
+              <a:spLocks/>
+            </p:cNvSpPr>
+            <p:nvPr/>
+          </p:nvSpPr>
+          <p:spPr>
+            <a:xfrm>
+              <a:off x="2958557" y="6019800"/>
+              <a:ext cx="1295400" cy="641911"/>
+            </a:xfrm>
+            <a:prstGeom prst="rect">
+              <a:avLst/>
+            </a:prstGeom>
+          </p:spPr>
+          <p:txBody>
+            <a:bodyPr vert="horz" lIns="107972" tIns="35991" rIns="107972" bIns="35991" rtlCol="0">
+              <a:noAutofit/>
+            </a:bodyPr>
+            <a:lstStyle>
+              <a:lvl1pPr marL="304747" indent="-304747" algn="l" defTabSz="1218987" rtl="0" eaLnBrk="1" latinLnBrk="0" hangingPunct="1">
+                <a:lnSpc>
+                  <a:spcPct val="105000"/>
+                </a:lnSpc>
+                <a:spcBef>
+                  <a:spcPts val="600"/>
+                </a:spcBef>
+                <a:spcAft>
+                  <a:spcPts val="600"/>
+                </a:spcAft>
+                <a:buClr>
+                  <a:srgbClr val="F2B254"/>
+                </a:buClr>
+                <a:buSzPct val="100000"/>
+                <a:buFont typeface="Wingdings" panose="05000000000000000000" pitchFamily="2" charset="2"/>
+                <a:buChar char="§"/>
+                <a:defRPr sz="3400" b="0" kern="1200">
+                  <a:solidFill>
+                    <a:schemeClr val="tx1"/>
+                  </a:solidFill>
+                  <a:latin typeface="+mn-lt"/>
+                  <a:ea typeface="+mn-ea"/>
+                  <a:cs typeface="+mn-cs"/>
+                </a:defRPr>
+              </a:lvl1pPr>
+              <a:lvl2pPr marL="609493" indent="-231606" algn="l" defTabSz="1218987" rtl="0" eaLnBrk="1" latinLnBrk="0" hangingPunct="1">
+                <a:lnSpc>
+                  <a:spcPct val="105000"/>
+                </a:lnSpc>
+                <a:spcBef>
+                  <a:spcPts val="600"/>
+                </a:spcBef>
+                <a:spcAft>
+                  <a:spcPts val="600"/>
+                </a:spcAft>
+                <a:buClr>
+                  <a:schemeClr val="accent1"/>
+                </a:buClr>
+                <a:buSzPct val="80000"/>
+                <a:buFont typeface="Wingdings" panose="05000000000000000000" pitchFamily="2" charset="2"/>
+                <a:buChar char="§"/>
+                <a:defRPr sz="3200" b="0" kern="1200">
+                  <a:solidFill>
+                    <a:schemeClr val="tx1"/>
+                  </a:solidFill>
+                  <a:latin typeface="+mn-lt"/>
+                  <a:ea typeface="+mn-ea"/>
+                  <a:cs typeface="+mn-cs"/>
+                </a:defRPr>
+              </a:lvl2pPr>
+              <a:lvl3pPr marL="914240" indent="-231606" algn="l" defTabSz="1218987" rtl="0" eaLnBrk="1" latinLnBrk="0" hangingPunct="1">
+                <a:lnSpc>
+                  <a:spcPct val="105000"/>
+                </a:lnSpc>
+                <a:spcBef>
+                  <a:spcPts val="600"/>
+                </a:spcBef>
+                <a:spcAft>
+                  <a:spcPts val="600"/>
+                </a:spcAft>
+                <a:buClr>
+                  <a:srgbClr val="EF9A1D"/>
+                </a:buClr>
+                <a:buSzPct val="80000"/>
+                <a:buFont typeface="Wingdings" panose="05000000000000000000" pitchFamily="2" charset="2"/>
+                <a:buChar char="§"/>
+                <a:defRPr sz="3000" b="0" kern="1200">
+                  <a:solidFill>
+                    <a:schemeClr val="tx1"/>
+                  </a:solidFill>
+                  <a:latin typeface="+mn-lt"/>
+                  <a:ea typeface="+mn-ea"/>
+                  <a:cs typeface="+mn-cs"/>
+                </a:defRPr>
+              </a:lvl3pPr>
+              <a:lvl4pPr marL="1218987" indent="-231606" algn="l" defTabSz="1218987" rtl="0" eaLnBrk="1" latinLnBrk="0" hangingPunct="1">
+                <a:lnSpc>
+                  <a:spcPct val="105000"/>
+                </a:lnSpc>
+                <a:spcBef>
+                  <a:spcPts val="600"/>
+                </a:spcBef>
+                <a:spcAft>
+                  <a:spcPts val="600"/>
+                </a:spcAft>
+                <a:buClr>
+                  <a:srgbClr val="ED9411"/>
+                </a:buClr>
+                <a:buSzPct val="80000"/>
+                <a:buFont typeface="Wingdings" panose="05000000000000000000" pitchFamily="2" charset="2"/>
+                <a:buChar char="§"/>
+                <a:defRPr sz="2800" b="0" kern="1200">
+                  <a:solidFill>
+                    <a:schemeClr val="tx1"/>
+                  </a:solidFill>
+                  <a:latin typeface="+mn-lt"/>
+                  <a:ea typeface="+mn-ea"/>
+                  <a:cs typeface="+mn-cs"/>
+                </a:defRPr>
+              </a:lvl4pPr>
+              <a:lvl5pPr marL="1523733" indent="-231606" algn="l" defTabSz="1218987" rtl="0" eaLnBrk="1" latinLnBrk="0" hangingPunct="1">
+                <a:lnSpc>
+                  <a:spcPct val="105000"/>
+                </a:lnSpc>
+                <a:spcBef>
+                  <a:spcPts val="600"/>
+                </a:spcBef>
+                <a:spcAft>
+                  <a:spcPts val="600"/>
+                </a:spcAft>
+                <a:buClr>
+                  <a:srgbClr val="E28D10"/>
+                </a:buClr>
+                <a:buSzPct val="80000"/>
+                <a:buFont typeface="Wingdings" panose="05000000000000000000" pitchFamily="2" charset="2"/>
+                <a:buChar char="§"/>
+                <a:defRPr sz="2600" b="0" kern="1200">
+                  <a:solidFill>
+                    <a:schemeClr val="tx1"/>
+                  </a:solidFill>
+                  <a:latin typeface="+mn-lt"/>
+                  <a:ea typeface="+mn-ea"/>
+                  <a:cs typeface="+mn-cs"/>
+                </a:defRPr>
+              </a:lvl5pPr>
+              <a:lvl6pPr marL="1828480" indent="-231606" algn="l" defTabSz="1218987" rtl="0" eaLnBrk="1" latinLnBrk="0" hangingPunct="1">
+                <a:lnSpc>
+                  <a:spcPct val="90000"/>
+                </a:lnSpc>
+                <a:spcBef>
+                  <a:spcPts val="800"/>
+                </a:spcBef>
+                <a:buClr>
+                  <a:schemeClr val="accent1"/>
+                </a:buClr>
+                <a:buSzPct val="80000"/>
+                <a:buFont typeface="Arial" pitchFamily="34" charset="0"/>
+                <a:buChar char="•"/>
+                <a:defRPr sz="2000" kern="1200">
+                  <a:solidFill>
+                    <a:schemeClr val="tx1"/>
+                  </a:solidFill>
+                  <a:latin typeface="+mn-lt"/>
+                  <a:ea typeface="+mn-ea"/>
+                  <a:cs typeface="+mn-cs"/>
+                </a:defRPr>
+              </a:lvl6pPr>
+              <a:lvl7pPr marL="2133227" indent="-231606" algn="l" defTabSz="1218987" rtl="0" eaLnBrk="1" latinLnBrk="0" hangingPunct="1">
+                <a:lnSpc>
+                  <a:spcPct val="90000"/>
+                </a:lnSpc>
+                <a:spcBef>
+                  <a:spcPts val="800"/>
+                </a:spcBef>
+                <a:buClr>
+                  <a:schemeClr val="accent1"/>
+                </a:buClr>
+                <a:buSzPct val="80000"/>
+                <a:buFont typeface="Arial" pitchFamily="34" charset="0"/>
+                <a:buChar char="•"/>
+                <a:defRPr sz="2000" kern="1200">
+                  <a:solidFill>
+                    <a:schemeClr val="tx1"/>
+                  </a:solidFill>
+                  <a:latin typeface="+mn-lt"/>
+                  <a:ea typeface="+mn-ea"/>
+                  <a:cs typeface="+mn-cs"/>
+                </a:defRPr>
+              </a:lvl7pPr>
+              <a:lvl8pPr marL="2437972" indent="-231606" algn="l" defTabSz="1218987" rtl="0" eaLnBrk="1" latinLnBrk="0" hangingPunct="1">
+                <a:lnSpc>
+                  <a:spcPct val="90000"/>
+                </a:lnSpc>
+                <a:spcBef>
+                  <a:spcPts val="800"/>
+                </a:spcBef>
+                <a:buClr>
+                  <a:schemeClr val="accent1"/>
+                </a:buClr>
+                <a:buSzPct val="80000"/>
+                <a:buFont typeface="Arial" pitchFamily="34" charset="0"/>
+                <a:buChar char="•"/>
+                <a:defRPr sz="2000" kern="1200" baseline="0">
+                  <a:solidFill>
+                    <a:schemeClr val="tx1"/>
+                  </a:solidFill>
+                  <a:latin typeface="+mn-lt"/>
+                  <a:ea typeface="+mn-ea"/>
+                  <a:cs typeface="+mn-cs"/>
+                </a:defRPr>
+              </a:lvl8pPr>
+              <a:lvl9pPr marL="2742720" indent="-231606" algn="l" defTabSz="1218987" rtl="0" eaLnBrk="1" latinLnBrk="0" hangingPunct="1">
+                <a:lnSpc>
+                  <a:spcPct val="90000"/>
+                </a:lnSpc>
+                <a:spcBef>
+                  <a:spcPts val="800"/>
+                </a:spcBef>
+                <a:buClr>
+                  <a:schemeClr val="accent1"/>
+                </a:buClr>
+                <a:buSzPct val="80000"/>
+                <a:buFont typeface="Arial" pitchFamily="34" charset="0"/>
+                <a:buChar char="•"/>
+                <a:defRPr sz="2000" kern="1200" baseline="0">
+                  <a:solidFill>
+                    <a:schemeClr val="tx1"/>
+                  </a:solidFill>
+                  <a:latin typeface="+mn-lt"/>
+                  <a:ea typeface="+mn-ea"/>
+                  <a:cs typeface="+mn-cs"/>
+                </a:defRPr>
+              </a:lvl9pPr>
+            </a:lstStyle>
+            <a:p>
+              <a:pPr marL="0" indent="0" algn="ctr">
+                <a:buNone/>
+              </a:pPr>
+              <a:r>
+                <a:rPr lang="en-US" sz="3399" dirty="0">
+                  <a:solidFill>
+                    <a:schemeClr val="tx2">
+                      <a:lumMod val="75000"/>
+                    </a:schemeClr>
+                  </a:solidFill>
+                </a:rPr>
+                <a:t>Push</a:t>
+              </a:r>
+            </a:p>
+          </p:txBody>
+        </p:sp>
+      </p:grpSp>
+      <p:grpSp>
+        <p:nvGrpSpPr>
+          <p:cNvPr id="18" name="Group 17"/>
+          <p:cNvGrpSpPr/>
+          <p:nvPr/>
+        </p:nvGrpSpPr>
+        <p:grpSpPr>
+          <a:xfrm>
+            <a:off x="5040958" y="3939443"/>
+            <a:ext cx="1599783" cy="2910201"/>
+            <a:chOff x="5881025" y="3733800"/>
+            <a:chExt cx="1600200" cy="2910959"/>
+          </a:xfrm>
+        </p:grpSpPr>
+        <p:grpSp>
+          <p:nvGrpSpPr>
+            <p:cNvPr id="13" name="Group 12"/>
+            <p:cNvGrpSpPr/>
+            <p:nvPr/>
+          </p:nvGrpSpPr>
+          <p:grpSpPr>
+            <a:xfrm>
+              <a:off x="5881025" y="3733800"/>
+              <a:ext cx="1600200" cy="2348441"/>
+              <a:chOff x="6185739" y="3803942"/>
+              <a:chExt cx="1600200" cy="2348441"/>
+            </a:xfrm>
+          </p:grpSpPr>
+          <p:sp>
+            <p:nvSpPr>
+              <p:cNvPr id="41" name="Text Placeholder 7"/>
+              <p:cNvSpPr txBox="1">
+                <a:spLocks/>
+              </p:cNvSpPr>
+              <p:nvPr/>
+            </p:nvSpPr>
+            <p:spPr>
+              <a:xfrm flipH="1">
+                <a:off x="6185739" y="4362816"/>
+                <a:ext cx="1600200" cy="1789567"/>
+              </a:xfrm>
+              <a:prstGeom prst="rect">
+                <a:avLst/>
+              </a:prstGeom>
+              <a:solidFill>
+                <a:schemeClr val="dk2">
+                  <a:alpha val="15000"/>
+                </a:schemeClr>
+              </a:solidFill>
+              <a:ln w="19050">
+                <a:solidFill>
+                  <a:schemeClr val="tx1">
+                    <a:lumMod val="75000"/>
+                    <a:alpha val="80000"/>
+                  </a:schemeClr>
+                </a:solidFill>
+              </a:ln>
+              <a:effectLst/>
+            </p:spPr>
+            <p:style>
+              <a:lnRef idx="2">
+                <a:schemeClr val="accent1">
+                  <a:shade val="50000"/>
+                </a:schemeClr>
+              </a:lnRef>
+              <a:fillRef idx="1001">
+                <a:schemeClr val="dk2"/>
+              </a:fillRef>
+              <a:effectRef idx="0">
+                <a:schemeClr val="accent1"/>
+              </a:effectRef>
+              <a:fontRef idx="minor">
+                <a:schemeClr val="lt1"/>
+              </a:fontRef>
+            </p:style>
+            <p:txBody>
+              <a:bodyPr rot="0" spcFirstLastPara="0" vertOverflow="overflow" horzOverflow="overflow" vert="horz" wrap="square" lIns="91416" tIns="45708" rIns="91416" bIns="45708" numCol="1" spcCol="0" rtlCol="0" fromWordArt="0" anchor="ctr" anchorCtr="0" forceAA="0" compatLnSpc="1">
+                <a:prstTxWarp prst="textNoShape">
+                  <a:avLst/>
+                </a:prstTxWarp>
+                <a:noAutofit/>
+              </a:bodyPr>
+              <a:lstStyle>
+                <a:defPPr>
+                  <a:defRPr lang="en-US"/>
+                </a:defPPr>
+                <a:lvl1pPr algn="ctr">
+                  <a:defRPr sz="2800" b="1">
+                    <a:solidFill>
+                      <a:srgbClr val="FFFFFF"/>
+                    </a:solidFill>
+                    <a:effectLst>
+                      <a:outerShdw blurRad="38100" dist="38100" dir="2700000" algn="tl">
+                        <a:srgbClr val="000000">
+                          <a:alpha val="43137"/>
+                        </a:srgbClr>
+                      </a:outerShdw>
+                    </a:effectLst>
+                  </a:defRPr>
+                </a:lvl1pPr>
+                <a:lvl2pPr>
+                  <a:defRPr>
+                    <a:solidFill>
+                      <a:schemeClr val="lt1"/>
+                    </a:solidFill>
+                  </a:defRPr>
+                </a:lvl2pPr>
+                <a:lvl3pPr>
+                  <a:defRPr>
+                    <a:solidFill>
+                      <a:schemeClr val="lt1"/>
+                    </a:solidFill>
+                  </a:defRPr>
+                </a:lvl3pPr>
+                <a:lvl4pPr>
+                  <a:defRPr>
+                    <a:solidFill>
+                      <a:schemeClr val="lt1"/>
+                    </a:solidFill>
+                  </a:defRPr>
+                </a:lvl4pPr>
+                <a:lvl5pPr>
+                  <a:defRPr>
+                    <a:solidFill>
+                      <a:schemeClr val="lt1"/>
+                    </a:solidFill>
+                  </a:defRPr>
+                </a:lvl5pPr>
+                <a:lvl6pPr>
+                  <a:defRPr>
+                    <a:solidFill>
+                      <a:schemeClr val="lt1"/>
+                    </a:solidFill>
+                  </a:defRPr>
+                </a:lvl6pPr>
+                <a:lvl7pPr>
+                  <a:defRPr>
+                    <a:solidFill>
+                      <a:schemeClr val="lt1"/>
+                    </a:solidFill>
+                  </a:defRPr>
+                </a:lvl7pPr>
+                <a:lvl8pPr>
+                  <a:defRPr>
+                    <a:solidFill>
+                      <a:schemeClr val="lt1"/>
+                    </a:solidFill>
+                  </a:defRPr>
+                </a:lvl8pPr>
+                <a:lvl9pPr>
+                  <a:defRPr>
+                    <a:solidFill>
+                      <a:schemeClr val="lt1"/>
+                    </a:solidFill>
+                  </a:defRPr>
+                </a:lvl9pPr>
+              </a:lstStyle>
+              <a:p>
+                <a:endParaRPr lang="en-US" sz="2799" noProof="1"/>
+              </a:p>
+            </p:txBody>
+          </p:sp>
+          <p:sp>
+            <p:nvSpPr>
+              <p:cNvPr id="42" name="Text Placeholder 7"/>
+              <p:cNvSpPr txBox="1">
+                <a:spLocks/>
+              </p:cNvSpPr>
+              <p:nvPr/>
+            </p:nvSpPr>
+            <p:spPr>
+              <a:xfrm flipH="1">
+                <a:off x="6289310" y="5575448"/>
+                <a:ext cx="1410568" cy="494025"/>
+              </a:xfrm>
+              <a:prstGeom prst="rect">
+                <a:avLst/>
+              </a:prstGeom>
+              <a:solidFill>
+                <a:schemeClr val="dk2">
+                  <a:alpha val="20000"/>
+                </a:schemeClr>
+              </a:solidFill>
+              <a:ln w="19050">
+                <a:solidFill>
+                  <a:schemeClr val="tx1">
+                    <a:lumMod val="75000"/>
+                    <a:alpha val="80000"/>
+                  </a:schemeClr>
+                </a:solidFill>
+              </a:ln>
+              <a:effectLst/>
+            </p:spPr>
+            <p:style>
+              <a:lnRef idx="2">
+                <a:schemeClr val="accent1">
+                  <a:shade val="50000"/>
+                </a:schemeClr>
+              </a:lnRef>
+              <a:fillRef idx="1001">
+                <a:schemeClr val="dk2"/>
+              </a:fillRef>
+              <a:effectRef idx="0">
+                <a:schemeClr val="accent1"/>
+              </a:effectRef>
+              <a:fontRef idx="minor">
+                <a:schemeClr val="lt1"/>
+              </a:fontRef>
+            </p:style>
+            <p:txBody>
+              <a:bodyPr rot="0" spcFirstLastPara="0" vertOverflow="overflow" horzOverflow="overflow" vert="horz" wrap="square" lIns="91416" tIns="45708" rIns="91416" bIns="45708" numCol="1" spcCol="0" rtlCol="0" fromWordArt="0" anchor="ctr" anchorCtr="0" forceAA="0" compatLnSpc="1">
+                <a:prstTxWarp prst="textNoShape">
+                  <a:avLst/>
+                </a:prstTxWarp>
+                <a:noAutofit/>
+              </a:bodyPr>
+              <a:lstStyle>
+                <a:defPPr>
+                  <a:defRPr lang="en-US"/>
+                </a:defPPr>
+                <a:lvl1pPr algn="ctr">
+                  <a:defRPr sz="2800" b="1">
+                    <a:solidFill>
+                      <a:srgbClr val="FFFFFF"/>
+                    </a:solidFill>
+                    <a:effectLst>
+                      <a:outerShdw blurRad="38100" dist="38100" dir="2700000" algn="tl">
+                        <a:srgbClr val="000000">
+                          <a:alpha val="43137"/>
+                        </a:srgbClr>
+                      </a:outerShdw>
+                    </a:effectLst>
+                  </a:defRPr>
+                </a:lvl1pPr>
+              </a:lstStyle>
+              <a:p>
+                <a:r>
+                  <a:rPr lang="en-US" sz="2799" noProof="1"/>
+                  <a:t>2</a:t>
+                </a:r>
+              </a:p>
+            </p:txBody>
+          </p:sp>
+          <p:sp>
+            <p:nvSpPr>
+              <p:cNvPr id="43" name="Text Placeholder 7"/>
+              <p:cNvSpPr txBox="1">
+                <a:spLocks/>
+              </p:cNvSpPr>
+              <p:nvPr/>
+            </p:nvSpPr>
+            <p:spPr>
+              <a:xfrm flipH="1">
+                <a:off x="6289310" y="4442398"/>
+                <a:ext cx="1410568" cy="494025"/>
+              </a:xfrm>
+              <a:prstGeom prst="rect">
+                <a:avLst/>
+              </a:prstGeom>
+              <a:solidFill>
+                <a:schemeClr val="dk2">
+                  <a:alpha val="80000"/>
+                </a:schemeClr>
+              </a:solidFill>
+              <a:ln w="19050">
+                <a:solidFill>
+                  <a:schemeClr val="tx1">
+                    <a:lumMod val="75000"/>
+                    <a:alpha val="80000"/>
+                  </a:schemeClr>
+                </a:solidFill>
+              </a:ln>
+              <a:effectLst/>
+            </p:spPr>
+            <p:style>
+              <a:lnRef idx="2">
+                <a:schemeClr val="accent1">
+                  <a:shade val="50000"/>
+                </a:schemeClr>
+              </a:lnRef>
+              <a:fillRef idx="1001">
+                <a:schemeClr val="dk2"/>
+              </a:fillRef>
+              <a:effectRef idx="0">
+                <a:schemeClr val="accent1"/>
+              </a:effectRef>
+              <a:fontRef idx="minor">
+                <a:schemeClr val="lt1"/>
+              </a:fontRef>
+            </p:style>
+            <p:txBody>
+              <a:bodyPr rot="0" spcFirstLastPara="0" vertOverflow="overflow" horzOverflow="overflow" vert="horz" wrap="square" lIns="91416" tIns="45708" rIns="91416" bIns="45708" numCol="1" spcCol="0" rtlCol="0" fromWordArt="0" anchor="ctr" anchorCtr="0" forceAA="0" compatLnSpc="1">
+                <a:prstTxWarp prst="textNoShape">
+                  <a:avLst/>
+                </a:prstTxWarp>
+                <a:noAutofit/>
+              </a:bodyPr>
+              <a:lstStyle>
+                <a:defPPr>
+                  <a:defRPr lang="en-US"/>
+                </a:defPPr>
+                <a:lvl1pPr algn="ctr">
+                  <a:defRPr sz="2800" b="1">
+                    <a:solidFill>
+                      <a:srgbClr val="FFFFFF"/>
+                    </a:solidFill>
+                    <a:effectLst>
+                      <a:outerShdw blurRad="38100" dist="38100" dir="2700000" algn="tl">
+                        <a:srgbClr val="000000">
+                          <a:alpha val="43137"/>
+                        </a:srgbClr>
+                      </a:outerShdw>
+                    </a:effectLst>
+                  </a:defRPr>
+                </a:lvl1pPr>
+              </a:lstStyle>
+              <a:p>
+                <a:r>
+                  <a:rPr lang="en-US" sz="2799" noProof="1"/>
+                  <a:t>10</a:t>
+                </a:r>
+              </a:p>
+            </p:txBody>
+          </p:sp>
+          <p:sp>
+            <p:nvSpPr>
+              <p:cNvPr id="44" name="Text Placeholder 7"/>
+              <p:cNvSpPr txBox="1">
+                <a:spLocks/>
+              </p:cNvSpPr>
+              <p:nvPr/>
+            </p:nvSpPr>
+            <p:spPr>
+              <a:xfrm flipH="1">
+                <a:off x="6289310" y="4998512"/>
+                <a:ext cx="1410568" cy="494025"/>
+              </a:xfrm>
+              <a:prstGeom prst="rect">
+                <a:avLst/>
+              </a:prstGeom>
+              <a:solidFill>
+                <a:schemeClr val="dk2">
+                  <a:alpha val="20000"/>
+                </a:schemeClr>
+              </a:solidFill>
+              <a:ln w="19050">
+                <a:solidFill>
+                  <a:schemeClr val="tx1">
+                    <a:lumMod val="75000"/>
+                    <a:alpha val="80000"/>
+                  </a:schemeClr>
+                </a:solidFill>
+              </a:ln>
+              <a:effectLst/>
+            </p:spPr>
+            <p:style>
+              <a:lnRef idx="2">
+                <a:schemeClr val="accent1">
+                  <a:shade val="50000"/>
+                </a:schemeClr>
+              </a:lnRef>
+              <a:fillRef idx="1001">
+                <a:schemeClr val="dk2"/>
+              </a:fillRef>
+              <a:effectRef idx="0">
+                <a:schemeClr val="accent1"/>
+              </a:effectRef>
+              <a:fontRef idx="minor">
+                <a:schemeClr val="lt1"/>
+              </a:fontRef>
+            </p:style>
+            <p:txBody>
+              <a:bodyPr rot="0" spcFirstLastPara="0" vertOverflow="overflow" horzOverflow="overflow" vert="horz" wrap="square" lIns="91416" tIns="45708" rIns="91416" bIns="45708" numCol="1" spcCol="0" rtlCol="0" fromWordArt="0" anchor="ctr" anchorCtr="0" forceAA="0" compatLnSpc="1">
+                <a:prstTxWarp prst="textNoShape">
+                  <a:avLst/>
+                </a:prstTxWarp>
+                <a:noAutofit/>
+              </a:bodyPr>
+              <a:lstStyle>
+                <a:defPPr>
+                  <a:defRPr lang="en-US"/>
+                </a:defPPr>
+                <a:lvl1pPr algn="ctr">
+                  <a:defRPr sz="2800" b="1">
+                    <a:solidFill>
+                      <a:srgbClr val="FFFFFF"/>
+                    </a:solidFill>
+                    <a:effectLst>
+                      <a:outerShdw blurRad="38100" dist="38100" dir="2700000" algn="tl">
+                        <a:srgbClr val="000000">
+                          <a:alpha val="43137"/>
+                        </a:srgbClr>
+                      </a:outerShdw>
+                    </a:effectLst>
+                  </a:defRPr>
+                </a:lvl1pPr>
+              </a:lstStyle>
+              <a:p>
+                <a:r>
+                  <a:rPr lang="en-US" sz="2799" noProof="1"/>
+                  <a:t>5</a:t>
+                </a:r>
+              </a:p>
+            </p:txBody>
+          </p:sp>
+          <p:sp>
+            <p:nvSpPr>
+              <p:cNvPr id="73" name="Down Arrow 72"/>
+              <p:cNvSpPr/>
+              <p:nvPr/>
+            </p:nvSpPr>
+            <p:spPr bwMode="auto">
+              <a:xfrm rot="10800000">
+                <a:off x="6821939" y="3803942"/>
+                <a:ext cx="327800" cy="415076"/>
+              </a:xfrm>
+              <a:prstGeom prst="downArrow">
+                <a:avLst/>
+              </a:prstGeom>
+              <a:solidFill>
+                <a:schemeClr val="dk2">
+                  <a:alpha val="80000"/>
+                </a:schemeClr>
+              </a:solidFill>
+              <a:ln w="19050">
+                <a:solidFill>
+                  <a:schemeClr val="tx1">
+                    <a:lumMod val="75000"/>
+                    <a:alpha val="80000"/>
+                  </a:schemeClr>
+                </a:solidFill>
+              </a:ln>
+              <a:effectLst/>
+            </p:spPr>
+            <p:style>
+              <a:lnRef idx="2">
+                <a:schemeClr val="accent1">
+                  <a:shade val="50000"/>
+                </a:schemeClr>
+              </a:lnRef>
+              <a:fillRef idx="1001">
+                <a:schemeClr val="dk2"/>
+              </a:fillRef>
+              <a:effectRef idx="0">
+                <a:schemeClr val="accent1"/>
+              </a:effectRef>
+              <a:fontRef idx="minor">
+                <a:schemeClr val="lt1"/>
+              </a:fontRef>
+            </p:style>
+            <p:txBody>
+              <a:bodyPr rot="0" spcFirstLastPara="0" vertOverflow="overflow" horzOverflow="overflow" vert="horz" wrap="square" lIns="91416" tIns="45708" rIns="91416" bIns="45708" numCol="1" spcCol="0" rtlCol="0" fromWordArt="0" anchor="ctr" anchorCtr="0" forceAA="0" compatLnSpc="1">
+                <a:prstTxWarp prst="textNoShape">
+                  <a:avLst/>
+                </a:prstTxWarp>
+                <a:noAutofit/>
+              </a:bodyPr>
+              <a:lstStyle/>
+              <a:p>
+                <a:pPr algn="ctr"/>
+                <a:endParaRPr lang="en-US" sz="2799" b="1" dirty="0">
+                  <a:solidFill>
+                    <a:srgbClr val="FFFFFF"/>
+                  </a:solidFill>
+                  <a:effectLst>
+                    <a:outerShdw blurRad="38100" dist="38100" dir="2700000" algn="tl">
+                      <a:srgbClr val="000000">
+                        <a:alpha val="43137"/>
+                      </a:srgbClr>
+                    </a:outerShdw>
+                  </a:effectLst>
+                </a:endParaRPr>
+              </a:p>
+            </p:txBody>
+          </p:sp>
+          <p:sp>
+            <p:nvSpPr>
+              <p:cNvPr id="37" name="Multiplication Sign 30"/>
+              <p:cNvSpPr/>
+              <p:nvPr/>
+            </p:nvSpPr>
+            <p:spPr>
+              <a:xfrm flipH="1">
+                <a:off x="6316966" y="4073097"/>
+                <a:ext cx="1386688" cy="1217019"/>
+              </a:xfrm>
+              <a:prstGeom prst="mathMultiply">
+                <a:avLst/>
+              </a:prstGeom>
+              <a:solidFill>
+                <a:schemeClr val="tx1">
+                  <a:alpha val="35000"/>
+                </a:schemeClr>
+              </a:solidFill>
+              <a:ln w="19050">
+                <a:solidFill>
+                  <a:schemeClr val="tx1">
+                    <a:lumMod val="75000"/>
+                    <a:alpha val="80000"/>
+                  </a:schemeClr>
+                </a:solidFill>
+              </a:ln>
+              <a:effectLst/>
+            </p:spPr>
+            <p:style>
+              <a:lnRef idx="2">
+                <a:schemeClr val="accent1">
+                  <a:shade val="50000"/>
+                </a:schemeClr>
+              </a:lnRef>
+              <a:fillRef idx="1001">
+                <a:schemeClr val="dk2"/>
+              </a:fillRef>
+              <a:effectRef idx="0">
+                <a:schemeClr val="accent1"/>
+              </a:effectRef>
+              <a:fontRef idx="minor">
+                <a:schemeClr val="lt1"/>
+              </a:fontRef>
+            </p:style>
+            <p:txBody>
+              <a:bodyPr rot="0" spcFirstLastPara="0" vertOverflow="overflow" horzOverflow="overflow" vert="horz" wrap="square" lIns="91416" tIns="45708" rIns="91416" bIns="45708" numCol="1" spcCol="0" rtlCol="0" fromWordArt="0" anchor="ctr" anchorCtr="0" forceAA="0" compatLnSpc="1">
+                <a:prstTxWarp prst="textNoShape">
+                  <a:avLst/>
+                </a:prstTxWarp>
+                <a:noAutofit/>
+              </a:bodyPr>
+              <a:lstStyle/>
+              <a:p>
+                <a:pPr algn="ctr"/>
+                <a:endParaRPr lang="en-GB" sz="2799" b="1" dirty="0">
+                  <a:solidFill>
+                    <a:srgbClr val="FFFFFF"/>
+                  </a:solidFill>
+                  <a:effectLst>
+                    <a:outerShdw blurRad="38100" dist="38100" dir="2700000" algn="tl">
+                      <a:srgbClr val="000000">
+                        <a:alpha val="43137"/>
+                      </a:srgbClr>
+                    </a:outerShdw>
+                  </a:effectLst>
+                </a:endParaRPr>
+              </a:p>
+            </p:txBody>
+          </p:sp>
+        </p:grpSp>
+        <p:sp>
+          <p:nvSpPr>
+            <p:cNvPr id="77" name="Content Placeholder 2"/>
+            <p:cNvSpPr txBox="1">
+              <a:spLocks/>
+            </p:cNvSpPr>
+            <p:nvPr/>
+          </p:nvSpPr>
+          <p:spPr>
+            <a:xfrm>
+              <a:off x="6045080" y="6002848"/>
+              <a:ext cx="1295400" cy="641911"/>
+            </a:xfrm>
+            <a:prstGeom prst="rect">
+              <a:avLst/>
+            </a:prstGeom>
+          </p:spPr>
+          <p:txBody>
+            <a:bodyPr vert="horz" lIns="107972" tIns="35991" rIns="107972" bIns="35991" rtlCol="0">
+              <a:noAutofit/>
+            </a:bodyPr>
+            <a:lstStyle>
+              <a:lvl1pPr marL="304747" indent="-304747" algn="l" defTabSz="1218987" rtl="0" eaLnBrk="1" latinLnBrk="0" hangingPunct="1">
+                <a:lnSpc>
+                  <a:spcPct val="105000"/>
+                </a:lnSpc>
+                <a:spcBef>
+                  <a:spcPts val="600"/>
+                </a:spcBef>
+                <a:spcAft>
+                  <a:spcPts val="600"/>
+                </a:spcAft>
+                <a:buClr>
+                  <a:srgbClr val="F2B254"/>
+                </a:buClr>
+                <a:buSzPct val="100000"/>
+                <a:buFont typeface="Wingdings" panose="05000000000000000000" pitchFamily="2" charset="2"/>
+                <a:buChar char="§"/>
+                <a:defRPr sz="3400" b="0" kern="1200">
+                  <a:solidFill>
+                    <a:schemeClr val="tx1"/>
+                  </a:solidFill>
+                  <a:latin typeface="+mn-lt"/>
+                  <a:ea typeface="+mn-ea"/>
+                  <a:cs typeface="+mn-cs"/>
+                </a:defRPr>
+              </a:lvl1pPr>
+              <a:lvl2pPr marL="609493" indent="-231606" algn="l" defTabSz="1218987" rtl="0" eaLnBrk="1" latinLnBrk="0" hangingPunct="1">
+                <a:lnSpc>
+                  <a:spcPct val="105000"/>
+                </a:lnSpc>
+                <a:spcBef>
+                  <a:spcPts val="600"/>
+                </a:spcBef>
+                <a:spcAft>
+                  <a:spcPts val="600"/>
+                </a:spcAft>
+                <a:buClr>
+                  <a:schemeClr val="accent1"/>
+                </a:buClr>
+                <a:buSzPct val="80000"/>
+                <a:buFont typeface="Wingdings" panose="05000000000000000000" pitchFamily="2" charset="2"/>
+                <a:buChar char="§"/>
+                <a:defRPr sz="3200" b="0" kern="1200">
+                  <a:solidFill>
+                    <a:schemeClr val="tx1"/>
+                  </a:solidFill>
+                  <a:latin typeface="+mn-lt"/>
+                  <a:ea typeface="+mn-ea"/>
+                  <a:cs typeface="+mn-cs"/>
+                </a:defRPr>
+              </a:lvl2pPr>
+              <a:lvl3pPr marL="914240" indent="-231606" algn="l" defTabSz="1218987" rtl="0" eaLnBrk="1" latinLnBrk="0" hangingPunct="1">
+                <a:lnSpc>
+                  <a:spcPct val="105000"/>
+                </a:lnSpc>
+                <a:spcBef>
+                  <a:spcPts val="600"/>
+                </a:spcBef>
+                <a:spcAft>
+                  <a:spcPts val="600"/>
+                </a:spcAft>
+                <a:buClr>
+                  <a:srgbClr val="EF9A1D"/>
+                </a:buClr>
+                <a:buSzPct val="80000"/>
+                <a:buFont typeface="Wingdings" panose="05000000000000000000" pitchFamily="2" charset="2"/>
+                <a:buChar char="§"/>
+                <a:defRPr sz="3000" b="0" kern="1200">
+                  <a:solidFill>
+                    <a:schemeClr val="tx1"/>
+                  </a:solidFill>
+                  <a:latin typeface="+mn-lt"/>
+                  <a:ea typeface="+mn-ea"/>
+                  <a:cs typeface="+mn-cs"/>
+                </a:defRPr>
+              </a:lvl3pPr>
+              <a:lvl4pPr marL="1218987" indent="-231606" algn="l" defTabSz="1218987" rtl="0" eaLnBrk="1" latinLnBrk="0" hangingPunct="1">
+                <a:lnSpc>
+                  <a:spcPct val="105000"/>
+                </a:lnSpc>
+                <a:spcBef>
+                  <a:spcPts val="600"/>
+                </a:spcBef>
+                <a:spcAft>
+                  <a:spcPts val="600"/>
+                </a:spcAft>
+                <a:buClr>
+                  <a:srgbClr val="ED9411"/>
+                </a:buClr>
+                <a:buSzPct val="80000"/>
+                <a:buFont typeface="Wingdings" panose="05000000000000000000" pitchFamily="2" charset="2"/>
+                <a:buChar char="§"/>
+                <a:defRPr sz="2800" b="0" kern="1200">
+                  <a:solidFill>
+                    <a:schemeClr val="tx1"/>
+                  </a:solidFill>
+                  <a:latin typeface="+mn-lt"/>
+                  <a:ea typeface="+mn-ea"/>
+                  <a:cs typeface="+mn-cs"/>
+                </a:defRPr>
+              </a:lvl4pPr>
+              <a:lvl5pPr marL="1523733" indent="-231606" algn="l" defTabSz="1218987" rtl="0" eaLnBrk="1" latinLnBrk="0" hangingPunct="1">
+                <a:lnSpc>
+                  <a:spcPct val="105000"/>
+                </a:lnSpc>
+                <a:spcBef>
+                  <a:spcPts val="600"/>
+                </a:spcBef>
+                <a:spcAft>
+                  <a:spcPts val="600"/>
+                </a:spcAft>
+                <a:buClr>
+                  <a:srgbClr val="E28D10"/>
+                </a:buClr>
+                <a:buSzPct val="80000"/>
+                <a:buFont typeface="Wingdings" panose="05000000000000000000" pitchFamily="2" charset="2"/>
+                <a:buChar char="§"/>
+                <a:defRPr sz="2600" b="0" kern="1200">
+                  <a:solidFill>
+                    <a:schemeClr val="tx1"/>
+                  </a:solidFill>
+                  <a:latin typeface="+mn-lt"/>
+                  <a:ea typeface="+mn-ea"/>
+                  <a:cs typeface="+mn-cs"/>
+                </a:defRPr>
+              </a:lvl5pPr>
+              <a:lvl6pPr marL="1828480" indent="-231606" algn="l" defTabSz="1218987" rtl="0" eaLnBrk="1" latinLnBrk="0" hangingPunct="1">
+                <a:lnSpc>
+                  <a:spcPct val="90000"/>
+                </a:lnSpc>
+                <a:spcBef>
+                  <a:spcPts val="800"/>
+                </a:spcBef>
+                <a:buClr>
+                  <a:schemeClr val="accent1"/>
+                </a:buClr>
+                <a:buSzPct val="80000"/>
+                <a:buFont typeface="Arial" pitchFamily="34" charset="0"/>
+                <a:buChar char="•"/>
+                <a:defRPr sz="2000" kern="1200">
+                  <a:solidFill>
+                    <a:schemeClr val="tx1"/>
+                  </a:solidFill>
+                  <a:latin typeface="+mn-lt"/>
+                  <a:ea typeface="+mn-ea"/>
+                  <a:cs typeface="+mn-cs"/>
+                </a:defRPr>
+              </a:lvl6pPr>
+              <a:lvl7pPr marL="2133227" indent="-231606" algn="l" defTabSz="1218987" rtl="0" eaLnBrk="1" latinLnBrk="0" hangingPunct="1">
+                <a:lnSpc>
+                  <a:spcPct val="90000"/>
+                </a:lnSpc>
+                <a:spcBef>
+                  <a:spcPts val="800"/>
+                </a:spcBef>
+                <a:buClr>
+                  <a:schemeClr val="accent1"/>
+                </a:buClr>
+                <a:buSzPct val="80000"/>
+                <a:buFont typeface="Arial" pitchFamily="34" charset="0"/>
+                <a:buChar char="•"/>
+                <a:defRPr sz="2000" kern="1200">
+                  <a:solidFill>
+                    <a:schemeClr val="tx1"/>
+                  </a:solidFill>
+                  <a:latin typeface="+mn-lt"/>
+                  <a:ea typeface="+mn-ea"/>
+                  <a:cs typeface="+mn-cs"/>
+                </a:defRPr>
+              </a:lvl7pPr>
+              <a:lvl8pPr marL="2437972" indent="-231606" algn="l" defTabSz="1218987" rtl="0" eaLnBrk="1" latinLnBrk="0" hangingPunct="1">
+                <a:lnSpc>
+                  <a:spcPct val="90000"/>
+                </a:lnSpc>
+                <a:spcBef>
+                  <a:spcPts val="800"/>
+                </a:spcBef>
+                <a:buClr>
+                  <a:schemeClr val="accent1"/>
+                </a:buClr>
+                <a:buSzPct val="80000"/>
+                <a:buFont typeface="Arial" pitchFamily="34" charset="0"/>
+                <a:buChar char="•"/>
+                <a:defRPr sz="2000" kern="1200" baseline="0">
+                  <a:solidFill>
+                    <a:schemeClr val="tx1"/>
+                  </a:solidFill>
+                  <a:latin typeface="+mn-lt"/>
+                  <a:ea typeface="+mn-ea"/>
+                  <a:cs typeface="+mn-cs"/>
+                </a:defRPr>
+              </a:lvl8pPr>
+              <a:lvl9pPr marL="2742720" indent="-231606" algn="l" defTabSz="1218987" rtl="0" eaLnBrk="1" latinLnBrk="0" hangingPunct="1">
+                <a:lnSpc>
+                  <a:spcPct val="90000"/>
+                </a:lnSpc>
+                <a:spcBef>
+                  <a:spcPts val="800"/>
+                </a:spcBef>
+                <a:buClr>
+                  <a:schemeClr val="accent1"/>
+                </a:buClr>
+                <a:buSzPct val="80000"/>
+                <a:buFont typeface="Arial" pitchFamily="34" charset="0"/>
+                <a:buChar char="•"/>
+                <a:defRPr sz="2000" kern="1200" baseline="0">
+                  <a:solidFill>
+                    <a:schemeClr val="tx1"/>
+                  </a:solidFill>
+                  <a:latin typeface="+mn-lt"/>
+                  <a:ea typeface="+mn-ea"/>
+                  <a:cs typeface="+mn-cs"/>
+                </a:defRPr>
+              </a:lvl9pPr>
+            </a:lstStyle>
+            <a:p>
+              <a:pPr marL="0" indent="0" algn="ctr">
+                <a:buNone/>
+              </a:pPr>
+              <a:r>
+                <a:rPr lang="en-US" sz="3399" dirty="0">
+                  <a:solidFill>
+                    <a:schemeClr val="tx2">
+                      <a:lumMod val="75000"/>
+                    </a:schemeClr>
+                  </a:solidFill>
+                </a:rPr>
+                <a:t>Pop</a:t>
+              </a:r>
+            </a:p>
+          </p:txBody>
+        </p:sp>
+      </p:grpSp>
+      <p:grpSp>
+        <p:nvGrpSpPr>
+          <p:cNvPr id="14" name="Group 13"/>
+          <p:cNvGrpSpPr/>
+          <p:nvPr/>
+        </p:nvGrpSpPr>
+        <p:grpSpPr>
+          <a:xfrm>
+            <a:off x="7679928" y="3929802"/>
+            <a:ext cx="1599783" cy="2905720"/>
+            <a:chOff x="8856012" y="3733800"/>
+            <a:chExt cx="1600200" cy="2906477"/>
+          </a:xfrm>
+        </p:grpSpPr>
+        <p:grpSp>
+          <p:nvGrpSpPr>
+            <p:cNvPr id="9" name="Group 8"/>
+            <p:cNvGrpSpPr/>
+            <p:nvPr/>
+          </p:nvGrpSpPr>
+          <p:grpSpPr>
+            <a:xfrm>
+              <a:off x="8856012" y="3733800"/>
+              <a:ext cx="1600200" cy="2351958"/>
+              <a:chOff x="9259440" y="3800425"/>
+              <a:chExt cx="1600200" cy="2351958"/>
+            </a:xfrm>
+          </p:grpSpPr>
+          <p:sp>
+            <p:nvSpPr>
+              <p:cNvPr id="69" name="Text Placeholder 7"/>
+              <p:cNvSpPr txBox="1">
+                <a:spLocks/>
+              </p:cNvSpPr>
+              <p:nvPr/>
+            </p:nvSpPr>
+            <p:spPr>
+              <a:xfrm flipH="1">
+                <a:off x="9259440" y="4362816"/>
+                <a:ext cx="1600200" cy="1789567"/>
+              </a:xfrm>
+              <a:prstGeom prst="rect">
+                <a:avLst/>
+              </a:prstGeom>
+              <a:solidFill>
+                <a:schemeClr val="dk2">
+                  <a:alpha val="15000"/>
+                </a:schemeClr>
+              </a:solidFill>
+              <a:ln w="19050">
+                <a:solidFill>
+                  <a:schemeClr val="tx1">
+                    <a:lumMod val="75000"/>
+                    <a:alpha val="80000"/>
+                  </a:schemeClr>
+                </a:solidFill>
+              </a:ln>
+              <a:effectLst/>
+            </p:spPr>
+            <p:style>
+              <a:lnRef idx="2">
+                <a:schemeClr val="accent1">
+                  <a:shade val="50000"/>
+                </a:schemeClr>
+              </a:lnRef>
+              <a:fillRef idx="1001">
+                <a:schemeClr val="dk2"/>
+              </a:fillRef>
+              <a:effectRef idx="0">
+                <a:schemeClr val="accent1"/>
+              </a:effectRef>
+              <a:fontRef idx="minor">
+                <a:schemeClr val="lt1"/>
+              </a:fontRef>
+            </p:style>
+            <p:txBody>
+              <a:bodyPr rot="0" spcFirstLastPara="0" vertOverflow="overflow" horzOverflow="overflow" vert="horz" wrap="square" lIns="91416" tIns="45708" rIns="91416" bIns="45708" numCol="1" spcCol="0" rtlCol="0" fromWordArt="0" anchor="ctr" anchorCtr="0" forceAA="0" compatLnSpc="1">
+                <a:prstTxWarp prst="textNoShape">
+                  <a:avLst/>
+                </a:prstTxWarp>
+                <a:noAutofit/>
+              </a:bodyPr>
+              <a:lstStyle>
+                <a:defPPr>
+                  <a:defRPr lang="en-US"/>
+                </a:defPPr>
+                <a:lvl1pPr algn="ctr">
+                  <a:defRPr sz="2800" b="1">
+                    <a:solidFill>
+                      <a:srgbClr val="FFFFFF"/>
+                    </a:solidFill>
+                    <a:effectLst>
+                      <a:outerShdw blurRad="38100" dist="38100" dir="2700000" algn="tl">
+                        <a:srgbClr val="000000">
+                          <a:alpha val="43137"/>
+                        </a:srgbClr>
+                      </a:outerShdw>
+                    </a:effectLst>
+                  </a:defRPr>
+                </a:lvl1pPr>
+                <a:lvl2pPr>
+                  <a:defRPr>
+                    <a:solidFill>
+                      <a:schemeClr val="lt1"/>
+                    </a:solidFill>
+                  </a:defRPr>
+                </a:lvl2pPr>
+                <a:lvl3pPr>
+                  <a:defRPr>
+                    <a:solidFill>
+                      <a:schemeClr val="lt1"/>
+                    </a:solidFill>
+                  </a:defRPr>
+                </a:lvl3pPr>
+                <a:lvl4pPr>
+                  <a:defRPr>
+                    <a:solidFill>
+                      <a:schemeClr val="lt1"/>
+                    </a:solidFill>
+                  </a:defRPr>
+                </a:lvl4pPr>
+                <a:lvl5pPr>
+                  <a:defRPr>
+                    <a:solidFill>
+                      <a:schemeClr val="lt1"/>
+                    </a:solidFill>
+                  </a:defRPr>
+                </a:lvl5pPr>
+                <a:lvl6pPr>
+                  <a:defRPr>
+                    <a:solidFill>
+                      <a:schemeClr val="lt1"/>
+                    </a:solidFill>
+                  </a:defRPr>
+                </a:lvl6pPr>
+                <a:lvl7pPr>
+                  <a:defRPr>
+                    <a:solidFill>
+                      <a:schemeClr val="lt1"/>
+                    </a:solidFill>
+                  </a:defRPr>
+                </a:lvl7pPr>
+                <a:lvl8pPr>
+                  <a:defRPr>
+                    <a:solidFill>
+                      <a:schemeClr val="lt1"/>
+                    </a:solidFill>
+                  </a:defRPr>
+                </a:lvl8pPr>
+                <a:lvl9pPr>
+                  <a:defRPr>
+                    <a:solidFill>
+                      <a:schemeClr val="lt1"/>
+                    </a:solidFill>
+                  </a:defRPr>
+                </a:lvl9pPr>
+              </a:lstStyle>
+              <a:p>
+                <a:endParaRPr lang="en-US" sz="2799" noProof="1"/>
+              </a:p>
+            </p:txBody>
+          </p:sp>
+          <p:grpSp>
+            <p:nvGrpSpPr>
+              <p:cNvPr id="7" name="Group 6"/>
+              <p:cNvGrpSpPr/>
+              <p:nvPr/>
+            </p:nvGrpSpPr>
+            <p:grpSpPr>
+              <a:xfrm>
+                <a:off x="9363011" y="4442398"/>
+                <a:ext cx="1410568" cy="1627075"/>
+                <a:chOff x="9363011" y="4442398"/>
+                <a:chExt cx="1410568" cy="1627075"/>
+              </a:xfrm>
+            </p:grpSpPr>
+            <p:sp>
+              <p:nvSpPr>
+                <p:cNvPr id="70" name="Text Placeholder 7"/>
+                <p:cNvSpPr txBox="1">
+                  <a:spLocks/>
+                </p:cNvSpPr>
+                <p:nvPr/>
+              </p:nvSpPr>
+              <p:spPr>
+                <a:xfrm flipH="1">
+                  <a:off x="9363011" y="5575448"/>
+                  <a:ext cx="1410568" cy="494025"/>
+                </a:xfrm>
+                <a:prstGeom prst="rect">
+                  <a:avLst/>
+                </a:prstGeom>
+                <a:solidFill>
+                  <a:schemeClr val="dk2">
+                    <a:alpha val="20000"/>
+                  </a:schemeClr>
+                </a:solidFill>
+                <a:ln w="19050">
+                  <a:solidFill>
+                    <a:schemeClr val="tx1">
+                      <a:lumMod val="75000"/>
+                      <a:alpha val="80000"/>
+                    </a:schemeClr>
+                  </a:solidFill>
+                </a:ln>
+                <a:effectLst/>
+              </p:spPr>
+              <p:style>
+                <a:lnRef idx="2">
+                  <a:schemeClr val="accent1">
+                    <a:shade val="50000"/>
+                  </a:schemeClr>
+                </a:lnRef>
+                <a:fillRef idx="1001">
+                  <a:schemeClr val="dk2"/>
+                </a:fillRef>
+                <a:effectRef idx="0">
+                  <a:schemeClr val="accent1"/>
+                </a:effectRef>
+                <a:fontRef idx="minor">
+                  <a:schemeClr val="lt1"/>
+                </a:fontRef>
+              </p:style>
+              <p:txBody>
+                <a:bodyPr rot="0" spcFirstLastPara="0" vertOverflow="overflow" horzOverflow="overflow" vert="horz" wrap="square" lIns="91416" tIns="45708" rIns="91416" bIns="45708" numCol="1" spcCol="0" rtlCol="0" fromWordArt="0" anchor="ctr" anchorCtr="0" forceAA="0" compatLnSpc="1">
+                  <a:prstTxWarp prst="textNoShape">
+                    <a:avLst/>
+                  </a:prstTxWarp>
+                  <a:noAutofit/>
+                </a:bodyPr>
+                <a:lstStyle>
+                  <a:defPPr>
+                    <a:defRPr lang="en-US"/>
+                  </a:defPPr>
+                  <a:lvl1pPr algn="ctr">
+                    <a:defRPr sz="2800" b="1">
+                      <a:solidFill>
+                        <a:srgbClr val="FFFFFF"/>
+                      </a:solidFill>
+                      <a:effectLst>
+                        <a:outerShdw blurRad="38100" dist="38100" dir="2700000" algn="tl">
+                          <a:srgbClr val="000000">
+                            <a:alpha val="43137"/>
+                          </a:srgbClr>
+                        </a:outerShdw>
+                      </a:effectLst>
+                    </a:defRPr>
+                  </a:lvl1pPr>
+                </a:lstStyle>
+                <a:p>
+                  <a:r>
+                    <a:rPr lang="en-US" sz="2799" noProof="1"/>
+                    <a:t>2</a:t>
+                  </a:r>
+                </a:p>
+              </p:txBody>
+            </p:sp>
+            <p:sp>
+              <p:nvSpPr>
+                <p:cNvPr id="71" name="Text Placeholder 7"/>
+                <p:cNvSpPr txBox="1">
+                  <a:spLocks/>
+                </p:cNvSpPr>
+                <p:nvPr/>
+              </p:nvSpPr>
+              <p:spPr>
+                <a:xfrm flipH="1">
+                  <a:off x="9363011" y="4442398"/>
+                  <a:ext cx="1410568" cy="494025"/>
+                </a:xfrm>
+                <a:prstGeom prst="rect">
+                  <a:avLst/>
+                </a:prstGeom>
+                <a:solidFill>
+                  <a:schemeClr val="dk2">
+                    <a:alpha val="80000"/>
+                  </a:schemeClr>
+                </a:solidFill>
+                <a:ln w="19050">
+                  <a:solidFill>
+                    <a:schemeClr val="tx1">
+                      <a:lumMod val="75000"/>
+                      <a:alpha val="80000"/>
+                    </a:schemeClr>
+                  </a:solidFill>
+                </a:ln>
+                <a:effectLst/>
+              </p:spPr>
+              <p:style>
+                <a:lnRef idx="2">
+                  <a:schemeClr val="accent1">
+                    <a:shade val="50000"/>
+                  </a:schemeClr>
+                </a:lnRef>
+                <a:fillRef idx="1001">
+                  <a:schemeClr val="dk2"/>
+                </a:fillRef>
+                <a:effectRef idx="0">
+                  <a:schemeClr val="accent1"/>
+                </a:effectRef>
+                <a:fontRef idx="minor">
+                  <a:schemeClr val="lt1"/>
+                </a:fontRef>
+              </p:style>
+              <p:txBody>
+                <a:bodyPr rot="0" spcFirstLastPara="0" vertOverflow="overflow" horzOverflow="overflow" vert="horz" wrap="square" lIns="91416" tIns="45708" rIns="91416" bIns="45708" numCol="1" spcCol="0" rtlCol="0" fromWordArt="0" anchor="ctr" anchorCtr="0" forceAA="0" compatLnSpc="1">
+                  <a:prstTxWarp prst="textNoShape">
+                    <a:avLst/>
+                  </a:prstTxWarp>
+                  <a:noAutofit/>
+                </a:bodyPr>
+                <a:lstStyle>
+                  <a:defPPr>
+                    <a:defRPr lang="en-US"/>
+                  </a:defPPr>
+                  <a:lvl1pPr algn="ctr">
+                    <a:defRPr sz="2800" b="1">
+                      <a:solidFill>
+                        <a:srgbClr val="FFFFFF"/>
+                      </a:solidFill>
+                      <a:effectLst>
+                        <a:outerShdw blurRad="38100" dist="38100" dir="2700000" algn="tl">
+                          <a:srgbClr val="000000">
+                            <a:alpha val="43137"/>
+                          </a:srgbClr>
+                        </a:outerShdw>
+                      </a:effectLst>
+                    </a:defRPr>
+                  </a:lvl1pPr>
+                </a:lstStyle>
+                <a:p>
+                  <a:r>
+                    <a:rPr lang="en-US" sz="2799" noProof="1"/>
+                    <a:t>10</a:t>
+                  </a:r>
+                </a:p>
+              </p:txBody>
+            </p:sp>
+            <p:sp>
+              <p:nvSpPr>
+                <p:cNvPr id="72" name="Text Placeholder 7"/>
+                <p:cNvSpPr txBox="1">
+                  <a:spLocks/>
+                </p:cNvSpPr>
+                <p:nvPr/>
+              </p:nvSpPr>
+              <p:spPr>
+                <a:xfrm flipH="1">
+                  <a:off x="9363011" y="4998512"/>
+                  <a:ext cx="1410568" cy="494025"/>
+                </a:xfrm>
+                <a:prstGeom prst="rect">
+                  <a:avLst/>
+                </a:prstGeom>
+                <a:solidFill>
+                  <a:schemeClr val="dk2">
+                    <a:alpha val="20000"/>
+                  </a:schemeClr>
+                </a:solidFill>
+                <a:ln w="19050">
+                  <a:solidFill>
+                    <a:schemeClr val="tx1">
+                      <a:lumMod val="75000"/>
+                      <a:alpha val="80000"/>
+                    </a:schemeClr>
+                  </a:solidFill>
+                </a:ln>
+                <a:effectLst/>
+              </p:spPr>
+              <p:style>
+                <a:lnRef idx="2">
+                  <a:schemeClr val="accent1">
+                    <a:shade val="50000"/>
+                  </a:schemeClr>
+                </a:lnRef>
+                <a:fillRef idx="1001">
+                  <a:schemeClr val="dk2"/>
+                </a:fillRef>
+                <a:effectRef idx="0">
+                  <a:schemeClr val="accent1"/>
+                </a:effectRef>
+                <a:fontRef idx="minor">
+                  <a:schemeClr val="lt1"/>
+                </a:fontRef>
+              </p:style>
+              <p:txBody>
+                <a:bodyPr rot="0" spcFirstLastPara="0" vertOverflow="overflow" horzOverflow="overflow" vert="horz" wrap="square" lIns="91416" tIns="45708" rIns="91416" bIns="45708" numCol="1" spcCol="0" rtlCol="0" fromWordArt="0" anchor="ctr" anchorCtr="0" forceAA="0" compatLnSpc="1">
+                  <a:prstTxWarp prst="textNoShape">
+                    <a:avLst/>
+                  </a:prstTxWarp>
+                  <a:noAutofit/>
+                </a:bodyPr>
+                <a:lstStyle>
+                  <a:defPPr>
+                    <a:defRPr lang="en-US"/>
+                  </a:defPPr>
+                  <a:lvl1pPr algn="ctr">
+                    <a:defRPr sz="2800" b="1">
+                      <a:solidFill>
+                        <a:srgbClr val="FFFFFF"/>
+                      </a:solidFill>
+                      <a:effectLst>
+                        <a:outerShdw blurRad="38100" dist="38100" dir="2700000" algn="tl">
+                          <a:srgbClr val="000000">
+                            <a:alpha val="43137"/>
+                          </a:srgbClr>
+                        </a:outerShdw>
+                      </a:effectLst>
+                    </a:defRPr>
+                  </a:lvl1pPr>
+                </a:lstStyle>
+                <a:p>
+                  <a:r>
+                    <a:rPr lang="en-US" sz="2799" noProof="1"/>
+                    <a:t>5</a:t>
+                  </a:r>
+                </a:p>
+              </p:txBody>
+            </p:sp>
+          </p:grpSp>
+          <p:sp>
+            <p:nvSpPr>
+              <p:cNvPr id="75" name="Down Arrow 74"/>
+              <p:cNvSpPr/>
+              <p:nvPr/>
+            </p:nvSpPr>
+            <p:spPr bwMode="auto">
+              <a:xfrm rot="10800000">
+                <a:off x="9895640" y="3800425"/>
+                <a:ext cx="327800" cy="415076"/>
+              </a:xfrm>
+              <a:prstGeom prst="downArrow">
+                <a:avLst/>
+              </a:prstGeom>
+              <a:solidFill>
+                <a:schemeClr val="dk2">
+                  <a:alpha val="80000"/>
+                </a:schemeClr>
+              </a:solidFill>
+              <a:ln w="19050">
+                <a:solidFill>
+                  <a:schemeClr val="tx1">
+                    <a:lumMod val="75000"/>
+                    <a:alpha val="80000"/>
+                  </a:schemeClr>
+                </a:solidFill>
+              </a:ln>
+              <a:effectLst/>
+            </p:spPr>
+            <p:style>
+              <a:lnRef idx="2">
+                <a:schemeClr val="accent1">
+                  <a:shade val="50000"/>
+                </a:schemeClr>
+              </a:lnRef>
+              <a:fillRef idx="1001">
+                <a:schemeClr val="dk2"/>
+              </a:fillRef>
+              <a:effectRef idx="0">
+                <a:schemeClr val="accent1"/>
+              </a:effectRef>
+              <a:fontRef idx="minor">
+                <a:schemeClr val="lt1"/>
+              </a:fontRef>
+            </p:style>
+            <p:txBody>
+              <a:bodyPr rot="0" spcFirstLastPara="0" vertOverflow="overflow" horzOverflow="overflow" vert="horz" wrap="square" lIns="91416" tIns="45708" rIns="91416" bIns="45708" numCol="1" spcCol="0" rtlCol="0" fromWordArt="0" anchor="ctr" anchorCtr="0" forceAA="0" compatLnSpc="1">
+                <a:prstTxWarp prst="textNoShape">
+                  <a:avLst/>
+                </a:prstTxWarp>
+                <a:noAutofit/>
+              </a:bodyPr>
+              <a:lstStyle/>
+              <a:p>
+                <a:pPr algn="ctr"/>
+                <a:endParaRPr lang="en-US" sz="2799" b="1" dirty="0">
+                  <a:solidFill>
+                    <a:srgbClr val="FFFFFF"/>
+                  </a:solidFill>
+                  <a:effectLst>
+                    <a:outerShdw blurRad="38100" dist="38100" dir="2700000" algn="tl">
+                      <a:srgbClr val="000000">
+                        <a:alpha val="43137"/>
+                      </a:srgbClr>
+                    </a:outerShdw>
+                  </a:effectLst>
+                </a:endParaRPr>
+              </a:p>
+            </p:txBody>
+          </p:sp>
+        </p:grpSp>
+        <p:sp>
+          <p:nvSpPr>
+            <p:cNvPr id="78" name="Content Placeholder 2"/>
+            <p:cNvSpPr txBox="1">
+              <a:spLocks/>
+            </p:cNvSpPr>
+            <p:nvPr/>
+          </p:nvSpPr>
+          <p:spPr>
+            <a:xfrm>
+              <a:off x="9019925" y="5998366"/>
+              <a:ext cx="1295400" cy="641911"/>
+            </a:xfrm>
+            <a:prstGeom prst="rect">
+              <a:avLst/>
+            </a:prstGeom>
+          </p:spPr>
+          <p:txBody>
+            <a:bodyPr vert="horz" lIns="107972" tIns="35991" rIns="107972" bIns="35991" rtlCol="0">
+              <a:noAutofit/>
+            </a:bodyPr>
+            <a:lstStyle>
+              <a:lvl1pPr marL="304747" indent="-304747" algn="l" defTabSz="1218987" rtl="0" eaLnBrk="1" latinLnBrk="0" hangingPunct="1">
+                <a:lnSpc>
+                  <a:spcPct val="105000"/>
+                </a:lnSpc>
+                <a:spcBef>
+                  <a:spcPts val="600"/>
+                </a:spcBef>
+                <a:spcAft>
+                  <a:spcPts val="600"/>
+                </a:spcAft>
+                <a:buClr>
+                  <a:srgbClr val="F2B254"/>
+                </a:buClr>
+                <a:buSzPct val="100000"/>
+                <a:buFont typeface="Wingdings" panose="05000000000000000000" pitchFamily="2" charset="2"/>
+                <a:buChar char="§"/>
+                <a:defRPr sz="3400" b="0" kern="1200">
+                  <a:solidFill>
+                    <a:schemeClr val="tx1"/>
+                  </a:solidFill>
+                  <a:latin typeface="+mn-lt"/>
+                  <a:ea typeface="+mn-ea"/>
+                  <a:cs typeface="+mn-cs"/>
+                </a:defRPr>
+              </a:lvl1pPr>
+              <a:lvl2pPr marL="609493" indent="-231606" algn="l" defTabSz="1218987" rtl="0" eaLnBrk="1" latinLnBrk="0" hangingPunct="1">
+                <a:lnSpc>
+                  <a:spcPct val="105000"/>
+                </a:lnSpc>
+                <a:spcBef>
+                  <a:spcPts val="600"/>
+                </a:spcBef>
+                <a:spcAft>
+                  <a:spcPts val="600"/>
+                </a:spcAft>
+                <a:buClr>
+                  <a:schemeClr val="accent1"/>
+                </a:buClr>
+                <a:buSzPct val="80000"/>
+                <a:buFont typeface="Wingdings" panose="05000000000000000000" pitchFamily="2" charset="2"/>
+                <a:buChar char="§"/>
+                <a:defRPr sz="3200" b="0" kern="1200">
+                  <a:solidFill>
+                    <a:schemeClr val="tx1"/>
+                  </a:solidFill>
+                  <a:latin typeface="+mn-lt"/>
+                  <a:ea typeface="+mn-ea"/>
+                  <a:cs typeface="+mn-cs"/>
+                </a:defRPr>
+              </a:lvl2pPr>
+              <a:lvl3pPr marL="914240" indent="-231606" algn="l" defTabSz="1218987" rtl="0" eaLnBrk="1" latinLnBrk="0" hangingPunct="1">
+                <a:lnSpc>
+                  <a:spcPct val="105000"/>
+                </a:lnSpc>
+                <a:spcBef>
+                  <a:spcPts val="600"/>
+                </a:spcBef>
+                <a:spcAft>
+                  <a:spcPts val="600"/>
+                </a:spcAft>
+                <a:buClr>
+                  <a:srgbClr val="EF9A1D"/>
+                </a:buClr>
+                <a:buSzPct val="80000"/>
+                <a:buFont typeface="Wingdings" panose="05000000000000000000" pitchFamily="2" charset="2"/>
+                <a:buChar char="§"/>
+                <a:defRPr sz="3000" b="0" kern="1200">
+                  <a:solidFill>
+                    <a:schemeClr val="tx1"/>
+                  </a:solidFill>
+                  <a:latin typeface="+mn-lt"/>
+                  <a:ea typeface="+mn-ea"/>
+                  <a:cs typeface="+mn-cs"/>
+                </a:defRPr>
+              </a:lvl3pPr>
+              <a:lvl4pPr marL="1218987" indent="-231606" algn="l" defTabSz="1218987" rtl="0" eaLnBrk="1" latinLnBrk="0" hangingPunct="1">
+                <a:lnSpc>
+                  <a:spcPct val="105000"/>
+                </a:lnSpc>
+                <a:spcBef>
+                  <a:spcPts val="600"/>
+                </a:spcBef>
+                <a:spcAft>
+                  <a:spcPts val="600"/>
+                </a:spcAft>
+                <a:buClr>
+                  <a:srgbClr val="ED9411"/>
+                </a:buClr>
+                <a:buSzPct val="80000"/>
+                <a:buFont typeface="Wingdings" panose="05000000000000000000" pitchFamily="2" charset="2"/>
+                <a:buChar char="§"/>
+                <a:defRPr sz="2800" b="0" kern="1200">
+                  <a:solidFill>
+                    <a:schemeClr val="tx1"/>
+                  </a:solidFill>
+                  <a:latin typeface="+mn-lt"/>
+                  <a:ea typeface="+mn-ea"/>
+                  <a:cs typeface="+mn-cs"/>
+                </a:defRPr>
+              </a:lvl4pPr>
+              <a:lvl5pPr marL="1523733" indent="-231606" algn="l" defTabSz="1218987" rtl="0" eaLnBrk="1" latinLnBrk="0" hangingPunct="1">
+                <a:lnSpc>
+                  <a:spcPct val="105000"/>
+                </a:lnSpc>
+                <a:spcBef>
+                  <a:spcPts val="600"/>
+                </a:spcBef>
+                <a:spcAft>
+                  <a:spcPts val="600"/>
+                </a:spcAft>
+                <a:buClr>
+                  <a:srgbClr val="E28D10"/>
+                </a:buClr>
+                <a:buSzPct val="80000"/>
+                <a:buFont typeface="Wingdings" panose="05000000000000000000" pitchFamily="2" charset="2"/>
+                <a:buChar char="§"/>
+                <a:defRPr sz="2600" b="0" kern="1200">
+                  <a:solidFill>
+                    <a:schemeClr val="tx1"/>
+                  </a:solidFill>
+                  <a:latin typeface="+mn-lt"/>
+                  <a:ea typeface="+mn-ea"/>
+                  <a:cs typeface="+mn-cs"/>
+                </a:defRPr>
+              </a:lvl5pPr>
+              <a:lvl6pPr marL="1828480" indent="-231606" algn="l" defTabSz="1218987" rtl="0" eaLnBrk="1" latinLnBrk="0" hangingPunct="1">
+                <a:lnSpc>
+                  <a:spcPct val="90000"/>
+                </a:lnSpc>
+                <a:spcBef>
+                  <a:spcPts val="800"/>
+                </a:spcBef>
+                <a:buClr>
+                  <a:schemeClr val="accent1"/>
+                </a:buClr>
+                <a:buSzPct val="80000"/>
+                <a:buFont typeface="Arial" pitchFamily="34" charset="0"/>
+                <a:buChar char="•"/>
+                <a:defRPr sz="2000" kern="1200">
+                  <a:solidFill>
+                    <a:schemeClr val="tx1"/>
+                  </a:solidFill>
+                  <a:latin typeface="+mn-lt"/>
+                  <a:ea typeface="+mn-ea"/>
+                  <a:cs typeface="+mn-cs"/>
+                </a:defRPr>
+              </a:lvl6pPr>
+              <a:lvl7pPr marL="2133227" indent="-231606" algn="l" defTabSz="1218987" rtl="0" eaLnBrk="1" latinLnBrk="0" hangingPunct="1">
+                <a:lnSpc>
+                  <a:spcPct val="90000"/>
+                </a:lnSpc>
+                <a:spcBef>
+                  <a:spcPts val="800"/>
+                </a:spcBef>
+                <a:buClr>
+                  <a:schemeClr val="accent1"/>
+                </a:buClr>
+                <a:buSzPct val="80000"/>
+                <a:buFont typeface="Arial" pitchFamily="34" charset="0"/>
+                <a:buChar char="•"/>
+                <a:defRPr sz="2000" kern="1200">
+                  <a:solidFill>
+                    <a:schemeClr val="tx1"/>
+                  </a:solidFill>
+                  <a:latin typeface="+mn-lt"/>
+                  <a:ea typeface="+mn-ea"/>
+                  <a:cs typeface="+mn-cs"/>
+                </a:defRPr>
+              </a:lvl7pPr>
+              <a:lvl8pPr marL="2437972" indent="-231606" algn="l" defTabSz="1218987" rtl="0" eaLnBrk="1" latinLnBrk="0" hangingPunct="1">
+                <a:lnSpc>
+                  <a:spcPct val="90000"/>
+                </a:lnSpc>
+                <a:spcBef>
+                  <a:spcPts val="800"/>
+                </a:spcBef>
+                <a:buClr>
+                  <a:schemeClr val="accent1"/>
+                </a:buClr>
+                <a:buSzPct val="80000"/>
+                <a:buFont typeface="Arial" pitchFamily="34" charset="0"/>
+                <a:buChar char="•"/>
+                <a:defRPr sz="2000" kern="1200" baseline="0">
+                  <a:solidFill>
+                    <a:schemeClr val="tx1"/>
+                  </a:solidFill>
+                  <a:latin typeface="+mn-lt"/>
+                  <a:ea typeface="+mn-ea"/>
+                  <a:cs typeface="+mn-cs"/>
+                </a:defRPr>
+              </a:lvl8pPr>
+              <a:lvl9pPr marL="2742720" indent="-231606" algn="l" defTabSz="1218987" rtl="0" eaLnBrk="1" latinLnBrk="0" hangingPunct="1">
+                <a:lnSpc>
+                  <a:spcPct val="90000"/>
+                </a:lnSpc>
+                <a:spcBef>
+                  <a:spcPts val="800"/>
+                </a:spcBef>
+                <a:buClr>
+                  <a:schemeClr val="accent1"/>
+                </a:buClr>
+                <a:buSzPct val="80000"/>
+                <a:buFont typeface="Arial" pitchFamily="34" charset="0"/>
+                <a:buChar char="•"/>
+                <a:defRPr sz="2000" kern="1200" baseline="0">
+                  <a:solidFill>
+                    <a:schemeClr val="tx1"/>
+                  </a:solidFill>
+                  <a:latin typeface="+mn-lt"/>
+                  <a:ea typeface="+mn-ea"/>
+                  <a:cs typeface="+mn-cs"/>
+                </a:defRPr>
+              </a:lvl9pPr>
+            </a:lstStyle>
+            <a:p>
+              <a:pPr marL="0" indent="0" algn="ctr">
+                <a:buNone/>
+              </a:pPr>
+              <a:r>
+                <a:rPr lang="en-US" sz="3399" dirty="0">
+                  <a:solidFill>
+                    <a:schemeClr val="tx2">
+                      <a:lumMod val="75000"/>
+                    </a:schemeClr>
+                  </a:solidFill>
+                </a:rPr>
+                <a:t>Peek</a:t>
+              </a:r>
+            </a:p>
+          </p:txBody>
+        </p:sp>
+      </p:grpSp>
+      <p:sp>
+        <p:nvSpPr>
+          <p:cNvPr id="31" name="Slide Number">
+            <a:extLst>
+              <a:ext uri="{FF2B5EF4-FFF2-40B4-BE49-F238E27FC236}">
+                <a16:creationId xmlns:a16="http://schemas.microsoft.com/office/drawing/2014/main" id="{5802771A-E0E9-41A4-A2F1-99E11ECAAF96}"/>
+              </a:ext>
+            </a:extLst>
+          </p:cNvPr>
+          <p:cNvSpPr txBox="1">
+            <a:spLocks/>
+          </p:cNvSpPr>
+          <p:nvPr/>
+        </p:nvSpPr>
+        <p:spPr>
+          <a:xfrm>
+            <a:off x="11753030" y="6507000"/>
+            <a:ext cx="367414" cy="297000"/>
+          </a:xfrm>
+          <a:prstGeom prst="rect">
+            <a:avLst/>
+          </a:prstGeom>
+        </p:spPr>
+        <p:txBody>
+          <a:bodyPr vert="horz" lIns="91440" tIns="45720" rIns="91440" bIns="45720" rtlCol="0" anchor="b"/>
+          <a:lstStyle>
+            <a:defPPr>
+              <a:defRPr lang="en-US"/>
+            </a:defPPr>
+            <a:lvl1pPr marL="0" algn="r" defTabSz="914400" rtl="0" eaLnBrk="1" latinLnBrk="0" hangingPunct="1">
+              <a:defRPr sz="1000" kern="1200">
+                <a:solidFill>
+                  <a:schemeClr val="tx1"/>
+                </a:solidFill>
+                <a:latin typeface="+mn-lt"/>
+                <a:ea typeface="+mn-ea"/>
+                <a:cs typeface="+mn-cs"/>
+              </a:defRPr>
+            </a:lvl1pPr>
+            <a:lvl2pPr marL="457200" algn="l" defTabSz="914400" rtl="0" eaLnBrk="1" latinLnBrk="0" hangingPunct="1">
+              <a:defRPr sz="1800" kern="1200">
+                <a:solidFill>
+                  <a:schemeClr val="tx1"/>
+                </a:solidFill>
+                <a:latin typeface="+mn-lt"/>
+                <a:ea typeface="+mn-ea"/>
+                <a:cs typeface="+mn-cs"/>
+              </a:defRPr>
+            </a:lvl2pPr>
+            <a:lvl3pPr marL="914400" algn="l" defTabSz="914400" rtl="0" eaLnBrk="1" latinLnBrk="0" hangingPunct="1">
+              <a:defRPr sz="1800" kern="1200">
+                <a:solidFill>
+                  <a:schemeClr val="tx1"/>
+                </a:solidFill>
+                <a:latin typeface="+mn-lt"/>
+                <a:ea typeface="+mn-ea"/>
+                <a:cs typeface="+mn-cs"/>
+              </a:defRPr>
+            </a:lvl3pPr>
+            <a:lvl4pPr marL="1371600" algn="l" defTabSz="914400" rtl="0" eaLnBrk="1" latinLnBrk="0" hangingPunct="1">
+              <a:defRPr sz="1800" kern="1200">
+                <a:solidFill>
+                  <a:schemeClr val="tx1"/>
+                </a:solidFill>
+                <a:latin typeface="+mn-lt"/>
+                <a:ea typeface="+mn-ea"/>
+                <a:cs typeface="+mn-cs"/>
+              </a:defRPr>
+            </a:lvl4pPr>
+            <a:lvl5pPr marL="1828800" algn="l" defTabSz="914400" rtl="0" eaLnBrk="1" latinLnBrk="0" hangingPunct="1">
+              <a:defRPr sz="1800" kern="1200">
+                <a:solidFill>
+                  <a:schemeClr val="tx1"/>
+                </a:solidFill>
+                <a:latin typeface="+mn-lt"/>
+                <a:ea typeface="+mn-ea"/>
+                <a:cs typeface="+mn-cs"/>
+              </a:defRPr>
+            </a:lvl5pPr>
+            <a:lvl6pPr marL="2286000" algn="l" defTabSz="914400" rtl="0" eaLnBrk="1" latinLnBrk="0" hangingPunct="1">
+              <a:defRPr sz="1800" kern="1200">
+                <a:solidFill>
+                  <a:schemeClr val="tx1"/>
+                </a:solidFill>
+                <a:latin typeface="+mn-lt"/>
+                <a:ea typeface="+mn-ea"/>
+                <a:cs typeface="+mn-cs"/>
+              </a:defRPr>
+            </a:lvl6pPr>
+            <a:lvl7pPr marL="2743200" algn="l" defTabSz="914400" rtl="0" eaLnBrk="1" latinLnBrk="0" hangingPunct="1">
+              <a:defRPr sz="1800" kern="1200">
+                <a:solidFill>
+                  <a:schemeClr val="tx1"/>
+                </a:solidFill>
+                <a:latin typeface="+mn-lt"/>
+                <a:ea typeface="+mn-ea"/>
+                <a:cs typeface="+mn-cs"/>
+              </a:defRPr>
+            </a:lvl7pPr>
+            <a:lvl8pPr marL="3200400" algn="l" defTabSz="914400" rtl="0" eaLnBrk="1" latinLnBrk="0" hangingPunct="1">
+              <a:defRPr sz="1800" kern="1200">
+                <a:solidFill>
+                  <a:schemeClr val="tx1"/>
+                </a:solidFill>
+                <a:latin typeface="+mn-lt"/>
+                <a:ea typeface="+mn-ea"/>
+                <a:cs typeface="+mn-cs"/>
+              </a:defRPr>
+            </a:lvl8pPr>
+            <a:lvl9pPr marL="3657600" algn="l" defTabSz="914400" rtl="0" eaLnBrk="1" latinLnBrk="0" hangingPunct="1">
+              <a:defRPr sz="1800" kern="1200">
+                <a:solidFill>
+                  <a:schemeClr val="tx1"/>
+                </a:solidFill>
+                <a:latin typeface="+mn-lt"/>
+                <a:ea typeface="+mn-ea"/>
+                <a:cs typeface="+mn-cs"/>
+              </a:defRPr>
+            </a:lvl9pPr>
+          </a:lstStyle>
+          <a:p>
+            <a:fld id="{2BF067CD-8E6B-4360-9AA8-C5DF2A48A6D1}" type="slidenum">
+              <a:rPr lang="en-US" smtClean="0"/>
+              <a:pPr/>
+              <a:t>18</a:t>
+            </a:fld>
+            <a:endParaRPr lang="en-US" dirty="0"/>
           </a:p>
         </p:txBody>
       </p:sp>
     </p:spTree>
     <p:extLst>
       <p:ext uri="{BB962C8B-B14F-4D97-AF65-F5344CB8AC3E}">
-        <p14:creationId xmlns:p14="http://schemas.microsoft.com/office/powerpoint/2010/main" val="1329941439"/>
+        <p14:creationId xmlns:p14="http://schemas.microsoft.com/office/powerpoint/2010/main" val="2654697360"/>
       </p:ext>
     </p:extLst>
   </p:cSld>
@@ -21560,12 +24486,270 @@
   </p:clrMapOvr>
   <mc:AlternateContent xmlns:mc="http://schemas.openxmlformats.org/markup-compatibility/2006" xmlns:p14="http://schemas.microsoft.com/office/powerpoint/2010/main">
     <mc:Choice Requires="p14">
-      <p:transition spd="slow" p14:dur="2000" advClick="0" advTm="5000"/>
+      <p:transition p14:dur="0"/>
     </mc:Choice>
     <mc:Fallback xmlns="">
-      <p:transition spd="slow" advClick="0" advTm="5000"/>
+      <p:transition/>
     </mc:Fallback>
   </mc:AlternateContent>
+  <p:timing>
+    <p:tnLst>
+      <p:par>
+        <p:cTn id="1" dur="indefinite" restart="never" nodeType="tmRoot">
+          <p:childTnLst>
+            <p:seq concurrent="1" nextAc="seek">
+              <p:cTn id="2" dur="indefinite" nodeType="mainSeq">
+                <p:childTnLst>
+                  <p:par>
+                    <p:cTn id="3" fill="hold">
+                      <p:stCondLst>
+                        <p:cond delay="indefinite"/>
+                      </p:stCondLst>
+                      <p:childTnLst>
+                        <p:par>
+                          <p:cTn id="4" fill="hold">
+                            <p:stCondLst>
+                              <p:cond delay="0"/>
+                            </p:stCondLst>
+                            <p:childTnLst>
+                              <p:par>
+                                <p:cTn id="5" presetID="1" presetClass="entr" presetSubtype="0" fill="hold" nodeType="clickEffect">
+                                  <p:stCondLst>
+                                    <p:cond delay="0"/>
+                                  </p:stCondLst>
+                                  <p:childTnLst>
+                                    <p:set>
+                                      <p:cBhvr>
+                                        <p:cTn id="6" dur="1" fill="hold">
+                                          <p:stCondLst>
+                                            <p:cond delay="0"/>
+                                          </p:stCondLst>
+                                        </p:cTn>
+                                        <p:tgtEl>
+                                          <p:spTgt spid="428035">
+                                            <p:txEl>
+                                              <p:pRg st="1" end="1"/>
+                                            </p:txEl>
+                                          </p:spTgt>
+                                        </p:tgtEl>
+                                        <p:attrNameLst>
+                                          <p:attrName>style.visibility</p:attrName>
+                                        </p:attrNameLst>
+                                      </p:cBhvr>
+                                      <p:to>
+                                        <p:strVal val="visible"/>
+                                      </p:to>
+                                    </p:set>
+                                  </p:childTnLst>
+                                </p:cTn>
+                              </p:par>
+                              <p:par>
+                                <p:cTn id="7" presetID="1" presetClass="entr" presetSubtype="0" fill="hold" nodeType="withEffect">
+                                  <p:stCondLst>
+                                    <p:cond delay="0"/>
+                                  </p:stCondLst>
+                                  <p:childTnLst>
+                                    <p:set>
+                                      <p:cBhvr>
+                                        <p:cTn id="8" dur="1" fill="hold">
+                                          <p:stCondLst>
+                                            <p:cond delay="0"/>
+                                          </p:stCondLst>
+                                        </p:cTn>
+                                        <p:tgtEl>
+                                          <p:spTgt spid="80"/>
+                                        </p:tgtEl>
+                                        <p:attrNameLst>
+                                          <p:attrName>style.visibility</p:attrName>
+                                        </p:attrNameLst>
+                                      </p:cBhvr>
+                                      <p:to>
+                                        <p:strVal val="visible"/>
+                                      </p:to>
+                                    </p:set>
+                                  </p:childTnLst>
+                                </p:cTn>
+                              </p:par>
+                            </p:childTnLst>
+                          </p:cTn>
+                        </p:par>
+                      </p:childTnLst>
+                    </p:cTn>
+                  </p:par>
+                  <p:par>
+                    <p:cTn id="9" fill="hold">
+                      <p:stCondLst>
+                        <p:cond delay="indefinite"/>
+                      </p:stCondLst>
+                      <p:childTnLst>
+                        <p:par>
+                          <p:cTn id="10" fill="hold">
+                            <p:stCondLst>
+                              <p:cond delay="0"/>
+                            </p:stCondLst>
+                            <p:childTnLst>
+                              <p:par>
+                                <p:cTn id="11" presetID="1" presetClass="entr" presetSubtype="0" fill="hold" nodeType="clickEffect">
+                                  <p:stCondLst>
+                                    <p:cond delay="0"/>
+                                  </p:stCondLst>
+                                  <p:childTnLst>
+                                    <p:set>
+                                      <p:cBhvr>
+                                        <p:cTn id="12" dur="1" fill="hold">
+                                          <p:stCondLst>
+                                            <p:cond delay="0"/>
+                                          </p:stCondLst>
+                                        </p:cTn>
+                                        <p:tgtEl>
+                                          <p:spTgt spid="428035">
+                                            <p:txEl>
+                                              <p:pRg st="2" end="2"/>
+                                            </p:txEl>
+                                          </p:spTgt>
+                                        </p:tgtEl>
+                                        <p:attrNameLst>
+                                          <p:attrName>style.visibility</p:attrName>
+                                        </p:attrNameLst>
+                                      </p:cBhvr>
+                                      <p:to>
+                                        <p:strVal val="visible"/>
+                                      </p:to>
+                                    </p:set>
+                                  </p:childTnLst>
+                                </p:cTn>
+                              </p:par>
+                              <p:par>
+                                <p:cTn id="13" presetID="1" presetClass="entr" presetSubtype="0" fill="hold" nodeType="withEffect">
+                                  <p:stCondLst>
+                                    <p:cond delay="0"/>
+                                  </p:stCondLst>
+                                  <p:childTnLst>
+                                    <p:set>
+                                      <p:cBhvr>
+                                        <p:cTn id="14" dur="1" fill="hold">
+                                          <p:stCondLst>
+                                            <p:cond delay="0"/>
+                                          </p:stCondLst>
+                                        </p:cTn>
+                                        <p:tgtEl>
+                                          <p:spTgt spid="18"/>
+                                        </p:tgtEl>
+                                        <p:attrNameLst>
+                                          <p:attrName>style.visibility</p:attrName>
+                                        </p:attrNameLst>
+                                      </p:cBhvr>
+                                      <p:to>
+                                        <p:strVal val="visible"/>
+                                      </p:to>
+                                    </p:set>
+                                  </p:childTnLst>
+                                </p:cTn>
+                              </p:par>
+                            </p:childTnLst>
+                          </p:cTn>
+                        </p:par>
+                      </p:childTnLst>
+                    </p:cTn>
+                  </p:par>
+                  <p:par>
+                    <p:cTn id="15" fill="hold">
+                      <p:stCondLst>
+                        <p:cond delay="indefinite"/>
+                      </p:stCondLst>
+                      <p:childTnLst>
+                        <p:par>
+                          <p:cTn id="16" fill="hold">
+                            <p:stCondLst>
+                              <p:cond delay="0"/>
+                            </p:stCondLst>
+                            <p:childTnLst>
+                              <p:par>
+                                <p:cTn id="17" presetID="1" presetClass="entr" presetSubtype="0" fill="hold" nodeType="clickEffect">
+                                  <p:stCondLst>
+                                    <p:cond delay="0"/>
+                                  </p:stCondLst>
+                                  <p:childTnLst>
+                                    <p:set>
+                                      <p:cBhvr>
+                                        <p:cTn id="18" dur="1" fill="hold">
+                                          <p:stCondLst>
+                                            <p:cond delay="0"/>
+                                          </p:stCondLst>
+                                        </p:cTn>
+                                        <p:tgtEl>
+                                          <p:spTgt spid="428035">
+                                            <p:txEl>
+                                              <p:pRg st="3" end="3"/>
+                                            </p:txEl>
+                                          </p:spTgt>
+                                        </p:tgtEl>
+                                        <p:attrNameLst>
+                                          <p:attrName>style.visibility</p:attrName>
+                                        </p:attrNameLst>
+                                      </p:cBhvr>
+                                      <p:to>
+                                        <p:strVal val="visible"/>
+                                      </p:to>
+                                    </p:set>
+                                  </p:childTnLst>
+                                </p:cTn>
+                              </p:par>
+                              <p:par>
+                                <p:cTn id="19" presetID="1" presetClass="entr" presetSubtype="0" fill="hold" nodeType="withEffect">
+                                  <p:stCondLst>
+                                    <p:cond delay="0"/>
+                                  </p:stCondLst>
+                                  <p:childTnLst>
+                                    <p:set>
+                                      <p:cBhvr>
+                                        <p:cTn id="20" dur="1" fill="hold">
+                                          <p:stCondLst>
+                                            <p:cond delay="0"/>
+                                          </p:stCondLst>
+                                        </p:cTn>
+                                        <p:tgtEl>
+                                          <p:spTgt spid="14"/>
+                                        </p:tgtEl>
+                                        <p:attrNameLst>
+                                          <p:attrName>style.visibility</p:attrName>
+                                        </p:attrNameLst>
+                                      </p:cBhvr>
+                                      <p:to>
+                                        <p:strVal val="visible"/>
+                                      </p:to>
+                                    </p:set>
+                                  </p:childTnLst>
+                                </p:cTn>
+                              </p:par>
+                            </p:childTnLst>
+                          </p:cTn>
+                        </p:par>
+                      </p:childTnLst>
+                    </p:cTn>
+                  </p:par>
+                </p:childTnLst>
+              </p:cTn>
+              <p:prevCondLst>
+                <p:cond evt="onPrev" delay="0">
+                  <p:tgtEl>
+                    <p:sldTgt/>
+                  </p:tgtEl>
+                </p:cond>
+              </p:prevCondLst>
+              <p:nextCondLst>
+                <p:cond evt="onNext" delay="0">
+                  <p:tgtEl>
+                    <p:sldTgt/>
+                  </p:tgtEl>
+                </p:cond>
+              </p:nextCondLst>
+            </p:seq>
+          </p:childTnLst>
+        </p:cTn>
+      </p:par>
+    </p:tnLst>
+  </p:timing>
 </p:sld>
 </file>
 
@@ -21588,45 +24772,361 @@
       </p:grpSpPr>
       <p:sp>
         <p:nvSpPr>
-          <p:cNvPr id="2" name="Slide Number Placeholder 1">
-            <a:extLst>
-              <a:ext uri="{FF2B5EF4-FFF2-40B4-BE49-F238E27FC236}">
-                <a16:creationId xmlns:a16="http://schemas.microsoft.com/office/drawing/2014/main" id="{94FC1DED-79AB-361B-87BE-6A0CCF708C92}"/>
-              </a:ext>
-            </a:extLst>
-          </p:cNvPr>
+          <p:cNvPr id="6" name="Content Placeholder 5"/>
           <p:cNvSpPr>
             <a:spLocks noGrp="1"/>
           </p:cNvSpPr>
           <p:nvPr>
-            <p:ph type="sldNum" sz="quarter" idx="4"/>
+            <p:ph type="body" sz="quarter" idx="10"/>
           </p:nvPr>
         </p:nvSpPr>
         <p:spPr/>
         <p:txBody>
-          <a:bodyPr/>
+          <a:bodyPr vert="horz" lIns="108000" tIns="36000" rIns="108000" bIns="36000" rtlCol="0" anchor="t">
+            <a:normAutofit/>
+          </a:bodyPr>
           <a:lstStyle/>
           <a:p>
-            <a:fld id="{2BF067CD-8E6B-4360-9AA8-C5DF2A48A6D1}" type="slidenum">
-              <a:rPr lang="en-US" noProof="0" smtClean="0"/>
-              <a:pPr/>
-              <a:t>19</a:t>
-            </a:fld>
-            <a:endParaRPr lang="en-US" noProof="0" dirty="0"/>
+            <a:pPr marL="360045" indent="-360045">
+              <a:buClr>
+                <a:srgbClr val="234465"/>
+              </a:buClr>
+            </a:pPr>
+            <a:r>
+              <a:rPr lang="en-US" sz="3350" b="1" dirty="0" err="1">
+                <a:solidFill>
+                  <a:schemeClr val="bg1"/>
+                </a:solidFill>
+              </a:rPr>
+              <a:t>Опашка</a:t>
+            </a:r>
+            <a:r>
+              <a:rPr lang="bg-BG" sz="3350" b="1" dirty="0">
+                <a:solidFill>
+                  <a:schemeClr val="bg1"/>
+                </a:solidFill>
+              </a:rPr>
+              <a:t>та</a:t>
+            </a:r>
+            <a:r>
+              <a:rPr lang="en-US" sz="3350" b="1" dirty="0">
+                <a:solidFill>
+                  <a:schemeClr val="bg1"/>
+                </a:solidFill>
+              </a:rPr>
+              <a:t> </a:t>
+            </a:r>
+            <a:r>
+              <a:rPr lang="en-US" sz="3350" dirty="0" err="1"/>
+              <a:t>осигурява</a:t>
+            </a:r>
+            <a:r>
+              <a:rPr lang="en-US" sz="3350" dirty="0"/>
+              <a:t> </a:t>
+            </a:r>
+            <a:r>
+              <a:rPr lang="en-US" sz="3350" dirty="0" err="1">
+                <a:ea typeface="+mn-lt"/>
+                <a:cs typeface="+mn-lt"/>
+              </a:rPr>
+              <a:t>следните</a:t>
+            </a:r>
+            <a:r>
+              <a:rPr lang="en-US" sz="3350" dirty="0">
+                <a:ea typeface="+mn-lt"/>
+                <a:cs typeface="+mn-lt"/>
+              </a:rPr>
+              <a:t> </a:t>
+            </a:r>
+            <a:r>
+              <a:rPr lang="en-US" sz="3350" dirty="0" err="1">
+                <a:ea typeface="+mn-lt"/>
+                <a:cs typeface="+mn-lt"/>
+              </a:rPr>
+              <a:t>функции</a:t>
+            </a:r>
+            <a:r>
+              <a:rPr lang="en-US" sz="3350" b="1" dirty="0"/>
+              <a:t>:</a:t>
+            </a:r>
+            <a:endParaRPr lang="bg-BG" sz="3350" dirty="0"/>
+          </a:p>
+          <a:p>
+            <a:pPr lvl="1" indent="-360045">
+              <a:spcBef>
+                <a:spcPts val="800"/>
+              </a:spcBef>
+              <a:spcAft>
+                <a:spcPts val="800"/>
+              </a:spcAft>
+              <a:buClr>
+                <a:srgbClr val="234465"/>
+              </a:buClr>
+            </a:pPr>
+            <a:r>
+              <a:rPr lang="en-US" sz="3050" b="1" dirty="0" err="1">
+                <a:solidFill>
+                  <a:schemeClr val="bg1"/>
+                </a:solidFill>
+              </a:rPr>
+              <a:t>Добавяне</a:t>
+            </a:r>
+            <a:r>
+              <a:rPr lang="en-US" sz="3050" b="1" dirty="0">
+                <a:solidFill>
+                  <a:schemeClr val="bg1"/>
+                </a:solidFill>
+              </a:rPr>
+              <a:t> </a:t>
+            </a:r>
+            <a:r>
+              <a:rPr lang="en-US" sz="3050" dirty="0" err="1"/>
+              <a:t>на</a:t>
+            </a:r>
+            <a:r>
+              <a:rPr lang="en-US" sz="3050" dirty="0"/>
+              <a:t> </a:t>
+            </a:r>
+            <a:r>
+              <a:rPr lang="en-US" sz="3050" dirty="0" err="1"/>
+              <a:t>елемент</a:t>
+            </a:r>
+            <a:r>
+              <a:rPr lang="en-US" sz="3050" dirty="0"/>
+              <a:t> в </a:t>
+            </a:r>
+            <a:r>
+              <a:rPr lang="en-US" sz="3050" dirty="0" err="1"/>
+              <a:t>края</a:t>
+            </a:r>
+            <a:r>
+              <a:rPr lang="en-US" sz="3050" dirty="0"/>
+              <a:t> </a:t>
+            </a:r>
+            <a:r>
+              <a:rPr lang="en-US" sz="3050" dirty="0" err="1"/>
+              <a:t>на</a:t>
+            </a:r>
+            <a:r>
+              <a:rPr lang="en-US" sz="3050" dirty="0"/>
+              <a:t> </a:t>
+            </a:r>
+            <a:r>
+              <a:rPr lang="en-US" sz="3050" dirty="0" err="1"/>
+              <a:t>опашката</a:t>
+            </a:r>
+            <a:endParaRPr lang="en-US" sz="3050" dirty="0" err="1">
+              <a:cs typeface="Calibri"/>
+            </a:endParaRPr>
+          </a:p>
+          <a:p>
+            <a:pPr lvl="1" indent="-360045">
+              <a:spcBef>
+                <a:spcPts val="800"/>
+              </a:spcBef>
+              <a:spcAft>
+                <a:spcPts val="800"/>
+              </a:spcAft>
+              <a:buClr>
+                <a:srgbClr val="234465"/>
+              </a:buClr>
+            </a:pPr>
+            <a:endParaRPr lang="en-US" sz="3050" b="1" dirty="0">
+              <a:cs typeface="Calibri"/>
+            </a:endParaRPr>
+          </a:p>
+          <a:p>
+            <a:pPr lvl="1" indent="-360045">
+              <a:spcBef>
+                <a:spcPts val="2500"/>
+              </a:spcBef>
+              <a:spcAft>
+                <a:spcPts val="800"/>
+              </a:spcAft>
+              <a:buClr>
+                <a:srgbClr val="234465"/>
+              </a:buClr>
+            </a:pPr>
+            <a:r>
+              <a:rPr lang="en-US" sz="3050" b="1" dirty="0" err="1">
+                <a:solidFill>
+                  <a:schemeClr val="bg1"/>
+                </a:solidFill>
+              </a:rPr>
+              <a:t>Премахва</a:t>
+            </a:r>
+            <a:r>
+              <a:rPr lang="bg-BG" sz="3050" b="1" dirty="0">
+                <a:solidFill>
+                  <a:schemeClr val="bg1"/>
+                </a:solidFill>
+              </a:rPr>
+              <a:t>н</a:t>
+            </a:r>
+            <a:r>
+              <a:rPr lang="en-US" sz="3050" b="1" dirty="0">
+                <a:solidFill>
+                  <a:schemeClr val="bg1"/>
+                </a:solidFill>
+              </a:rPr>
+              <a:t>е </a:t>
+            </a:r>
+            <a:r>
+              <a:rPr lang="en-US" sz="3050" dirty="0" err="1"/>
+              <a:t>на</a:t>
+            </a:r>
+            <a:r>
+              <a:rPr lang="bg-BG" sz="3050" dirty="0"/>
+              <a:t> </a:t>
+            </a:r>
+            <a:r>
+              <a:rPr lang="en-US" sz="3050" dirty="0" err="1"/>
+              <a:t>първия</a:t>
+            </a:r>
+            <a:r>
+              <a:rPr lang="en-US" sz="3050" dirty="0"/>
+              <a:t> </a:t>
+            </a:r>
+            <a:r>
+              <a:rPr lang="en-US" sz="3050" dirty="0" err="1"/>
+              <a:t>елемент</a:t>
+            </a:r>
+            <a:endParaRPr lang="en-US" sz="3050" dirty="0">
+              <a:cs typeface="Calibri"/>
+            </a:endParaRPr>
+          </a:p>
+          <a:p>
+            <a:pPr lvl="1" indent="-360045">
+              <a:spcBef>
+                <a:spcPts val="800"/>
+              </a:spcBef>
+              <a:spcAft>
+                <a:spcPts val="800"/>
+              </a:spcAft>
+              <a:buClr>
+                <a:srgbClr val="234465"/>
+              </a:buClr>
+            </a:pPr>
+            <a:endParaRPr lang="en-US" sz="3099" b="1" dirty="0">
+              <a:cs typeface="Calibri"/>
+            </a:endParaRPr>
+          </a:p>
+          <a:p>
+            <a:pPr lvl="1" indent="-360045">
+              <a:spcBef>
+                <a:spcPts val="2500"/>
+              </a:spcBef>
+              <a:spcAft>
+                <a:spcPts val="800"/>
+              </a:spcAft>
+              <a:buClr>
+                <a:srgbClr val="234465"/>
+              </a:buClr>
+            </a:pPr>
+            <a:r>
+              <a:rPr lang="en-US" sz="3050" b="1" dirty="0" err="1">
+                <a:solidFill>
+                  <a:schemeClr val="bg1"/>
+                </a:solidFill>
+              </a:rPr>
+              <a:t>Връща</a:t>
+            </a:r>
+            <a:r>
+              <a:rPr lang="bg-BG" sz="3050" b="1" dirty="0">
+                <a:solidFill>
+                  <a:schemeClr val="bg1"/>
+                </a:solidFill>
+              </a:rPr>
+              <a:t>н</a:t>
+            </a:r>
+            <a:r>
+              <a:rPr lang="en-US" sz="3050" b="1" dirty="0">
+                <a:solidFill>
+                  <a:schemeClr val="bg1"/>
+                </a:solidFill>
+              </a:rPr>
+              <a:t>е</a:t>
+            </a:r>
+            <a:r>
+              <a:rPr lang="bg-BG" sz="3050" b="1" dirty="0">
+                <a:solidFill>
+                  <a:schemeClr val="bg1"/>
+                </a:solidFill>
+              </a:rPr>
+              <a:t> </a:t>
+            </a:r>
+            <a:r>
+              <a:rPr lang="bg-BG" sz="3050" dirty="0"/>
+              <a:t>на п</a:t>
+            </a:r>
+            <a:r>
+              <a:rPr lang="en-US" sz="3050" dirty="0" err="1"/>
+              <a:t>ървия</a:t>
+            </a:r>
+            <a:r>
+              <a:rPr lang="en-US" sz="3050" dirty="0"/>
+              <a:t> </a:t>
+            </a:r>
+            <a:r>
+              <a:rPr lang="en-US" sz="3050" dirty="0" err="1"/>
+              <a:t>елемент</a:t>
+            </a:r>
+            <a:r>
+              <a:rPr lang="en-US" sz="3050" dirty="0"/>
+              <a:t> </a:t>
+            </a:r>
+            <a:r>
+              <a:rPr lang="en-US" sz="3050" dirty="0" err="1"/>
+              <a:t>без</a:t>
+            </a:r>
+            <a:r>
+              <a:rPr lang="en-US" sz="3050" dirty="0"/>
+              <a:t> </a:t>
+            </a:r>
+            <a:r>
+              <a:rPr lang="en-US" sz="3050" dirty="0" err="1"/>
+              <a:t>да</a:t>
+            </a:r>
+            <a:r>
+              <a:rPr lang="en-US" sz="3050" dirty="0"/>
+              <a:t> </a:t>
+            </a:r>
+            <a:r>
+              <a:rPr lang="en-US" sz="3050" dirty="0" err="1"/>
+              <a:t>го</a:t>
+            </a:r>
+            <a:r>
+              <a:rPr lang="en-US" sz="3050" dirty="0"/>
+              <a:t> </a:t>
+            </a:r>
+            <a:r>
+              <a:rPr lang="en-US" sz="3050" dirty="0" err="1"/>
+              <a:t>премахва</a:t>
+            </a:r>
+            <a:endParaRPr lang="en-US" sz="3050" dirty="0">
+              <a:cs typeface="Calibri"/>
+            </a:endParaRPr>
+          </a:p>
+          <a:p>
+            <a:pPr marL="360045" indent="-360045">
+              <a:buClr>
+                <a:srgbClr val="234465"/>
+              </a:buClr>
+            </a:pPr>
+            <a:endParaRPr lang="en-US" b="1" dirty="0">
+              <a:solidFill>
+                <a:schemeClr val="bg1"/>
+              </a:solidFill>
+              <a:cs typeface="Calibri"/>
+            </a:endParaRPr>
           </a:p>
         </p:txBody>
       </p:sp>
       <p:sp>
         <p:nvSpPr>
-          <p:cNvPr id="5" name="Title 4">
-            <a:extLst>
-              <a:ext uri="{FF2B5EF4-FFF2-40B4-BE49-F238E27FC236}">
-                <a16:creationId xmlns:a16="http://schemas.microsoft.com/office/drawing/2014/main" id="{F97D57B6-E3F6-94C8-BFD7-F4EDEBDE8CEB}"/>
-              </a:ext>
-            </a:extLst>
-          </p:cNvPr>
+          <p:cNvPr id="428034" name="Rectangle 2"/>
           <p:cNvSpPr>
-            <a:spLocks noGrp="1"/>
+            <a:spLocks noGrp="1" noChangeArrowheads="1"/>
           </p:cNvSpPr>
           <p:nvPr>
             <p:ph type="title"/>
@@ -21634,39 +25134,2661 @@
         </p:nvSpPr>
         <p:spPr/>
         <p:txBody>
-          <a:bodyPr/>
+          <a:bodyPr>
+            <a:normAutofit/>
+          </a:bodyPr>
           <a:lstStyle/>
           <a:p>
             <a:r>
-              <a:rPr lang="en-US" dirty="0"/>
-              <a:t>TODO: </a:t>
-            </a:r>
-            <a:r>
-              <a:rPr lang="bg-BG" dirty="0"/>
+              <a:rPr lang="en-US" sz="3950" dirty="0" err="1"/>
               <a:t>Опашка</a:t>
             </a:r>
-            <a:endParaRPr lang="en-BG" dirty="0"/>
+            <a:r>
+              <a:rPr lang="en-US" sz="3950" dirty="0"/>
+              <a:t> – </a:t>
+            </a:r>
+            <a:r>
+              <a:rPr lang="en-US" sz="3950" dirty="0" err="1">
+                <a:ea typeface="+mj-lt"/>
+                <a:cs typeface="+mj-lt"/>
+              </a:rPr>
+              <a:t>Абстрактен</a:t>
+            </a:r>
+            <a:r>
+              <a:rPr lang="en-US" sz="3950" dirty="0">
+                <a:ea typeface="+mj-lt"/>
+                <a:cs typeface="+mj-lt"/>
+              </a:rPr>
+              <a:t> </a:t>
+            </a:r>
+            <a:r>
+              <a:rPr lang="en-US" sz="3950" dirty="0" err="1">
+                <a:ea typeface="+mj-lt"/>
+                <a:cs typeface="+mj-lt"/>
+              </a:rPr>
+              <a:t>тип</a:t>
+            </a:r>
+            <a:r>
+              <a:rPr lang="en-US" sz="3950" dirty="0">
+                <a:ea typeface="+mj-lt"/>
+                <a:cs typeface="+mj-lt"/>
+              </a:rPr>
+              <a:t> </a:t>
+            </a:r>
+            <a:r>
+              <a:rPr lang="en-US" sz="3950" dirty="0" err="1">
+                <a:ea typeface="+mj-lt"/>
+                <a:cs typeface="+mj-lt"/>
+              </a:rPr>
+              <a:t>данни</a:t>
+            </a:r>
+            <a:endParaRPr lang="bg-BG" sz="3950" dirty="0" err="1"/>
+          </a:p>
+        </p:txBody>
+      </p:sp>
+      <p:grpSp>
+        <p:nvGrpSpPr>
+          <p:cNvPr id="15" name="Group 14"/>
+          <p:cNvGrpSpPr/>
+          <p:nvPr/>
+        </p:nvGrpSpPr>
+        <p:grpSpPr>
+          <a:xfrm>
+            <a:off x="2896434" y="2591598"/>
+            <a:ext cx="6415393" cy="697156"/>
+            <a:chOff x="2894012" y="2556383"/>
+            <a:chExt cx="6417064" cy="697338"/>
+          </a:xfrm>
+        </p:grpSpPr>
+        <p:sp>
+          <p:nvSpPr>
+            <p:cNvPr id="25" name="Text Placeholder 7"/>
+            <p:cNvSpPr txBox="1">
+              <a:spLocks/>
+            </p:cNvSpPr>
+            <p:nvPr/>
+          </p:nvSpPr>
+          <p:spPr>
+            <a:xfrm flipH="1">
+              <a:off x="6930092" y="2664525"/>
+              <a:ext cx="1410568" cy="494025"/>
+            </a:xfrm>
+            <a:prstGeom prst="rect">
+              <a:avLst/>
+            </a:prstGeom>
+            <a:solidFill>
+              <a:schemeClr val="dk2">
+                <a:alpha val="20000"/>
+              </a:schemeClr>
+            </a:solidFill>
+            <a:ln w="19050">
+              <a:solidFill>
+                <a:schemeClr val="tx1">
+                  <a:lumMod val="75000"/>
+                  <a:alpha val="80000"/>
+                </a:schemeClr>
+              </a:solidFill>
+            </a:ln>
+            <a:effectLst/>
+          </p:spPr>
+          <p:style>
+            <a:lnRef idx="2">
+              <a:schemeClr val="accent1">
+                <a:shade val="50000"/>
+              </a:schemeClr>
+            </a:lnRef>
+            <a:fillRef idx="1001">
+              <a:schemeClr val="dk2"/>
+            </a:fillRef>
+            <a:effectRef idx="0">
+              <a:schemeClr val="accent1"/>
+            </a:effectRef>
+            <a:fontRef idx="minor">
+              <a:schemeClr val="lt1"/>
+            </a:fontRef>
+          </p:style>
+          <p:txBody>
+            <a:bodyPr rot="0" spcFirstLastPara="0" vertOverflow="overflow" horzOverflow="overflow" vert="horz" wrap="square" lIns="91416" tIns="45708" rIns="91416" bIns="45708" numCol="1" spcCol="0" rtlCol="0" fromWordArt="0" anchor="ctr" anchorCtr="0" forceAA="0" compatLnSpc="1">
+              <a:prstTxWarp prst="textNoShape">
+                <a:avLst/>
+              </a:prstTxWarp>
+              <a:noAutofit/>
+            </a:bodyPr>
+            <a:lstStyle>
+              <a:defPPr>
+                <a:defRPr lang="en-US"/>
+              </a:defPPr>
+              <a:lvl1pPr algn="ctr">
+                <a:defRPr sz="2800" b="1">
+                  <a:solidFill>
+                    <a:srgbClr val="FFFFFF"/>
+                  </a:solidFill>
+                  <a:effectLst>
+                    <a:outerShdw blurRad="38100" dist="38100" dir="2700000" algn="tl">
+                      <a:srgbClr val="000000">
+                        <a:alpha val="43137"/>
+                      </a:srgbClr>
+                    </a:outerShdw>
+                  </a:effectLst>
+                </a:defRPr>
+              </a:lvl1pPr>
+              <a:lvl2pPr>
+                <a:defRPr>
+                  <a:solidFill>
+                    <a:schemeClr val="lt1"/>
+                  </a:solidFill>
+                </a:defRPr>
+              </a:lvl2pPr>
+              <a:lvl3pPr>
+                <a:defRPr>
+                  <a:solidFill>
+                    <a:schemeClr val="lt1"/>
+                  </a:solidFill>
+                </a:defRPr>
+              </a:lvl3pPr>
+              <a:lvl4pPr>
+                <a:defRPr>
+                  <a:solidFill>
+                    <a:schemeClr val="lt1"/>
+                  </a:solidFill>
+                </a:defRPr>
+              </a:lvl4pPr>
+              <a:lvl5pPr>
+                <a:defRPr>
+                  <a:solidFill>
+                    <a:schemeClr val="lt1"/>
+                  </a:solidFill>
+                </a:defRPr>
+              </a:lvl5pPr>
+              <a:lvl6pPr>
+                <a:defRPr>
+                  <a:solidFill>
+                    <a:schemeClr val="lt1"/>
+                  </a:solidFill>
+                </a:defRPr>
+              </a:lvl6pPr>
+              <a:lvl7pPr>
+                <a:defRPr>
+                  <a:solidFill>
+                    <a:schemeClr val="lt1"/>
+                  </a:solidFill>
+                </a:defRPr>
+              </a:lvl7pPr>
+              <a:lvl8pPr>
+                <a:defRPr>
+                  <a:solidFill>
+                    <a:schemeClr val="lt1"/>
+                  </a:solidFill>
+                </a:defRPr>
+              </a:lvl8pPr>
+              <a:lvl9pPr>
+                <a:defRPr>
+                  <a:solidFill>
+                    <a:schemeClr val="lt1"/>
+                  </a:solidFill>
+                </a:defRPr>
+              </a:lvl9pPr>
+            </a:lstStyle>
+            <a:p>
+              <a:r>
+                <a:rPr lang="en-US" sz="2799" noProof="1"/>
+                <a:t>2</a:t>
+              </a:r>
+            </a:p>
+          </p:txBody>
+        </p:sp>
+        <p:sp>
+          <p:nvSpPr>
+            <p:cNvPr id="26" name="Text Placeholder 7"/>
+            <p:cNvSpPr txBox="1">
+              <a:spLocks/>
+            </p:cNvSpPr>
+            <p:nvPr/>
+          </p:nvSpPr>
+          <p:spPr>
+            <a:xfrm flipH="1">
+              <a:off x="3864426" y="2667339"/>
+              <a:ext cx="1410568" cy="491212"/>
+            </a:xfrm>
+            <a:prstGeom prst="rect">
+              <a:avLst/>
+            </a:prstGeom>
+            <a:solidFill>
+              <a:schemeClr val="dk2">
+                <a:alpha val="80000"/>
+              </a:schemeClr>
+            </a:solidFill>
+            <a:ln w="19050">
+              <a:solidFill>
+                <a:schemeClr val="tx1">
+                  <a:lumMod val="75000"/>
+                  <a:alpha val="80000"/>
+                </a:schemeClr>
+              </a:solidFill>
+            </a:ln>
+            <a:effectLst/>
+          </p:spPr>
+          <p:style>
+            <a:lnRef idx="2">
+              <a:schemeClr val="accent1">
+                <a:shade val="50000"/>
+              </a:schemeClr>
+            </a:lnRef>
+            <a:fillRef idx="1001">
+              <a:schemeClr val="dk2"/>
+            </a:fillRef>
+            <a:effectRef idx="0">
+              <a:schemeClr val="accent1"/>
+            </a:effectRef>
+            <a:fontRef idx="minor">
+              <a:schemeClr val="lt1"/>
+            </a:fontRef>
+          </p:style>
+          <p:txBody>
+            <a:bodyPr rot="0" spcFirstLastPara="0" vertOverflow="overflow" horzOverflow="overflow" vert="horz" wrap="square" lIns="91416" tIns="45708" rIns="91416" bIns="45708" numCol="1" spcCol="0" rtlCol="0" fromWordArt="0" anchor="ctr" anchorCtr="0" forceAA="0" compatLnSpc="1">
+              <a:prstTxWarp prst="textNoShape">
+                <a:avLst/>
+              </a:prstTxWarp>
+              <a:noAutofit/>
+            </a:bodyPr>
+            <a:lstStyle>
+              <a:defPPr>
+                <a:defRPr lang="en-US"/>
+              </a:defPPr>
+              <a:lvl1pPr algn="ctr">
+                <a:defRPr sz="2800" b="1">
+                  <a:solidFill>
+                    <a:srgbClr val="FFFFFF"/>
+                  </a:solidFill>
+                  <a:effectLst>
+                    <a:outerShdw blurRad="38100" dist="38100" dir="2700000" algn="tl">
+                      <a:srgbClr val="000000">
+                        <a:alpha val="43137"/>
+                      </a:srgbClr>
+                    </a:outerShdw>
+                  </a:effectLst>
+                </a:defRPr>
+              </a:lvl1pPr>
+              <a:lvl2pPr>
+                <a:defRPr>
+                  <a:solidFill>
+                    <a:schemeClr val="lt1"/>
+                  </a:solidFill>
+                </a:defRPr>
+              </a:lvl2pPr>
+              <a:lvl3pPr>
+                <a:defRPr>
+                  <a:solidFill>
+                    <a:schemeClr val="lt1"/>
+                  </a:solidFill>
+                </a:defRPr>
+              </a:lvl3pPr>
+              <a:lvl4pPr>
+                <a:defRPr>
+                  <a:solidFill>
+                    <a:schemeClr val="lt1"/>
+                  </a:solidFill>
+                </a:defRPr>
+              </a:lvl4pPr>
+              <a:lvl5pPr>
+                <a:defRPr>
+                  <a:solidFill>
+                    <a:schemeClr val="lt1"/>
+                  </a:solidFill>
+                </a:defRPr>
+              </a:lvl5pPr>
+              <a:lvl6pPr>
+                <a:defRPr>
+                  <a:solidFill>
+                    <a:schemeClr val="lt1"/>
+                  </a:solidFill>
+                </a:defRPr>
+              </a:lvl6pPr>
+              <a:lvl7pPr>
+                <a:defRPr>
+                  <a:solidFill>
+                    <a:schemeClr val="lt1"/>
+                  </a:solidFill>
+                </a:defRPr>
+              </a:lvl7pPr>
+              <a:lvl8pPr>
+                <a:defRPr>
+                  <a:solidFill>
+                    <a:schemeClr val="lt1"/>
+                  </a:solidFill>
+                </a:defRPr>
+              </a:lvl8pPr>
+              <a:lvl9pPr>
+                <a:defRPr>
+                  <a:solidFill>
+                    <a:schemeClr val="lt1"/>
+                  </a:solidFill>
+                </a:defRPr>
+              </a:lvl9pPr>
+            </a:lstStyle>
+            <a:p>
+              <a:r>
+                <a:rPr lang="en-US" sz="2799" noProof="1"/>
+                <a:t>10</a:t>
+              </a:r>
+            </a:p>
+          </p:txBody>
+        </p:sp>
+        <p:sp>
+          <p:nvSpPr>
+            <p:cNvPr id="27" name="Text Placeholder 7"/>
+            <p:cNvSpPr txBox="1">
+              <a:spLocks/>
+            </p:cNvSpPr>
+            <p:nvPr/>
+          </p:nvSpPr>
+          <p:spPr>
+            <a:xfrm flipH="1">
+              <a:off x="5397259" y="2664525"/>
+              <a:ext cx="1410568" cy="494025"/>
+            </a:xfrm>
+            <a:prstGeom prst="rect">
+              <a:avLst/>
+            </a:prstGeom>
+            <a:solidFill>
+              <a:schemeClr val="dk2">
+                <a:alpha val="20000"/>
+              </a:schemeClr>
+            </a:solidFill>
+            <a:ln w="19050">
+              <a:solidFill>
+                <a:schemeClr val="tx1">
+                  <a:lumMod val="75000"/>
+                  <a:alpha val="80000"/>
+                </a:schemeClr>
+              </a:solidFill>
+            </a:ln>
+            <a:effectLst/>
+          </p:spPr>
+          <p:style>
+            <a:lnRef idx="2">
+              <a:schemeClr val="accent1">
+                <a:shade val="50000"/>
+              </a:schemeClr>
+            </a:lnRef>
+            <a:fillRef idx="1001">
+              <a:schemeClr val="dk2"/>
+            </a:fillRef>
+            <a:effectRef idx="0">
+              <a:schemeClr val="accent1"/>
+            </a:effectRef>
+            <a:fontRef idx="minor">
+              <a:schemeClr val="lt1"/>
+            </a:fontRef>
+          </p:style>
+          <p:txBody>
+            <a:bodyPr rot="0" spcFirstLastPara="0" vertOverflow="overflow" horzOverflow="overflow" vert="horz" wrap="square" lIns="91416" tIns="45708" rIns="91416" bIns="45708" numCol="1" spcCol="0" rtlCol="0" fromWordArt="0" anchor="ctr" anchorCtr="0" forceAA="0" compatLnSpc="1">
+              <a:prstTxWarp prst="textNoShape">
+                <a:avLst/>
+              </a:prstTxWarp>
+              <a:noAutofit/>
+            </a:bodyPr>
+            <a:lstStyle>
+              <a:defPPr>
+                <a:defRPr lang="en-US"/>
+              </a:defPPr>
+              <a:lvl1pPr algn="ctr">
+                <a:defRPr sz="2800" b="1">
+                  <a:solidFill>
+                    <a:srgbClr val="FFFFFF"/>
+                  </a:solidFill>
+                  <a:effectLst>
+                    <a:outerShdw blurRad="38100" dist="38100" dir="2700000" algn="tl">
+                      <a:srgbClr val="000000">
+                        <a:alpha val="43137"/>
+                      </a:srgbClr>
+                    </a:outerShdw>
+                  </a:effectLst>
+                </a:defRPr>
+              </a:lvl1pPr>
+              <a:lvl2pPr>
+                <a:defRPr>
+                  <a:solidFill>
+                    <a:schemeClr val="lt1"/>
+                  </a:solidFill>
+                </a:defRPr>
+              </a:lvl2pPr>
+              <a:lvl3pPr>
+                <a:defRPr>
+                  <a:solidFill>
+                    <a:schemeClr val="lt1"/>
+                  </a:solidFill>
+                </a:defRPr>
+              </a:lvl3pPr>
+              <a:lvl4pPr>
+                <a:defRPr>
+                  <a:solidFill>
+                    <a:schemeClr val="lt1"/>
+                  </a:solidFill>
+                </a:defRPr>
+              </a:lvl4pPr>
+              <a:lvl5pPr>
+                <a:defRPr>
+                  <a:solidFill>
+                    <a:schemeClr val="lt1"/>
+                  </a:solidFill>
+                </a:defRPr>
+              </a:lvl5pPr>
+              <a:lvl6pPr>
+                <a:defRPr>
+                  <a:solidFill>
+                    <a:schemeClr val="lt1"/>
+                  </a:solidFill>
+                </a:defRPr>
+              </a:lvl6pPr>
+              <a:lvl7pPr>
+                <a:defRPr>
+                  <a:solidFill>
+                    <a:schemeClr val="lt1"/>
+                  </a:solidFill>
+                </a:defRPr>
+              </a:lvl7pPr>
+              <a:lvl8pPr>
+                <a:defRPr>
+                  <a:solidFill>
+                    <a:schemeClr val="lt1"/>
+                  </a:solidFill>
+                </a:defRPr>
+              </a:lvl8pPr>
+              <a:lvl9pPr>
+                <a:defRPr>
+                  <a:solidFill>
+                    <a:schemeClr val="lt1"/>
+                  </a:solidFill>
+                </a:defRPr>
+              </a:lvl9pPr>
+            </a:lstStyle>
+            <a:p>
+              <a:r>
+                <a:rPr lang="en-US" sz="2799" noProof="1"/>
+                <a:t>5</a:t>
+              </a:r>
+            </a:p>
+          </p:txBody>
+        </p:sp>
+        <p:sp>
+          <p:nvSpPr>
+            <p:cNvPr id="50" name="Text Placeholder 7"/>
+            <p:cNvSpPr txBox="1">
+              <a:spLocks/>
+            </p:cNvSpPr>
+            <p:nvPr/>
+          </p:nvSpPr>
+          <p:spPr>
+            <a:xfrm flipH="1">
+              <a:off x="3736648" y="2556383"/>
+              <a:ext cx="4731792" cy="697338"/>
+            </a:xfrm>
+            <a:prstGeom prst="rect">
+              <a:avLst/>
+            </a:prstGeom>
+            <a:solidFill>
+              <a:schemeClr val="dk2">
+                <a:alpha val="15000"/>
+              </a:schemeClr>
+            </a:solidFill>
+            <a:ln w="19050">
+              <a:solidFill>
+                <a:schemeClr val="tx1">
+                  <a:lumMod val="75000"/>
+                  <a:alpha val="80000"/>
+                </a:schemeClr>
+              </a:solidFill>
+            </a:ln>
+            <a:effectLst/>
+          </p:spPr>
+          <p:style>
+            <a:lnRef idx="2">
+              <a:schemeClr val="accent1">
+                <a:shade val="50000"/>
+              </a:schemeClr>
+            </a:lnRef>
+            <a:fillRef idx="1001">
+              <a:schemeClr val="dk2"/>
+            </a:fillRef>
+            <a:effectRef idx="0">
+              <a:schemeClr val="accent1"/>
+            </a:effectRef>
+            <a:fontRef idx="minor">
+              <a:schemeClr val="lt1"/>
+            </a:fontRef>
+          </p:style>
+          <p:txBody>
+            <a:bodyPr rot="0" spcFirstLastPara="0" vertOverflow="overflow" horzOverflow="overflow" vert="horz" wrap="square" lIns="91416" tIns="45708" rIns="91416" bIns="45708" numCol="1" spcCol="0" rtlCol="0" fromWordArt="0" anchor="ctr" anchorCtr="0" forceAA="0" compatLnSpc="1">
+              <a:prstTxWarp prst="textNoShape">
+                <a:avLst/>
+              </a:prstTxWarp>
+              <a:noAutofit/>
+            </a:bodyPr>
+            <a:lstStyle>
+              <a:defPPr>
+                <a:defRPr lang="en-US"/>
+              </a:defPPr>
+              <a:lvl1pPr algn="ctr">
+                <a:defRPr sz="2800" b="1">
+                  <a:solidFill>
+                    <a:srgbClr val="FFFFFF"/>
+                  </a:solidFill>
+                  <a:effectLst>
+                    <a:outerShdw blurRad="38100" dist="38100" dir="2700000" algn="tl">
+                      <a:srgbClr val="000000">
+                        <a:alpha val="43137"/>
+                      </a:srgbClr>
+                    </a:outerShdw>
+                  </a:effectLst>
+                </a:defRPr>
+              </a:lvl1pPr>
+              <a:lvl2pPr>
+                <a:defRPr>
+                  <a:solidFill>
+                    <a:schemeClr val="lt1"/>
+                  </a:solidFill>
+                </a:defRPr>
+              </a:lvl2pPr>
+              <a:lvl3pPr>
+                <a:defRPr>
+                  <a:solidFill>
+                    <a:schemeClr val="lt1"/>
+                  </a:solidFill>
+                </a:defRPr>
+              </a:lvl3pPr>
+              <a:lvl4pPr>
+                <a:defRPr>
+                  <a:solidFill>
+                    <a:schemeClr val="lt1"/>
+                  </a:solidFill>
+                </a:defRPr>
+              </a:lvl4pPr>
+              <a:lvl5pPr>
+                <a:defRPr>
+                  <a:solidFill>
+                    <a:schemeClr val="lt1"/>
+                  </a:solidFill>
+                </a:defRPr>
+              </a:lvl5pPr>
+              <a:lvl6pPr>
+                <a:defRPr>
+                  <a:solidFill>
+                    <a:schemeClr val="lt1"/>
+                  </a:solidFill>
+                </a:defRPr>
+              </a:lvl6pPr>
+              <a:lvl7pPr>
+                <a:defRPr>
+                  <a:solidFill>
+                    <a:schemeClr val="lt1"/>
+                  </a:solidFill>
+                </a:defRPr>
+              </a:lvl7pPr>
+              <a:lvl8pPr>
+                <a:defRPr>
+                  <a:solidFill>
+                    <a:schemeClr val="lt1"/>
+                  </a:solidFill>
+                </a:defRPr>
+              </a:lvl8pPr>
+              <a:lvl9pPr>
+                <a:defRPr>
+                  <a:solidFill>
+                    <a:schemeClr val="lt1"/>
+                  </a:solidFill>
+                </a:defRPr>
+              </a:lvl9pPr>
+            </a:lstStyle>
+            <a:p>
+              <a:endParaRPr lang="en-US" sz="2799" noProof="1"/>
+            </a:p>
+          </p:txBody>
+        </p:sp>
+        <p:sp>
+          <p:nvSpPr>
+            <p:cNvPr id="51" name="Down Arrow 50"/>
+            <p:cNvSpPr/>
+            <p:nvPr/>
+          </p:nvSpPr>
+          <p:spPr bwMode="auto">
+            <a:xfrm rot="16200000">
+              <a:off x="3184168" y="2529243"/>
+              <a:ext cx="180299" cy="760611"/>
+            </a:xfrm>
+            <a:prstGeom prst="downArrow">
+              <a:avLst/>
+            </a:prstGeom>
+            <a:solidFill>
+              <a:schemeClr val="dk2">
+                <a:alpha val="80000"/>
+              </a:schemeClr>
+            </a:solidFill>
+            <a:ln w="19050">
+              <a:solidFill>
+                <a:schemeClr val="tx1">
+                  <a:lumMod val="75000"/>
+                  <a:alpha val="80000"/>
+                </a:schemeClr>
+              </a:solidFill>
+            </a:ln>
+            <a:effectLst/>
+          </p:spPr>
+          <p:style>
+            <a:lnRef idx="2">
+              <a:schemeClr val="accent1">
+                <a:shade val="50000"/>
+              </a:schemeClr>
+            </a:lnRef>
+            <a:fillRef idx="1001">
+              <a:schemeClr val="dk2"/>
+            </a:fillRef>
+            <a:effectRef idx="0">
+              <a:schemeClr val="accent1"/>
+            </a:effectRef>
+            <a:fontRef idx="minor">
+              <a:schemeClr val="lt1"/>
+            </a:fontRef>
+          </p:style>
+          <p:txBody>
+            <a:bodyPr rot="0" spcFirstLastPara="0" vertOverflow="overflow" horzOverflow="overflow" vert="horz" wrap="square" lIns="91416" tIns="45708" rIns="91416" bIns="45708" numCol="1" spcCol="0" rtlCol="0" fromWordArt="0" anchor="ctr" anchorCtr="0" forceAA="0" compatLnSpc="1">
+              <a:prstTxWarp prst="textNoShape">
+                <a:avLst/>
+              </a:prstTxWarp>
+              <a:noAutofit/>
+            </a:bodyPr>
+            <a:lstStyle/>
+            <a:p>
+              <a:pPr algn="ctr"/>
+              <a:endParaRPr lang="en-US" sz="2799" b="1" dirty="0">
+                <a:solidFill>
+                  <a:srgbClr val="FFFFFF"/>
+                </a:solidFill>
+                <a:effectLst>
+                  <a:outerShdw blurRad="38100" dist="38100" dir="2700000" algn="tl">
+                    <a:srgbClr val="000000">
+                      <a:alpha val="43137"/>
+                    </a:srgbClr>
+                  </a:outerShdw>
+                </a:effectLst>
+              </a:endParaRPr>
+            </a:p>
+          </p:txBody>
+        </p:sp>
+        <p:sp>
+          <p:nvSpPr>
+            <p:cNvPr id="52" name="Down Arrow 51"/>
+            <p:cNvSpPr/>
+            <p:nvPr/>
+          </p:nvSpPr>
+          <p:spPr bwMode="auto">
+            <a:xfrm rot="16200000">
+              <a:off x="8840621" y="2531231"/>
+              <a:ext cx="180299" cy="760611"/>
+            </a:xfrm>
+            <a:prstGeom prst="downArrow">
+              <a:avLst/>
+            </a:prstGeom>
+            <a:solidFill>
+              <a:schemeClr val="dk2">
+                <a:alpha val="80000"/>
+              </a:schemeClr>
+            </a:solidFill>
+            <a:ln w="19050">
+              <a:solidFill>
+                <a:schemeClr val="tx1">
+                  <a:lumMod val="75000"/>
+                  <a:alpha val="80000"/>
+                </a:schemeClr>
+              </a:solidFill>
+            </a:ln>
+            <a:effectLst/>
+          </p:spPr>
+          <p:style>
+            <a:lnRef idx="2">
+              <a:schemeClr val="accent1">
+                <a:shade val="50000"/>
+              </a:schemeClr>
+            </a:lnRef>
+            <a:fillRef idx="1001">
+              <a:schemeClr val="dk2"/>
+            </a:fillRef>
+            <a:effectRef idx="0">
+              <a:schemeClr val="accent1"/>
+            </a:effectRef>
+            <a:fontRef idx="minor">
+              <a:schemeClr val="lt1"/>
+            </a:fontRef>
+          </p:style>
+          <p:txBody>
+            <a:bodyPr rot="0" spcFirstLastPara="0" vertOverflow="overflow" horzOverflow="overflow" vert="horz" wrap="square" lIns="91416" tIns="45708" rIns="91416" bIns="45708" numCol="1" spcCol="0" rtlCol="0" fromWordArt="0" anchor="ctr" anchorCtr="0" forceAA="0" compatLnSpc="1">
+              <a:prstTxWarp prst="textNoShape">
+                <a:avLst/>
+              </a:prstTxWarp>
+              <a:noAutofit/>
+            </a:bodyPr>
+            <a:lstStyle/>
+            <a:p>
+              <a:pPr algn="ctr"/>
+              <a:endParaRPr lang="en-US" sz="2799" b="1" dirty="0">
+                <a:solidFill>
+                  <a:srgbClr val="FFFFFF"/>
+                </a:solidFill>
+                <a:effectLst>
+                  <a:outerShdw blurRad="38100" dist="38100" dir="2700000" algn="tl">
+                    <a:srgbClr val="000000">
+                      <a:alpha val="43137"/>
+                    </a:srgbClr>
+                  </a:outerShdw>
+                </a:effectLst>
+              </a:endParaRPr>
+            </a:p>
+          </p:txBody>
+        </p:sp>
+      </p:grpSp>
+      <p:grpSp>
+        <p:nvGrpSpPr>
+          <p:cNvPr id="58" name="Group 57"/>
+          <p:cNvGrpSpPr/>
+          <p:nvPr/>
+        </p:nvGrpSpPr>
+        <p:grpSpPr>
+          <a:xfrm>
+            <a:off x="2896435" y="5832437"/>
+            <a:ext cx="6415393" cy="697156"/>
+            <a:chOff x="2894012" y="5712774"/>
+            <a:chExt cx="6417064" cy="697338"/>
+          </a:xfrm>
+        </p:grpSpPr>
+        <p:sp>
+          <p:nvSpPr>
+            <p:cNvPr id="45" name="Text Placeholder 7"/>
+            <p:cNvSpPr txBox="1">
+              <a:spLocks/>
+            </p:cNvSpPr>
+            <p:nvPr/>
+          </p:nvSpPr>
+          <p:spPr>
+            <a:xfrm flipH="1">
+              <a:off x="3736648" y="5712774"/>
+              <a:ext cx="4731792" cy="697338"/>
+            </a:xfrm>
+            <a:prstGeom prst="rect">
+              <a:avLst/>
+            </a:prstGeom>
+            <a:solidFill>
+              <a:schemeClr val="dk2">
+                <a:alpha val="15000"/>
+              </a:schemeClr>
+            </a:solidFill>
+            <a:ln w="19050">
+              <a:solidFill>
+                <a:schemeClr val="tx1">
+                  <a:lumMod val="75000"/>
+                  <a:alpha val="80000"/>
+                </a:schemeClr>
+              </a:solidFill>
+            </a:ln>
+            <a:effectLst/>
+          </p:spPr>
+          <p:style>
+            <a:lnRef idx="2">
+              <a:schemeClr val="accent1">
+                <a:shade val="50000"/>
+              </a:schemeClr>
+            </a:lnRef>
+            <a:fillRef idx="1001">
+              <a:schemeClr val="dk2"/>
+            </a:fillRef>
+            <a:effectRef idx="0">
+              <a:schemeClr val="accent1"/>
+            </a:effectRef>
+            <a:fontRef idx="minor">
+              <a:schemeClr val="lt1"/>
+            </a:fontRef>
+          </p:style>
+          <p:txBody>
+            <a:bodyPr rot="0" spcFirstLastPara="0" vertOverflow="overflow" horzOverflow="overflow" vert="horz" wrap="square" lIns="91416" tIns="45708" rIns="91416" bIns="45708" numCol="1" spcCol="0" rtlCol="0" fromWordArt="0" anchor="ctr" anchorCtr="0" forceAA="0" compatLnSpc="1">
+              <a:prstTxWarp prst="textNoShape">
+                <a:avLst/>
+              </a:prstTxWarp>
+              <a:noAutofit/>
+            </a:bodyPr>
+            <a:lstStyle>
+              <a:defPPr>
+                <a:defRPr lang="en-US"/>
+              </a:defPPr>
+              <a:lvl1pPr algn="ctr">
+                <a:defRPr sz="2800" b="1">
+                  <a:solidFill>
+                    <a:srgbClr val="FFFFFF"/>
+                  </a:solidFill>
+                  <a:effectLst>
+                    <a:outerShdw blurRad="38100" dist="38100" dir="2700000" algn="tl">
+                      <a:srgbClr val="000000">
+                        <a:alpha val="43137"/>
+                      </a:srgbClr>
+                    </a:outerShdw>
+                  </a:effectLst>
+                </a:defRPr>
+              </a:lvl1pPr>
+              <a:lvl2pPr>
+                <a:defRPr>
+                  <a:solidFill>
+                    <a:schemeClr val="lt1"/>
+                  </a:solidFill>
+                </a:defRPr>
+              </a:lvl2pPr>
+              <a:lvl3pPr>
+                <a:defRPr>
+                  <a:solidFill>
+                    <a:schemeClr val="lt1"/>
+                  </a:solidFill>
+                </a:defRPr>
+              </a:lvl3pPr>
+              <a:lvl4pPr>
+                <a:defRPr>
+                  <a:solidFill>
+                    <a:schemeClr val="lt1"/>
+                  </a:solidFill>
+                </a:defRPr>
+              </a:lvl4pPr>
+              <a:lvl5pPr>
+                <a:defRPr>
+                  <a:solidFill>
+                    <a:schemeClr val="lt1"/>
+                  </a:solidFill>
+                </a:defRPr>
+              </a:lvl5pPr>
+              <a:lvl6pPr>
+                <a:defRPr>
+                  <a:solidFill>
+                    <a:schemeClr val="lt1"/>
+                  </a:solidFill>
+                </a:defRPr>
+              </a:lvl6pPr>
+              <a:lvl7pPr>
+                <a:defRPr>
+                  <a:solidFill>
+                    <a:schemeClr val="lt1"/>
+                  </a:solidFill>
+                </a:defRPr>
+              </a:lvl7pPr>
+              <a:lvl8pPr>
+                <a:defRPr>
+                  <a:solidFill>
+                    <a:schemeClr val="lt1"/>
+                  </a:solidFill>
+                </a:defRPr>
+              </a:lvl8pPr>
+              <a:lvl9pPr>
+                <a:defRPr>
+                  <a:solidFill>
+                    <a:schemeClr val="lt1"/>
+                  </a:solidFill>
+                </a:defRPr>
+              </a:lvl9pPr>
+            </a:lstStyle>
+            <a:p>
+              <a:endParaRPr lang="en-US" sz="2799" noProof="1"/>
+            </a:p>
+          </p:txBody>
+        </p:sp>
+        <p:sp>
+          <p:nvSpPr>
+            <p:cNvPr id="46" name="Text Placeholder 7"/>
+            <p:cNvSpPr txBox="1">
+              <a:spLocks/>
+            </p:cNvSpPr>
+            <p:nvPr/>
+          </p:nvSpPr>
+          <p:spPr>
+            <a:xfrm flipH="1">
+              <a:off x="6930093" y="5798306"/>
+              <a:ext cx="1410569" cy="524725"/>
+            </a:xfrm>
+            <a:prstGeom prst="rect">
+              <a:avLst/>
+            </a:prstGeom>
+            <a:solidFill>
+              <a:schemeClr val="dk2">
+                <a:alpha val="80000"/>
+              </a:schemeClr>
+            </a:solidFill>
+            <a:ln w="19050">
+              <a:solidFill>
+                <a:schemeClr val="tx1">
+                  <a:lumMod val="75000"/>
+                  <a:alpha val="80000"/>
+                </a:schemeClr>
+              </a:solidFill>
+            </a:ln>
+            <a:effectLst/>
+          </p:spPr>
+          <p:style>
+            <a:lnRef idx="2">
+              <a:schemeClr val="accent1">
+                <a:shade val="50000"/>
+              </a:schemeClr>
+            </a:lnRef>
+            <a:fillRef idx="1001">
+              <a:schemeClr val="dk2"/>
+            </a:fillRef>
+            <a:effectRef idx="0">
+              <a:schemeClr val="accent1"/>
+            </a:effectRef>
+            <a:fontRef idx="minor">
+              <a:schemeClr val="lt1"/>
+            </a:fontRef>
+          </p:style>
+          <p:txBody>
+            <a:bodyPr rot="0" spcFirstLastPara="0" vertOverflow="overflow" horzOverflow="overflow" vert="horz" wrap="square" lIns="91416" tIns="45708" rIns="91416" bIns="45708" numCol="1" spcCol="0" rtlCol="0" fromWordArt="0" anchor="ctr" anchorCtr="0" forceAA="0" compatLnSpc="1">
+              <a:prstTxWarp prst="textNoShape">
+                <a:avLst/>
+              </a:prstTxWarp>
+              <a:noAutofit/>
+            </a:bodyPr>
+            <a:lstStyle>
+              <a:defPPr>
+                <a:defRPr lang="en-US"/>
+              </a:defPPr>
+              <a:lvl1pPr algn="ctr">
+                <a:defRPr sz="2800" b="1">
+                  <a:solidFill>
+                    <a:srgbClr val="FFFFFF"/>
+                  </a:solidFill>
+                  <a:effectLst>
+                    <a:outerShdw blurRad="38100" dist="38100" dir="2700000" algn="tl">
+                      <a:srgbClr val="000000">
+                        <a:alpha val="43137"/>
+                      </a:srgbClr>
+                    </a:outerShdw>
+                  </a:effectLst>
+                </a:defRPr>
+              </a:lvl1pPr>
+              <a:lvl2pPr>
+                <a:defRPr>
+                  <a:solidFill>
+                    <a:schemeClr val="lt1"/>
+                  </a:solidFill>
+                </a:defRPr>
+              </a:lvl2pPr>
+              <a:lvl3pPr>
+                <a:defRPr>
+                  <a:solidFill>
+                    <a:schemeClr val="lt1"/>
+                  </a:solidFill>
+                </a:defRPr>
+              </a:lvl3pPr>
+              <a:lvl4pPr>
+                <a:defRPr>
+                  <a:solidFill>
+                    <a:schemeClr val="lt1"/>
+                  </a:solidFill>
+                </a:defRPr>
+              </a:lvl4pPr>
+              <a:lvl5pPr>
+                <a:defRPr>
+                  <a:solidFill>
+                    <a:schemeClr val="lt1"/>
+                  </a:solidFill>
+                </a:defRPr>
+              </a:lvl5pPr>
+              <a:lvl6pPr>
+                <a:defRPr>
+                  <a:solidFill>
+                    <a:schemeClr val="lt1"/>
+                  </a:solidFill>
+                </a:defRPr>
+              </a:lvl6pPr>
+              <a:lvl7pPr>
+                <a:defRPr>
+                  <a:solidFill>
+                    <a:schemeClr val="lt1"/>
+                  </a:solidFill>
+                </a:defRPr>
+              </a:lvl7pPr>
+              <a:lvl8pPr>
+                <a:defRPr>
+                  <a:solidFill>
+                    <a:schemeClr val="lt1"/>
+                  </a:solidFill>
+                </a:defRPr>
+              </a:lvl8pPr>
+              <a:lvl9pPr>
+                <a:defRPr>
+                  <a:solidFill>
+                    <a:schemeClr val="lt1"/>
+                  </a:solidFill>
+                </a:defRPr>
+              </a:lvl9pPr>
+            </a:lstStyle>
+            <a:p>
+              <a:r>
+                <a:rPr lang="en-US" sz="2799" noProof="1"/>
+                <a:t>2</a:t>
+              </a:r>
+            </a:p>
+          </p:txBody>
+        </p:sp>
+        <p:sp>
+          <p:nvSpPr>
+            <p:cNvPr id="47" name="Text Placeholder 7"/>
+            <p:cNvSpPr txBox="1">
+              <a:spLocks/>
+            </p:cNvSpPr>
+            <p:nvPr/>
+          </p:nvSpPr>
+          <p:spPr>
+            <a:xfrm flipH="1">
+              <a:off x="3864425" y="5801295"/>
+              <a:ext cx="1410569" cy="521736"/>
+            </a:xfrm>
+            <a:prstGeom prst="rect">
+              <a:avLst/>
+            </a:prstGeom>
+            <a:solidFill>
+              <a:schemeClr val="dk2">
+                <a:alpha val="20000"/>
+              </a:schemeClr>
+            </a:solidFill>
+            <a:ln w="19050">
+              <a:solidFill>
+                <a:schemeClr val="tx1">
+                  <a:lumMod val="75000"/>
+                  <a:alpha val="80000"/>
+                </a:schemeClr>
+              </a:solidFill>
+            </a:ln>
+            <a:effectLst/>
+          </p:spPr>
+          <p:style>
+            <a:lnRef idx="2">
+              <a:schemeClr val="accent1">
+                <a:shade val="50000"/>
+              </a:schemeClr>
+            </a:lnRef>
+            <a:fillRef idx="1001">
+              <a:schemeClr val="dk2"/>
+            </a:fillRef>
+            <a:effectRef idx="0">
+              <a:schemeClr val="accent1"/>
+            </a:effectRef>
+            <a:fontRef idx="minor">
+              <a:schemeClr val="lt1"/>
+            </a:fontRef>
+          </p:style>
+          <p:txBody>
+            <a:bodyPr rot="0" spcFirstLastPara="0" vertOverflow="overflow" horzOverflow="overflow" vert="horz" wrap="square" lIns="91416" tIns="45708" rIns="91416" bIns="45708" numCol="1" spcCol="0" rtlCol="0" fromWordArt="0" anchor="ctr" anchorCtr="0" forceAA="0" compatLnSpc="1">
+              <a:prstTxWarp prst="textNoShape">
+                <a:avLst/>
+              </a:prstTxWarp>
+              <a:noAutofit/>
+            </a:bodyPr>
+            <a:lstStyle>
+              <a:defPPr>
+                <a:defRPr lang="en-US"/>
+              </a:defPPr>
+              <a:lvl1pPr algn="ctr">
+                <a:defRPr sz="2800" b="1">
+                  <a:solidFill>
+                    <a:srgbClr val="FFFFFF"/>
+                  </a:solidFill>
+                  <a:effectLst>
+                    <a:outerShdw blurRad="38100" dist="38100" dir="2700000" algn="tl">
+                      <a:srgbClr val="000000">
+                        <a:alpha val="43137"/>
+                      </a:srgbClr>
+                    </a:outerShdw>
+                  </a:effectLst>
+                </a:defRPr>
+              </a:lvl1pPr>
+              <a:lvl2pPr>
+                <a:defRPr>
+                  <a:solidFill>
+                    <a:schemeClr val="lt1"/>
+                  </a:solidFill>
+                </a:defRPr>
+              </a:lvl2pPr>
+              <a:lvl3pPr>
+                <a:defRPr>
+                  <a:solidFill>
+                    <a:schemeClr val="lt1"/>
+                  </a:solidFill>
+                </a:defRPr>
+              </a:lvl3pPr>
+              <a:lvl4pPr>
+                <a:defRPr>
+                  <a:solidFill>
+                    <a:schemeClr val="lt1"/>
+                  </a:solidFill>
+                </a:defRPr>
+              </a:lvl4pPr>
+              <a:lvl5pPr>
+                <a:defRPr>
+                  <a:solidFill>
+                    <a:schemeClr val="lt1"/>
+                  </a:solidFill>
+                </a:defRPr>
+              </a:lvl5pPr>
+              <a:lvl6pPr>
+                <a:defRPr>
+                  <a:solidFill>
+                    <a:schemeClr val="lt1"/>
+                  </a:solidFill>
+                </a:defRPr>
+              </a:lvl6pPr>
+              <a:lvl7pPr>
+                <a:defRPr>
+                  <a:solidFill>
+                    <a:schemeClr val="lt1"/>
+                  </a:solidFill>
+                </a:defRPr>
+              </a:lvl7pPr>
+              <a:lvl8pPr>
+                <a:defRPr>
+                  <a:solidFill>
+                    <a:schemeClr val="lt1"/>
+                  </a:solidFill>
+                </a:defRPr>
+              </a:lvl8pPr>
+              <a:lvl9pPr>
+                <a:defRPr>
+                  <a:solidFill>
+                    <a:schemeClr val="lt1"/>
+                  </a:solidFill>
+                </a:defRPr>
+              </a:lvl9pPr>
+            </a:lstStyle>
+            <a:p>
+              <a:r>
+                <a:rPr lang="en-US" sz="2799" noProof="1"/>
+                <a:t>10</a:t>
+              </a:r>
+            </a:p>
+          </p:txBody>
+        </p:sp>
+        <p:sp>
+          <p:nvSpPr>
+            <p:cNvPr id="48" name="Text Placeholder 7"/>
+            <p:cNvSpPr txBox="1">
+              <a:spLocks/>
+            </p:cNvSpPr>
+            <p:nvPr/>
+          </p:nvSpPr>
+          <p:spPr>
+            <a:xfrm flipH="1">
+              <a:off x="5397260" y="5798306"/>
+              <a:ext cx="1410569" cy="524725"/>
+            </a:xfrm>
+            <a:prstGeom prst="rect">
+              <a:avLst/>
+            </a:prstGeom>
+            <a:solidFill>
+              <a:schemeClr val="dk2">
+                <a:alpha val="20000"/>
+              </a:schemeClr>
+            </a:solidFill>
+            <a:ln w="19050">
+              <a:solidFill>
+                <a:schemeClr val="tx1">
+                  <a:lumMod val="75000"/>
+                  <a:alpha val="80000"/>
+                </a:schemeClr>
+              </a:solidFill>
+            </a:ln>
+            <a:effectLst/>
+          </p:spPr>
+          <p:style>
+            <a:lnRef idx="2">
+              <a:schemeClr val="accent1">
+                <a:shade val="50000"/>
+              </a:schemeClr>
+            </a:lnRef>
+            <a:fillRef idx="1001">
+              <a:schemeClr val="dk2"/>
+            </a:fillRef>
+            <a:effectRef idx="0">
+              <a:schemeClr val="accent1"/>
+            </a:effectRef>
+            <a:fontRef idx="minor">
+              <a:schemeClr val="lt1"/>
+            </a:fontRef>
+          </p:style>
+          <p:txBody>
+            <a:bodyPr rot="0" spcFirstLastPara="0" vertOverflow="overflow" horzOverflow="overflow" vert="horz" wrap="square" lIns="91416" tIns="45708" rIns="91416" bIns="45708" numCol="1" spcCol="0" rtlCol="0" fromWordArt="0" anchor="ctr" anchorCtr="0" forceAA="0" compatLnSpc="1">
+              <a:prstTxWarp prst="textNoShape">
+                <a:avLst/>
+              </a:prstTxWarp>
+              <a:noAutofit/>
+            </a:bodyPr>
+            <a:lstStyle>
+              <a:defPPr>
+                <a:defRPr lang="en-US"/>
+              </a:defPPr>
+              <a:lvl1pPr algn="ctr">
+                <a:defRPr sz="2800" b="1">
+                  <a:solidFill>
+                    <a:srgbClr val="FFFFFF"/>
+                  </a:solidFill>
+                  <a:effectLst>
+                    <a:outerShdw blurRad="38100" dist="38100" dir="2700000" algn="tl">
+                      <a:srgbClr val="000000">
+                        <a:alpha val="43137"/>
+                      </a:srgbClr>
+                    </a:outerShdw>
+                  </a:effectLst>
+                </a:defRPr>
+              </a:lvl1pPr>
+              <a:lvl2pPr>
+                <a:defRPr>
+                  <a:solidFill>
+                    <a:schemeClr val="lt1"/>
+                  </a:solidFill>
+                </a:defRPr>
+              </a:lvl2pPr>
+              <a:lvl3pPr>
+                <a:defRPr>
+                  <a:solidFill>
+                    <a:schemeClr val="lt1"/>
+                  </a:solidFill>
+                </a:defRPr>
+              </a:lvl3pPr>
+              <a:lvl4pPr>
+                <a:defRPr>
+                  <a:solidFill>
+                    <a:schemeClr val="lt1"/>
+                  </a:solidFill>
+                </a:defRPr>
+              </a:lvl4pPr>
+              <a:lvl5pPr>
+                <a:defRPr>
+                  <a:solidFill>
+                    <a:schemeClr val="lt1"/>
+                  </a:solidFill>
+                </a:defRPr>
+              </a:lvl5pPr>
+              <a:lvl6pPr>
+                <a:defRPr>
+                  <a:solidFill>
+                    <a:schemeClr val="lt1"/>
+                  </a:solidFill>
+                </a:defRPr>
+              </a:lvl6pPr>
+              <a:lvl7pPr>
+                <a:defRPr>
+                  <a:solidFill>
+                    <a:schemeClr val="lt1"/>
+                  </a:solidFill>
+                </a:defRPr>
+              </a:lvl7pPr>
+              <a:lvl8pPr>
+                <a:defRPr>
+                  <a:solidFill>
+                    <a:schemeClr val="lt1"/>
+                  </a:solidFill>
+                </a:defRPr>
+              </a:lvl8pPr>
+              <a:lvl9pPr>
+                <a:defRPr>
+                  <a:solidFill>
+                    <a:schemeClr val="lt1"/>
+                  </a:solidFill>
+                </a:defRPr>
+              </a:lvl9pPr>
+            </a:lstStyle>
+            <a:p>
+              <a:r>
+                <a:rPr lang="en-US" sz="2799" noProof="1"/>
+                <a:t>5</a:t>
+              </a:r>
+            </a:p>
+          </p:txBody>
+        </p:sp>
+        <p:sp>
+          <p:nvSpPr>
+            <p:cNvPr id="55" name="Down Arrow 54"/>
+            <p:cNvSpPr/>
+            <p:nvPr/>
+          </p:nvSpPr>
+          <p:spPr bwMode="auto">
+            <a:xfrm rot="16200000">
+              <a:off x="3184168" y="5684219"/>
+              <a:ext cx="180299" cy="760611"/>
+            </a:xfrm>
+            <a:prstGeom prst="downArrow">
+              <a:avLst/>
+            </a:prstGeom>
+            <a:solidFill>
+              <a:schemeClr val="dk2">
+                <a:alpha val="80000"/>
+              </a:schemeClr>
+            </a:solidFill>
+            <a:ln w="19050">
+              <a:solidFill>
+                <a:schemeClr val="tx1">
+                  <a:lumMod val="75000"/>
+                  <a:alpha val="80000"/>
+                </a:schemeClr>
+              </a:solidFill>
+            </a:ln>
+            <a:effectLst/>
+          </p:spPr>
+          <p:style>
+            <a:lnRef idx="2">
+              <a:schemeClr val="accent1">
+                <a:shade val="50000"/>
+              </a:schemeClr>
+            </a:lnRef>
+            <a:fillRef idx="1001">
+              <a:schemeClr val="dk2"/>
+            </a:fillRef>
+            <a:effectRef idx="0">
+              <a:schemeClr val="accent1"/>
+            </a:effectRef>
+            <a:fontRef idx="minor">
+              <a:schemeClr val="lt1"/>
+            </a:fontRef>
+          </p:style>
+          <p:txBody>
+            <a:bodyPr rot="0" spcFirstLastPara="0" vertOverflow="overflow" horzOverflow="overflow" vert="horz" wrap="square" lIns="91416" tIns="45708" rIns="91416" bIns="45708" numCol="1" spcCol="0" rtlCol="0" fromWordArt="0" anchor="ctr" anchorCtr="0" forceAA="0" compatLnSpc="1">
+              <a:prstTxWarp prst="textNoShape">
+                <a:avLst/>
+              </a:prstTxWarp>
+              <a:noAutofit/>
+            </a:bodyPr>
+            <a:lstStyle/>
+            <a:p>
+              <a:pPr algn="ctr"/>
+              <a:endParaRPr lang="en-US" sz="2799" b="1" dirty="0">
+                <a:solidFill>
+                  <a:srgbClr val="FFFFFF"/>
+                </a:solidFill>
+                <a:effectLst>
+                  <a:outerShdw blurRad="38100" dist="38100" dir="2700000" algn="tl">
+                    <a:srgbClr val="000000">
+                      <a:alpha val="43137"/>
+                    </a:srgbClr>
+                  </a:outerShdw>
+                </a:effectLst>
+              </a:endParaRPr>
+            </a:p>
+          </p:txBody>
+        </p:sp>
+        <p:sp>
+          <p:nvSpPr>
+            <p:cNvPr id="56" name="Down Arrow 55"/>
+            <p:cNvSpPr/>
+            <p:nvPr/>
+          </p:nvSpPr>
+          <p:spPr bwMode="auto">
+            <a:xfrm rot="16200000">
+              <a:off x="8840621" y="5686207"/>
+              <a:ext cx="180299" cy="760611"/>
+            </a:xfrm>
+            <a:prstGeom prst="downArrow">
+              <a:avLst/>
+            </a:prstGeom>
+            <a:solidFill>
+              <a:schemeClr val="dk2">
+                <a:alpha val="80000"/>
+              </a:schemeClr>
+            </a:solidFill>
+            <a:ln w="19050">
+              <a:solidFill>
+                <a:schemeClr val="tx1">
+                  <a:lumMod val="75000"/>
+                  <a:alpha val="80000"/>
+                </a:schemeClr>
+              </a:solidFill>
+            </a:ln>
+            <a:effectLst/>
+          </p:spPr>
+          <p:style>
+            <a:lnRef idx="2">
+              <a:schemeClr val="accent1">
+                <a:shade val="50000"/>
+              </a:schemeClr>
+            </a:lnRef>
+            <a:fillRef idx="1001">
+              <a:schemeClr val="dk2"/>
+            </a:fillRef>
+            <a:effectRef idx="0">
+              <a:schemeClr val="accent1"/>
+            </a:effectRef>
+            <a:fontRef idx="minor">
+              <a:schemeClr val="lt1"/>
+            </a:fontRef>
+          </p:style>
+          <p:txBody>
+            <a:bodyPr rot="0" spcFirstLastPara="0" vertOverflow="overflow" horzOverflow="overflow" vert="horz" wrap="square" lIns="91416" tIns="45708" rIns="91416" bIns="45708" numCol="1" spcCol="0" rtlCol="0" fromWordArt="0" anchor="ctr" anchorCtr="0" forceAA="0" compatLnSpc="1">
+              <a:prstTxWarp prst="textNoShape">
+                <a:avLst/>
+              </a:prstTxWarp>
+              <a:noAutofit/>
+            </a:bodyPr>
+            <a:lstStyle/>
+            <a:p>
+              <a:pPr algn="ctr"/>
+              <a:endParaRPr lang="en-US" sz="2799" b="1" dirty="0">
+                <a:solidFill>
+                  <a:srgbClr val="FFFFFF"/>
+                </a:solidFill>
+                <a:effectLst>
+                  <a:outerShdw blurRad="38100" dist="38100" dir="2700000" algn="tl">
+                    <a:srgbClr val="000000">
+                      <a:alpha val="43137"/>
+                    </a:srgbClr>
+                  </a:outerShdw>
+                </a:effectLst>
+              </a:endParaRPr>
+            </a:p>
+          </p:txBody>
+        </p:sp>
+      </p:grpSp>
+      <p:grpSp>
+        <p:nvGrpSpPr>
+          <p:cNvPr id="3" name="Group 2">
+            <a:extLst>
+              <a:ext uri="{FF2B5EF4-FFF2-40B4-BE49-F238E27FC236}">
+                <a16:creationId xmlns:a16="http://schemas.microsoft.com/office/drawing/2014/main" id="{8B83C689-A0F3-4E20-ACE2-91C2EA811D4B}"/>
+              </a:ext>
+            </a:extLst>
+          </p:cNvPr>
+          <p:cNvGrpSpPr/>
+          <p:nvPr/>
+        </p:nvGrpSpPr>
+        <p:grpSpPr>
+          <a:xfrm>
+            <a:off x="2896435" y="3906391"/>
+            <a:ext cx="6415393" cy="1216702"/>
+            <a:chOff x="2894012" y="3691254"/>
+            <a:chExt cx="6417064" cy="1217019"/>
+          </a:xfrm>
+        </p:grpSpPr>
+        <p:grpSp>
+          <p:nvGrpSpPr>
+            <p:cNvPr id="57" name="Group 56"/>
+            <p:cNvGrpSpPr/>
+            <p:nvPr/>
+          </p:nvGrpSpPr>
+          <p:grpSpPr>
+            <a:xfrm>
+              <a:off x="2894012" y="3951095"/>
+              <a:ext cx="6417064" cy="697338"/>
+              <a:chOff x="2894012" y="3951095"/>
+              <a:chExt cx="6417064" cy="697338"/>
+            </a:xfrm>
+          </p:grpSpPr>
+          <p:sp>
+            <p:nvSpPr>
+              <p:cNvPr id="36" name="Text Placeholder 7"/>
+              <p:cNvSpPr txBox="1">
+                <a:spLocks/>
+              </p:cNvSpPr>
+              <p:nvPr/>
+            </p:nvSpPr>
+            <p:spPr>
+              <a:xfrm flipH="1">
+                <a:off x="6930093" y="4057059"/>
+                <a:ext cx="1410569" cy="470546"/>
+              </a:xfrm>
+              <a:prstGeom prst="rect">
+                <a:avLst/>
+              </a:prstGeom>
+              <a:solidFill>
+                <a:schemeClr val="dk2">
+                  <a:alpha val="80000"/>
+                </a:schemeClr>
+              </a:solidFill>
+              <a:ln w="19050">
+                <a:solidFill>
+                  <a:schemeClr val="tx1">
+                    <a:lumMod val="75000"/>
+                    <a:alpha val="80000"/>
+                  </a:schemeClr>
+                </a:solidFill>
+              </a:ln>
+              <a:effectLst/>
+            </p:spPr>
+            <p:style>
+              <a:lnRef idx="2">
+                <a:schemeClr val="accent1">
+                  <a:shade val="50000"/>
+                </a:schemeClr>
+              </a:lnRef>
+              <a:fillRef idx="1001">
+                <a:schemeClr val="dk2"/>
+              </a:fillRef>
+              <a:effectRef idx="0">
+                <a:schemeClr val="accent1"/>
+              </a:effectRef>
+              <a:fontRef idx="minor">
+                <a:schemeClr val="lt1"/>
+              </a:fontRef>
+            </p:style>
+            <p:txBody>
+              <a:bodyPr rot="0" spcFirstLastPara="0" vertOverflow="overflow" horzOverflow="overflow" vert="horz" wrap="square" lIns="91416" tIns="45708" rIns="91416" bIns="45708" numCol="1" spcCol="0" rtlCol="0" fromWordArt="0" anchor="ctr" anchorCtr="0" forceAA="0" compatLnSpc="1">
+                <a:prstTxWarp prst="textNoShape">
+                  <a:avLst/>
+                </a:prstTxWarp>
+                <a:noAutofit/>
+              </a:bodyPr>
+              <a:lstStyle>
+                <a:defPPr>
+                  <a:defRPr lang="en-US"/>
+                </a:defPPr>
+                <a:lvl1pPr algn="ctr">
+                  <a:defRPr sz="2800" b="1">
+                    <a:solidFill>
+                      <a:srgbClr val="FFFFFF"/>
+                    </a:solidFill>
+                    <a:effectLst>
+                      <a:outerShdw blurRad="38100" dist="38100" dir="2700000" algn="tl">
+                        <a:srgbClr val="000000">
+                          <a:alpha val="43137"/>
+                        </a:srgbClr>
+                      </a:outerShdw>
+                    </a:effectLst>
+                  </a:defRPr>
+                </a:lvl1pPr>
+                <a:lvl2pPr>
+                  <a:defRPr>
+                    <a:solidFill>
+                      <a:schemeClr val="lt1"/>
+                    </a:solidFill>
+                  </a:defRPr>
+                </a:lvl2pPr>
+                <a:lvl3pPr>
+                  <a:defRPr>
+                    <a:solidFill>
+                      <a:schemeClr val="lt1"/>
+                    </a:solidFill>
+                  </a:defRPr>
+                </a:lvl3pPr>
+                <a:lvl4pPr>
+                  <a:defRPr>
+                    <a:solidFill>
+                      <a:schemeClr val="lt1"/>
+                    </a:solidFill>
+                  </a:defRPr>
+                </a:lvl4pPr>
+                <a:lvl5pPr>
+                  <a:defRPr>
+                    <a:solidFill>
+                      <a:schemeClr val="lt1"/>
+                    </a:solidFill>
+                  </a:defRPr>
+                </a:lvl5pPr>
+                <a:lvl6pPr>
+                  <a:defRPr>
+                    <a:solidFill>
+                      <a:schemeClr val="lt1"/>
+                    </a:solidFill>
+                  </a:defRPr>
+                </a:lvl6pPr>
+                <a:lvl7pPr>
+                  <a:defRPr>
+                    <a:solidFill>
+                      <a:schemeClr val="lt1"/>
+                    </a:solidFill>
+                  </a:defRPr>
+                </a:lvl7pPr>
+                <a:lvl8pPr>
+                  <a:defRPr>
+                    <a:solidFill>
+                      <a:schemeClr val="lt1"/>
+                    </a:solidFill>
+                  </a:defRPr>
+                </a:lvl8pPr>
+                <a:lvl9pPr>
+                  <a:defRPr>
+                    <a:solidFill>
+                      <a:schemeClr val="lt1"/>
+                    </a:solidFill>
+                  </a:defRPr>
+                </a:lvl9pPr>
+              </a:lstStyle>
+              <a:p>
+                <a:r>
+                  <a:rPr lang="en-US" sz="2799" noProof="1"/>
+                  <a:t>2</a:t>
+                </a:r>
+              </a:p>
+            </p:txBody>
+          </p:sp>
+          <p:sp>
+            <p:nvSpPr>
+              <p:cNvPr id="37" name="Text Placeholder 7"/>
+              <p:cNvSpPr txBox="1">
+                <a:spLocks/>
+              </p:cNvSpPr>
+              <p:nvPr/>
+            </p:nvSpPr>
+            <p:spPr>
+              <a:xfrm flipH="1">
+                <a:off x="3864426" y="4059738"/>
+                <a:ext cx="1410569" cy="467867"/>
+              </a:xfrm>
+              <a:prstGeom prst="rect">
+                <a:avLst/>
+              </a:prstGeom>
+              <a:solidFill>
+                <a:schemeClr val="dk2">
+                  <a:alpha val="20000"/>
+                </a:schemeClr>
+              </a:solidFill>
+              <a:ln w="19050">
+                <a:solidFill>
+                  <a:schemeClr val="tx1">
+                    <a:lumMod val="75000"/>
+                    <a:alpha val="80000"/>
+                  </a:schemeClr>
+                </a:solidFill>
+              </a:ln>
+              <a:effectLst/>
+            </p:spPr>
+            <p:style>
+              <a:lnRef idx="2">
+                <a:schemeClr val="accent1">
+                  <a:shade val="50000"/>
+                </a:schemeClr>
+              </a:lnRef>
+              <a:fillRef idx="1001">
+                <a:schemeClr val="dk2"/>
+              </a:fillRef>
+              <a:effectRef idx="0">
+                <a:schemeClr val="accent1"/>
+              </a:effectRef>
+              <a:fontRef idx="minor">
+                <a:schemeClr val="lt1"/>
+              </a:fontRef>
+            </p:style>
+            <p:txBody>
+              <a:bodyPr rot="0" spcFirstLastPara="0" vertOverflow="overflow" horzOverflow="overflow" vert="horz" wrap="square" lIns="91416" tIns="45708" rIns="91416" bIns="45708" numCol="1" spcCol="0" rtlCol="0" fromWordArt="0" anchor="ctr" anchorCtr="0" forceAA="0" compatLnSpc="1">
+                <a:prstTxWarp prst="textNoShape">
+                  <a:avLst/>
+                </a:prstTxWarp>
+                <a:noAutofit/>
+              </a:bodyPr>
+              <a:lstStyle>
+                <a:defPPr>
+                  <a:defRPr lang="en-US"/>
+                </a:defPPr>
+                <a:lvl1pPr algn="ctr">
+                  <a:defRPr sz="2800" b="1">
+                    <a:solidFill>
+                      <a:srgbClr val="FFFFFF"/>
+                    </a:solidFill>
+                    <a:effectLst>
+                      <a:outerShdw blurRad="38100" dist="38100" dir="2700000" algn="tl">
+                        <a:srgbClr val="000000">
+                          <a:alpha val="43137"/>
+                        </a:srgbClr>
+                      </a:outerShdw>
+                    </a:effectLst>
+                  </a:defRPr>
+                </a:lvl1pPr>
+                <a:lvl2pPr>
+                  <a:defRPr>
+                    <a:solidFill>
+                      <a:schemeClr val="lt1"/>
+                    </a:solidFill>
+                  </a:defRPr>
+                </a:lvl2pPr>
+                <a:lvl3pPr>
+                  <a:defRPr>
+                    <a:solidFill>
+                      <a:schemeClr val="lt1"/>
+                    </a:solidFill>
+                  </a:defRPr>
+                </a:lvl3pPr>
+                <a:lvl4pPr>
+                  <a:defRPr>
+                    <a:solidFill>
+                      <a:schemeClr val="lt1"/>
+                    </a:solidFill>
+                  </a:defRPr>
+                </a:lvl4pPr>
+                <a:lvl5pPr>
+                  <a:defRPr>
+                    <a:solidFill>
+                      <a:schemeClr val="lt1"/>
+                    </a:solidFill>
+                  </a:defRPr>
+                </a:lvl5pPr>
+                <a:lvl6pPr>
+                  <a:defRPr>
+                    <a:solidFill>
+                      <a:schemeClr val="lt1"/>
+                    </a:solidFill>
+                  </a:defRPr>
+                </a:lvl6pPr>
+                <a:lvl7pPr>
+                  <a:defRPr>
+                    <a:solidFill>
+                      <a:schemeClr val="lt1"/>
+                    </a:solidFill>
+                  </a:defRPr>
+                </a:lvl7pPr>
+                <a:lvl8pPr>
+                  <a:defRPr>
+                    <a:solidFill>
+                      <a:schemeClr val="lt1"/>
+                    </a:solidFill>
+                  </a:defRPr>
+                </a:lvl8pPr>
+                <a:lvl9pPr>
+                  <a:defRPr>
+                    <a:solidFill>
+                      <a:schemeClr val="lt1"/>
+                    </a:solidFill>
+                  </a:defRPr>
+                </a:lvl9pPr>
+              </a:lstStyle>
+              <a:p>
+                <a:r>
+                  <a:rPr lang="en-US" sz="2799" noProof="1"/>
+                  <a:t>10</a:t>
+                </a:r>
+              </a:p>
+            </p:txBody>
+          </p:sp>
+          <p:sp>
+            <p:nvSpPr>
+              <p:cNvPr id="38" name="Text Placeholder 7"/>
+              <p:cNvSpPr txBox="1">
+                <a:spLocks/>
+              </p:cNvSpPr>
+              <p:nvPr/>
+            </p:nvSpPr>
+            <p:spPr>
+              <a:xfrm flipH="1">
+                <a:off x="5397260" y="4057058"/>
+                <a:ext cx="1410569" cy="470547"/>
+              </a:xfrm>
+              <a:prstGeom prst="rect">
+                <a:avLst/>
+              </a:prstGeom>
+              <a:solidFill>
+                <a:schemeClr val="dk2">
+                  <a:alpha val="20000"/>
+                </a:schemeClr>
+              </a:solidFill>
+              <a:ln w="19050">
+                <a:solidFill>
+                  <a:schemeClr val="tx1">
+                    <a:lumMod val="75000"/>
+                    <a:alpha val="80000"/>
+                  </a:schemeClr>
+                </a:solidFill>
+              </a:ln>
+              <a:effectLst/>
+            </p:spPr>
+            <p:style>
+              <a:lnRef idx="2">
+                <a:schemeClr val="accent1">
+                  <a:shade val="50000"/>
+                </a:schemeClr>
+              </a:lnRef>
+              <a:fillRef idx="1001">
+                <a:schemeClr val="dk2"/>
+              </a:fillRef>
+              <a:effectRef idx="0">
+                <a:schemeClr val="accent1"/>
+              </a:effectRef>
+              <a:fontRef idx="minor">
+                <a:schemeClr val="lt1"/>
+              </a:fontRef>
+            </p:style>
+            <p:txBody>
+              <a:bodyPr rot="0" spcFirstLastPara="0" vertOverflow="overflow" horzOverflow="overflow" vert="horz" wrap="square" lIns="91416" tIns="45708" rIns="91416" bIns="45708" numCol="1" spcCol="0" rtlCol="0" fromWordArt="0" anchor="ctr" anchorCtr="0" forceAA="0" compatLnSpc="1">
+                <a:prstTxWarp prst="textNoShape">
+                  <a:avLst/>
+                </a:prstTxWarp>
+                <a:noAutofit/>
+              </a:bodyPr>
+              <a:lstStyle>
+                <a:defPPr>
+                  <a:defRPr lang="en-US"/>
+                </a:defPPr>
+                <a:lvl1pPr algn="ctr">
+                  <a:defRPr sz="2800" b="1">
+                    <a:solidFill>
+                      <a:srgbClr val="FFFFFF"/>
+                    </a:solidFill>
+                    <a:effectLst>
+                      <a:outerShdw blurRad="38100" dist="38100" dir="2700000" algn="tl">
+                        <a:srgbClr val="000000">
+                          <a:alpha val="43137"/>
+                        </a:srgbClr>
+                      </a:outerShdw>
+                    </a:effectLst>
+                  </a:defRPr>
+                </a:lvl1pPr>
+                <a:lvl2pPr>
+                  <a:defRPr>
+                    <a:solidFill>
+                      <a:schemeClr val="lt1"/>
+                    </a:solidFill>
+                  </a:defRPr>
+                </a:lvl2pPr>
+                <a:lvl3pPr>
+                  <a:defRPr>
+                    <a:solidFill>
+                      <a:schemeClr val="lt1"/>
+                    </a:solidFill>
+                  </a:defRPr>
+                </a:lvl3pPr>
+                <a:lvl4pPr>
+                  <a:defRPr>
+                    <a:solidFill>
+                      <a:schemeClr val="lt1"/>
+                    </a:solidFill>
+                  </a:defRPr>
+                </a:lvl4pPr>
+                <a:lvl5pPr>
+                  <a:defRPr>
+                    <a:solidFill>
+                      <a:schemeClr val="lt1"/>
+                    </a:solidFill>
+                  </a:defRPr>
+                </a:lvl5pPr>
+                <a:lvl6pPr>
+                  <a:defRPr>
+                    <a:solidFill>
+                      <a:schemeClr val="lt1"/>
+                    </a:solidFill>
+                  </a:defRPr>
+                </a:lvl6pPr>
+                <a:lvl7pPr>
+                  <a:defRPr>
+                    <a:solidFill>
+                      <a:schemeClr val="lt1"/>
+                    </a:solidFill>
+                  </a:defRPr>
+                </a:lvl7pPr>
+                <a:lvl8pPr>
+                  <a:defRPr>
+                    <a:solidFill>
+                      <a:schemeClr val="lt1"/>
+                    </a:solidFill>
+                  </a:defRPr>
+                </a:lvl8pPr>
+                <a:lvl9pPr>
+                  <a:defRPr>
+                    <a:solidFill>
+                      <a:schemeClr val="lt1"/>
+                    </a:solidFill>
+                  </a:defRPr>
+                </a:lvl9pPr>
+              </a:lstStyle>
+              <a:p>
+                <a:r>
+                  <a:rPr lang="en-US" sz="2799" noProof="1"/>
+                  <a:t>5</a:t>
+                </a:r>
+              </a:p>
+            </p:txBody>
+          </p:sp>
+          <p:sp>
+            <p:nvSpPr>
+              <p:cNvPr id="49" name="Text Placeholder 7"/>
+              <p:cNvSpPr txBox="1">
+                <a:spLocks/>
+              </p:cNvSpPr>
+              <p:nvPr/>
+            </p:nvSpPr>
+            <p:spPr>
+              <a:xfrm flipH="1">
+                <a:off x="3725534" y="3951095"/>
+                <a:ext cx="4731792" cy="697338"/>
+              </a:xfrm>
+              <a:prstGeom prst="rect">
+                <a:avLst/>
+              </a:prstGeom>
+              <a:solidFill>
+                <a:schemeClr val="dk2">
+                  <a:alpha val="15000"/>
+                </a:schemeClr>
+              </a:solidFill>
+              <a:ln w="19050">
+                <a:solidFill>
+                  <a:schemeClr val="tx1">
+                    <a:lumMod val="75000"/>
+                    <a:alpha val="80000"/>
+                  </a:schemeClr>
+                </a:solidFill>
+              </a:ln>
+              <a:effectLst/>
+            </p:spPr>
+            <p:style>
+              <a:lnRef idx="2">
+                <a:schemeClr val="accent1">
+                  <a:shade val="50000"/>
+                </a:schemeClr>
+              </a:lnRef>
+              <a:fillRef idx="1001">
+                <a:schemeClr val="dk2"/>
+              </a:fillRef>
+              <a:effectRef idx="0">
+                <a:schemeClr val="accent1"/>
+              </a:effectRef>
+              <a:fontRef idx="minor">
+                <a:schemeClr val="lt1"/>
+              </a:fontRef>
+            </p:style>
+            <p:txBody>
+              <a:bodyPr rot="0" spcFirstLastPara="0" vertOverflow="overflow" horzOverflow="overflow" vert="horz" wrap="square" lIns="91416" tIns="45708" rIns="91416" bIns="45708" numCol="1" spcCol="0" rtlCol="0" fromWordArt="0" anchor="ctr" anchorCtr="0" forceAA="0" compatLnSpc="1">
+                <a:prstTxWarp prst="textNoShape">
+                  <a:avLst/>
+                </a:prstTxWarp>
+                <a:noAutofit/>
+              </a:bodyPr>
+              <a:lstStyle>
+                <a:defPPr>
+                  <a:defRPr lang="en-US"/>
+                </a:defPPr>
+                <a:lvl1pPr algn="ctr">
+                  <a:defRPr sz="2800" b="1">
+                    <a:solidFill>
+                      <a:srgbClr val="FFFFFF"/>
+                    </a:solidFill>
+                    <a:effectLst>
+                      <a:outerShdw blurRad="38100" dist="38100" dir="2700000" algn="tl">
+                        <a:srgbClr val="000000">
+                          <a:alpha val="43137"/>
+                        </a:srgbClr>
+                      </a:outerShdw>
+                    </a:effectLst>
+                  </a:defRPr>
+                </a:lvl1pPr>
+                <a:lvl2pPr>
+                  <a:defRPr>
+                    <a:solidFill>
+                      <a:schemeClr val="lt1"/>
+                    </a:solidFill>
+                  </a:defRPr>
+                </a:lvl2pPr>
+                <a:lvl3pPr>
+                  <a:defRPr>
+                    <a:solidFill>
+                      <a:schemeClr val="lt1"/>
+                    </a:solidFill>
+                  </a:defRPr>
+                </a:lvl3pPr>
+                <a:lvl4pPr>
+                  <a:defRPr>
+                    <a:solidFill>
+                      <a:schemeClr val="lt1"/>
+                    </a:solidFill>
+                  </a:defRPr>
+                </a:lvl4pPr>
+                <a:lvl5pPr>
+                  <a:defRPr>
+                    <a:solidFill>
+                      <a:schemeClr val="lt1"/>
+                    </a:solidFill>
+                  </a:defRPr>
+                </a:lvl5pPr>
+                <a:lvl6pPr>
+                  <a:defRPr>
+                    <a:solidFill>
+                      <a:schemeClr val="lt1"/>
+                    </a:solidFill>
+                  </a:defRPr>
+                </a:lvl6pPr>
+                <a:lvl7pPr>
+                  <a:defRPr>
+                    <a:solidFill>
+                      <a:schemeClr val="lt1"/>
+                    </a:solidFill>
+                  </a:defRPr>
+                </a:lvl7pPr>
+                <a:lvl8pPr>
+                  <a:defRPr>
+                    <a:solidFill>
+                      <a:schemeClr val="lt1"/>
+                    </a:solidFill>
+                  </a:defRPr>
+                </a:lvl8pPr>
+                <a:lvl9pPr>
+                  <a:defRPr>
+                    <a:solidFill>
+                      <a:schemeClr val="lt1"/>
+                    </a:solidFill>
+                  </a:defRPr>
+                </a:lvl9pPr>
+              </a:lstStyle>
+              <a:p>
+                <a:endParaRPr lang="en-US" sz="2799" noProof="1"/>
+              </a:p>
+            </p:txBody>
+          </p:sp>
+          <p:sp>
+            <p:nvSpPr>
+              <p:cNvPr id="53" name="Down Arrow 52"/>
+              <p:cNvSpPr/>
+              <p:nvPr/>
+            </p:nvSpPr>
+            <p:spPr bwMode="auto">
+              <a:xfrm rot="16200000">
+                <a:off x="3184168" y="3921649"/>
+                <a:ext cx="180299" cy="760611"/>
+              </a:xfrm>
+              <a:prstGeom prst="downArrow">
+                <a:avLst/>
+              </a:prstGeom>
+              <a:solidFill>
+                <a:schemeClr val="dk2">
+                  <a:alpha val="80000"/>
+                </a:schemeClr>
+              </a:solidFill>
+              <a:ln w="19050">
+                <a:solidFill>
+                  <a:schemeClr val="tx1">
+                    <a:lumMod val="75000"/>
+                    <a:alpha val="80000"/>
+                  </a:schemeClr>
+                </a:solidFill>
+              </a:ln>
+              <a:effectLst/>
+            </p:spPr>
+            <p:style>
+              <a:lnRef idx="2">
+                <a:schemeClr val="accent1">
+                  <a:shade val="50000"/>
+                </a:schemeClr>
+              </a:lnRef>
+              <a:fillRef idx="1001">
+                <a:schemeClr val="dk2"/>
+              </a:fillRef>
+              <a:effectRef idx="0">
+                <a:schemeClr val="accent1"/>
+              </a:effectRef>
+              <a:fontRef idx="minor">
+                <a:schemeClr val="lt1"/>
+              </a:fontRef>
+            </p:style>
+            <p:txBody>
+              <a:bodyPr rot="0" spcFirstLastPara="0" vertOverflow="overflow" horzOverflow="overflow" vert="horz" wrap="square" lIns="91416" tIns="45708" rIns="91416" bIns="45708" numCol="1" spcCol="0" rtlCol="0" fromWordArt="0" anchor="ctr" anchorCtr="0" forceAA="0" compatLnSpc="1">
+                <a:prstTxWarp prst="textNoShape">
+                  <a:avLst/>
+                </a:prstTxWarp>
+                <a:noAutofit/>
+              </a:bodyPr>
+              <a:lstStyle/>
+              <a:p>
+                <a:pPr algn="ctr"/>
+                <a:endParaRPr lang="en-US" sz="2799" b="1" dirty="0">
+                  <a:solidFill>
+                    <a:srgbClr val="FFFFFF"/>
+                  </a:solidFill>
+                  <a:effectLst>
+                    <a:outerShdw blurRad="38100" dist="38100" dir="2700000" algn="tl">
+                      <a:srgbClr val="000000">
+                        <a:alpha val="43137"/>
+                      </a:srgbClr>
+                    </a:outerShdw>
+                  </a:effectLst>
+                </a:endParaRPr>
+              </a:p>
+            </p:txBody>
+          </p:sp>
+          <p:sp>
+            <p:nvSpPr>
+              <p:cNvPr id="54" name="Down Arrow 53"/>
+              <p:cNvSpPr/>
+              <p:nvPr/>
+            </p:nvSpPr>
+            <p:spPr bwMode="auto">
+              <a:xfrm rot="16200000">
+                <a:off x="8840621" y="3923637"/>
+                <a:ext cx="180299" cy="760611"/>
+              </a:xfrm>
+              <a:prstGeom prst="downArrow">
+                <a:avLst/>
+              </a:prstGeom>
+              <a:solidFill>
+                <a:schemeClr val="dk2">
+                  <a:alpha val="80000"/>
+                </a:schemeClr>
+              </a:solidFill>
+              <a:ln w="19050">
+                <a:solidFill>
+                  <a:schemeClr val="tx1">
+                    <a:lumMod val="75000"/>
+                    <a:alpha val="80000"/>
+                  </a:schemeClr>
+                </a:solidFill>
+              </a:ln>
+              <a:effectLst/>
+            </p:spPr>
+            <p:style>
+              <a:lnRef idx="2">
+                <a:schemeClr val="accent1">
+                  <a:shade val="50000"/>
+                </a:schemeClr>
+              </a:lnRef>
+              <a:fillRef idx="1001">
+                <a:schemeClr val="dk2"/>
+              </a:fillRef>
+              <a:effectRef idx="0">
+                <a:schemeClr val="accent1"/>
+              </a:effectRef>
+              <a:fontRef idx="minor">
+                <a:schemeClr val="lt1"/>
+              </a:fontRef>
+            </p:style>
+            <p:txBody>
+              <a:bodyPr rot="0" spcFirstLastPara="0" vertOverflow="overflow" horzOverflow="overflow" vert="horz" wrap="square" lIns="91416" tIns="45708" rIns="91416" bIns="45708" numCol="1" spcCol="0" rtlCol="0" fromWordArt="0" anchor="ctr" anchorCtr="0" forceAA="0" compatLnSpc="1">
+                <a:prstTxWarp prst="textNoShape">
+                  <a:avLst/>
+                </a:prstTxWarp>
+                <a:noAutofit/>
+              </a:bodyPr>
+              <a:lstStyle/>
+              <a:p>
+                <a:pPr algn="ctr"/>
+                <a:endParaRPr lang="en-US" sz="2799" b="1" dirty="0">
+                  <a:solidFill>
+                    <a:srgbClr val="FFFFFF"/>
+                  </a:solidFill>
+                  <a:effectLst>
+                    <a:outerShdw blurRad="38100" dist="38100" dir="2700000" algn="tl">
+                      <a:srgbClr val="000000">
+                        <a:alpha val="43137"/>
+                      </a:srgbClr>
+                    </a:outerShdw>
+                  </a:effectLst>
+                </a:endParaRPr>
+              </a:p>
+            </p:txBody>
+          </p:sp>
+        </p:grpSp>
+        <p:sp>
+          <p:nvSpPr>
+            <p:cNvPr id="28" name="Multiplication Sign 30">
+              <a:extLst>
+                <a:ext uri="{FF2B5EF4-FFF2-40B4-BE49-F238E27FC236}">
+                  <a16:creationId xmlns:a16="http://schemas.microsoft.com/office/drawing/2014/main" id="{26A0EB8D-99AD-4876-BA6E-F1AB93EBC03F}"/>
+                </a:ext>
+              </a:extLst>
+            </p:cNvPr>
+            <p:cNvSpPr/>
+            <p:nvPr/>
+          </p:nvSpPr>
+          <p:spPr>
+            <a:xfrm flipH="1">
+              <a:off x="6958676" y="3691254"/>
+              <a:ext cx="1386688" cy="1217019"/>
+            </a:xfrm>
+            <a:prstGeom prst="mathMultiply">
+              <a:avLst/>
+            </a:prstGeom>
+            <a:solidFill>
+              <a:schemeClr val="tx1">
+                <a:alpha val="35000"/>
+              </a:schemeClr>
+            </a:solidFill>
+            <a:ln w="19050">
+              <a:solidFill>
+                <a:schemeClr val="tx1">
+                  <a:lumMod val="75000"/>
+                  <a:alpha val="80000"/>
+                </a:schemeClr>
+              </a:solidFill>
+            </a:ln>
+            <a:effectLst/>
+          </p:spPr>
+          <p:style>
+            <a:lnRef idx="2">
+              <a:schemeClr val="accent1">
+                <a:shade val="50000"/>
+              </a:schemeClr>
+            </a:lnRef>
+            <a:fillRef idx="1001">
+              <a:schemeClr val="dk2"/>
+            </a:fillRef>
+            <a:effectRef idx="0">
+              <a:schemeClr val="accent1"/>
+            </a:effectRef>
+            <a:fontRef idx="minor">
+              <a:schemeClr val="lt1"/>
+            </a:fontRef>
+          </p:style>
+          <p:txBody>
+            <a:bodyPr rot="0" spcFirstLastPara="0" vertOverflow="overflow" horzOverflow="overflow" vert="horz" wrap="square" lIns="91416" tIns="45708" rIns="91416" bIns="45708" numCol="1" spcCol="0" rtlCol="0" fromWordArt="0" anchor="ctr" anchorCtr="0" forceAA="0" compatLnSpc="1">
+              <a:prstTxWarp prst="textNoShape">
+                <a:avLst/>
+              </a:prstTxWarp>
+              <a:noAutofit/>
+            </a:bodyPr>
+            <a:lstStyle/>
+            <a:p>
+              <a:pPr algn="ctr"/>
+              <a:endParaRPr lang="en-GB" sz="2799" b="1" dirty="0">
+                <a:solidFill>
+                  <a:srgbClr val="FFFFFF"/>
+                </a:solidFill>
+                <a:effectLst>
+                  <a:outerShdw blurRad="38100" dist="38100" dir="2700000" algn="tl">
+                    <a:srgbClr val="000000">
+                      <a:alpha val="43137"/>
+                    </a:srgbClr>
+                  </a:outerShdw>
+                </a:effectLst>
+              </a:endParaRPr>
+            </a:p>
+          </p:txBody>
+        </p:sp>
+      </p:grpSp>
+      <p:sp>
+        <p:nvSpPr>
+          <p:cNvPr id="29" name="Slide Number">
+            <a:extLst>
+              <a:ext uri="{FF2B5EF4-FFF2-40B4-BE49-F238E27FC236}">
+                <a16:creationId xmlns:a16="http://schemas.microsoft.com/office/drawing/2014/main" id="{3A3800C1-0FC4-4A6A-B7AC-2C8ABCBC8AB6}"/>
+              </a:ext>
+            </a:extLst>
+          </p:cNvPr>
+          <p:cNvSpPr txBox="1">
+            <a:spLocks/>
+          </p:cNvSpPr>
+          <p:nvPr/>
+        </p:nvSpPr>
+        <p:spPr>
+          <a:xfrm>
+            <a:off x="11753030" y="6507000"/>
+            <a:ext cx="367414" cy="297000"/>
+          </a:xfrm>
+          <a:prstGeom prst="rect">
+            <a:avLst/>
+          </a:prstGeom>
+        </p:spPr>
+        <p:txBody>
+          <a:bodyPr vert="horz" lIns="91440" tIns="45720" rIns="91440" bIns="45720" rtlCol="0" anchor="b"/>
+          <a:lstStyle>
+            <a:defPPr>
+              <a:defRPr lang="en-US"/>
+            </a:defPPr>
+            <a:lvl1pPr marL="0" algn="r" defTabSz="914400" rtl="0" eaLnBrk="1" latinLnBrk="0" hangingPunct="1">
+              <a:defRPr sz="1000" kern="1200">
+                <a:solidFill>
+                  <a:schemeClr val="tx1"/>
+                </a:solidFill>
+                <a:latin typeface="+mn-lt"/>
+                <a:ea typeface="+mn-ea"/>
+                <a:cs typeface="+mn-cs"/>
+              </a:defRPr>
+            </a:lvl1pPr>
+            <a:lvl2pPr marL="457200" algn="l" defTabSz="914400" rtl="0" eaLnBrk="1" latinLnBrk="0" hangingPunct="1">
+              <a:defRPr sz="1800" kern="1200">
+                <a:solidFill>
+                  <a:schemeClr val="tx1"/>
+                </a:solidFill>
+                <a:latin typeface="+mn-lt"/>
+                <a:ea typeface="+mn-ea"/>
+                <a:cs typeface="+mn-cs"/>
+              </a:defRPr>
+            </a:lvl2pPr>
+            <a:lvl3pPr marL="914400" algn="l" defTabSz="914400" rtl="0" eaLnBrk="1" latinLnBrk="0" hangingPunct="1">
+              <a:defRPr sz="1800" kern="1200">
+                <a:solidFill>
+                  <a:schemeClr val="tx1"/>
+                </a:solidFill>
+                <a:latin typeface="+mn-lt"/>
+                <a:ea typeface="+mn-ea"/>
+                <a:cs typeface="+mn-cs"/>
+              </a:defRPr>
+            </a:lvl3pPr>
+            <a:lvl4pPr marL="1371600" algn="l" defTabSz="914400" rtl="0" eaLnBrk="1" latinLnBrk="0" hangingPunct="1">
+              <a:defRPr sz="1800" kern="1200">
+                <a:solidFill>
+                  <a:schemeClr val="tx1"/>
+                </a:solidFill>
+                <a:latin typeface="+mn-lt"/>
+                <a:ea typeface="+mn-ea"/>
+                <a:cs typeface="+mn-cs"/>
+              </a:defRPr>
+            </a:lvl4pPr>
+            <a:lvl5pPr marL="1828800" algn="l" defTabSz="914400" rtl="0" eaLnBrk="1" latinLnBrk="0" hangingPunct="1">
+              <a:defRPr sz="1800" kern="1200">
+                <a:solidFill>
+                  <a:schemeClr val="tx1"/>
+                </a:solidFill>
+                <a:latin typeface="+mn-lt"/>
+                <a:ea typeface="+mn-ea"/>
+                <a:cs typeface="+mn-cs"/>
+              </a:defRPr>
+            </a:lvl5pPr>
+            <a:lvl6pPr marL="2286000" algn="l" defTabSz="914400" rtl="0" eaLnBrk="1" latinLnBrk="0" hangingPunct="1">
+              <a:defRPr sz="1800" kern="1200">
+                <a:solidFill>
+                  <a:schemeClr val="tx1"/>
+                </a:solidFill>
+                <a:latin typeface="+mn-lt"/>
+                <a:ea typeface="+mn-ea"/>
+                <a:cs typeface="+mn-cs"/>
+              </a:defRPr>
+            </a:lvl6pPr>
+            <a:lvl7pPr marL="2743200" algn="l" defTabSz="914400" rtl="0" eaLnBrk="1" latinLnBrk="0" hangingPunct="1">
+              <a:defRPr sz="1800" kern="1200">
+                <a:solidFill>
+                  <a:schemeClr val="tx1"/>
+                </a:solidFill>
+                <a:latin typeface="+mn-lt"/>
+                <a:ea typeface="+mn-ea"/>
+                <a:cs typeface="+mn-cs"/>
+              </a:defRPr>
+            </a:lvl7pPr>
+            <a:lvl8pPr marL="3200400" algn="l" defTabSz="914400" rtl="0" eaLnBrk="1" latinLnBrk="0" hangingPunct="1">
+              <a:defRPr sz="1800" kern="1200">
+                <a:solidFill>
+                  <a:schemeClr val="tx1"/>
+                </a:solidFill>
+                <a:latin typeface="+mn-lt"/>
+                <a:ea typeface="+mn-ea"/>
+                <a:cs typeface="+mn-cs"/>
+              </a:defRPr>
+            </a:lvl8pPr>
+            <a:lvl9pPr marL="3657600" algn="l" defTabSz="914400" rtl="0" eaLnBrk="1" latinLnBrk="0" hangingPunct="1">
+              <a:defRPr sz="1800" kern="1200">
+                <a:solidFill>
+                  <a:schemeClr val="tx1"/>
+                </a:solidFill>
+                <a:latin typeface="+mn-lt"/>
+                <a:ea typeface="+mn-ea"/>
+                <a:cs typeface="+mn-cs"/>
+              </a:defRPr>
+            </a:lvl9pPr>
+          </a:lstStyle>
+          <a:p>
+            <a:fld id="{2BF067CD-8E6B-4360-9AA8-C5DF2A48A6D1}" type="slidenum">
+              <a:rPr lang="en-US" smtClean="0"/>
+              <a:pPr/>
+              <a:t>19</a:t>
+            </a:fld>
+            <a:endParaRPr lang="en-US" dirty="0"/>
           </a:p>
         </p:txBody>
       </p:sp>
     </p:spTree>
     <p:extLst>
       <p:ext uri="{BB962C8B-B14F-4D97-AF65-F5344CB8AC3E}">
-        <p14:creationId xmlns:p14="http://schemas.microsoft.com/office/powerpoint/2010/main" val="2242700130"/>
+        <p14:creationId xmlns:p14="http://schemas.microsoft.com/office/powerpoint/2010/main" val="1678546759"/>
       </p:ext>
     </p:extLst>
   </p:cSld>
   <p:clrMapOvr>
     <a:masterClrMapping/>
   </p:clrMapOvr>
-  <mc:AlternateContent xmlns:mc="http://schemas.openxmlformats.org/markup-compatibility/2006">
-    <mc:Choice xmlns:p14="http://schemas.microsoft.com/office/powerpoint/2010/main" Requires="p14">
-      <p:transition spd="slow" p14:dur="2000" advClick="0" advTm="5000"/>
+  <mc:AlternateContent xmlns:mc="http://schemas.openxmlformats.org/markup-compatibility/2006" xmlns:p14="http://schemas.microsoft.com/office/powerpoint/2010/main">
+    <mc:Choice Requires="p14">
+      <p:transition p14:dur="0"/>
     </mc:Choice>
-    <mc:Fallback>
-      <p:transition spd="slow" advClick="0" advTm="5000"/>
+    <mc:Fallback xmlns="">
+      <p:transition/>
     </mc:Fallback>
   </mc:AlternateContent>
+  <p:timing>
+    <p:tnLst>
+      <p:par>
+        <p:cTn id="1" dur="indefinite" restart="never" nodeType="tmRoot">
+          <p:childTnLst>
+            <p:seq concurrent="1" nextAc="seek">
+              <p:cTn id="2" dur="indefinite" nodeType="mainSeq">
+                <p:childTnLst>
+                  <p:par>
+                    <p:cTn id="3" fill="hold">
+                      <p:stCondLst>
+                        <p:cond delay="indefinite"/>
+                      </p:stCondLst>
+                      <p:childTnLst>
+                        <p:par>
+                          <p:cTn id="4" fill="hold">
+                            <p:stCondLst>
+                              <p:cond delay="0"/>
+                            </p:stCondLst>
+                            <p:childTnLst>
+                              <p:par>
+                                <p:cTn id="5" presetID="1" presetClass="entr" presetSubtype="0" fill="hold" nodeType="clickEffect">
+                                  <p:stCondLst>
+                                    <p:cond delay="0"/>
+                                  </p:stCondLst>
+                                  <p:childTnLst>
+                                    <p:set>
+                                      <p:cBhvr>
+                                        <p:cTn id="6" dur="1" fill="hold">
+                                          <p:stCondLst>
+                                            <p:cond delay="0"/>
+                                          </p:stCondLst>
+                                        </p:cTn>
+                                        <p:tgtEl>
+                                          <p:spTgt spid="6">
+                                            <p:txEl>
+                                              <p:pRg st="1" end="1"/>
+                                            </p:txEl>
+                                          </p:spTgt>
+                                        </p:tgtEl>
+                                        <p:attrNameLst>
+                                          <p:attrName>style.visibility</p:attrName>
+                                        </p:attrNameLst>
+                                      </p:cBhvr>
+                                      <p:to>
+                                        <p:strVal val="visible"/>
+                                      </p:to>
+                                    </p:set>
+                                  </p:childTnLst>
+                                </p:cTn>
+                              </p:par>
+                              <p:par>
+                                <p:cTn id="7" presetID="1" presetClass="entr" presetSubtype="0" fill="hold" nodeType="withEffect">
+                                  <p:stCondLst>
+                                    <p:cond delay="0"/>
+                                  </p:stCondLst>
+                                  <p:childTnLst>
+                                    <p:set>
+                                      <p:cBhvr>
+                                        <p:cTn id="8" dur="1" fill="hold">
+                                          <p:stCondLst>
+                                            <p:cond delay="0"/>
+                                          </p:stCondLst>
+                                        </p:cTn>
+                                        <p:tgtEl>
+                                          <p:spTgt spid="15"/>
+                                        </p:tgtEl>
+                                        <p:attrNameLst>
+                                          <p:attrName>style.visibility</p:attrName>
+                                        </p:attrNameLst>
+                                      </p:cBhvr>
+                                      <p:to>
+                                        <p:strVal val="visible"/>
+                                      </p:to>
+                                    </p:set>
+                                  </p:childTnLst>
+                                </p:cTn>
+                              </p:par>
+                            </p:childTnLst>
+                          </p:cTn>
+                        </p:par>
+                      </p:childTnLst>
+                    </p:cTn>
+                  </p:par>
+                  <p:par>
+                    <p:cTn id="9" fill="hold">
+                      <p:stCondLst>
+                        <p:cond delay="indefinite"/>
+                      </p:stCondLst>
+                      <p:childTnLst>
+                        <p:par>
+                          <p:cTn id="10" fill="hold">
+                            <p:stCondLst>
+                              <p:cond delay="0"/>
+                            </p:stCondLst>
+                            <p:childTnLst>
+                              <p:par>
+                                <p:cTn id="11" presetID="1" presetClass="entr" presetSubtype="0" fill="hold" nodeType="clickEffect">
+                                  <p:stCondLst>
+                                    <p:cond delay="0"/>
+                                  </p:stCondLst>
+                                  <p:childTnLst>
+                                    <p:set>
+                                      <p:cBhvr>
+                                        <p:cTn id="12" dur="1" fill="hold">
+                                          <p:stCondLst>
+                                            <p:cond delay="0"/>
+                                          </p:stCondLst>
+                                        </p:cTn>
+                                        <p:tgtEl>
+                                          <p:spTgt spid="6">
+                                            <p:txEl>
+                                              <p:pRg st="3" end="3"/>
+                                            </p:txEl>
+                                          </p:spTgt>
+                                        </p:tgtEl>
+                                        <p:attrNameLst>
+                                          <p:attrName>style.visibility</p:attrName>
+                                        </p:attrNameLst>
+                                      </p:cBhvr>
+                                      <p:to>
+                                        <p:strVal val="visible"/>
+                                      </p:to>
+                                    </p:set>
+                                  </p:childTnLst>
+                                </p:cTn>
+                              </p:par>
+                              <p:par>
+                                <p:cTn id="13" presetID="1" presetClass="entr" presetSubtype="0" fill="hold" nodeType="withEffect">
+                                  <p:stCondLst>
+                                    <p:cond delay="0"/>
+                                  </p:stCondLst>
+                                  <p:childTnLst>
+                                    <p:set>
+                                      <p:cBhvr>
+                                        <p:cTn id="14" dur="1" fill="hold">
+                                          <p:stCondLst>
+                                            <p:cond delay="0"/>
+                                          </p:stCondLst>
+                                        </p:cTn>
+                                        <p:tgtEl>
+                                          <p:spTgt spid="3"/>
+                                        </p:tgtEl>
+                                        <p:attrNameLst>
+                                          <p:attrName>style.visibility</p:attrName>
+                                        </p:attrNameLst>
+                                      </p:cBhvr>
+                                      <p:to>
+                                        <p:strVal val="visible"/>
+                                      </p:to>
+                                    </p:set>
+                                  </p:childTnLst>
+                                </p:cTn>
+                              </p:par>
+                            </p:childTnLst>
+                          </p:cTn>
+                        </p:par>
+                      </p:childTnLst>
+                    </p:cTn>
+                  </p:par>
+                  <p:par>
+                    <p:cTn id="15" fill="hold">
+                      <p:stCondLst>
+                        <p:cond delay="indefinite"/>
+                      </p:stCondLst>
+                      <p:childTnLst>
+                        <p:par>
+                          <p:cTn id="16" fill="hold">
+                            <p:stCondLst>
+                              <p:cond delay="0"/>
+                            </p:stCondLst>
+                            <p:childTnLst>
+                              <p:par>
+                                <p:cTn id="17" presetID="1" presetClass="entr" presetSubtype="0" fill="hold" nodeType="clickEffect">
+                                  <p:stCondLst>
+                                    <p:cond delay="0"/>
+                                  </p:stCondLst>
+                                  <p:childTnLst>
+                                    <p:set>
+                                      <p:cBhvr>
+                                        <p:cTn id="18" dur="1" fill="hold">
+                                          <p:stCondLst>
+                                            <p:cond delay="0"/>
+                                          </p:stCondLst>
+                                        </p:cTn>
+                                        <p:tgtEl>
+                                          <p:spTgt spid="6">
+                                            <p:txEl>
+                                              <p:pRg st="5" end="5"/>
+                                            </p:txEl>
+                                          </p:spTgt>
+                                        </p:tgtEl>
+                                        <p:attrNameLst>
+                                          <p:attrName>style.visibility</p:attrName>
+                                        </p:attrNameLst>
+                                      </p:cBhvr>
+                                      <p:to>
+                                        <p:strVal val="visible"/>
+                                      </p:to>
+                                    </p:set>
+                                  </p:childTnLst>
+                                </p:cTn>
+                              </p:par>
+                              <p:par>
+                                <p:cTn id="19" presetID="1" presetClass="entr" presetSubtype="0" fill="hold" nodeType="withEffect">
+                                  <p:stCondLst>
+                                    <p:cond delay="0"/>
+                                  </p:stCondLst>
+                                  <p:childTnLst>
+                                    <p:set>
+                                      <p:cBhvr>
+                                        <p:cTn id="20" dur="1" fill="hold">
+                                          <p:stCondLst>
+                                            <p:cond delay="0"/>
+                                          </p:stCondLst>
+                                        </p:cTn>
+                                        <p:tgtEl>
+                                          <p:spTgt spid="58"/>
+                                        </p:tgtEl>
+                                        <p:attrNameLst>
+                                          <p:attrName>style.visibility</p:attrName>
+                                        </p:attrNameLst>
+                                      </p:cBhvr>
+                                      <p:to>
+                                        <p:strVal val="visible"/>
+                                      </p:to>
+                                    </p:set>
+                                  </p:childTnLst>
+                                </p:cTn>
+                              </p:par>
+                            </p:childTnLst>
+                          </p:cTn>
+                        </p:par>
+                      </p:childTnLst>
+                    </p:cTn>
+                  </p:par>
+                </p:childTnLst>
+              </p:cTn>
+              <p:prevCondLst>
+                <p:cond evt="onPrev" delay="0">
+                  <p:tgtEl>
+                    <p:sldTgt/>
+                  </p:tgtEl>
+                </p:cond>
+              </p:prevCondLst>
+              <p:nextCondLst>
+                <p:cond evt="onNext" delay="0">
+                  <p:tgtEl>
+                    <p:sldTgt/>
+                  </p:tgtEl>
+                </p:cond>
+              </p:nextCondLst>
+            </p:seq>
+          </p:childTnLst>
+        </p:cTn>
+      </p:par>
+    </p:tnLst>
+  </p:timing>
 </p:sld>
 </file>
 
@@ -25687,7 +31809,7 @@
             <a:noFill/>
             <a:extLst>
               <a:ext uri="{909E8E84-426E-40dd-AFC4-6F175D3DCCD1}">
-                <a14:hiddenFill xmlns="" xmlns:a14="http://schemas.microsoft.com/office/drawing/2010/main">
+                <a14:hiddenFill xmlns:a14="http://schemas.microsoft.com/office/drawing/2010/main" xmlns="">
                   <a:solidFill>
                     <a:srgbClr val="FFFFFF"/>
                   </a:solidFill>
@@ -26265,12 +32387,134 @@
             <p:ph type="body" sz="quarter" idx="10"/>
           </p:nvPr>
         </p:nvSpPr>
-        <p:spPr/>
+        <p:spPr>
+          <a:xfrm>
+            <a:off x="190402" y="1196125"/>
+            <a:ext cx="6085598" cy="5528766"/>
+          </a:xfrm>
+        </p:spPr>
         <p:txBody>
-          <a:bodyPr/>
+          <a:bodyPr>
+            <a:normAutofit lnSpcReduction="10000"/>
+          </a:bodyPr>
           <a:lstStyle/>
           <a:p>
-            <a:endParaRPr lang="en-BG"/>
+            <a:r>
+              <a:rPr lang="bg-BG" sz="2600" b="0" i="0" dirty="0">
+                <a:solidFill>
+                  <a:srgbClr val="374151"/>
+                </a:solidFill>
+                <a:effectLst/>
+                <a:latin typeface="Söhne"/>
+              </a:rPr>
+              <a:t>Изберете "</a:t>
+            </a:r>
+            <a:r>
+              <a:rPr lang="en-US" sz="2600" b="0" i="0" dirty="0">
+                <a:solidFill>
+                  <a:srgbClr val="374151"/>
+                </a:solidFill>
+                <a:effectLst/>
+                <a:latin typeface="Söhne"/>
+              </a:rPr>
+              <a:t>Tools" -&gt; "NuGet Package Manager" -&gt; "Manage NuGet Packages for Solution".</a:t>
+            </a:r>
+          </a:p>
+          <a:p>
+            <a:r>
+              <a:rPr lang="bg-BG" sz="2600" b="0" i="0" dirty="0">
+                <a:solidFill>
+                  <a:srgbClr val="374151"/>
+                </a:solidFill>
+                <a:effectLst/>
+                <a:latin typeface="Söhne"/>
+              </a:rPr>
+              <a:t>В прозореца "</a:t>
+            </a:r>
+            <a:r>
+              <a:rPr lang="en-US" sz="2600" b="0" i="0" dirty="0">
+                <a:solidFill>
+                  <a:srgbClr val="374151"/>
+                </a:solidFill>
+                <a:effectLst/>
+                <a:latin typeface="Söhne"/>
+              </a:rPr>
+              <a:t>Manage NuGet Packages" </a:t>
+            </a:r>
+            <a:r>
+              <a:rPr lang="bg-BG" sz="2600" b="0" i="0" dirty="0">
+                <a:solidFill>
+                  <a:srgbClr val="374151"/>
+                </a:solidFill>
+                <a:effectLst/>
+                <a:latin typeface="Söhne"/>
+              </a:rPr>
+              <a:t>можете да търсите пакети в </a:t>
+            </a:r>
+            <a:r>
+              <a:rPr lang="en-US" sz="2600" b="0" i="0" dirty="0">
+                <a:solidFill>
+                  <a:srgbClr val="374151"/>
+                </a:solidFill>
+                <a:effectLst/>
+                <a:latin typeface="Söhne"/>
+              </a:rPr>
+              <a:t>NuGet</a:t>
+            </a:r>
+            <a:r>
+              <a:rPr lang="bg-BG" sz="2600" b="0" i="0" dirty="0">
+                <a:solidFill>
+                  <a:srgbClr val="374151"/>
+                </a:solidFill>
+                <a:effectLst/>
+                <a:latin typeface="Söhne"/>
+              </a:rPr>
+              <a:t>, като използвате търсачката в горния десен ъгъл на прозореца.</a:t>
+            </a:r>
+          </a:p>
+          <a:p>
+            <a:r>
+              <a:rPr lang="bg-BG" sz="2600" b="0" i="0" dirty="0">
+                <a:solidFill>
+                  <a:srgbClr val="374151"/>
+                </a:solidFill>
+                <a:effectLst/>
+                <a:latin typeface="Söhne"/>
+              </a:rPr>
+              <a:t>Когато намерите пакета, който искате да инсталирате, щракнете върху него и изберете "</a:t>
+            </a:r>
+            <a:r>
+              <a:rPr lang="en-US" sz="2600" b="0" i="0" dirty="0">
+                <a:solidFill>
+                  <a:srgbClr val="374151"/>
+                </a:solidFill>
+                <a:effectLst/>
+                <a:latin typeface="Söhne"/>
+              </a:rPr>
+              <a:t>Install“.</a:t>
+            </a:r>
+            <a:endParaRPr lang="bg-BG" sz="2600" b="0" i="0" dirty="0">
+              <a:solidFill>
+                <a:srgbClr val="374151"/>
+              </a:solidFill>
+              <a:effectLst/>
+              <a:latin typeface="Söhne"/>
+            </a:endParaRPr>
+          </a:p>
+          <a:p>
+            <a:r>
+              <a:rPr lang="bg-BG" sz="2600" b="0" i="0" dirty="0">
+                <a:solidFill>
+                  <a:srgbClr val="374151"/>
+                </a:solidFill>
+                <a:effectLst/>
+                <a:latin typeface="Söhne"/>
+              </a:rPr>
+              <a:t>След като инсталацията приключи, пакетът ще бъде добавен към проекта.</a:t>
+            </a:r>
+          </a:p>
+          <a:p>
+            <a:endParaRPr lang="en-BG" dirty="0"/>
           </a:p>
         </p:txBody>
       </p:sp>
@@ -26296,12 +32540,47 @@
           <a:lstStyle/>
           <a:p>
             <a:r>
-              <a:rPr lang="en-BG" dirty="0"/>
-              <a:t>TODO: how to install packages</a:t>
-            </a:r>
+              <a:rPr lang="bg-BG" dirty="0"/>
+              <a:t>Как да </a:t>
+            </a:r>
+            <a:r>
+              <a:rPr lang="bg-BG"/>
+              <a:t>инсталираме пакети</a:t>
+            </a:r>
+            <a:endParaRPr lang="en-BG" dirty="0"/>
           </a:p>
         </p:txBody>
       </p:sp>
+      <p:pic>
+        <p:nvPicPr>
+          <p:cNvPr id="8" name="Картина 7">
+            <a:extLst>
+              <a:ext uri="{FF2B5EF4-FFF2-40B4-BE49-F238E27FC236}">
+                <a16:creationId xmlns:a16="http://schemas.microsoft.com/office/drawing/2014/main" id="{140939C8-DA3B-F8AD-DC87-963D14D85F30}"/>
+              </a:ext>
+            </a:extLst>
+          </p:cNvPr>
+          <p:cNvPicPr>
+            <a:picLocks noChangeAspect="1"/>
+          </p:cNvPicPr>
+          <p:nvPr/>
+        </p:nvPicPr>
+        <p:blipFill>
+          <a:blip r:embed="rId2"/>
+          <a:stretch>
+            <a:fillRect/>
+          </a:stretch>
+        </p:blipFill>
+        <p:spPr>
+          <a:xfrm>
+            <a:off x="6658430" y="1187533"/>
+            <a:ext cx="5353015" cy="4366032"/>
+          </a:xfrm>
+          <a:prstGeom prst="rect">
+            <a:avLst/>
+          </a:prstGeom>
+        </p:spPr>
+      </p:pic>
     </p:spTree>
     <p:extLst>
       <p:ext uri="{BB962C8B-B14F-4D97-AF65-F5344CB8AC3E}">
@@ -26320,6 +32599,186 @@
       <p:transition spd="slow" advClick="0" advTm="5000"/>
     </mc:Fallback>
   </mc:AlternateContent>
+  <p:timing>
+    <p:tnLst>
+      <p:par>
+        <p:cTn id="1" dur="indefinite" restart="never" nodeType="tmRoot">
+          <p:childTnLst>
+            <p:seq concurrent="1" nextAc="seek">
+              <p:cTn id="2" dur="indefinite" nodeType="mainSeq">
+                <p:childTnLst>
+                  <p:par>
+                    <p:cTn id="3" fill="hold">
+                      <p:stCondLst>
+                        <p:cond delay="indefinite"/>
+                      </p:stCondLst>
+                      <p:childTnLst>
+                        <p:par>
+                          <p:cTn id="4" fill="hold">
+                            <p:stCondLst>
+                              <p:cond delay="0"/>
+                            </p:stCondLst>
+                            <p:childTnLst>
+                              <p:par>
+                                <p:cTn id="5" presetID="1" presetClass="entr" presetSubtype="0" fill="hold" grpId="0" nodeType="clickEffect">
+                                  <p:stCondLst>
+                                    <p:cond delay="0"/>
+                                  </p:stCondLst>
+                                  <p:childTnLst>
+                                    <p:set>
+                                      <p:cBhvr>
+                                        <p:cTn id="6" dur="1" fill="hold">
+                                          <p:stCondLst>
+                                            <p:cond delay="0"/>
+                                          </p:stCondLst>
+                                        </p:cTn>
+                                        <p:tgtEl>
+                                          <p:spTgt spid="3">
+                                            <p:txEl>
+                                              <p:pRg st="1" end="1"/>
+                                            </p:txEl>
+                                          </p:spTgt>
+                                        </p:tgtEl>
+                                        <p:attrNameLst>
+                                          <p:attrName>style.visibility</p:attrName>
+                                        </p:attrNameLst>
+                                      </p:cBhvr>
+                                      <p:to>
+                                        <p:strVal val="visible"/>
+                                      </p:to>
+                                    </p:set>
+                                  </p:childTnLst>
+                                </p:cTn>
+                              </p:par>
+                            </p:childTnLst>
+                          </p:cTn>
+                        </p:par>
+                      </p:childTnLst>
+                    </p:cTn>
+                  </p:par>
+                  <p:par>
+                    <p:cTn id="7" fill="hold">
+                      <p:stCondLst>
+                        <p:cond delay="indefinite"/>
+                      </p:stCondLst>
+                      <p:childTnLst>
+                        <p:par>
+                          <p:cTn id="8" fill="hold">
+                            <p:stCondLst>
+                              <p:cond delay="0"/>
+                            </p:stCondLst>
+                            <p:childTnLst>
+                              <p:par>
+                                <p:cTn id="9" presetID="1" presetClass="entr" presetSubtype="0" fill="hold" grpId="0" nodeType="clickEffect">
+                                  <p:stCondLst>
+                                    <p:cond delay="0"/>
+                                  </p:stCondLst>
+                                  <p:childTnLst>
+                                    <p:set>
+                                      <p:cBhvr>
+                                        <p:cTn id="10" dur="1" fill="hold">
+                                          <p:stCondLst>
+                                            <p:cond delay="0"/>
+                                          </p:stCondLst>
+                                        </p:cTn>
+                                        <p:tgtEl>
+                                          <p:spTgt spid="3">
+                                            <p:txEl>
+                                              <p:pRg st="2" end="2"/>
+                                            </p:txEl>
+                                          </p:spTgt>
+                                        </p:tgtEl>
+                                        <p:attrNameLst>
+                                          <p:attrName>style.visibility</p:attrName>
+                                        </p:attrNameLst>
+                                      </p:cBhvr>
+                                      <p:to>
+                                        <p:strVal val="visible"/>
+                                      </p:to>
+                                    </p:set>
+                                  </p:childTnLst>
+                                </p:cTn>
+                              </p:par>
+                            </p:childTnLst>
+                          </p:cTn>
+                        </p:par>
+                      </p:childTnLst>
+                    </p:cTn>
+                  </p:par>
+                  <p:par>
+                    <p:cTn id="11" fill="hold">
+                      <p:stCondLst>
+                        <p:cond delay="indefinite"/>
+                      </p:stCondLst>
+                      <p:childTnLst>
+                        <p:par>
+                          <p:cTn id="12" fill="hold">
+                            <p:stCondLst>
+                              <p:cond delay="0"/>
+                            </p:stCondLst>
+                            <p:childTnLst>
+                              <p:par>
+                                <p:cTn id="13" presetID="1" presetClass="entr" presetSubtype="0" fill="hold" grpId="0" nodeType="clickEffect">
+                                  <p:stCondLst>
+                                    <p:cond delay="0"/>
+                                  </p:stCondLst>
+                                  <p:childTnLst>
+                                    <p:set>
+                                      <p:cBhvr>
+                                        <p:cTn id="14" dur="1" fill="hold">
+                                          <p:stCondLst>
+                                            <p:cond delay="0"/>
+                                          </p:stCondLst>
+                                        </p:cTn>
+                                        <p:tgtEl>
+                                          <p:spTgt spid="3">
+                                            <p:txEl>
+                                              <p:pRg st="3" end="3"/>
+                                            </p:txEl>
+                                          </p:spTgt>
+                                        </p:tgtEl>
+                                        <p:attrNameLst>
+                                          <p:attrName>style.visibility</p:attrName>
+                                        </p:attrNameLst>
+                                      </p:cBhvr>
+                                      <p:to>
+                                        <p:strVal val="visible"/>
+                                      </p:to>
+                                    </p:set>
+                                  </p:childTnLst>
+                                </p:cTn>
+                              </p:par>
+                            </p:childTnLst>
+                          </p:cTn>
+                        </p:par>
+                      </p:childTnLst>
+                    </p:cTn>
+                  </p:par>
+                </p:childTnLst>
+              </p:cTn>
+              <p:prevCondLst>
+                <p:cond evt="onPrev" delay="0">
+                  <p:tgtEl>
+                    <p:sldTgt/>
+                  </p:tgtEl>
+                </p:cond>
+              </p:prevCondLst>
+              <p:nextCondLst>
+                <p:cond evt="onNext" delay="0">
+                  <p:tgtEl>
+                    <p:sldTgt/>
+                  </p:tgtEl>
+                </p:cond>
+              </p:nextCondLst>
+            </p:seq>
+          </p:childTnLst>
+        </p:cTn>
+      </p:par>
+    </p:tnLst>
+    <p:bldLst>
+      <p:bldP spid="3" grpId="0" uiExpand="1" build="p"/>
+    </p:bldLst>
+  </p:timing>
 </p:sld>
 </file>
 
@@ -40883,7 +47342,7 @@
           <a:noFill/>
           <a:extLst>
             <a:ext uri="{909E8E84-426E-40dd-AFC4-6F175D3DCCD1}">
-              <a14:hiddenFill xmlns:a14="http://schemas.microsoft.com/office/drawing/2010/main" xmlns="">
+              <a14:hiddenFill xmlns="" xmlns:a14="http://schemas.microsoft.com/office/drawing/2010/main">
                 <a:solidFill>
                   <a:srgbClr val="FFFFFF"/>
                 </a:solidFill>
@@ -40961,7 +47420,7 @@
           <a:noFill/>
           <a:extLst>
             <a:ext uri="{909E8E84-426E-40dd-AFC4-6F175D3DCCD1}">
-              <a14:hiddenFill xmlns:a14="http://schemas.microsoft.com/office/drawing/2010/main" xmlns="">
+              <a14:hiddenFill xmlns="" xmlns:a14="http://schemas.microsoft.com/office/drawing/2010/main">
                 <a:solidFill>
                   <a:srgbClr val="FFFFFF"/>
                 </a:solidFill>
@@ -41838,7 +48297,7 @@
           <a:effectLst/>
           <a:extLst>
             <a:ext uri="{909E8E84-426E-40dd-AFC4-6F175D3DCCD1}">
-              <a14:hiddenFill xmlns:a14="http://schemas.microsoft.com/office/drawing/2010/main" xmlns="">
+              <a14:hiddenFill xmlns="" xmlns:a14="http://schemas.microsoft.com/office/drawing/2010/main">
                 <a:solidFill>
                   <a:srgbClr val="FFFFFF"/>
                 </a:solidFill>
@@ -41886,7 +48345,7 @@
           </a:effectLst>
           <a:extLst>
             <a:ext uri="{909E8E84-426E-40dd-AFC4-6F175D3DCCD1}">
-              <a14:hiddenFill xmlns:a14="http://schemas.microsoft.com/office/drawing/2010/main" xmlns="">
+              <a14:hiddenFill xmlns="" xmlns:a14="http://schemas.microsoft.com/office/drawing/2010/main">
                 <a:solidFill>
                   <a:srgbClr val="FFFFFF"/>
                 </a:solidFill>
@@ -41929,7 +48388,7 @@
           <a:noFill/>
           <a:extLst>
             <a:ext uri="{909E8E84-426E-40dd-AFC4-6F175D3DCCD1}">
-              <a14:hiddenFill xmlns:a14="http://schemas.microsoft.com/office/drawing/2010/main" xmlns="">
+              <a14:hiddenFill xmlns="" xmlns:a14="http://schemas.microsoft.com/office/drawing/2010/main">
                 <a:solidFill>
                   <a:srgbClr val="FFFFFF"/>
                 </a:solidFill>
